--- a/Upravljanje računarom na osnovu pokreta snimljenih web kamerom.pptx
+++ b/Upravljanje računarom na osnovu pokreta snimljenih web kamerom.pptx
@@ -8,12 +8,17 @@
     <p:sldId id="257" r:id="rId2"/>
     <p:sldId id="258" r:id="rId3"/>
     <p:sldId id="261" r:id="rId4"/>
-    <p:sldId id="260" r:id="rId5"/>
-    <p:sldId id="266" r:id="rId6"/>
-    <p:sldId id="262" r:id="rId7"/>
-    <p:sldId id="263" r:id="rId8"/>
-    <p:sldId id="264" r:id="rId9"/>
-    <p:sldId id="265" r:id="rId10"/>
+    <p:sldId id="272" r:id="rId5"/>
+    <p:sldId id="268" r:id="rId6"/>
+    <p:sldId id="270" r:id="rId7"/>
+    <p:sldId id="269" r:id="rId8"/>
+    <p:sldId id="260" r:id="rId9"/>
+    <p:sldId id="266" r:id="rId10"/>
+    <p:sldId id="262" r:id="rId11"/>
+    <p:sldId id="263" r:id="rId12"/>
+    <p:sldId id="264" r:id="rId13"/>
+    <p:sldId id="265" r:id="rId14"/>
+    <p:sldId id="267" r:id="rId15"/>
   </p:sldIdLst>
   <p:sldSz cx="9144000" cy="6858000" type="screen4x3"/>
   <p:notesSz cx="6858000" cy="9144000"/>
@@ -124,6 +129,10 @@
           <p14:sldIdLst>
             <p14:sldId id="258"/>
             <p14:sldId id="261"/>
+            <p14:sldId id="272"/>
+            <p14:sldId id="268"/>
+            <p14:sldId id="270"/>
+            <p14:sldId id="269"/>
             <p14:sldId id="260"/>
             <p14:sldId id="266"/>
           </p14:sldIdLst>
@@ -142,6 +151,7 @@
           <p14:sldIdLst>
             <p14:sldId id="264"/>
             <p14:sldId id="265"/>
+            <p14:sldId id="267"/>
           </p14:sldIdLst>
         </p14:section>
       </p14:sectionLst>
@@ -331,7 +341,7 @@
           <a:p>
             <a:fld id="{B299E137-8870-4019-B9B1-E6313DA350D9}" type="datetimeFigureOut">
               <a:rPr lang="en-US" smtClean="0"/>
-              <a:t>12/16/2015</a:t>
+              <a:t>2/18/2016</a:t>
             </a:fld>
             <a:endParaRPr lang="en-US"/>
           </a:p>
@@ -501,7 +511,7 @@
           <a:p>
             <a:fld id="{B299E137-8870-4019-B9B1-E6313DA350D9}" type="datetimeFigureOut">
               <a:rPr lang="en-US" smtClean="0"/>
-              <a:t>12/16/2015</a:t>
+              <a:t>2/18/2016</a:t>
             </a:fld>
             <a:endParaRPr lang="en-US"/>
           </a:p>
@@ -681,7 +691,7 @@
           <a:p>
             <a:fld id="{B299E137-8870-4019-B9B1-E6313DA350D9}" type="datetimeFigureOut">
               <a:rPr lang="en-US" smtClean="0"/>
-              <a:t>12/16/2015</a:t>
+              <a:t>2/18/2016</a:t>
             </a:fld>
             <a:endParaRPr lang="en-US"/>
           </a:p>
@@ -851,7 +861,7 @@
           <a:p>
             <a:fld id="{B299E137-8870-4019-B9B1-E6313DA350D9}" type="datetimeFigureOut">
               <a:rPr lang="en-US" smtClean="0"/>
-              <a:t>12/16/2015</a:t>
+              <a:t>2/18/2016</a:t>
             </a:fld>
             <a:endParaRPr lang="en-US"/>
           </a:p>
@@ -1097,7 +1107,7 @@
           <a:p>
             <a:fld id="{B299E137-8870-4019-B9B1-E6313DA350D9}" type="datetimeFigureOut">
               <a:rPr lang="en-US" smtClean="0"/>
-              <a:t>12/16/2015</a:t>
+              <a:t>2/18/2016</a:t>
             </a:fld>
             <a:endParaRPr lang="en-US"/>
           </a:p>
@@ -1385,7 +1395,7 @@
           <a:p>
             <a:fld id="{B299E137-8870-4019-B9B1-E6313DA350D9}" type="datetimeFigureOut">
               <a:rPr lang="en-US" smtClean="0"/>
-              <a:t>12/16/2015</a:t>
+              <a:t>2/18/2016</a:t>
             </a:fld>
             <a:endParaRPr lang="en-US"/>
           </a:p>
@@ -1807,7 +1817,7 @@
           <a:p>
             <a:fld id="{B299E137-8870-4019-B9B1-E6313DA350D9}" type="datetimeFigureOut">
               <a:rPr lang="en-US" smtClean="0"/>
-              <a:t>12/16/2015</a:t>
+              <a:t>2/18/2016</a:t>
             </a:fld>
             <a:endParaRPr lang="en-US"/>
           </a:p>
@@ -1925,7 +1935,7 @@
           <a:p>
             <a:fld id="{B299E137-8870-4019-B9B1-E6313DA350D9}" type="datetimeFigureOut">
               <a:rPr lang="en-US" smtClean="0"/>
-              <a:t>12/16/2015</a:t>
+              <a:t>2/18/2016</a:t>
             </a:fld>
             <a:endParaRPr lang="en-US"/>
           </a:p>
@@ -2020,7 +2030,7 @@
           <a:p>
             <a:fld id="{B299E137-8870-4019-B9B1-E6313DA350D9}" type="datetimeFigureOut">
               <a:rPr lang="en-US" smtClean="0"/>
-              <a:t>12/16/2015</a:t>
+              <a:t>2/18/2016</a:t>
             </a:fld>
             <a:endParaRPr lang="en-US"/>
           </a:p>
@@ -2297,7 +2307,7 @@
           <a:p>
             <a:fld id="{B299E137-8870-4019-B9B1-E6313DA350D9}" type="datetimeFigureOut">
               <a:rPr lang="en-US" smtClean="0"/>
-              <a:t>12/16/2015</a:t>
+              <a:t>2/18/2016</a:t>
             </a:fld>
             <a:endParaRPr lang="en-US"/>
           </a:p>
@@ -2550,7 +2560,7 @@
           <a:p>
             <a:fld id="{B299E137-8870-4019-B9B1-E6313DA350D9}" type="datetimeFigureOut">
               <a:rPr lang="en-US" smtClean="0"/>
-              <a:t>12/16/2015</a:t>
+              <a:t>2/18/2016</a:t>
             </a:fld>
             <a:endParaRPr lang="en-US"/>
           </a:p>
@@ -2763,7 +2773,7 @@
           <a:p>
             <a:fld id="{B299E137-8870-4019-B9B1-E6313DA350D9}" type="datetimeFigureOut">
               <a:rPr lang="en-US" smtClean="0"/>
-              <a:t>12/16/2015</a:t>
+              <a:t>2/18/2016</a:t>
             </a:fld>
             <a:endParaRPr lang="en-US"/>
           </a:p>
@@ -3459,6 +3469,962 @@
 </p:sld>
 </file>
 
+<file path=ppt/slides/slide10.xml><?xml version="1.0" encoding="utf-8"?>
+<p:sld xmlns:a="http://schemas.openxmlformats.org/drawingml/2006/main" xmlns:r="http://schemas.openxmlformats.org/officeDocument/2006/relationships" xmlns:p="http://schemas.openxmlformats.org/presentationml/2006/main">
+  <p:cSld>
+    <p:spTree>
+      <p:nvGrpSpPr>
+        <p:cNvPr id="1" name=""/>
+        <p:cNvGrpSpPr/>
+        <p:nvPr/>
+      </p:nvGrpSpPr>
+      <p:grpSpPr>
+        <a:xfrm>
+          <a:off x="0" y="0"/>
+          <a:ext cx="0" cy="0"/>
+          <a:chOff x="0" y="0"/>
+          <a:chExt cx="0" cy="0"/>
+        </a:xfrm>
+      </p:grpSpPr>
+      <p:sp>
+        <p:nvSpPr>
+          <p:cNvPr id="2" name="Title 1"/>
+          <p:cNvSpPr>
+            <a:spLocks noGrp="1"/>
+          </p:cNvSpPr>
+          <p:nvPr>
+            <p:ph type="title"/>
+          </p:nvPr>
+        </p:nvSpPr>
+        <p:spPr/>
+        <p:txBody>
+          <a:bodyPr/>
+          <a:lstStyle/>
+          <a:p>
+            <a:r>
+              <a:rPr lang="sr-Latn-RS" dirty="0" smtClean="0"/>
+              <a:t>Motivacija</a:t>
+            </a:r>
+            <a:endParaRPr lang="en-US" dirty="0"/>
+          </a:p>
+        </p:txBody>
+      </p:sp>
+      <p:sp>
+        <p:nvSpPr>
+          <p:cNvPr id="3" name="Content Placeholder 2"/>
+          <p:cNvSpPr>
+            <a:spLocks noGrp="1"/>
+          </p:cNvSpPr>
+          <p:nvPr>
+            <p:ph idx="1"/>
+          </p:nvPr>
+        </p:nvSpPr>
+        <p:spPr/>
+        <p:txBody>
+          <a:bodyPr/>
+          <a:lstStyle/>
+          <a:p>
+            <a:r>
+              <a:rPr lang="en-US" dirty="0" err="1" smtClean="0"/>
+              <a:t>Pomeranje</a:t>
+            </a:r>
+            <a:r>
+              <a:rPr lang="en-US" dirty="0" smtClean="0"/>
+              <a:t> </a:t>
+            </a:r>
+            <a:r>
+              <a:rPr lang="en-US" dirty="0" err="1" smtClean="0"/>
+              <a:t>objekata</a:t>
+            </a:r>
+            <a:r>
+              <a:rPr lang="en-US" dirty="0" smtClean="0"/>
+              <a:t> </a:t>
+            </a:r>
+            <a:r>
+              <a:rPr lang="en-US" dirty="0" err="1" smtClean="0"/>
+              <a:t>kori</a:t>
+            </a:r>
+            <a:r>
+              <a:rPr lang="sr-Latn-RS" dirty="0" smtClean="0"/>
+              <a:t>šćenjem „sile“ u filmovima Star Wars (Force)</a:t>
+            </a:r>
+            <a:endParaRPr lang="en-US" dirty="0"/>
+          </a:p>
+        </p:txBody>
+      </p:sp>
+    </p:spTree>
+    <p:extLst>
+      <p:ext uri="{BB962C8B-B14F-4D97-AF65-F5344CB8AC3E}">
+        <p14:creationId xmlns:p14="http://schemas.microsoft.com/office/powerpoint/2010/main" val="958847051"/>
+      </p:ext>
+    </p:extLst>
+  </p:cSld>
+  <p:clrMapOvr>
+    <a:masterClrMapping/>
+  </p:clrMapOvr>
+  <p:timing>
+    <p:tnLst>
+      <p:par>
+        <p:cTn id="1" dur="indefinite" restart="never" nodeType="tmRoot"/>
+      </p:par>
+    </p:tnLst>
+  </p:timing>
+</p:sld>
+</file>
+
+<file path=ppt/slides/slide11.xml><?xml version="1.0" encoding="utf-8"?>
+<p:sld xmlns:a="http://schemas.openxmlformats.org/drawingml/2006/main" xmlns:r="http://schemas.openxmlformats.org/officeDocument/2006/relationships" xmlns:p="http://schemas.openxmlformats.org/presentationml/2006/main">
+  <p:cSld>
+    <p:spTree>
+      <p:nvGrpSpPr>
+        <p:cNvPr id="1" name=""/>
+        <p:cNvGrpSpPr/>
+        <p:nvPr/>
+      </p:nvGrpSpPr>
+      <p:grpSpPr>
+        <a:xfrm>
+          <a:off x="0" y="0"/>
+          <a:ext cx="0" cy="0"/>
+          <a:chOff x="0" y="0"/>
+          <a:chExt cx="0" cy="0"/>
+        </a:xfrm>
+      </p:grpSpPr>
+      <p:sp>
+        <p:nvSpPr>
+          <p:cNvPr id="2" name="Title 1"/>
+          <p:cNvSpPr>
+            <a:spLocks noGrp="1"/>
+          </p:cNvSpPr>
+          <p:nvPr>
+            <p:ph type="title"/>
+          </p:nvPr>
+        </p:nvSpPr>
+        <p:spPr/>
+        <p:txBody>
+          <a:bodyPr>
+            <a:normAutofit fontScale="90000"/>
+          </a:bodyPr>
+          <a:lstStyle/>
+          <a:p>
+            <a:r>
+              <a:rPr lang="en-US" dirty="0" err="1" smtClean="0"/>
+              <a:t>Sli</a:t>
+            </a:r>
+            <a:r>
+              <a:rPr lang="sr-Latn-RS" dirty="0" smtClean="0"/>
+              <a:t>čna rešenja (</a:t>
+            </a:r>
+            <a:r>
+              <a:rPr lang="en-US" dirty="0" err="1" smtClean="0"/>
+              <a:t>istrazi</a:t>
+            </a:r>
+            <a:r>
+              <a:rPr lang="en-US" dirty="0" smtClean="0"/>
+              <a:t> </a:t>
+            </a:r>
+            <a:r>
+              <a:rPr lang="en-US" dirty="0" err="1" smtClean="0"/>
+              <a:t>kako</a:t>
+            </a:r>
+            <a:r>
+              <a:rPr lang="en-US" dirty="0" smtClean="0"/>
+              <a:t> </a:t>
+            </a:r>
+            <a:r>
+              <a:rPr lang="en-US" dirty="0" err="1" smtClean="0"/>
+              <a:t>rade</a:t>
+            </a:r>
+            <a:r>
+              <a:rPr lang="en-US" dirty="0" smtClean="0"/>
+              <a:t> i </a:t>
+            </a:r>
+            <a:r>
+              <a:rPr lang="en-US" dirty="0" err="1" smtClean="0"/>
+              <a:t>opisi</a:t>
+            </a:r>
+            <a:r>
+              <a:rPr lang="en-US" dirty="0" smtClean="0"/>
+              <a:t>)</a:t>
+            </a:r>
+            <a:endParaRPr lang="en-US" dirty="0"/>
+          </a:p>
+        </p:txBody>
+      </p:sp>
+      <p:sp>
+        <p:nvSpPr>
+          <p:cNvPr id="3" name="Content Placeholder 2"/>
+          <p:cNvSpPr>
+            <a:spLocks noGrp="1"/>
+          </p:cNvSpPr>
+          <p:nvPr>
+            <p:ph idx="1"/>
+          </p:nvPr>
+        </p:nvSpPr>
+        <p:spPr/>
+        <p:txBody>
+          <a:bodyPr/>
+          <a:lstStyle/>
+          <a:p>
+            <a:r>
+              <a:rPr lang="sr-Latn-RS" dirty="0" smtClean="0"/>
+              <a:t>Hovering Controls za smart telefone</a:t>
+            </a:r>
+          </a:p>
+          <a:p>
+            <a:pPr marL="0" indent="0">
+              <a:buNone/>
+            </a:pPr>
+            <a:r>
+              <a:rPr lang="en-US" sz="1600" dirty="0" smtClean="0">
+                <a:solidFill>
+                  <a:schemeClr val="accent1"/>
+                </a:solidFill>
+                <a:hlinkClick r:id="rId2"/>
+              </a:rPr>
+              <a:t>http</a:t>
+            </a:r>
+            <a:r>
+              <a:rPr lang="en-US" sz="1800" dirty="0" smtClean="0">
+                <a:solidFill>
+                  <a:schemeClr val="accent1"/>
+                </a:solidFill>
+                <a:hlinkClick r:id="rId2"/>
+              </a:rPr>
+              <a:t>://</a:t>
+            </a:r>
+            <a:r>
+              <a:rPr lang="en-US" sz="1600" dirty="0" smtClean="0">
+                <a:solidFill>
+                  <a:schemeClr val="accent1"/>
+                </a:solidFill>
+                <a:hlinkClick r:id="rId2"/>
+              </a:rPr>
+              <a:t>forum.xda-developers.com/showthread.php?t=2351974</a:t>
+            </a:r>
+            <a:endParaRPr lang="sr-Latn-RS" sz="1800" dirty="0" smtClean="0">
+              <a:solidFill>
+                <a:schemeClr val="accent1"/>
+              </a:solidFill>
+            </a:endParaRPr>
+          </a:p>
+          <a:p>
+            <a:pPr marL="0" indent="0">
+              <a:buNone/>
+            </a:pPr>
+            <a:r>
+              <a:rPr lang="en-US" sz="1600" dirty="0" smtClean="0">
+                <a:solidFill>
+                  <a:schemeClr val="accent1"/>
+                </a:solidFill>
+                <a:hlinkClick r:id="rId3"/>
+              </a:rPr>
+              <a:t>https://play.google.com/store/apps/details?id=com.golgorz.hoveringcontrols</a:t>
+            </a:r>
+            <a:endParaRPr lang="en-US" sz="1600" dirty="0" smtClean="0">
+              <a:solidFill>
+                <a:schemeClr val="accent1"/>
+              </a:solidFill>
+            </a:endParaRPr>
+          </a:p>
+          <a:p>
+            <a:r>
+              <a:rPr lang="sr-Latn-RS" dirty="0" smtClean="0"/>
+              <a:t>Samsung Smart TV Motion Control</a:t>
+            </a:r>
+            <a:endParaRPr lang="en-US" dirty="0" smtClean="0"/>
+          </a:p>
+          <a:p>
+            <a:pPr marL="0" indent="0">
+              <a:buNone/>
+            </a:pPr>
+            <a:r>
+              <a:rPr lang="en-US" sz="1600" dirty="0" smtClean="0">
+                <a:hlinkClick r:id="rId4"/>
+              </a:rPr>
+              <a:t>http://www.samsung.com/my/microsite/tv/2013_si/motion_control_ex_gesture.html</a:t>
+            </a:r>
+            <a:endParaRPr lang="en-US" sz="1600" dirty="0" smtClean="0"/>
+          </a:p>
+          <a:p>
+            <a:r>
+              <a:rPr lang="en-US" dirty="0" smtClean="0"/>
+              <a:t>Leap Motion</a:t>
+            </a:r>
+          </a:p>
+          <a:p>
+            <a:pPr marL="0" indent="0">
+              <a:buNone/>
+            </a:pPr>
+            <a:r>
+              <a:rPr lang="en-US" sz="1600" dirty="0" smtClean="0">
+                <a:hlinkClick r:id="rId5"/>
+              </a:rPr>
+              <a:t>https://www.leapmotion.com/</a:t>
+            </a:r>
+            <a:endParaRPr lang="en-US" sz="1600" dirty="0" smtClean="0"/>
+          </a:p>
+          <a:p>
+            <a:pPr marL="0" indent="0">
+              <a:buNone/>
+            </a:pPr>
+            <a:endParaRPr lang="en-US" dirty="0"/>
+          </a:p>
+        </p:txBody>
+      </p:sp>
+    </p:spTree>
+    <p:extLst>
+      <p:ext uri="{BB962C8B-B14F-4D97-AF65-F5344CB8AC3E}">
+        <p14:creationId xmlns:p14="http://schemas.microsoft.com/office/powerpoint/2010/main" val="3989313053"/>
+      </p:ext>
+    </p:extLst>
+  </p:cSld>
+  <p:clrMapOvr>
+    <a:masterClrMapping/>
+  </p:clrMapOvr>
+</p:sld>
+</file>
+
+<file path=ppt/slides/slide12.xml><?xml version="1.0" encoding="utf-8"?>
+<p:sld xmlns:a="http://schemas.openxmlformats.org/drawingml/2006/main" xmlns:r="http://schemas.openxmlformats.org/officeDocument/2006/relationships" xmlns:p="http://schemas.openxmlformats.org/presentationml/2006/main">
+  <p:cSld>
+    <p:spTree>
+      <p:nvGrpSpPr>
+        <p:cNvPr id="1" name=""/>
+        <p:cNvGrpSpPr/>
+        <p:nvPr/>
+      </p:nvGrpSpPr>
+      <p:grpSpPr>
+        <a:xfrm>
+          <a:off x="0" y="0"/>
+          <a:ext cx="0" cy="0"/>
+          <a:chOff x="0" y="0"/>
+          <a:chExt cx="0" cy="0"/>
+        </a:xfrm>
+      </p:grpSpPr>
+      <p:sp>
+        <p:nvSpPr>
+          <p:cNvPr id="2" name="Title 1"/>
+          <p:cNvSpPr>
+            <a:spLocks noGrp="1"/>
+          </p:cNvSpPr>
+          <p:nvPr>
+            <p:ph type="title"/>
+          </p:nvPr>
+        </p:nvSpPr>
+        <p:spPr/>
+        <p:txBody>
+          <a:bodyPr>
+            <a:normAutofit fontScale="90000"/>
+          </a:bodyPr>
+          <a:lstStyle/>
+          <a:p>
+            <a:r>
+              <a:rPr lang="en-US" dirty="0" err="1" smtClean="0"/>
+              <a:t>Koraci</a:t>
+            </a:r>
+            <a:r>
+              <a:rPr lang="en-US" dirty="0" smtClean="0"/>
+              <a:t> </a:t>
+            </a:r>
+            <a:r>
+              <a:rPr lang="en-US" dirty="0" err="1" smtClean="0"/>
+              <a:t>implementacije</a:t>
+            </a:r>
+            <a:r>
+              <a:rPr lang="en-US" dirty="0" smtClean="0"/>
+              <a:t/>
+            </a:r>
+            <a:br>
+              <a:rPr lang="en-US" dirty="0" smtClean="0"/>
+            </a:br>
+            <a:r>
+              <a:rPr lang="en-US" dirty="0" smtClean="0"/>
+              <a:t>(</a:t>
+            </a:r>
+            <a:r>
+              <a:rPr lang="en-US" dirty="0" err="1" smtClean="0"/>
+              <a:t>kopiraj</a:t>
+            </a:r>
+            <a:r>
+              <a:rPr lang="en-US" dirty="0" smtClean="0"/>
+              <a:t> </a:t>
+            </a:r>
+            <a:r>
+              <a:rPr lang="en-US" dirty="0" err="1" smtClean="0"/>
+              <a:t>znacajne</a:t>
+            </a:r>
+            <a:r>
+              <a:rPr lang="en-US" dirty="0" smtClean="0"/>
+              <a:t> </a:t>
+            </a:r>
+            <a:r>
+              <a:rPr lang="en-US" dirty="0" err="1" smtClean="0"/>
+              <a:t>delove</a:t>
+            </a:r>
+            <a:r>
+              <a:rPr lang="en-US" dirty="0" smtClean="0"/>
+              <a:t> </a:t>
+            </a:r>
+            <a:r>
+              <a:rPr lang="en-US" dirty="0" err="1" smtClean="0"/>
+              <a:t>koda</a:t>
+            </a:r>
+            <a:r>
+              <a:rPr lang="en-US" dirty="0" smtClean="0"/>
+              <a:t> i </a:t>
+            </a:r>
+            <a:r>
+              <a:rPr lang="en-US" dirty="0" err="1" smtClean="0"/>
+              <a:t>objasni</a:t>
+            </a:r>
+            <a:r>
+              <a:rPr lang="en-US" dirty="0" smtClean="0"/>
+              <a:t>)</a:t>
+            </a:r>
+            <a:endParaRPr lang="en-US" dirty="0"/>
+          </a:p>
+        </p:txBody>
+      </p:sp>
+      <p:sp>
+        <p:nvSpPr>
+          <p:cNvPr id="3" name="Content Placeholder 2"/>
+          <p:cNvSpPr>
+            <a:spLocks noGrp="1"/>
+          </p:cNvSpPr>
+          <p:nvPr>
+            <p:ph idx="1"/>
+          </p:nvPr>
+        </p:nvSpPr>
+        <p:spPr/>
+        <p:txBody>
+          <a:bodyPr>
+            <a:normAutofit/>
+          </a:bodyPr>
+          <a:lstStyle/>
+          <a:p>
+            <a:pPr marL="514350" indent="-514350">
+              <a:buFont typeface="+mj-lt"/>
+              <a:buAutoNum type="arabicPeriod"/>
+            </a:pPr>
+            <a:r>
+              <a:rPr lang="en-US" dirty="0" err="1" smtClean="0"/>
+              <a:t>Obu</a:t>
+            </a:r>
+            <a:r>
+              <a:rPr lang="sr-Latn-RS" dirty="0" smtClean="0"/>
+              <a:t>čiti veštačku neuronsku mrežu</a:t>
+            </a:r>
+            <a:endParaRPr lang="en-US" dirty="0" smtClean="0"/>
+          </a:p>
+          <a:p>
+            <a:pPr marL="514350" indent="-514350">
+              <a:buFont typeface="+mj-lt"/>
+              <a:buAutoNum type="arabicPeriod"/>
+            </a:pPr>
+            <a:r>
+              <a:rPr lang="en-US" dirty="0" err="1" smtClean="0"/>
+              <a:t>Zatra</a:t>
+            </a:r>
+            <a:r>
+              <a:rPr lang="sr-Latn-RS" dirty="0" smtClean="0"/>
+              <a:t>žiti od web kamere da počne da snima</a:t>
+            </a:r>
+          </a:p>
+          <a:p>
+            <a:pPr marL="514350" indent="-514350">
+              <a:buFont typeface="+mj-lt"/>
+              <a:buAutoNum type="arabicPeriod"/>
+            </a:pPr>
+            <a:r>
+              <a:rPr lang="sr-Latn-RS" dirty="0" smtClean="0"/>
+              <a:t>Čitati frejmove iz snimka kamere (realtime)</a:t>
+            </a:r>
+          </a:p>
+          <a:p>
+            <a:pPr marL="514350" indent="-514350">
+              <a:buFont typeface="+mj-lt"/>
+              <a:buAutoNum type="arabicPeriod"/>
+            </a:pPr>
+            <a:r>
+              <a:rPr lang="sr-Latn-RS" dirty="0" smtClean="0"/>
+              <a:t>Konvertovati svaki frejm u binarnu sliku</a:t>
+            </a:r>
+          </a:p>
+          <a:p>
+            <a:pPr marL="514350" indent="-514350">
+              <a:buFont typeface="+mj-lt"/>
+              <a:buAutoNum type="arabicPeriod"/>
+            </a:pPr>
+            <a:r>
+              <a:rPr lang="sr-Latn-RS" dirty="0" smtClean="0"/>
+              <a:t>Pronaći region od interesa (konveksnu „ljusku“ šake)</a:t>
+            </a:r>
+            <a:endParaRPr lang="en-US" dirty="0" smtClean="0"/>
+          </a:p>
+          <a:p>
+            <a:pPr marL="514350" indent="-514350">
+              <a:buFont typeface="+mj-lt"/>
+              <a:buAutoNum type="arabicPeriod"/>
+            </a:pPr>
+            <a:r>
+              <a:rPr lang="en-US" dirty="0" err="1" smtClean="0"/>
+              <a:t>Proslediti</a:t>
+            </a:r>
+            <a:r>
+              <a:rPr lang="en-US" dirty="0" smtClean="0"/>
+              <a:t> region </a:t>
+            </a:r>
+            <a:r>
+              <a:rPr lang="en-US" dirty="0" err="1" smtClean="0"/>
+              <a:t>neuronskoj</a:t>
+            </a:r>
+            <a:r>
+              <a:rPr lang="en-US" dirty="0" smtClean="0"/>
+              <a:t> </a:t>
+            </a:r>
+            <a:r>
+              <a:rPr lang="en-US" dirty="0" err="1" smtClean="0"/>
+              <a:t>mre</a:t>
+            </a:r>
+            <a:r>
+              <a:rPr lang="sr-Latn-RS" dirty="0" smtClean="0"/>
+              <a:t>ži da bi odlučila koja je ruka i gestura u pitanju</a:t>
+            </a:r>
+          </a:p>
+        </p:txBody>
+      </p:sp>
+    </p:spTree>
+    <p:extLst>
+      <p:ext uri="{BB962C8B-B14F-4D97-AF65-F5344CB8AC3E}">
+        <p14:creationId xmlns:p14="http://schemas.microsoft.com/office/powerpoint/2010/main" val="1440826449"/>
+      </p:ext>
+    </p:extLst>
+  </p:cSld>
+  <p:clrMapOvr>
+    <a:masterClrMapping/>
+  </p:clrMapOvr>
+</p:sld>
+</file>
+
+<file path=ppt/slides/slide13.xml><?xml version="1.0" encoding="utf-8"?>
+<p:sld xmlns:a="http://schemas.openxmlformats.org/drawingml/2006/main" xmlns:r="http://schemas.openxmlformats.org/officeDocument/2006/relationships" xmlns:p="http://schemas.openxmlformats.org/presentationml/2006/main">
+  <p:cSld>
+    <p:spTree>
+      <p:nvGrpSpPr>
+        <p:cNvPr id="1" name=""/>
+        <p:cNvGrpSpPr/>
+        <p:nvPr/>
+      </p:nvGrpSpPr>
+      <p:grpSpPr>
+        <a:xfrm>
+          <a:off x="0" y="0"/>
+          <a:ext cx="0" cy="0"/>
+          <a:chOff x="0" y="0"/>
+          <a:chExt cx="0" cy="0"/>
+        </a:xfrm>
+      </p:grpSpPr>
+      <p:sp>
+        <p:nvSpPr>
+          <p:cNvPr id="2" name="Title 1"/>
+          <p:cNvSpPr>
+            <a:spLocks noGrp="1"/>
+          </p:cNvSpPr>
+          <p:nvPr>
+            <p:ph type="title"/>
+          </p:nvPr>
+        </p:nvSpPr>
+        <p:spPr/>
+        <p:txBody>
+          <a:bodyPr/>
+          <a:lstStyle/>
+          <a:p>
+            <a:r>
+              <a:rPr lang="sr-Latn-RS" dirty="0" smtClean="0"/>
+              <a:t>Koraci implementacije</a:t>
+            </a:r>
+            <a:endParaRPr lang="en-US" dirty="0"/>
+          </a:p>
+        </p:txBody>
+      </p:sp>
+      <p:sp>
+        <p:nvSpPr>
+          <p:cNvPr id="3" name="Content Placeholder 2"/>
+          <p:cNvSpPr>
+            <a:spLocks noGrp="1"/>
+          </p:cNvSpPr>
+          <p:nvPr>
+            <p:ph idx="1"/>
+          </p:nvPr>
+        </p:nvSpPr>
+        <p:spPr/>
+        <p:txBody>
+          <a:bodyPr>
+            <a:normAutofit lnSpcReduction="10000"/>
+          </a:bodyPr>
+          <a:lstStyle/>
+          <a:p>
+            <a:pPr marL="514350" indent="-514350">
+              <a:buFont typeface="+mj-lt"/>
+              <a:buAutoNum type="arabicPeriod" startAt="6"/>
+            </a:pPr>
+            <a:r>
+              <a:rPr lang="sr-Latn-RS" dirty="0"/>
+              <a:t>Sračunati razlike u poziciji i veličini regiona između </a:t>
+            </a:r>
+            <a:r>
+              <a:rPr lang="sr-Latn-RS" dirty="0" smtClean="0"/>
+              <a:t>frejmova</a:t>
+            </a:r>
+          </a:p>
+          <a:p>
+            <a:pPr marL="514350" indent="-514350">
+              <a:buFont typeface="+mj-lt"/>
+              <a:buAutoNum type="arabicPeriod" startAt="6"/>
+            </a:pPr>
+            <a:r>
+              <a:rPr lang="sr-Latn-RS" dirty="0" smtClean="0"/>
+              <a:t>Ako postoji razlika u poziciji, i veća je od minimalne granice za pomeraj, pomeri kursor miša za sračunatu razliku</a:t>
+            </a:r>
+          </a:p>
+          <a:p>
+            <a:pPr marL="514350" indent="-514350">
+              <a:buFont typeface="+mj-lt"/>
+              <a:buAutoNum type="arabicPeriod" startAt="6"/>
+            </a:pPr>
+            <a:r>
+              <a:rPr lang="sr-Latn-RS" dirty="0" smtClean="0"/>
+              <a:t>Ako postoji razlika u veličini, izvrši pritisak levog ili desnog tastera, u zavisnosti od veličine regiona (region za desni taster je širi od regiona za levi taster)</a:t>
+            </a:r>
+            <a:endParaRPr lang="en-US" dirty="0" smtClean="0"/>
+          </a:p>
+        </p:txBody>
+      </p:sp>
+    </p:spTree>
+    <p:extLst>
+      <p:ext uri="{BB962C8B-B14F-4D97-AF65-F5344CB8AC3E}">
+        <p14:creationId xmlns:p14="http://schemas.microsoft.com/office/powerpoint/2010/main" val="3064637417"/>
+      </p:ext>
+    </p:extLst>
+  </p:cSld>
+  <p:clrMapOvr>
+    <a:masterClrMapping/>
+  </p:clrMapOvr>
+</p:sld>
+</file>
+
+<file path=ppt/slides/slide14.xml><?xml version="1.0" encoding="utf-8"?>
+<p:sld xmlns:a="http://schemas.openxmlformats.org/drawingml/2006/main" xmlns:r="http://schemas.openxmlformats.org/officeDocument/2006/relationships" xmlns:p="http://schemas.openxmlformats.org/presentationml/2006/main">
+  <p:cSld>
+    <p:spTree>
+      <p:nvGrpSpPr>
+        <p:cNvPr id="1" name=""/>
+        <p:cNvGrpSpPr/>
+        <p:nvPr/>
+      </p:nvGrpSpPr>
+      <p:grpSpPr>
+        <a:xfrm>
+          <a:off x="0" y="0"/>
+          <a:ext cx="0" cy="0"/>
+          <a:chOff x="0" y="0"/>
+          <a:chExt cx="0" cy="0"/>
+        </a:xfrm>
+      </p:grpSpPr>
+      <p:sp>
+        <p:nvSpPr>
+          <p:cNvPr id="2" name="Title 1"/>
+          <p:cNvSpPr>
+            <a:spLocks noGrp="1"/>
+          </p:cNvSpPr>
+          <p:nvPr>
+            <p:ph type="title"/>
+          </p:nvPr>
+        </p:nvSpPr>
+        <p:spPr/>
+        <p:txBody>
+          <a:bodyPr>
+            <a:normAutofit fontScale="90000"/>
+          </a:bodyPr>
+          <a:lstStyle/>
+          <a:p>
+            <a:r>
+              <a:rPr lang="sr-Latn-RS" dirty="0" smtClean="0"/>
+              <a:t>Korišćene i alternativne metode/alati/funkcije/opcije/šta god</a:t>
+            </a:r>
+            <a:endParaRPr lang="en-US" dirty="0"/>
+          </a:p>
+        </p:txBody>
+      </p:sp>
+      <p:sp>
+        <p:nvSpPr>
+          <p:cNvPr id="3" name="Content Placeholder 2"/>
+          <p:cNvSpPr>
+            <a:spLocks noGrp="1"/>
+          </p:cNvSpPr>
+          <p:nvPr>
+            <p:ph idx="1"/>
+          </p:nvPr>
+        </p:nvSpPr>
+        <p:spPr/>
+        <p:txBody>
+          <a:bodyPr/>
+          <a:lstStyle/>
+          <a:p>
+            <a:r>
+              <a:rPr lang="en-US" dirty="0" err="1"/>
+              <a:t>popiši</a:t>
+            </a:r>
+            <a:r>
+              <a:rPr lang="en-US" dirty="0"/>
+              <a:t> </a:t>
+            </a:r>
+            <a:r>
+              <a:rPr lang="en-US" dirty="0" err="1"/>
+              <a:t>obavezno</a:t>
+            </a:r>
+            <a:r>
+              <a:rPr lang="en-US" dirty="0"/>
+              <a:t> sve </a:t>
+            </a:r>
+            <a:r>
+              <a:rPr lang="en-US" dirty="0" err="1"/>
+              <a:t>što</a:t>
+            </a:r>
+            <a:r>
+              <a:rPr lang="en-US" dirty="0"/>
+              <a:t> </a:t>
+            </a:r>
+            <a:r>
+              <a:rPr lang="en-US" dirty="0" err="1"/>
+              <a:t>si</a:t>
+            </a:r>
+            <a:r>
+              <a:rPr lang="en-US" dirty="0"/>
+              <a:t> radio, </a:t>
+            </a:r>
+            <a:r>
+              <a:rPr lang="en-US" dirty="0" err="1"/>
+              <a:t>slična</a:t>
+            </a:r>
+            <a:r>
+              <a:rPr lang="en-US" dirty="0"/>
+              <a:t> </a:t>
+            </a:r>
+            <a:r>
+              <a:rPr lang="en-US" dirty="0" err="1"/>
+              <a:t>rešenja</a:t>
+            </a:r>
+            <a:r>
+              <a:rPr lang="en-US" dirty="0"/>
+              <a:t>, reference </a:t>
+            </a:r>
+            <a:r>
+              <a:rPr lang="en-US" dirty="0" err="1"/>
+              <a:t>na</a:t>
+            </a:r>
+            <a:r>
+              <a:rPr lang="en-US" dirty="0"/>
+              <a:t> </a:t>
+            </a:r>
+            <a:r>
+              <a:rPr lang="en-US" dirty="0" err="1"/>
+              <a:t>radove</a:t>
+            </a:r>
+            <a:r>
+              <a:rPr lang="en-US" dirty="0"/>
+              <a:t>, </a:t>
+            </a:r>
+            <a:r>
+              <a:rPr lang="en-US" dirty="0" err="1"/>
+              <a:t>opis</a:t>
+            </a:r>
+            <a:r>
+              <a:rPr lang="en-US" dirty="0"/>
+              <a:t> </a:t>
+            </a:r>
+            <a:r>
+              <a:rPr lang="en-US" dirty="0" err="1"/>
+              <a:t>tehnologij</a:t>
+            </a:r>
+            <a:r>
+              <a:rPr lang="sr-Cyrl-RS" dirty="0"/>
+              <a:t>е/</a:t>
+            </a:r>
+            <a:r>
+              <a:rPr lang="en-US" dirty="0" err="1"/>
+              <a:t>algoritama</a:t>
+            </a:r>
+            <a:r>
+              <a:rPr lang="en-US" dirty="0"/>
+              <a:t> </a:t>
+            </a:r>
+            <a:r>
+              <a:rPr lang="en-US" dirty="0" err="1"/>
+              <a:t>koje</a:t>
+            </a:r>
+            <a:r>
+              <a:rPr lang="en-US" dirty="0"/>
+              <a:t> </a:t>
+            </a:r>
+            <a:r>
+              <a:rPr lang="en-US" dirty="0" err="1"/>
+              <a:t>si</a:t>
+            </a:r>
+            <a:r>
+              <a:rPr lang="en-US" dirty="0"/>
+              <a:t> </a:t>
+            </a:r>
+            <a:r>
+              <a:rPr lang="en-US" dirty="0" err="1"/>
+              <a:t>koristio</a:t>
+            </a:r>
+            <a:r>
+              <a:rPr lang="en-US" dirty="0"/>
+              <a:t>, </a:t>
+            </a:r>
+            <a:r>
+              <a:rPr lang="en-US" dirty="0" err="1"/>
+              <a:t>način</a:t>
+            </a:r>
+            <a:r>
+              <a:rPr lang="en-US" dirty="0"/>
+              <a:t> </a:t>
+            </a:r>
+            <a:r>
+              <a:rPr lang="en-US" dirty="0" err="1"/>
+              <a:t>na</a:t>
+            </a:r>
+            <a:r>
+              <a:rPr lang="en-US" dirty="0"/>
+              <a:t> koji </a:t>
+            </a:r>
+            <a:r>
+              <a:rPr lang="en-US" dirty="0" err="1"/>
+              <a:t>si</a:t>
+            </a:r>
+            <a:r>
+              <a:rPr lang="en-US" dirty="0"/>
+              <a:t> </a:t>
+            </a:r>
+            <a:r>
+              <a:rPr lang="en-US" dirty="0" err="1"/>
+              <a:t>verifikovao</a:t>
+            </a:r>
+            <a:r>
+              <a:rPr lang="en-US" dirty="0"/>
+              <a:t> rad </a:t>
+            </a:r>
+            <a:r>
+              <a:rPr lang="en-US" dirty="0" err="1"/>
+              <a:t>programa</a:t>
+            </a:r>
+            <a:r>
+              <a:rPr lang="en-US" dirty="0"/>
+              <a:t> </a:t>
+            </a:r>
+            <a:r>
+              <a:rPr lang="en-US" dirty="0" err="1"/>
+              <a:t>kao</a:t>
+            </a:r>
+            <a:r>
+              <a:rPr lang="en-US" dirty="0"/>
+              <a:t> i same </a:t>
+            </a:r>
+            <a:r>
+              <a:rPr lang="en-US" dirty="0" err="1"/>
+              <a:t>rezultate</a:t>
+            </a:r>
+            <a:r>
+              <a:rPr lang="en-US" dirty="0"/>
+              <a:t> </a:t>
+            </a:r>
+            <a:r>
+              <a:rPr lang="en-US" dirty="0" err="1"/>
+              <a:t>koje</a:t>
+            </a:r>
+            <a:r>
+              <a:rPr lang="en-US" dirty="0"/>
+              <a:t> </a:t>
+            </a:r>
+            <a:r>
+              <a:rPr lang="en-US" dirty="0" err="1"/>
+              <a:t>si</a:t>
+            </a:r>
+            <a:r>
+              <a:rPr lang="en-US" dirty="0"/>
+              <a:t> </a:t>
+            </a:r>
+            <a:r>
+              <a:rPr lang="en-US" dirty="0" err="1" smtClean="0"/>
+              <a:t>dobio</a:t>
+            </a:r>
+            <a:r>
+              <a:rPr lang="en-US" dirty="0"/>
+              <a:t>. Budi </a:t>
+            </a:r>
+            <a:r>
+              <a:rPr lang="en-US" dirty="0" err="1"/>
+              <a:t>koncizan</a:t>
+            </a:r>
+            <a:r>
+              <a:rPr lang="en-US" dirty="0"/>
+              <a:t> i </a:t>
+            </a:r>
+            <a:r>
+              <a:rPr lang="en-US" dirty="0" err="1"/>
+              <a:t>kratak</a:t>
+            </a:r>
+            <a:r>
+              <a:rPr lang="en-US" dirty="0"/>
+              <a:t> </a:t>
+            </a:r>
+            <a:r>
+              <a:rPr lang="en-US" dirty="0" err="1"/>
+              <a:t>ali</a:t>
+            </a:r>
+            <a:r>
+              <a:rPr lang="en-US" dirty="0"/>
+              <a:t> </a:t>
+            </a:r>
+            <a:r>
+              <a:rPr lang="en-US" dirty="0" err="1"/>
+              <a:t>pokušaj</a:t>
+            </a:r>
+            <a:r>
+              <a:rPr lang="en-US" dirty="0"/>
+              <a:t> da </a:t>
+            </a:r>
+            <a:r>
+              <a:rPr lang="en-US" dirty="0" err="1"/>
+              <a:t>pokriješ</a:t>
+            </a:r>
+            <a:r>
+              <a:rPr lang="en-US" dirty="0"/>
+              <a:t> sve</a:t>
+            </a:r>
+            <a:endParaRPr lang="en-US" dirty="0" smtClean="0"/>
+          </a:p>
+          <a:p>
+            <a:r>
+              <a:rPr lang="en-US" dirty="0" smtClean="0"/>
+              <a:t>SVAKI OD KORAKA IMPLEMENTACIJE KAO POSEBAN NASLOV, I OSTALO STO VEC IMAS</a:t>
+            </a:r>
+            <a:endParaRPr lang="en-US" dirty="0"/>
+          </a:p>
+        </p:txBody>
+      </p:sp>
+    </p:spTree>
+    <p:extLst>
+      <p:ext uri="{BB962C8B-B14F-4D97-AF65-F5344CB8AC3E}">
+        <p14:creationId xmlns:p14="http://schemas.microsoft.com/office/powerpoint/2010/main" val="2853008653"/>
+      </p:ext>
+    </p:extLst>
+  </p:cSld>
+  <p:clrMapOvr>
+    <a:masterClrMapping/>
+  </p:clrMapOvr>
+</p:sld>
+</file>
+
 <file path=ppt/slides/slide2.xml><?xml version="1.0" encoding="utf-8"?>
 <p:sld xmlns:a="http://schemas.openxmlformats.org/drawingml/2006/main" xmlns:r="http://schemas.openxmlformats.org/officeDocument/2006/relationships" xmlns:p="http://schemas.openxmlformats.org/presentationml/2006/main">
   <p:cSld>
@@ -3488,14 +4454,23 @@
         </p:nvSpPr>
         <p:spPr/>
         <p:txBody>
-          <a:bodyPr/>
-          <a:lstStyle/>
-          <a:p>
-            <a:r>
-              <a:rPr lang="en-US" dirty="0" err="1" smtClean="0"/>
-              <a:t>Specifikacija</a:t>
-            </a:r>
-            <a:endParaRPr lang="en-US" dirty="0"/>
+          <a:bodyPr>
+            <a:normAutofit fontScale="90000"/>
+          </a:bodyPr>
+          <a:lstStyle/>
+          <a:p>
+            <a:r>
+              <a:rPr lang="sr-Latn-RS" b="1" dirty="0" smtClean="0"/>
+              <a:t>SPECIFIKACIJA</a:t>
+            </a:r>
+            <a:br>
+              <a:rPr lang="sr-Latn-RS" b="1" dirty="0" smtClean="0"/>
+            </a:br>
+            <a:r>
+              <a:rPr lang="sr-Latn-RS" sz="3100" i="1" dirty="0" smtClean="0"/>
+              <a:t>Šta je potrebno?</a:t>
+            </a:r>
+            <a:endParaRPr lang="en-US" b="1" i="1" dirty="0"/>
           </a:p>
         </p:txBody>
       </p:sp>
@@ -3511,26 +4486,11 @@
         </p:nvSpPr>
         <p:spPr/>
         <p:txBody>
-          <a:bodyPr/>
-          <a:lstStyle/>
-          <a:p>
-            <a:pPr marL="0" indent="0">
-              <a:buNone/>
-            </a:pPr>
-            <a:r>
-              <a:rPr lang="en-US" dirty="0" err="1" smtClean="0"/>
-              <a:t>Potrebno</a:t>
-            </a:r>
-            <a:r>
-              <a:rPr lang="en-US" dirty="0" smtClean="0"/>
-              <a:t>: </a:t>
-            </a:r>
-          </a:p>
-          <a:p>
-            <a:r>
-              <a:rPr lang="en-US" dirty="0" smtClean="0"/>
-              <a:t>	</a:t>
-            </a:r>
+          <a:bodyPr>
+            <a:normAutofit/>
+          </a:bodyPr>
+          <a:lstStyle/>
+          <a:p>
             <a:r>
               <a:rPr lang="en-US" dirty="0" err="1" smtClean="0"/>
               <a:t>Jedna</a:t>
@@ -3550,10 +4510,6 @@
           </a:p>
           <a:p>
             <a:r>
-              <a:rPr lang="en-US" dirty="0" smtClean="0"/>
-              <a:t>	</a:t>
-            </a:r>
-            <a:r>
               <a:rPr lang="en-US" dirty="0" err="1" smtClean="0"/>
               <a:t>Kompjuter</a:t>
             </a:r>
@@ -3565,7 +4521,7 @@
           <a:p>
             <a:r>
               <a:rPr lang="en-US" dirty="0" smtClean="0"/>
-              <a:t>	Web </a:t>
+              <a:t>Web </a:t>
             </a:r>
             <a:r>
               <a:rPr lang="en-US" dirty="0" err="1" smtClean="0"/>
@@ -3574,12 +4530,49 @@
             <a:endParaRPr lang="sr-Latn-RS" dirty="0" smtClean="0"/>
           </a:p>
           <a:p>
-            <a:pPr marL="0" indent="0">
-              <a:buNone/>
-            </a:pPr>
             <a:r>
               <a:rPr lang="sr-Latn-RS" dirty="0" smtClean="0"/>
-              <a:t>Rešenje će biti implementirano u programskom jeziku Python, uz korišćenje biblioteke OpenCV2.</a:t>
+              <a:t>Python</a:t>
+            </a:r>
+          </a:p>
+          <a:p>
+            <a:r>
+              <a:rPr lang="sr-Latn-RS" dirty="0" smtClean="0"/>
+              <a:t>Biblioteke:</a:t>
+            </a:r>
+          </a:p>
+          <a:p>
+            <a:pPr lvl="1"/>
+            <a:r>
+              <a:rPr lang="sr-Latn-RS" dirty="0" smtClean="0"/>
+              <a:t>OpenCV2 </a:t>
+            </a:r>
+            <a:r>
+              <a:rPr lang="sr-Latn-RS" sz="2400" dirty="0" smtClean="0"/>
+              <a:t>– obrada slike</a:t>
+            </a:r>
+            <a:endParaRPr lang="sr-Latn-RS" dirty="0" smtClean="0"/>
+          </a:p>
+          <a:p>
+            <a:pPr lvl="1"/>
+            <a:r>
+              <a:rPr lang="sr-Latn-RS" dirty="0" smtClean="0"/>
+              <a:t>Keras </a:t>
+            </a:r>
+            <a:r>
+              <a:rPr lang="sr-Latn-RS" sz="2400" dirty="0" smtClean="0"/>
+              <a:t>– veštačke neuronske mreže</a:t>
+            </a:r>
+          </a:p>
+          <a:p>
+            <a:pPr lvl="1"/>
+            <a:r>
+              <a:rPr lang="sr-Latn-RS" dirty="0" smtClean="0"/>
+              <a:t>PyAutoGui </a:t>
+            </a:r>
+            <a:r>
+              <a:rPr lang="sr-Latn-RS" sz="2400" dirty="0" smtClean="0"/>
+              <a:t>– upravljanje računarom</a:t>
             </a:r>
             <a:endParaRPr lang="en-US" dirty="0" smtClean="0"/>
           </a:p>
@@ -3627,14 +4620,43 @@
         </p:nvSpPr>
         <p:spPr/>
         <p:txBody>
-          <a:bodyPr/>
-          <a:lstStyle/>
-          <a:p>
-            <a:r>
-              <a:rPr lang="en-US" dirty="0" err="1" smtClean="0"/>
-              <a:t>Specifikacija</a:t>
-            </a:r>
-            <a:endParaRPr lang="en-US" dirty="0"/>
+          <a:bodyPr>
+            <a:normAutofit fontScale="90000"/>
+          </a:bodyPr>
+          <a:lstStyle/>
+          <a:p>
+            <a:r>
+              <a:rPr lang="en-US" b="1" dirty="0" smtClean="0"/>
+              <a:t>SPECIFIKACIJA</a:t>
+            </a:r>
+            <a:r>
+              <a:rPr lang="en-US" dirty="0" smtClean="0"/>
+              <a:t/>
+            </a:r>
+            <a:br>
+              <a:rPr lang="en-US" dirty="0" smtClean="0"/>
+            </a:br>
+            <a:r>
+              <a:rPr lang="en-US" sz="3100" i="1" dirty="0" err="1" smtClean="0"/>
+              <a:t>Kako</a:t>
+            </a:r>
+            <a:r>
+              <a:rPr lang="sr-Latn-RS" sz="3100" i="1" dirty="0" smtClean="0"/>
+              <a:t> program</a:t>
+            </a:r>
+            <a:r>
+              <a:rPr lang="en-US" sz="3100" i="1" dirty="0" smtClean="0"/>
+              <a:t> </a:t>
+            </a:r>
+            <a:r>
+              <a:rPr lang="en-US" sz="3100" i="1" dirty="0" err="1" smtClean="0"/>
+              <a:t>funkcioni</a:t>
+            </a:r>
+            <a:r>
+              <a:rPr lang="sr-Latn-RS" sz="3100" i="1" dirty="0" smtClean="0"/>
+              <a:t>še?</a:t>
+            </a:r>
+            <a:endParaRPr lang="en-US" sz="3100" i="1" dirty="0"/>
           </a:p>
         </p:txBody>
       </p:sp>
@@ -3651,47 +4673,381 @@
         <p:spPr/>
         <p:txBody>
           <a:bodyPr>
-            <a:normAutofit fontScale="92500" lnSpcReduction="20000"/>
+            <a:normAutofit lnSpcReduction="10000"/>
           </a:bodyPr>
           <a:lstStyle/>
           <a:p>
-            <a:pPr marL="0" indent="0">
-              <a:buNone/>
+            <a:pPr marL="514350" indent="-514350">
+              <a:spcBef>
+                <a:spcPts val="0"/>
+              </a:spcBef>
+              <a:buFont typeface="+mj-lt"/>
+              <a:buAutoNum type="arabicPeriod"/>
             </a:pPr>
             <a:r>
-              <a:rPr lang="en-US" dirty="0" err="1" smtClean="0"/>
-              <a:t>Kako</a:t>
-            </a:r>
-            <a:r>
-              <a:rPr lang="en-US" dirty="0" smtClean="0"/>
+              <a:rPr lang="sr-Latn-RS" sz="2800" dirty="0" smtClean="0"/>
+              <a:t>Obučimo neuronsku mrežu</a:t>
+            </a:r>
+          </a:p>
+          <a:p>
+            <a:pPr>
+              <a:spcBef>
+                <a:spcPts val="0"/>
+              </a:spcBef>
+            </a:pPr>
+            <a:r>
+              <a:rPr lang="sr-Latn-RS" sz="2000" dirty="0" smtClean="0"/>
+              <a:t>Učitamo sliku koja predstavlja obučavajući skup</a:t>
+            </a:r>
+          </a:p>
+          <a:p>
+            <a:pPr lvl="1">
+              <a:spcBef>
+                <a:spcPts val="0"/>
+              </a:spcBef>
+            </a:pPr>
+            <a:r>
+              <a:rPr lang="en-US" sz="1600" i="1" dirty="0" err="1"/>
+              <a:t>img_train</a:t>
+            </a:r>
+            <a:r>
+              <a:rPr lang="en-US" sz="1600" i="1" dirty="0"/>
+              <a:t> = </a:t>
+            </a:r>
+            <a:r>
+              <a:rPr lang="en-US" sz="1600" i="1" dirty="0" err="1"/>
+              <a:t>simF.load_image</a:t>
+            </a:r>
+            <a:r>
+              <a:rPr lang="en-US" sz="1600" i="1" dirty="0"/>
+              <a:t>('fist_state.png')</a:t>
+            </a:r>
+            <a:endParaRPr lang="sr-Latn-RS" sz="1600" i="1" dirty="0" smtClean="0"/>
+          </a:p>
+          <a:p>
+            <a:pPr>
+              <a:spcBef>
+                <a:spcPts val="0"/>
+              </a:spcBef>
+            </a:pPr>
+            <a:r>
+              <a:rPr lang="sr-Latn-RS" sz="2000" dirty="0" smtClean="0"/>
+              <a:t>Konvertujemo je u grayscale, pa u binarni oblik</a:t>
+            </a:r>
+            <a:endParaRPr lang="en-US" sz="2000" dirty="0" smtClean="0"/>
+          </a:p>
+          <a:p>
+            <a:pPr lvl="1">
+              <a:spcBef>
+                <a:spcPts val="0"/>
+              </a:spcBef>
+            </a:pPr>
+            <a:r>
+              <a:rPr lang="en-US" sz="1600" i="1" dirty="0" err="1"/>
+              <a:t>img_train_bin</a:t>
+            </a:r>
+            <a:r>
+              <a:rPr lang="en-US" sz="1600" i="1" dirty="0"/>
+              <a:t> = </a:t>
+            </a:r>
+            <a:r>
+              <a:rPr lang="en-US" sz="1600" i="1" dirty="0" err="1"/>
+              <a:t>simF.get_image_bin</a:t>
+            </a:r>
+            <a:r>
+              <a:rPr lang="en-US" sz="1600" i="1" dirty="0"/>
+              <a:t>(</a:t>
+            </a:r>
+            <a:r>
+              <a:rPr lang="en-US" sz="1600" i="1" dirty="0" err="1"/>
+              <a:t>simF.get_image_gray</a:t>
+            </a:r>
+            <a:r>
+              <a:rPr lang="en-US" sz="1600" i="1" dirty="0"/>
+              <a:t>(</a:t>
+            </a:r>
+            <a:r>
+              <a:rPr lang="en-US" sz="1600" i="1" dirty="0" err="1"/>
+              <a:t>img_train</a:t>
+            </a:r>
+            <a:r>
+              <a:rPr lang="en-US" sz="1600" i="1" dirty="0"/>
+              <a:t>))</a:t>
+            </a:r>
+            <a:endParaRPr lang="sr-Latn-RS" sz="1600" i="1" dirty="0" smtClean="0"/>
+          </a:p>
+          <a:p>
+            <a:pPr>
+              <a:spcBef>
+                <a:spcPts val="0"/>
+              </a:spcBef>
+            </a:pPr>
+            <a:r>
+              <a:rPr lang="sr-Latn-RS" sz="2000" dirty="0" smtClean="0"/>
+              <a:t>Odredimo regione od interesa na binarnoj slici</a:t>
+            </a:r>
+            <a:endParaRPr lang="en-US" sz="2000" dirty="0" smtClean="0"/>
+          </a:p>
+          <a:p>
+            <a:pPr lvl="1">
+              <a:spcBef>
+                <a:spcPts val="0"/>
+              </a:spcBef>
+            </a:pPr>
+            <a:r>
+              <a:rPr lang="en-US" sz="1600" i="1" dirty="0" err="1"/>
+              <a:t>sel_img_train</a:t>
+            </a:r>
+            <a:r>
+              <a:rPr lang="en-US" sz="1600" i="1" dirty="0"/>
+              <a:t>, shapes, rectangles, dots = </a:t>
+            </a:r>
+            <a:r>
+              <a:rPr lang="en-US" sz="1600" i="1" dirty="0" err="1"/>
+              <a:t>regF.select_roi</a:t>
+            </a:r>
+            <a:r>
+              <a:rPr lang="en-US" sz="1600" i="1" dirty="0"/>
+              <a:t>(</a:t>
+            </a:r>
+            <a:r>
+              <a:rPr lang="en-US" sz="1600" i="1" dirty="0" err="1"/>
+              <a:t>img_train.copy</a:t>
+            </a:r>
+            <a:r>
+              <a:rPr lang="en-US" sz="1600" i="1" dirty="0"/>
+              <a:t>(), </a:t>
+            </a:r>
+            <a:r>
+              <a:rPr lang="en-US" sz="1600" i="1" dirty="0" err="1"/>
+              <a:t>img_train_bin</a:t>
+            </a:r>
+            <a:r>
+              <a:rPr lang="en-US" sz="1600" i="1" dirty="0"/>
+              <a:t>)</a:t>
+            </a:r>
+            <a:endParaRPr lang="sr-Latn-RS" sz="1600" i="1" dirty="0" smtClean="0"/>
+          </a:p>
+          <a:p>
+            <a:pPr>
+              <a:spcBef>
+                <a:spcPts val="0"/>
+              </a:spcBef>
+            </a:pPr>
+            <a:r>
+              <a:rPr lang="sr-Latn-RS" sz="2000" dirty="0" smtClean="0"/>
+              <a:t>Regione „formatiramo“ tako da ih veštačka neuronska mreža može očitati</a:t>
+            </a:r>
+            <a:endParaRPr lang="en-US" sz="2000" dirty="0" smtClean="0"/>
+          </a:p>
+          <a:p>
+            <a:pPr lvl="1">
+              <a:spcBef>
+                <a:spcPts val="0"/>
+              </a:spcBef>
+            </a:pPr>
+            <a:r>
+              <a:rPr lang="en-US" sz="1600" i="1" dirty="0"/>
+              <a:t>inputs = </a:t>
+            </a:r>
+            <a:r>
+              <a:rPr lang="en-US" sz="1600" i="1" dirty="0" err="1"/>
+              <a:t>simF.prepare_for_ann</a:t>
+            </a:r>
+            <a:r>
+              <a:rPr lang="en-US" sz="1600" i="1" dirty="0"/>
+              <a:t>(shapes)</a:t>
+            </a:r>
+            <a:endParaRPr lang="sr-Latn-RS" sz="1600" i="1" dirty="0" smtClean="0"/>
+          </a:p>
+          <a:p>
+            <a:pPr>
+              <a:spcBef>
+                <a:spcPts val="0"/>
+              </a:spcBef>
+            </a:pPr>
+            <a:r>
+              <a:rPr lang="sr-Latn-RS" sz="2000" dirty="0" smtClean="0"/>
+              <a:t>Napravimo skup izlaznih vrednosti,</a:t>
+            </a:r>
+            <a:r>
+              <a:rPr lang="en-US" sz="2000" dirty="0" smtClean="0"/>
               <a:t> </a:t>
             </a:r>
             <a:r>
-              <a:rPr lang="en-US" dirty="0" err="1" smtClean="0"/>
-              <a:t>funkcioni</a:t>
-            </a:r>
-            <a:r>
-              <a:rPr lang="sr-Latn-RS" dirty="0" smtClean="0"/>
-              <a:t>še:</a:t>
-            </a:r>
-          </a:p>
-          <a:p>
-            <a:r>
-              <a:rPr lang="sr-Latn-RS" dirty="0" smtClean="0"/>
-              <a:t>Kamera sve vreme snima šta se događa u njenom vidnom polju</a:t>
-            </a:r>
-          </a:p>
-          <a:p>
-            <a:r>
-              <a:rPr lang="sr-Latn-RS" dirty="0" smtClean="0"/>
-              <a:t>Snimak se u pozadini softverski obrađuje, sa ciljem da se u frejmovima pronađe oblik koji predstavlja raširenu ljudsku šaku, ili da bar liči na nju</a:t>
-            </a:r>
-          </a:p>
-          <a:p>
-            <a:r>
-              <a:rPr lang="sr-Latn-RS" dirty="0" smtClean="0"/>
-              <a:t>Ako se šaka pojavi na snimku, softver šračunava region koji šaka zauzima na svakom frejmu snimka, i na osnovu regiona proverava da li se ona kreće ili vrši neki gest</a:t>
-            </a:r>
+              <a:rPr lang="en-US" sz="2000" dirty="0" err="1" smtClean="0"/>
+              <a:t>prevedemo</a:t>
+            </a:r>
+            <a:r>
+              <a:rPr lang="en-US" sz="2000" dirty="0" smtClean="0"/>
+              <a:t> </a:t>
+            </a:r>
+            <a:r>
+              <a:rPr lang="en-US" sz="2000" dirty="0" err="1" smtClean="0"/>
+              <a:t>ga</a:t>
+            </a:r>
+            <a:r>
+              <a:rPr lang="en-US" sz="2000" dirty="0" smtClean="0"/>
+              <a:t> u </a:t>
+            </a:r>
+            <a:r>
+              <a:rPr lang="en-US" sz="2000" dirty="0" err="1" smtClean="0"/>
+              <a:t>oblik</a:t>
+            </a:r>
+            <a:r>
+              <a:rPr lang="en-US" sz="2000" dirty="0" smtClean="0"/>
+              <a:t> </a:t>
+            </a:r>
+            <a:r>
+              <a:rPr lang="en-US" sz="2000" dirty="0" err="1" smtClean="0"/>
+              <a:t>pogodan</a:t>
+            </a:r>
+            <a:r>
+              <a:rPr lang="en-US" sz="2000" dirty="0" smtClean="0"/>
+              <a:t> za </a:t>
+            </a:r>
+            <a:r>
+              <a:rPr lang="sr-Latn-RS" sz="2000" dirty="0" smtClean="0"/>
+              <a:t>V</a:t>
+            </a:r>
+            <a:r>
+              <a:rPr lang="en-US" sz="2000" dirty="0" smtClean="0"/>
+              <a:t>NM</a:t>
+            </a:r>
+          </a:p>
+          <a:p>
+            <a:pPr lvl="1">
+              <a:spcBef>
+                <a:spcPts val="0"/>
+              </a:spcBef>
+            </a:pPr>
+            <a:r>
+              <a:rPr lang="en-US" sz="1600" i="1" dirty="0" err="1"/>
+              <a:t>hand_state</a:t>
+            </a:r>
+            <a:r>
+              <a:rPr lang="en-US" sz="1600" i="1" dirty="0"/>
+              <a:t> = </a:t>
+            </a:r>
+            <a:r>
+              <a:rPr lang="en-US" sz="1600" i="1" dirty="0" smtClean="0"/>
+              <a:t>[…]</a:t>
+            </a:r>
+          </a:p>
+          <a:p>
+            <a:pPr lvl="1">
+              <a:spcBef>
+                <a:spcPts val="0"/>
+              </a:spcBef>
+            </a:pPr>
+            <a:r>
+              <a:rPr lang="en-US" sz="1600" i="1" dirty="0"/>
+              <a:t>outputs = </a:t>
+            </a:r>
+            <a:r>
+              <a:rPr lang="en-US" sz="1600" i="1" dirty="0" err="1"/>
+              <a:t>simF.convert_output</a:t>
+            </a:r>
+            <a:r>
+              <a:rPr lang="en-US" sz="1600" i="1" dirty="0"/>
+              <a:t>(</a:t>
+            </a:r>
+            <a:r>
+              <a:rPr lang="en-US" sz="1600" i="1" dirty="0" err="1"/>
+              <a:t>hand_state</a:t>
+            </a:r>
+            <a:r>
+              <a:rPr lang="en-US" sz="1600" i="1" dirty="0"/>
+              <a:t>)</a:t>
+            </a:r>
+            <a:endParaRPr lang="en-US" sz="1600" i="1" dirty="0" smtClean="0"/>
+          </a:p>
+          <a:p>
+            <a:pPr>
+              <a:spcBef>
+                <a:spcPts val="0"/>
+              </a:spcBef>
+            </a:pPr>
+            <a:r>
+              <a:rPr lang="en-US" sz="2000" dirty="0" err="1" smtClean="0"/>
+              <a:t>Napravimo</a:t>
+            </a:r>
+            <a:r>
+              <a:rPr lang="en-US" sz="2000" dirty="0" smtClean="0"/>
+              <a:t> i </a:t>
+            </a:r>
+            <a:r>
+              <a:rPr lang="en-US" sz="2000" dirty="0" err="1" smtClean="0"/>
+              <a:t>treniramo</a:t>
+            </a:r>
+            <a:r>
+              <a:rPr lang="en-US" sz="2000" dirty="0" smtClean="0"/>
+              <a:t> </a:t>
+            </a:r>
+            <a:r>
+              <a:rPr lang="en-US" sz="2000" dirty="0" err="1" smtClean="0"/>
+              <a:t>ve</a:t>
+            </a:r>
+            <a:r>
+              <a:rPr lang="sr-Latn-RS" sz="2000" dirty="0" smtClean="0"/>
+              <a:t>štačku NM</a:t>
+            </a:r>
+            <a:endParaRPr lang="en-US" sz="2000" dirty="0" smtClean="0"/>
+          </a:p>
+          <a:p>
+            <a:pPr lvl="1">
+              <a:spcBef>
+                <a:spcPts val="0"/>
+              </a:spcBef>
+            </a:pPr>
+            <a:r>
+              <a:rPr lang="en-US" sz="1600" i="1" dirty="0" err="1"/>
+              <a:t>ann</a:t>
+            </a:r>
+            <a:r>
+              <a:rPr lang="en-US" sz="1600" i="1" dirty="0"/>
+              <a:t> = </a:t>
+            </a:r>
+            <a:r>
+              <a:rPr lang="en-US" sz="1600" i="1" dirty="0" err="1"/>
+              <a:t>annFs.create_ann</a:t>
+            </a:r>
+            <a:r>
+              <a:rPr lang="en-US" sz="1600" i="1" dirty="0" smtClean="0"/>
+              <a:t>()</a:t>
+            </a:r>
+          </a:p>
+          <a:p>
+            <a:pPr lvl="1">
+              <a:spcBef>
+                <a:spcPts val="0"/>
+              </a:spcBef>
+            </a:pPr>
+            <a:r>
+              <a:rPr lang="en-US" sz="1600" i="1" dirty="0" err="1"/>
+              <a:t>ann</a:t>
+            </a:r>
+            <a:r>
+              <a:rPr lang="en-US" sz="1600" i="1" dirty="0"/>
+              <a:t> = </a:t>
+            </a:r>
+            <a:r>
+              <a:rPr lang="en-US" sz="1600" i="1" dirty="0" err="1"/>
+              <a:t>annFs.train_ann</a:t>
+            </a:r>
+            <a:r>
+              <a:rPr lang="en-US" sz="1600" i="1" dirty="0"/>
+              <a:t>(</a:t>
+            </a:r>
+            <a:r>
+              <a:rPr lang="en-US" sz="1600" i="1" dirty="0" err="1"/>
+              <a:t>ann</a:t>
+            </a:r>
+            <a:r>
+              <a:rPr lang="en-US" sz="1600" i="1" dirty="0"/>
+              <a:t>, inputs, outputs)  # MOZDA NEKI TEST DATA SET</a:t>
+            </a:r>
+            <a:endParaRPr lang="en-US" sz="1600" i="1" dirty="0" smtClean="0"/>
           </a:p>
         </p:txBody>
       </p:sp>
@@ -3705,6 +5061,13 @@
   <p:clrMapOvr>
     <a:masterClrMapping/>
   </p:clrMapOvr>
+  <p:timing>
+    <p:tnLst>
+      <p:par>
+        <p:cTn id="1" dur="indefinite" restart="never" nodeType="tmRoot"/>
+      </p:par>
+    </p:tnLst>
+  </p:timing>
 </p:sld>
 </file>
 
@@ -3727,7 +5090,7 @@
       </p:grpSpPr>
       <p:sp>
         <p:nvSpPr>
-          <p:cNvPr id="5" name="Title 4"/>
+          <p:cNvPr id="4" name="Title 3"/>
           <p:cNvSpPr>
             <a:spLocks noGrp="1"/>
           </p:cNvSpPr>
@@ -3737,20 +5100,49 @@
         </p:nvSpPr>
         <p:spPr/>
         <p:txBody>
-          <a:bodyPr/>
-          <a:lstStyle/>
-          <a:p>
-            <a:r>
-              <a:rPr lang="sr-Latn-RS" dirty="0" smtClean="0"/>
-              <a:t>Specifikacija</a:t>
-            </a:r>
-            <a:endParaRPr lang="en-US" dirty="0"/>
-          </a:p>
-        </p:txBody>
-      </p:sp>
-      <p:sp>
-        <p:nvSpPr>
-          <p:cNvPr id="6" name="Content Placeholder 5"/>
+          <a:bodyPr>
+            <a:normAutofit fontScale="90000"/>
+          </a:bodyPr>
+          <a:lstStyle/>
+          <a:p>
+            <a:r>
+              <a:rPr lang="en-US" b="1" dirty="0" smtClean="0"/>
+              <a:t>SPECIFIKACIJA</a:t>
+            </a:r>
+            <a:r>
+              <a:rPr lang="en-US" dirty="0" smtClean="0"/>
+              <a:t/>
+            </a:r>
+            <a:br>
+              <a:rPr lang="en-US" dirty="0" smtClean="0"/>
+            </a:br>
+            <a:r>
+              <a:rPr lang="en-US" sz="3100" i="1" dirty="0" err="1" smtClean="0"/>
+              <a:t>Kako</a:t>
+            </a:r>
+            <a:r>
+              <a:rPr lang="sr-Latn-RS" sz="3100" i="1" dirty="0" smtClean="0"/>
+              <a:t> program</a:t>
+            </a:r>
+            <a:r>
+              <a:rPr lang="en-US" sz="3100" i="1" dirty="0" smtClean="0"/>
+              <a:t> </a:t>
+            </a:r>
+            <a:r>
+              <a:rPr lang="en-US" sz="3100" i="1" dirty="0" err="1" smtClean="0"/>
+              <a:t>funkcioni</a:t>
+            </a:r>
+            <a:r>
+              <a:rPr lang="sr-Latn-RS" sz="3100" i="1" dirty="0" smtClean="0"/>
+              <a:t>še?</a:t>
+            </a:r>
+            <a:endParaRPr lang="en-US" sz="3100" i="1" dirty="0"/>
+          </a:p>
+        </p:txBody>
+      </p:sp>
+      <p:sp>
+        <p:nvSpPr>
+          <p:cNvPr id="5" name="Content Placeholder 4"/>
           <p:cNvSpPr>
             <a:spLocks noGrp="1"/>
           </p:cNvSpPr>
@@ -3761,46 +5153,213 @@
         <p:spPr/>
         <p:txBody>
           <a:bodyPr>
-            <a:noAutofit/>
+            <a:normAutofit/>
           </a:bodyPr>
           <a:lstStyle/>
           <a:p>
-            <a:r>
-              <a:rPr lang="sr-Latn-RS" sz="2500" dirty="0" smtClean="0"/>
-              <a:t>Ako se čitava šaka kreće, sračunava se razlika u pomeraju i na osnovu vrednosti te razlike pomeramo kursor miša</a:t>
-            </a:r>
-          </a:p>
-          <a:p>
-            <a:r>
-              <a:rPr lang="sr-Latn-RS" sz="2500" dirty="0" smtClean="0"/>
-              <a:t>Ako šaka vrši neki gest (skupljena šaka/neki od prstiju šake...), proverava se veličina regiona šake, i ako je region određenih dimenzija, vrši se programski pritisak levog (skupljeni svi prsti) ili desnog (palac nije skupljen) tastera miša</a:t>
-            </a:r>
-          </a:p>
-          <a:p>
-            <a:r>
-              <a:rPr lang="sr-Latn-RS" sz="2500" dirty="0" smtClean="0"/>
-              <a:t>Dok je šaka u gestu, softver će takođe pratiti njen pomeraj i nastaviti da pomera kursor na osnovu pomeraja šake</a:t>
-            </a:r>
-          </a:p>
-          <a:p>
-            <a:r>
-              <a:rPr lang="sr-Latn-RS" sz="2500" dirty="0" smtClean="0"/>
-              <a:t>Kada se šaka vrati u prvobitno stanje (rašireni prsti) pritisnut taster se programski pušta</a:t>
-            </a:r>
-            <a:endParaRPr lang="en-US" sz="2500" dirty="0"/>
+            <a:pPr marL="514350" indent="-514350">
+              <a:spcBef>
+                <a:spcPts val="0"/>
+              </a:spcBef>
+              <a:buFont typeface="+mj-lt"/>
+              <a:buAutoNum type="arabicPeriod" startAt="2"/>
+            </a:pPr>
+            <a:r>
+              <a:rPr lang="sr-Latn-RS" sz="2800" dirty="0" smtClean="0"/>
+              <a:t>Kamera sve vreme snima šta se događa u njenom vidnom polju</a:t>
+            </a:r>
+            <a:endParaRPr lang="sr-Latn-RS" dirty="0" smtClean="0"/>
+          </a:p>
+          <a:p>
+            <a:pPr>
+              <a:spcBef>
+                <a:spcPts val="0"/>
+              </a:spcBef>
+            </a:pPr>
+            <a:r>
+              <a:rPr lang="sr-Latn-RS" sz="2000" dirty="0" smtClean="0"/>
+              <a:t>Napravi </a:t>
+            </a:r>
+            <a:r>
+              <a:rPr lang="sr-Latn-RS" sz="2000" i="1" dirty="0" smtClean="0"/>
+              <a:t>VideoCapture</a:t>
+            </a:r>
+            <a:r>
+              <a:rPr lang="sr-Latn-RS" sz="2000" dirty="0" smtClean="0"/>
+              <a:t> objekat</a:t>
+            </a:r>
+          </a:p>
+          <a:p>
+            <a:pPr lvl="1">
+              <a:spcBef>
+                <a:spcPts val="0"/>
+              </a:spcBef>
+            </a:pPr>
+            <a:r>
+              <a:rPr lang="en-US" sz="1600" i="1" dirty="0" err="1" smtClean="0"/>
+              <a:t>video_capture</a:t>
+            </a:r>
+            <a:r>
+              <a:rPr lang="en-US" sz="1600" dirty="0" smtClean="0"/>
+              <a:t> </a:t>
+            </a:r>
+            <a:r>
+              <a:rPr lang="en-US" sz="1600" i="1" dirty="0" smtClean="0"/>
+              <a:t>=</a:t>
+            </a:r>
+            <a:r>
+              <a:rPr lang="en-US" sz="1600" dirty="0" smtClean="0"/>
+              <a:t> </a:t>
+            </a:r>
+            <a:r>
+              <a:rPr lang="en-US" sz="1600" i="1" dirty="0"/>
+              <a:t>cv2.VideoCapture</a:t>
+            </a:r>
+            <a:r>
+              <a:rPr lang="en-US" sz="1600" i="1" dirty="0" smtClean="0"/>
+              <a:t>()</a:t>
+            </a:r>
+            <a:endParaRPr lang="sr-Latn-RS" sz="1600" i="1" dirty="0" smtClean="0"/>
+          </a:p>
+          <a:p>
+            <a:pPr>
+              <a:spcBef>
+                <a:spcPts val="0"/>
+              </a:spcBef>
+            </a:pPr>
+            <a:endParaRPr lang="sr-Latn-RS" sz="2000" dirty="0" smtClean="0"/>
+          </a:p>
+          <a:p>
+            <a:pPr>
+              <a:spcBef>
+                <a:spcPts val="0"/>
+              </a:spcBef>
+            </a:pPr>
+            <a:r>
+              <a:rPr lang="sr-Latn-RS" sz="2000" dirty="0" smtClean="0"/>
+              <a:t>Poveži se sa kamerom i uključi je</a:t>
+            </a:r>
+          </a:p>
+          <a:p>
+            <a:pPr lvl="1">
+              <a:spcBef>
+                <a:spcPts val="0"/>
+              </a:spcBef>
+            </a:pPr>
+            <a:r>
+              <a:rPr lang="en-US" sz="1600" i="1" dirty="0" err="1" smtClean="0"/>
+              <a:t>video_capture.open</a:t>
+            </a:r>
+            <a:r>
+              <a:rPr lang="en-US" sz="1600" i="1" dirty="0" smtClean="0"/>
+              <a:t>(0)</a:t>
+            </a:r>
+            <a:endParaRPr lang="sr-Latn-RS" sz="1600" i="1" dirty="0" smtClean="0"/>
+          </a:p>
+          <a:p>
+            <a:pPr>
+              <a:spcBef>
+                <a:spcPts val="0"/>
+              </a:spcBef>
+            </a:pPr>
+            <a:endParaRPr lang="sr-Latn-RS" sz="2000" dirty="0" smtClean="0"/>
+          </a:p>
+          <a:p>
+            <a:pPr>
+              <a:spcBef>
+                <a:spcPts val="0"/>
+              </a:spcBef>
+            </a:pPr>
+            <a:r>
+              <a:rPr lang="sr-Latn-RS" sz="2000" dirty="0" smtClean="0"/>
+              <a:t>Uzimaj frejmove koje kamera snimi sve dok je kamera uključena</a:t>
+            </a:r>
+          </a:p>
+          <a:p>
+            <a:pPr lvl="1">
+              <a:spcBef>
+                <a:spcPts val="0"/>
+              </a:spcBef>
+            </a:pPr>
+            <a:r>
+              <a:rPr lang="en-US" sz="1600" b="1" i="1" dirty="0" smtClean="0"/>
+              <a:t>while </a:t>
+            </a:r>
+            <a:r>
+              <a:rPr lang="en-US" sz="1600" i="1" dirty="0" err="1"/>
+              <a:t>video_capture</a:t>
+            </a:r>
+            <a:r>
+              <a:rPr lang="en-US" sz="1600" i="1" dirty="0" err="1" smtClean="0"/>
+              <a:t>.isOpened</a:t>
+            </a:r>
+            <a:r>
+              <a:rPr lang="en-US" sz="1600" i="1" dirty="0" smtClean="0"/>
+              <a:t>():</a:t>
+            </a:r>
+            <a:endParaRPr lang="sr-Latn-RS" sz="1600" i="1" dirty="0" smtClean="0"/>
+          </a:p>
+          <a:p>
+            <a:pPr marL="400050" lvl="1" indent="0">
+              <a:buNone/>
+            </a:pPr>
+            <a:r>
+              <a:rPr lang="en-US" sz="2000" i="1" dirty="0"/>
+              <a:t>	</a:t>
+            </a:r>
+            <a:r>
+              <a:rPr lang="sr-Latn-RS" sz="2000" i="1" dirty="0" smtClean="0"/>
+              <a:t>      </a:t>
+            </a:r>
+            <a:r>
+              <a:rPr lang="en-US" sz="1600" i="1" dirty="0" smtClean="0"/>
+              <a:t>ret</a:t>
+            </a:r>
+            <a:r>
+              <a:rPr lang="en-US" sz="1600" i="1" dirty="0"/>
+              <a:t>, </a:t>
+            </a:r>
+            <a:r>
+              <a:rPr lang="en-US" sz="1600" i="1" dirty="0" err="1"/>
+              <a:t>img</a:t>
+            </a:r>
+            <a:r>
+              <a:rPr lang="en-US" sz="1600" i="1" dirty="0"/>
+              <a:t> = </a:t>
+            </a:r>
+            <a:r>
+              <a:rPr lang="en-US" sz="1600" i="1" dirty="0" err="1"/>
+              <a:t>video_capture</a:t>
+            </a:r>
+            <a:r>
+              <a:rPr lang="en-US" sz="1600" i="1" dirty="0" err="1" smtClean="0"/>
+              <a:t>.read</a:t>
+            </a:r>
+            <a:r>
+              <a:rPr lang="en-US" sz="1600" i="1" dirty="0" smtClean="0"/>
+              <a:t>()</a:t>
+            </a:r>
+            <a:endParaRPr lang="sr-Latn-RS" sz="1800" i="1" dirty="0" smtClean="0"/>
           </a:p>
         </p:txBody>
       </p:sp>
     </p:spTree>
     <p:extLst>
       <p:ext uri="{BB962C8B-B14F-4D97-AF65-F5344CB8AC3E}">
-        <p14:creationId xmlns:p14="http://schemas.microsoft.com/office/powerpoint/2010/main" val="3741210957"/>
+        <p14:creationId xmlns:p14="http://schemas.microsoft.com/office/powerpoint/2010/main" val="1580887538"/>
       </p:ext>
     </p:extLst>
   </p:cSld>
   <p:clrMapOvr>
     <a:masterClrMapping/>
   </p:clrMapOvr>
+  <p:timing>
+    <p:tnLst>
+      <p:par>
+        <p:cTn id="1" dur="indefinite" restart="never" nodeType="tmRoot"/>
+      </p:par>
+    </p:tnLst>
+  </p:timing>
 </p:sld>
 </file>
 
@@ -3823,7 +5382,7 @@
       </p:grpSpPr>
       <p:sp>
         <p:nvSpPr>
-          <p:cNvPr id="5" name="Title 4"/>
+          <p:cNvPr id="2" name="Title 1"/>
           <p:cNvSpPr>
             <a:spLocks noGrp="1"/>
           </p:cNvSpPr>
@@ -3833,73 +5392,413 @@
         </p:nvSpPr>
         <p:spPr/>
         <p:txBody>
-          <a:bodyPr/>
-          <a:lstStyle/>
-          <a:p>
-            <a:r>
-              <a:rPr lang="sr-Latn-RS" dirty="0" smtClean="0"/>
-              <a:t>Specifikacija</a:t>
+          <a:bodyPr>
+            <a:normAutofit fontScale="90000"/>
+          </a:bodyPr>
+          <a:lstStyle/>
+          <a:p>
+            <a:r>
+              <a:rPr lang="en-US" b="1" dirty="0"/>
+              <a:t>SPECIFIKACIJA</a:t>
+            </a:r>
+            <a:r>
+              <a:rPr lang="en-US" dirty="0"/>
+              <a:t/>
+            </a:r>
+            <a:br>
+              <a:rPr lang="en-US" dirty="0"/>
+            </a:br>
+            <a:r>
+              <a:rPr lang="en-US" sz="3100" i="1" dirty="0" err="1"/>
+              <a:t>Kako</a:t>
+            </a:r>
+            <a:r>
+              <a:rPr lang="sr-Latn-RS" sz="3100" i="1" dirty="0"/>
+              <a:t> program</a:t>
+            </a:r>
+            <a:r>
+              <a:rPr lang="en-US" sz="3100" i="1" dirty="0"/>
+              <a:t> </a:t>
+            </a:r>
+            <a:r>
+              <a:rPr lang="en-US" sz="3100" i="1" dirty="0" err="1"/>
+              <a:t>funkcioni</a:t>
+            </a:r>
+            <a:r>
+              <a:rPr lang="sr-Latn-RS" sz="3100" i="1" dirty="0"/>
+              <a:t>še?</a:t>
             </a:r>
             <a:endParaRPr lang="en-US" dirty="0"/>
           </a:p>
         </p:txBody>
       </p:sp>
-      <p:sp>
-        <p:nvSpPr>
-          <p:cNvPr id="6" name="Content Placeholder 5"/>
-          <p:cNvSpPr>
-            <a:spLocks noGrp="1"/>
-          </p:cNvSpPr>
-          <p:nvPr>
-            <p:ph idx="1"/>
-          </p:nvPr>
-        </p:nvSpPr>
-        <p:spPr/>
-        <p:txBody>
-          <a:bodyPr>
-            <a:noAutofit/>
-          </a:bodyPr>
-          <a:lstStyle/>
-          <a:p>
-            <a:pPr marL="0" indent="0">
-              <a:buNone/>
-            </a:pPr>
-            <a:r>
-              <a:rPr lang="sr-Latn-RS" sz="2500" dirty="0" smtClean="0"/>
-              <a:t>Opciono, uz korišćenje neuronske mreže:</a:t>
-            </a:r>
-          </a:p>
-          <a:p>
-            <a:r>
-              <a:rPr lang="sr-Latn-RS" sz="2500" dirty="0" smtClean="0"/>
-              <a:t>Prepoznavanje leve i desne šake</a:t>
-            </a:r>
-          </a:p>
-          <a:p>
-            <a:r>
-              <a:rPr lang="sr-Latn-RS" sz="2500" dirty="0" smtClean="0"/>
-              <a:t>Pomeranje kursora miša desnom šakom</a:t>
-            </a:r>
-          </a:p>
-          <a:p>
-            <a:r>
-              <a:rPr lang="sr-Latn-RS" sz="2500" dirty="0" smtClean="0"/>
-              <a:t>Manipulisanje prozorom aktivne aplikacije levom šakom</a:t>
-            </a:r>
-            <a:endParaRPr lang="en-US" sz="2500" dirty="0"/>
-          </a:p>
-        </p:txBody>
-      </p:sp>
+      <mc:AlternateContent xmlns:mc="http://schemas.openxmlformats.org/markup-compatibility/2006" xmlns:a14="http://schemas.microsoft.com/office/drawing/2010/main">
+        <mc:Choice Requires="a14">
+          <p:sp>
+            <p:nvSpPr>
+              <p:cNvPr id="3" name="Content Placeholder 2"/>
+              <p:cNvSpPr>
+                <a:spLocks noGrp="1"/>
+              </p:cNvSpPr>
+              <p:nvPr>
+                <p:ph idx="1"/>
+              </p:nvPr>
+            </p:nvSpPr>
+            <p:spPr/>
+            <p:txBody>
+              <a:bodyPr>
+                <a:normAutofit/>
+              </a:bodyPr>
+              <a:lstStyle/>
+              <a:p>
+                <a:pPr marL="514350" indent="-514350">
+                  <a:buFont typeface="+mj-lt"/>
+                  <a:buAutoNum type="arabicPeriod" startAt="3"/>
+                </a:pPr>
+                <a:r>
+                  <a:rPr lang="sr-Latn-RS" sz="2800" dirty="0" smtClean="0"/>
+                  <a:t>Snimak </a:t>
+                </a:r>
+                <a:r>
+                  <a:rPr lang="sr-Latn-RS" sz="2800" dirty="0"/>
+                  <a:t>se u pozadini softverski obrađuje, sa ciljem da se u frejmovima pronađe oblik koji predstavlja raširenu </a:t>
+                </a:r>
+                <a:r>
+                  <a:rPr lang="sr-Latn-RS" sz="2800" dirty="0" smtClean="0"/>
+                  <a:t>šaku</a:t>
+                </a:r>
+                <a:r>
+                  <a:rPr lang="sr-Latn-RS" sz="2800" dirty="0"/>
+                  <a:t>, ili da bar liči na nju</a:t>
+                </a:r>
+              </a:p>
+              <a:p>
+                <a:r>
+                  <a:rPr lang="en-US" sz="2000" dirty="0" err="1" smtClean="0"/>
+                  <a:t>Konverzija</a:t>
+                </a:r>
+                <a:r>
+                  <a:rPr lang="en-US" sz="2000" dirty="0" smtClean="0"/>
+                  <a:t> </a:t>
+                </a:r>
+                <a:r>
+                  <a:rPr lang="en-US" sz="2000" dirty="0" err="1" smtClean="0"/>
+                  <a:t>slike</a:t>
+                </a:r>
+                <a:r>
+                  <a:rPr lang="en-US" sz="2000" dirty="0" smtClean="0"/>
+                  <a:t> u </a:t>
+                </a:r>
+                <a:r>
+                  <a:rPr lang="en-US" sz="2000" dirty="0" err="1" smtClean="0"/>
+                  <a:t>grayscale</a:t>
+                </a:r>
+                <a:r>
+                  <a:rPr lang="en-US" sz="2000" dirty="0" smtClean="0"/>
+                  <a:t>, </a:t>
+                </a:r>
+                <a:r>
+                  <a:rPr lang="en-US" sz="2000" dirty="0" err="1" smtClean="0"/>
+                  <a:t>zamu</a:t>
+                </a:r>
+                <a:r>
+                  <a:rPr lang="sr-Latn-RS" sz="2000" dirty="0" smtClean="0"/>
+                  <a:t>ćivanje (GaussianBlur)</a:t>
+                </a:r>
+                <a:r>
+                  <a:rPr lang="en-US" sz="2000" dirty="0" smtClean="0"/>
+                  <a:t> da bi </a:t>
+                </a:r>
+                <a:r>
+                  <a:rPr lang="en-US" sz="2000" dirty="0" err="1" smtClean="0"/>
+                  <a:t>smo</a:t>
+                </a:r>
+                <a:r>
+                  <a:rPr lang="en-US" sz="2000" dirty="0" smtClean="0"/>
+                  <a:t> </a:t>
+                </a:r>
+                <a:r>
+                  <a:rPr lang="en-US" sz="2000" dirty="0" err="1" smtClean="0"/>
+                  <a:t>otklonili</a:t>
+                </a:r>
+                <a:r>
+                  <a:rPr lang="en-US" sz="2000" dirty="0" smtClean="0"/>
+                  <a:t> </a:t>
+                </a:r>
+                <a:r>
+                  <a:rPr lang="sr-Latn-RS" sz="2000" dirty="0" smtClean="0"/>
+                  <a:t>šum, </a:t>
+                </a:r>
+                <a:r>
+                  <a:rPr lang="en-US" sz="2000" dirty="0" smtClean="0"/>
+                  <a:t>pa </a:t>
+                </a:r>
+                <a:r>
+                  <a:rPr lang="en-US" sz="2000" dirty="0" err="1" smtClean="0"/>
+                  <a:t>binar</a:t>
+                </a:r>
+                <a:r>
+                  <a:rPr lang="sr-Latn-RS" sz="2000" dirty="0" smtClean="0"/>
+                  <a:t>izacija</a:t>
+                </a:r>
+              </a:p>
+              <a:p>
+                <a:pPr lvl="1"/>
+                <a:r>
+                  <a:rPr lang="sr-Latn-RS" sz="1600" dirty="0" smtClean="0"/>
+                  <a:t>GaussianBlur koristi Gaussian filter, tj filter čiji impulsni odziv (odziv sistema u funkciji vremena) predstavlja Gaussian (</a:t>
+                </a:r>
+                <a14:m>
+                  <m:oMath xmlns:m="http://schemas.openxmlformats.org/officeDocument/2006/math">
+                    <m:r>
+                      <a:rPr lang="en-US" sz="1600" b="0" i="1" smtClean="0">
+                        <a:latin typeface="Cambria Math"/>
+                      </a:rPr>
+                      <m:t>𝑓</m:t>
+                    </m:r>
+                    <m:d>
+                      <m:dPr>
+                        <m:ctrlPr>
+                          <a:rPr lang="en-US" sz="1600" b="0" i="1" smtClean="0">
+                            <a:latin typeface="Cambria Math"/>
+                          </a:rPr>
+                        </m:ctrlPr>
+                      </m:dPr>
+                      <m:e>
+                        <m:r>
+                          <a:rPr lang="en-US" sz="1600" b="0" i="1" smtClean="0">
+                            <a:latin typeface="Cambria Math"/>
+                          </a:rPr>
+                          <m:t>𝑥</m:t>
+                        </m:r>
+                      </m:e>
+                    </m:d>
+                    <m:r>
+                      <a:rPr lang="en-US" sz="1600" b="0" i="1" smtClean="0">
+                        <a:latin typeface="Cambria Math"/>
+                      </a:rPr>
+                      <m:t>=</m:t>
+                    </m:r>
+                    <m:r>
+                      <a:rPr lang="sr-Latn-RS" sz="1600" b="0" i="1" smtClean="0">
+                        <a:latin typeface="Cambria Math"/>
+                      </a:rPr>
+                      <m:t>𝑎</m:t>
+                    </m:r>
+                    <m:sSup>
+                      <m:sSupPr>
+                        <m:ctrlPr>
+                          <a:rPr lang="sr-Latn-RS" sz="1600" b="0" i="1" smtClean="0">
+                            <a:latin typeface="Cambria Math"/>
+                          </a:rPr>
+                        </m:ctrlPr>
+                      </m:sSupPr>
+                      <m:e>
+                        <m:r>
+                          <a:rPr lang="en-US" sz="1600" b="0" i="1" smtClean="0">
+                            <a:latin typeface="Cambria Math"/>
+                          </a:rPr>
+                          <m:t>𝑒</m:t>
+                        </m:r>
+                      </m:e>
+                      <m:sup>
+                        <m:r>
+                          <a:rPr lang="en-US" sz="1600" b="0" i="1" smtClean="0">
+                            <a:latin typeface="Cambria Math"/>
+                          </a:rPr>
+                          <m:t>−</m:t>
+                        </m:r>
+                        <m:f>
+                          <m:fPr>
+                            <m:ctrlPr>
+                              <a:rPr lang="sr-Latn-RS" sz="1600" b="0" i="1" smtClean="0">
+                                <a:latin typeface="Cambria Math"/>
+                              </a:rPr>
+                            </m:ctrlPr>
+                          </m:fPr>
+                          <m:num>
+                            <m:sSup>
+                              <m:sSupPr>
+                                <m:ctrlPr>
+                                  <a:rPr lang="sr-Latn-RS" sz="1600" b="0" i="1" smtClean="0">
+                                    <a:latin typeface="Cambria Math"/>
+                                  </a:rPr>
+                                </m:ctrlPr>
+                              </m:sSupPr>
+                              <m:e>
+                                <m:d>
+                                  <m:dPr>
+                                    <m:ctrlPr>
+                                      <a:rPr lang="sr-Latn-RS" sz="1600" b="0" i="1" smtClean="0">
+                                        <a:latin typeface="Cambria Math"/>
+                                      </a:rPr>
+                                    </m:ctrlPr>
+                                  </m:dPr>
+                                  <m:e>
+                                    <m:r>
+                                      <a:rPr lang="en-US" sz="1600" b="0" i="1" smtClean="0">
+                                        <a:latin typeface="Cambria Math"/>
+                                      </a:rPr>
+                                      <m:t>𝑥</m:t>
+                                    </m:r>
+                                    <m:r>
+                                      <a:rPr lang="en-US" sz="1600" b="0" i="1" smtClean="0">
+                                        <a:latin typeface="Cambria Math"/>
+                                      </a:rPr>
+                                      <m:t>−</m:t>
+                                    </m:r>
+                                    <m:r>
+                                      <a:rPr lang="en-US" sz="1600" b="0" i="1" smtClean="0">
+                                        <a:latin typeface="Cambria Math"/>
+                                      </a:rPr>
+                                      <m:t>𝑏</m:t>
+                                    </m:r>
+                                  </m:e>
+                                </m:d>
+                              </m:e>
+                              <m:sup>
+                                <m:r>
+                                  <a:rPr lang="en-US" sz="1600" b="0" i="1" smtClean="0">
+                                    <a:latin typeface="Cambria Math"/>
+                                  </a:rPr>
+                                  <m:t>2</m:t>
+                                </m:r>
+                              </m:sup>
+                            </m:sSup>
+                          </m:num>
+                          <m:den>
+                            <m:r>
+                              <a:rPr lang="sr-Latn-RS" sz="1600" b="0" i="1" smtClean="0">
+                                <a:latin typeface="Cambria Math"/>
+                              </a:rPr>
+                              <m:t>2</m:t>
+                            </m:r>
+                            <m:sSup>
+                              <m:sSupPr>
+                                <m:ctrlPr>
+                                  <a:rPr lang="en-US" sz="1600" b="0" i="1" smtClean="0">
+                                    <a:latin typeface="Cambria Math"/>
+                                  </a:rPr>
+                                </m:ctrlPr>
+                              </m:sSupPr>
+                              <m:e>
+                                <m:r>
+                                  <a:rPr lang="en-US" sz="1600" b="0" i="1" smtClean="0">
+                                    <a:latin typeface="Cambria Math"/>
+                                  </a:rPr>
+                                  <m:t>𝑐</m:t>
+                                </m:r>
+                              </m:e>
+                              <m:sup>
+                                <m:r>
+                                  <a:rPr lang="en-US" sz="1600" b="0" i="1" smtClean="0">
+                                    <a:latin typeface="Cambria Math"/>
+                                  </a:rPr>
+                                  <m:t>2</m:t>
+                                </m:r>
+                              </m:sup>
+                            </m:sSup>
+                          </m:den>
+                        </m:f>
+                      </m:sup>
+                    </m:sSup>
+                  </m:oMath>
+                </a14:m>
+                <a:r>
+                  <a:rPr lang="en-US" sz="1600" dirty="0" smtClean="0"/>
+                  <a:t>)</a:t>
+                </a:r>
+              </a:p>
+              <a:p>
+                <a:endParaRPr lang="sr-Latn-RS" sz="2000" dirty="0" smtClean="0"/>
+              </a:p>
+              <a:p>
+                <a:r>
+                  <a:rPr lang="en-US" sz="2000" dirty="0" err="1" smtClean="0"/>
+                  <a:t>Pronala</a:t>
+                </a:r>
+                <a:r>
+                  <a:rPr lang="sr-Latn-RS" sz="2000" dirty="0" smtClean="0"/>
+                  <a:t>ženje kontura na slici</a:t>
+                </a:r>
+              </a:p>
+              <a:p>
+                <a:pPr lvl="1"/>
+                <a:r>
+                  <a:rPr lang="sr-Latn-RS" sz="1600" i="1" dirty="0" smtClean="0"/>
+                  <a:t>cv2.findContours(img_bin, ...)</a:t>
+                </a:r>
+                <a:endParaRPr lang="en-US" sz="1600" i="1" dirty="0" smtClean="0"/>
+              </a:p>
+              <a:p>
+                <a:pPr lvl="1"/>
+                <a:r>
+                  <a:rPr lang="en-US" sz="1600" dirty="0" err="1" smtClean="0"/>
+                  <a:t>Funkcija</a:t>
+                </a:r>
+                <a:r>
+                  <a:rPr lang="en-US" sz="1600" dirty="0" smtClean="0"/>
+                  <a:t> </a:t>
+                </a:r>
+                <a:r>
+                  <a:rPr lang="sr-Latn-RS" sz="1600" dirty="0" smtClean="0"/>
+                  <a:t>će nam vratiti listu kontura, od kojih svaka predstavlja numpy array koordinata graničnih tačaka objekta u obliku (x, y)</a:t>
+                </a:r>
+              </a:p>
+            </p:txBody>
+          </p:sp>
+        </mc:Choice>
+        <mc:Fallback xmlns="">
+          <p:sp>
+            <p:nvSpPr>
+              <p:cNvPr id="3" name="Content Placeholder 2"/>
+              <p:cNvSpPr>
+                <a:spLocks noGrp="1" noRot="1" noChangeAspect="1" noMove="1" noResize="1" noEditPoints="1" noAdjustHandles="1" noChangeArrowheads="1" noChangeShapeType="1" noTextEdit="1"/>
+              </p:cNvSpPr>
+              <p:nvPr>
+                <p:ph idx="1"/>
+              </p:nvPr>
+            </p:nvSpPr>
+            <p:spPr>
+              <a:blipFill rotWithShape="1">
+                <a:blip r:embed="rId2"/>
+                <a:stretch>
+                  <a:fillRect l="-1481" t="-1348" r="-963"/>
+                </a:stretch>
+              </a:blipFill>
+            </p:spPr>
+            <p:txBody>
+              <a:bodyPr/>
+              <a:lstStyle/>
+              <a:p>
+                <a:r>
+                  <a:rPr lang="en-US">
+                    <a:noFill/>
+                  </a:rPr>
+                  <a:t> </a:t>
+                </a:r>
+              </a:p>
+            </p:txBody>
+          </p:sp>
+        </mc:Fallback>
+      </mc:AlternateContent>
     </p:spTree>
     <p:extLst>
       <p:ext uri="{BB962C8B-B14F-4D97-AF65-F5344CB8AC3E}">
-        <p14:creationId xmlns:p14="http://schemas.microsoft.com/office/powerpoint/2010/main" val="3632328996"/>
+        <p14:creationId xmlns:p14="http://schemas.microsoft.com/office/powerpoint/2010/main" val="1202819265"/>
       </p:ext>
     </p:extLst>
   </p:cSld>
   <p:clrMapOvr>
     <a:masterClrMapping/>
   </p:clrMapOvr>
+  <p:timing>
+    <p:tnLst>
+      <p:par>
+        <p:cTn id="1" dur="indefinite" restart="never" nodeType="tmRoot"/>
+      </p:par>
+    </p:tnLst>
+  </p:timing>
 </p:sld>
 </file>
 
@@ -3932,12 +5831,41 @@
         </p:nvSpPr>
         <p:spPr/>
         <p:txBody>
-          <a:bodyPr/>
-          <a:lstStyle/>
-          <a:p>
-            <a:r>
-              <a:rPr lang="sr-Latn-RS" dirty="0" smtClean="0"/>
-              <a:t>Motivacija</a:t>
+          <a:bodyPr>
+            <a:normAutofit fontScale="90000"/>
+          </a:bodyPr>
+          <a:lstStyle/>
+          <a:p>
+            <a:r>
+              <a:rPr lang="en-US" b="1" dirty="0"/>
+              <a:t>SPECIFIKACIJA</a:t>
+            </a:r>
+            <a:r>
+              <a:rPr lang="en-US" dirty="0"/>
+              <a:t/>
+            </a:r>
+            <a:br>
+              <a:rPr lang="en-US" dirty="0"/>
+            </a:br>
+            <a:r>
+              <a:rPr lang="en-US" sz="3100" i="1" dirty="0" err="1"/>
+              <a:t>Kako</a:t>
+            </a:r>
+            <a:r>
+              <a:rPr lang="sr-Latn-RS" sz="3100" i="1" dirty="0"/>
+              <a:t> program</a:t>
+            </a:r>
+            <a:r>
+              <a:rPr lang="en-US" sz="3100" i="1" dirty="0"/>
+              <a:t> </a:t>
+            </a:r>
+            <a:r>
+              <a:rPr lang="en-US" sz="3100" i="1" dirty="0" err="1"/>
+              <a:t>funkcioni</a:t>
+            </a:r>
+            <a:r>
+              <a:rPr lang="sr-Latn-RS" sz="3100" i="1" dirty="0"/>
+              <a:t>še?</a:t>
             </a:r>
             <a:endParaRPr lang="en-US" dirty="0"/>
           </a:p>
@@ -3955,47 +5883,154 @@
         </p:nvSpPr>
         <p:spPr/>
         <p:txBody>
-          <a:bodyPr/>
-          <a:lstStyle/>
-          <a:p>
-            <a:r>
-              <a:rPr lang="en-US" dirty="0" err="1" smtClean="0"/>
-              <a:t>Pomeranje</a:t>
-            </a:r>
-            <a:r>
-              <a:rPr lang="en-US" dirty="0" smtClean="0"/>
+          <a:bodyPr>
+            <a:normAutofit/>
+          </a:bodyPr>
+          <a:lstStyle/>
+          <a:p>
+            <a:pPr marL="514350" indent="-514350">
+              <a:buFont typeface="+mj-lt"/>
+              <a:buAutoNum type="arabicPeriod" startAt="3"/>
+            </a:pPr>
+            <a:r>
+              <a:rPr lang="sr-Latn-RS" sz="2800" dirty="0" smtClean="0"/>
+              <a:t>Snimak </a:t>
+            </a:r>
+            <a:r>
+              <a:rPr lang="sr-Latn-RS" sz="2800" dirty="0"/>
+              <a:t>se u pozadini softverski obrađuje, sa ciljem da se u frejmovima pronađe oblik koji predstavlja raširenu </a:t>
+            </a:r>
+            <a:r>
+              <a:rPr lang="sr-Latn-RS" sz="2800" dirty="0" smtClean="0"/>
+              <a:t>šaku</a:t>
+            </a:r>
+            <a:r>
+              <a:rPr lang="sr-Latn-RS" sz="2800" dirty="0"/>
+              <a:t>, ili da bar liči na </a:t>
+            </a:r>
+            <a:r>
+              <a:rPr lang="sr-Latn-RS" sz="2800" dirty="0" smtClean="0"/>
+              <a:t>nju</a:t>
+            </a:r>
+          </a:p>
+          <a:p>
+            <a:r>
+              <a:rPr lang="en-US" sz="2000" dirty="0" err="1"/>
+              <a:t>Odabir</a:t>
+            </a:r>
+            <a:r>
+              <a:rPr lang="en-US" sz="2000" dirty="0"/>
               <a:t> </a:t>
             </a:r>
             <a:r>
-              <a:rPr lang="en-US" dirty="0" err="1" smtClean="0"/>
-              <a:t>objekata</a:t>
-            </a:r>
-            <a:r>
-              <a:rPr lang="en-US" dirty="0" smtClean="0"/>
+              <a:rPr lang="en-US" sz="2000" dirty="0" err="1"/>
+              <a:t>odgovaraju</a:t>
+            </a:r>
+            <a:r>
+              <a:rPr lang="sr-Latn-RS" sz="2000" dirty="0"/>
+              <a:t>će konture</a:t>
+            </a:r>
+            <a:r>
+              <a:rPr lang="en-US" sz="2000" dirty="0"/>
+              <a:t> i </a:t>
+            </a:r>
+            <a:r>
+              <a:rPr lang="en-US" sz="2000" dirty="0" err="1"/>
+              <a:t>iscrtavanje</a:t>
+            </a:r>
+            <a:r>
+              <a:rPr lang="en-US" sz="2000" dirty="0"/>
               <a:t> </a:t>
             </a:r>
             <a:r>
-              <a:rPr lang="en-US" dirty="0" err="1" smtClean="0"/>
-              <a:t>kori</a:t>
-            </a:r>
-            <a:r>
-              <a:rPr lang="sr-Latn-RS" dirty="0" smtClean="0"/>
-              <a:t>šćenjem „sile“ u filmovima Star Wars (Force)</a:t>
-            </a:r>
-            <a:endParaRPr lang="en-US" dirty="0"/>
+              <a:rPr lang="sr-Latn-RS" sz="2000" dirty="0"/>
+              <a:t>iste na novu sliku</a:t>
+            </a:r>
+          </a:p>
+          <a:p>
+            <a:pPr lvl="1"/>
+            <a:r>
+              <a:rPr lang="sr-Latn-RS" sz="1600" dirty="0"/>
+              <a:t>Tražimo </a:t>
+            </a:r>
+            <a:r>
+              <a:rPr lang="en-US" sz="1600" dirty="0" err="1"/>
+              <a:t>kontur</a:t>
+            </a:r>
+            <a:r>
+              <a:rPr lang="sr-Latn-RS" sz="1600" dirty="0"/>
+              <a:t>u</a:t>
+            </a:r>
+            <a:r>
+              <a:rPr lang="en-US" sz="1600" dirty="0"/>
+              <a:t> </a:t>
+            </a:r>
+            <a:r>
+              <a:rPr lang="en-US" sz="1600" dirty="0" err="1"/>
+              <a:t>sa</a:t>
+            </a:r>
+            <a:r>
+              <a:rPr lang="en-US" sz="1600" dirty="0"/>
+              <a:t> </a:t>
+            </a:r>
+            <a:r>
+              <a:rPr lang="en-US" sz="1600" dirty="0" err="1"/>
+              <a:t>najve</a:t>
+            </a:r>
+            <a:r>
+              <a:rPr lang="sr-Latn-RS" sz="1600" dirty="0"/>
+              <a:t>ćom površinom</a:t>
+            </a:r>
+            <a:endParaRPr lang="sr-Latn-RS" sz="2800" dirty="0"/>
+          </a:p>
+          <a:p>
+            <a:endParaRPr lang="sr-Latn-RS" sz="2000" dirty="0" smtClean="0"/>
+          </a:p>
+          <a:p>
+            <a:r>
+              <a:rPr lang="sr-Latn-RS" sz="2000" dirty="0" smtClean="0"/>
+              <a:t>Prosleđivanje slike sa konturom obučenoj neuronskoj mreži</a:t>
+            </a:r>
+          </a:p>
+          <a:p>
+            <a:pPr lvl="1"/>
+            <a:r>
+              <a:rPr lang="en-US" sz="1600" dirty="0" err="1" smtClean="0"/>
+              <a:t>Neuronska</a:t>
+            </a:r>
+            <a:r>
+              <a:rPr lang="en-US" sz="1600" dirty="0" smtClean="0"/>
+              <a:t> </a:t>
+            </a:r>
+            <a:r>
+              <a:rPr lang="en-US" sz="1600" dirty="0" err="1" smtClean="0"/>
+              <a:t>mre</a:t>
+            </a:r>
+            <a:r>
+              <a:rPr lang="sr-Latn-RS" sz="1600" dirty="0" smtClean="0"/>
+              <a:t>ža će obraditi sliku i vratiti nam rezultat (da li je na slici šaka, i ako jeste, koja šaka i koja gestura su u pitanju, i koje su koordinate četvorougla koji opisuje konturu na određenoj slici)</a:t>
+            </a:r>
+            <a:endParaRPr lang="en-US" sz="1600" dirty="0" smtClean="0"/>
           </a:p>
         </p:txBody>
       </p:sp>
     </p:spTree>
     <p:extLst>
       <p:ext uri="{BB962C8B-B14F-4D97-AF65-F5344CB8AC3E}">
-        <p14:creationId xmlns:p14="http://schemas.microsoft.com/office/powerpoint/2010/main" val="958847051"/>
+        <p14:creationId xmlns:p14="http://schemas.microsoft.com/office/powerpoint/2010/main" val="3340575459"/>
       </p:ext>
     </p:extLst>
   </p:cSld>
   <p:clrMapOvr>
     <a:masterClrMapping/>
   </p:clrMapOvr>
+  <p:timing>
+    <p:tnLst>
+      <p:par>
+        <p:cTn id="1" dur="indefinite" restart="never" nodeType="tmRoot"/>
+      </p:par>
+    </p:tnLst>
+  </p:timing>
 </p:sld>
 </file>
 
@@ -4028,152 +6063,303 @@
         </p:nvSpPr>
         <p:spPr/>
         <p:txBody>
+          <a:bodyPr>
+            <a:normAutofit fontScale="90000"/>
+          </a:bodyPr>
+          <a:lstStyle/>
+          <a:p>
+            <a:r>
+              <a:rPr lang="en-US" b="1" dirty="0"/>
+              <a:t>SPECIFIKACIJA</a:t>
+            </a:r>
+            <a:r>
+              <a:rPr lang="en-US" dirty="0"/>
+              <a:t/>
+            </a:r>
+            <a:br>
+              <a:rPr lang="en-US" dirty="0"/>
+            </a:br>
+            <a:r>
+              <a:rPr lang="en-US" sz="3100" i="1" dirty="0" err="1"/>
+              <a:t>Kako</a:t>
+            </a:r>
+            <a:r>
+              <a:rPr lang="sr-Latn-RS" sz="3100" i="1" dirty="0"/>
+              <a:t> program</a:t>
+            </a:r>
+            <a:r>
+              <a:rPr lang="en-US" sz="3100" i="1" dirty="0"/>
+              <a:t> </a:t>
+            </a:r>
+            <a:r>
+              <a:rPr lang="en-US" sz="3100" i="1" dirty="0" err="1"/>
+              <a:t>funkcioni</a:t>
+            </a:r>
+            <a:r>
+              <a:rPr lang="sr-Latn-RS" sz="3100" i="1" dirty="0"/>
+              <a:t>še?</a:t>
+            </a:r>
+            <a:endParaRPr lang="en-US" dirty="0"/>
+          </a:p>
+        </p:txBody>
+      </p:sp>
+      <p:sp>
+        <p:nvSpPr>
+          <p:cNvPr id="3" name="Content Placeholder 2"/>
+          <p:cNvSpPr>
+            <a:spLocks noGrp="1"/>
+          </p:cNvSpPr>
+          <p:nvPr>
+            <p:ph idx="1"/>
+          </p:nvPr>
+        </p:nvSpPr>
+        <p:spPr/>
+        <p:txBody>
           <a:bodyPr/>
           <a:lstStyle/>
           <a:p>
-            <a:r>
-              <a:rPr lang="en-US" dirty="0" err="1" smtClean="0"/>
-              <a:t>Sli</a:t>
-            </a:r>
-            <a:r>
-              <a:rPr lang="sr-Latn-RS" dirty="0" smtClean="0"/>
-              <a:t>čna rešenja</a:t>
-            </a:r>
-            <a:endParaRPr lang="en-US" dirty="0"/>
-          </a:p>
-        </p:txBody>
-      </p:sp>
-      <p:sp>
-        <p:nvSpPr>
-          <p:cNvPr id="3" name="Content Placeholder 2"/>
-          <p:cNvSpPr>
-            <a:spLocks noGrp="1"/>
-          </p:cNvSpPr>
-          <p:nvPr>
-            <p:ph idx="1"/>
-          </p:nvPr>
-        </p:nvSpPr>
-        <p:spPr/>
-        <p:txBody>
-          <a:bodyPr/>
-          <a:lstStyle/>
-          <a:p>
-            <a:r>
-              <a:rPr lang="sr-Latn-RS" dirty="0" smtClean="0"/>
-              <a:t>Hovering Controls za smart telefone</a:t>
-            </a:r>
-          </a:p>
-          <a:p>
-            <a:pPr marL="0" indent="0">
-              <a:buNone/>
+            <a:pPr marL="514350" indent="-514350">
+              <a:buFont typeface="+mj-lt"/>
+              <a:buAutoNum type="arabicPeriod" startAt="4"/>
             </a:pPr>
             <a:r>
-              <a:rPr lang="en-US" sz="1600" dirty="0" smtClean="0">
-                <a:solidFill>
-                  <a:schemeClr val="accent1"/>
-                </a:solidFill>
-                <a:hlinkClick r:id="rId2"/>
-              </a:rPr>
-              <a:t>http</a:t>
-            </a:r>
-            <a:r>
-              <a:rPr lang="en-US" sz="1800" dirty="0" smtClean="0">
-                <a:solidFill>
-                  <a:schemeClr val="accent1"/>
-                </a:solidFill>
-                <a:hlinkClick r:id="rId2"/>
-              </a:rPr>
-              <a:t>://</a:t>
-            </a:r>
-            <a:r>
-              <a:rPr lang="en-US" sz="1600" dirty="0" smtClean="0">
-                <a:solidFill>
-                  <a:schemeClr val="accent1"/>
-                </a:solidFill>
-                <a:hlinkClick r:id="rId2"/>
-              </a:rPr>
-              <a:t>forum.xda-developers.com/showthread.php?t=2351974</a:t>
-            </a:r>
-            <a:endParaRPr lang="sr-Latn-RS" sz="1800" dirty="0" smtClean="0">
-              <a:solidFill>
-                <a:schemeClr val="accent1"/>
-              </a:solidFill>
-            </a:endParaRPr>
-          </a:p>
-          <a:p>
-            <a:pPr marL="0" indent="0">
-              <a:buNone/>
-            </a:pPr>
-            <a:r>
-              <a:rPr lang="en-US" sz="1600" dirty="0" smtClean="0">
-                <a:solidFill>
-                  <a:schemeClr val="accent1"/>
-                </a:solidFill>
-                <a:hlinkClick r:id="rId3"/>
-              </a:rPr>
-              <a:t>https://play.google.com/store/apps/details?id=com.golgorz.hoveringcontrols</a:t>
-            </a:r>
-            <a:endParaRPr lang="en-US" sz="1600" dirty="0" smtClean="0">
-              <a:solidFill>
-                <a:schemeClr val="accent1"/>
-              </a:solidFill>
-            </a:endParaRPr>
-          </a:p>
-          <a:p>
-            <a:r>
-              <a:rPr lang="sr-Latn-RS" dirty="0" smtClean="0"/>
-              <a:t>Samsung Smart TV Motion Control</a:t>
+              <a:rPr lang="sr-Latn-RS" sz="2800" dirty="0"/>
+              <a:t>Ako se šaka pojavi na snimku</a:t>
+            </a:r>
+            <a:r>
+              <a:rPr lang="sr-Latn-RS" sz="2800" dirty="0" smtClean="0"/>
+              <a:t>, </a:t>
+            </a:r>
+            <a:r>
+              <a:rPr lang="sr-Latn-RS" sz="2800" dirty="0"/>
+              <a:t>na osnovu </a:t>
+            </a:r>
+            <a:r>
+              <a:rPr lang="sr-Latn-RS" sz="2800" dirty="0" smtClean="0"/>
+              <a:t>koordinata četvorougla koji je opisuje proveravamo </a:t>
+            </a:r>
+            <a:r>
+              <a:rPr lang="sr-Latn-RS" sz="2800" dirty="0"/>
+              <a:t>da li se ona </a:t>
+            </a:r>
+            <a:r>
+              <a:rPr lang="sr-Latn-RS" sz="2800" dirty="0" smtClean="0"/>
+              <a:t>kreće</a:t>
+            </a:r>
+            <a:r>
+              <a:rPr lang="en-US" sz="2800" dirty="0" smtClean="0"/>
+              <a:t>, i </a:t>
+            </a:r>
+            <a:r>
+              <a:rPr lang="en-US" sz="2800" dirty="0" err="1" smtClean="0"/>
+              <a:t>ako</a:t>
+            </a:r>
+            <a:r>
+              <a:rPr lang="en-US" sz="2800" dirty="0" smtClean="0"/>
+              <a:t> se </a:t>
+            </a:r>
+            <a:r>
+              <a:rPr lang="en-US" sz="2800" dirty="0" err="1" smtClean="0"/>
+              <a:t>kre</a:t>
+            </a:r>
+            <a:r>
+              <a:rPr lang="sr-Latn-RS" sz="2800" dirty="0" smtClean="0"/>
+              <a:t>će, pomeramo kursor</a:t>
             </a:r>
             <a:endParaRPr lang="en-US" dirty="0" smtClean="0"/>
           </a:p>
           <a:p>
-            <a:pPr marL="0" indent="0">
-              <a:buNone/>
-            </a:pPr>
-            <a:r>
-              <a:rPr lang="en-US" sz="1600" dirty="0" smtClean="0">
-                <a:hlinkClick r:id="rId4"/>
-              </a:rPr>
-              <a:t>http://www.samsung.com/my/microsite/tv/2013_si/motion_control_ex_gesture.html</a:t>
-            </a:r>
-            <a:endParaRPr lang="en-US" sz="1600" dirty="0" smtClean="0"/>
-          </a:p>
-          <a:p>
-            <a:r>
-              <a:rPr lang="en-US" dirty="0" smtClean="0"/>
-              <a:t>Leap Motion</a:t>
-            </a:r>
-          </a:p>
-          <a:p>
-            <a:pPr marL="0" indent="0">
-              <a:buNone/>
-            </a:pPr>
-            <a:r>
-              <a:rPr lang="en-US" sz="1600" dirty="0" smtClean="0">
-                <a:hlinkClick r:id="rId5"/>
-              </a:rPr>
-              <a:t>https://www.leapmotion.com/</a:t>
-            </a:r>
-            <a:endParaRPr lang="en-US" sz="1600" dirty="0" smtClean="0"/>
-          </a:p>
-          <a:p>
-            <a:pPr marL="0" indent="0">
-              <a:buNone/>
-            </a:pPr>
-            <a:endParaRPr lang="en-US" dirty="0"/>
+            <a:r>
+              <a:rPr lang="en-US" sz="2000" dirty="0" err="1" smtClean="0"/>
+              <a:t>Uzimamo</a:t>
+            </a:r>
+            <a:r>
+              <a:rPr lang="en-US" sz="2000" dirty="0" smtClean="0"/>
+              <a:t> </a:t>
+            </a:r>
+            <a:r>
+              <a:rPr lang="en-US" sz="2000" dirty="0" err="1" smtClean="0"/>
+              <a:t>koordinate</a:t>
+            </a:r>
+            <a:r>
+              <a:rPr lang="en-US" sz="2000" dirty="0" smtClean="0"/>
+              <a:t> </a:t>
+            </a:r>
+            <a:r>
+              <a:rPr lang="sr-Latn-RS" sz="2000" dirty="0" smtClean="0"/>
+              <a:t>donje desne </a:t>
+            </a:r>
+            <a:r>
+              <a:rPr lang="en-US" sz="2000" dirty="0" smtClean="0"/>
+              <a:t>ta</a:t>
+            </a:r>
+            <a:r>
+              <a:rPr lang="sr-Latn-RS" sz="2000" dirty="0" smtClean="0"/>
+              <a:t>čke četvorougla</a:t>
+            </a:r>
+          </a:p>
+          <a:p>
+            <a:pPr lvl="1"/>
+            <a:r>
+              <a:rPr lang="es-ES" sz="1600" i="1" dirty="0"/>
+              <a:t>x1 = </a:t>
+            </a:r>
+            <a:r>
+              <a:rPr lang="es-ES" sz="1600" i="1" dirty="0" err="1"/>
+              <a:t>rectangle</a:t>
+            </a:r>
+            <a:r>
+              <a:rPr lang="es-ES" sz="1600" i="1" dirty="0"/>
+              <a:t>[0</a:t>
+            </a:r>
+            <a:r>
+              <a:rPr lang="es-ES" sz="1600" i="1" dirty="0" smtClean="0"/>
+              <a:t>][2]</a:t>
+            </a:r>
+          </a:p>
+          <a:p>
+            <a:pPr lvl="1"/>
+            <a:r>
+              <a:rPr lang="es-ES" sz="1600" i="1" dirty="0" smtClean="0"/>
+              <a:t>y1 </a:t>
+            </a:r>
+            <a:r>
+              <a:rPr lang="es-ES" sz="1600" i="1" dirty="0"/>
+              <a:t>= </a:t>
+            </a:r>
+            <a:r>
+              <a:rPr lang="es-ES" sz="1600" i="1" dirty="0" err="1"/>
+              <a:t>rectangle</a:t>
+            </a:r>
+            <a:r>
+              <a:rPr lang="es-ES" sz="1600" i="1" dirty="0"/>
+              <a:t>[0</a:t>
+            </a:r>
+            <a:r>
+              <a:rPr lang="es-ES" sz="1600" i="1" dirty="0" smtClean="0"/>
+              <a:t>][3]</a:t>
+            </a:r>
+            <a:endParaRPr lang="sr-Latn-RS" sz="1600" i="1" dirty="0" smtClean="0"/>
+          </a:p>
+          <a:p>
+            <a:r>
+              <a:rPr lang="sr-Latn-RS" sz="2000" dirty="0" smtClean="0"/>
+              <a:t>Oduzimamo ih od prethodno očitanih koordinata da dobijemo pomeraj</a:t>
+            </a:r>
+          </a:p>
+          <a:p>
+            <a:pPr lvl="1"/>
+            <a:r>
+              <a:rPr lang="en-US" sz="1600" i="1" dirty="0" err="1"/>
+              <a:t>move_x</a:t>
+            </a:r>
+            <a:r>
+              <a:rPr lang="en-US" sz="1600" i="1" dirty="0"/>
+              <a:t> = x1 - </a:t>
+            </a:r>
+            <a:r>
+              <a:rPr lang="en-US" sz="1600" i="1" dirty="0" smtClean="0"/>
+              <a:t>prev_x1</a:t>
+            </a:r>
+          </a:p>
+          <a:p>
+            <a:pPr lvl="1"/>
+            <a:r>
+              <a:rPr lang="en-US" sz="1600" i="1" dirty="0" err="1" smtClean="0"/>
+              <a:t>move_y</a:t>
+            </a:r>
+            <a:r>
+              <a:rPr lang="en-US" sz="1600" i="1" dirty="0" smtClean="0"/>
+              <a:t> </a:t>
+            </a:r>
+            <a:r>
+              <a:rPr lang="en-US" sz="1600" i="1" dirty="0"/>
+              <a:t>= y1 - prev_y1</a:t>
+            </a:r>
+            <a:endParaRPr lang="sr-Latn-RS" sz="1600" i="1" dirty="0" smtClean="0"/>
+          </a:p>
+          <a:p>
+            <a:r>
+              <a:rPr lang="en-US" sz="2000" dirty="0" err="1" smtClean="0"/>
+              <a:t>Ako</a:t>
+            </a:r>
+            <a:r>
+              <a:rPr lang="en-US" sz="2000" dirty="0" smtClean="0"/>
+              <a:t> </a:t>
+            </a:r>
+            <a:r>
+              <a:rPr lang="en-US" sz="2000" dirty="0" err="1" smtClean="0"/>
+              <a:t>postoji</a:t>
+            </a:r>
+            <a:r>
+              <a:rPr lang="en-US" sz="2000" dirty="0" smtClean="0"/>
+              <a:t> </a:t>
+            </a:r>
+            <a:r>
+              <a:rPr lang="en-US" sz="2000" dirty="0" err="1" smtClean="0"/>
+              <a:t>razlika</a:t>
+            </a:r>
+            <a:r>
+              <a:rPr lang="en-US" sz="2000" dirty="0" smtClean="0"/>
+              <a:t> u </a:t>
+            </a:r>
+            <a:r>
+              <a:rPr lang="en-US" sz="2000" dirty="0" err="1" smtClean="0"/>
+              <a:t>koordinatama</a:t>
+            </a:r>
+            <a:r>
+              <a:rPr lang="en-US" sz="2000" dirty="0" smtClean="0"/>
+              <a:t>, p</a:t>
+            </a:r>
+            <a:r>
+              <a:rPr lang="sr-Latn-RS" sz="2000" dirty="0" smtClean="0"/>
+              <a:t>omeramo kursor na novu poziciju</a:t>
+            </a:r>
+            <a:endParaRPr lang="en-US" sz="2000" dirty="0" smtClean="0"/>
+          </a:p>
+          <a:p>
+            <a:pPr lvl="1"/>
+            <a:r>
+              <a:rPr lang="en-US" sz="1600" i="1" dirty="0"/>
+              <a:t>win32api.SetCursorPos((</a:t>
+            </a:r>
+            <a:r>
+              <a:rPr lang="en-US" sz="1600" i="1" dirty="0" err="1"/>
+              <a:t>cursor_x</a:t>
+            </a:r>
+            <a:r>
+              <a:rPr lang="en-US" sz="1600" i="1" dirty="0"/>
+              <a:t>, </a:t>
+            </a:r>
+            <a:r>
+              <a:rPr lang="en-US" sz="1600" i="1" dirty="0" err="1"/>
+              <a:t>cursor_y</a:t>
+            </a:r>
+            <a:r>
+              <a:rPr lang="en-US" sz="1600" i="1" dirty="0"/>
+              <a:t>))</a:t>
+            </a:r>
+            <a:endParaRPr lang="sr-Latn-RS" sz="1600" i="1" dirty="0" smtClean="0"/>
           </a:p>
         </p:txBody>
       </p:sp>
     </p:spTree>
     <p:extLst>
       <p:ext uri="{BB962C8B-B14F-4D97-AF65-F5344CB8AC3E}">
-        <p14:creationId xmlns:p14="http://schemas.microsoft.com/office/powerpoint/2010/main" val="3989313053"/>
+        <p14:creationId xmlns:p14="http://schemas.microsoft.com/office/powerpoint/2010/main" val="1642854114"/>
       </p:ext>
     </p:extLst>
   </p:cSld>
   <p:clrMapOvr>
     <a:masterClrMapping/>
   </p:clrMapOvr>
+  <p:timing>
+    <p:tnLst>
+      <p:par>
+        <p:cTn id="1" dur="indefinite" restart="never" nodeType="tmRoot"/>
+      </p:par>
+    </p:tnLst>
+  </p:timing>
 </p:sld>
 </file>
 
@@ -4196,7 +6382,7 @@
       </p:grpSpPr>
       <p:sp>
         <p:nvSpPr>
-          <p:cNvPr id="2" name="Title 1"/>
+          <p:cNvPr id="5" name="Title 4"/>
           <p:cNvSpPr>
             <a:spLocks noGrp="1"/>
           </p:cNvSpPr>
@@ -4207,29 +6393,48 @@
         <p:spPr/>
         <p:txBody>
           <a:bodyPr>
-            <a:normAutofit/>
+            <a:normAutofit fontScale="90000"/>
           </a:bodyPr>
           <a:lstStyle/>
           <a:p>
             <a:r>
-              <a:rPr lang="en-US" dirty="0" err="1" smtClean="0"/>
-              <a:t>Koraci</a:t>
-            </a:r>
-            <a:r>
-              <a:rPr lang="en-US" dirty="0" smtClean="0"/>
+              <a:rPr lang="en-US" b="1" dirty="0"/>
+              <a:t>SPECIFIKACIJA</a:t>
+            </a:r>
+            <a:r>
+              <a:rPr lang="en-US" dirty="0"/>
+              <a:t/>
+            </a:r>
+            <a:br>
+              <a:rPr lang="en-US" dirty="0"/>
+            </a:br>
+            <a:r>
+              <a:rPr lang="en-US" sz="3100" i="1" dirty="0" err="1"/>
+              <a:t>Kako</a:t>
+            </a:r>
+            <a:r>
+              <a:rPr lang="sr-Latn-RS" sz="3100" i="1" dirty="0"/>
+              <a:t> program</a:t>
+            </a:r>
+            <a:r>
+              <a:rPr lang="en-US" sz="3100" i="1" dirty="0"/>
               <a:t> </a:t>
             </a:r>
             <a:r>
-              <a:rPr lang="en-US" dirty="0" err="1" smtClean="0"/>
-              <a:t>implementacije</a:t>
-            </a:r>
-            <a:endParaRPr lang="en-US" dirty="0"/>
-          </a:p>
-        </p:txBody>
-      </p:sp>
-      <p:sp>
-        <p:nvSpPr>
-          <p:cNvPr id="3" name="Content Placeholder 2"/>
+              <a:rPr lang="en-US" sz="3100" i="1" dirty="0" err="1"/>
+              <a:t>funkcioni</a:t>
+            </a:r>
+            <a:r>
+              <a:rPr lang="sr-Latn-RS" sz="3100" i="1" dirty="0"/>
+              <a:t>še?</a:t>
+            </a:r>
+            <a:endParaRPr lang="en-US" sz="3100" i="1" dirty="0"/>
+          </a:p>
+        </p:txBody>
+      </p:sp>
+      <p:sp>
+        <p:nvSpPr>
+          <p:cNvPr id="6" name="Content Placeholder 5"/>
           <p:cNvSpPr>
             <a:spLocks noGrp="1"/>
           </p:cNvSpPr>
@@ -4240,61 +6445,110 @@
         <p:spPr/>
         <p:txBody>
           <a:bodyPr>
-            <a:normAutofit/>
+            <a:noAutofit/>
           </a:bodyPr>
           <a:lstStyle/>
           <a:p>
-            <a:pPr marL="514350" indent="-514350">
+            <a:pPr marL="457200" indent="-457200">
               <a:buFont typeface="+mj-lt"/>
-              <a:buAutoNum type="arabicPeriod"/>
+              <a:buAutoNum type="arabicPeriod" startAt="5"/>
             </a:pPr>
             <a:r>
-              <a:rPr lang="en-US" dirty="0" err="1" smtClean="0"/>
-              <a:t>Zatra</a:t>
-            </a:r>
-            <a:r>
-              <a:rPr lang="sr-Latn-RS" dirty="0" smtClean="0"/>
-              <a:t>žiti od web kamere da počne da snima</a:t>
-            </a:r>
-          </a:p>
-          <a:p>
-            <a:pPr marL="514350" indent="-514350">
-              <a:buFont typeface="+mj-lt"/>
-              <a:buAutoNum type="arabicPeriod"/>
-            </a:pPr>
-            <a:r>
-              <a:rPr lang="sr-Latn-RS" dirty="0" smtClean="0"/>
-              <a:t>Čitati frejmove iz snimka kamere (realtime)</a:t>
-            </a:r>
-          </a:p>
-          <a:p>
-            <a:pPr marL="514350" indent="-514350">
-              <a:buFont typeface="+mj-lt"/>
-              <a:buAutoNum type="arabicPeriod"/>
-            </a:pPr>
-            <a:r>
-              <a:rPr lang="sr-Latn-RS" dirty="0" smtClean="0"/>
-              <a:t>Konvertovati svaki frejm u binarnu sliku</a:t>
-            </a:r>
-          </a:p>
-          <a:p>
-            <a:pPr marL="514350" indent="-514350">
-              <a:buFont typeface="+mj-lt"/>
-              <a:buAutoNum type="arabicPeriod"/>
-            </a:pPr>
-            <a:r>
-              <a:rPr lang="sr-Latn-RS" dirty="0" smtClean="0"/>
-              <a:t>Pronaći region od interesa (konveksnu „ljusku“ šake)</a:t>
-            </a:r>
-          </a:p>
-          <a:p>
-            <a:pPr marL="514350" indent="-514350">
-              <a:buFont typeface="+mj-lt"/>
-              <a:buAutoNum type="arabicPeriod"/>
-            </a:pPr>
-            <a:r>
-              <a:rPr lang="sr-Latn-RS" dirty="0" smtClean="0"/>
-              <a:t>Sračunati razlike u poziciji i veličini regiona između frejmova</a:t>
+              <a:rPr lang="sr-Latn-RS" sz="2400" dirty="0" smtClean="0"/>
+              <a:t>Ako šaka vrši neki gest (skupljena šaka/neki od prstiju šake...), vrši se programski pritisak levog (skupljen</a:t>
+            </a:r>
+            <a:r>
+              <a:rPr lang="en-US" sz="2400" dirty="0" smtClean="0"/>
+              <a:t>a </a:t>
+            </a:r>
+            <a:r>
+              <a:rPr lang="en-US" sz="2400" dirty="0" err="1" smtClean="0"/>
+              <a:t>cela</a:t>
+            </a:r>
+            <a:r>
+              <a:rPr lang="en-US" sz="2400" dirty="0" smtClean="0"/>
+              <a:t> </a:t>
+            </a:r>
+            <a:r>
+              <a:rPr lang="sr-Latn-RS" sz="2400" dirty="0" smtClean="0"/>
+              <a:t>šaka) ili desnog (palac nije skupljen) tastera miša</a:t>
+            </a:r>
+          </a:p>
+          <a:p>
+            <a:r>
+              <a:rPr lang="sr-Latn-RS" sz="2000" dirty="0" smtClean="0"/>
+              <a:t>Proveravamo rezultat koji je vratila neuronska mreža</a:t>
+            </a:r>
+          </a:p>
+          <a:p>
+            <a:pPr lvl="1"/>
+            <a:r>
+              <a:rPr lang="en-US" sz="1600" b="1" i="1" dirty="0"/>
+              <a:t>if </a:t>
+            </a:r>
+            <a:r>
+              <a:rPr lang="en-US" sz="1600" i="1" dirty="0" err="1"/>
+              <a:t>result.startswith</a:t>
+            </a:r>
+            <a:r>
+              <a:rPr lang="en-US" sz="1600" i="1" dirty="0" smtClean="0"/>
+              <a:t>(</a:t>
+            </a:r>
+            <a:r>
+              <a:rPr lang="sr-Latn-RS" sz="1600" i="1" dirty="0" smtClean="0"/>
+              <a:t>):</a:t>
+            </a:r>
+            <a:endParaRPr lang="en-US" sz="1600" i="1" dirty="0"/>
+          </a:p>
+          <a:p>
+            <a:r>
+              <a:rPr lang="en-US" sz="2000" dirty="0" smtClean="0"/>
+              <a:t>U </a:t>
+            </a:r>
+            <a:r>
+              <a:rPr lang="en-US" sz="2000" dirty="0" err="1" smtClean="0"/>
+              <a:t>zavisnosti</a:t>
+            </a:r>
+            <a:r>
+              <a:rPr lang="en-US" sz="2000" dirty="0" smtClean="0"/>
+              <a:t> </a:t>
+            </a:r>
+            <a:r>
+              <a:rPr lang="sr-Latn-RS" sz="2000" dirty="0" smtClean="0"/>
+              <a:t>od rezultata, vršimo određenu akciju</a:t>
+            </a:r>
+          </a:p>
+          <a:p>
+            <a:pPr lvl="1"/>
+            <a:r>
+              <a:rPr lang="en-US" sz="1600" dirty="0" smtClean="0"/>
+              <a:t>win32api.mouse_event()</a:t>
+            </a:r>
+            <a:endParaRPr lang="sr-Latn-RS" sz="1600" dirty="0" smtClean="0"/>
+          </a:p>
+          <a:p>
+            <a:r>
+              <a:rPr lang="sr-Latn-RS" sz="2000" dirty="0" smtClean="0"/>
+              <a:t>Ako se šaka pomera, čak i dok vrši gest, kursor će se takođe pomerati</a:t>
+            </a:r>
+          </a:p>
+          <a:p>
+            <a:r>
+              <a:rPr lang="sr-Latn-RS" sz="2000" dirty="0" smtClean="0"/>
+              <a:t>Ako se šaka vrati u prvobitno stanje (ne vrši gest), akcija se „poništava“</a:t>
+            </a:r>
+          </a:p>
+          <a:p>
+            <a:pPr lvl="1"/>
+            <a:r>
+              <a:rPr lang="sr-Latn-RS" sz="1600" dirty="0" smtClean="0"/>
+              <a:t>Npr. taster miša se otpusti</a:t>
+            </a:r>
+          </a:p>
+          <a:p>
+            <a:r>
+              <a:rPr lang="sr-Latn-RS" sz="2000" dirty="0" smtClean="0"/>
+              <a:t>asd</a:t>
             </a:r>
           </a:p>
         </p:txBody>
@@ -4302,13 +6556,20 @@
     </p:spTree>
     <p:extLst>
       <p:ext uri="{BB962C8B-B14F-4D97-AF65-F5344CB8AC3E}">
-        <p14:creationId xmlns:p14="http://schemas.microsoft.com/office/powerpoint/2010/main" val="1440826449"/>
+        <p14:creationId xmlns:p14="http://schemas.microsoft.com/office/powerpoint/2010/main" val="3741210957"/>
       </p:ext>
     </p:extLst>
   </p:cSld>
   <p:clrMapOvr>
     <a:masterClrMapping/>
   </p:clrMapOvr>
+  <p:timing>
+    <p:tnLst>
+      <p:par>
+        <p:cTn id="1" dur="indefinite" restart="never" nodeType="tmRoot"/>
+      </p:par>
+    </p:tnLst>
+  </p:timing>
 </p:sld>
 </file>
 
@@ -4331,7 +6592,7 @@
       </p:grpSpPr>
       <p:sp>
         <p:nvSpPr>
-          <p:cNvPr id="2" name="Title 1"/>
+          <p:cNvPr id="5" name="Title 4"/>
           <p:cNvSpPr>
             <a:spLocks noGrp="1"/>
           </p:cNvSpPr>
@@ -4341,20 +6602,37 @@
         </p:nvSpPr>
         <p:spPr/>
         <p:txBody>
-          <a:bodyPr/>
-          <a:lstStyle/>
-          <a:p>
-            <a:r>
-              <a:rPr lang="sr-Latn-RS" dirty="0" smtClean="0"/>
-              <a:t>Koraci implementacije</a:t>
-            </a:r>
-            <a:endParaRPr lang="en-US" dirty="0"/>
-          </a:p>
-        </p:txBody>
-      </p:sp>
-      <p:sp>
-        <p:nvSpPr>
-          <p:cNvPr id="3" name="Content Placeholder 2"/>
+          <a:bodyPr>
+            <a:normAutofit fontScale="90000"/>
+          </a:bodyPr>
+          <a:lstStyle/>
+          <a:p>
+            <a:r>
+              <a:rPr lang="en-US" b="1" dirty="0"/>
+              <a:t>SPECIFIKACIJA</a:t>
+            </a:r>
+            <a:r>
+              <a:rPr lang="en-US" dirty="0"/>
+              <a:t/>
+            </a:r>
+            <a:br>
+              <a:rPr lang="en-US" dirty="0"/>
+            </a:br>
+            <a:r>
+              <a:rPr lang="en-US" sz="2800" i="1" dirty="0" err="1" smtClean="0"/>
+              <a:t>Mogu</a:t>
+            </a:r>
+            <a:r>
+              <a:rPr lang="sr-Latn-RS" sz="2800" i="1" dirty="0" smtClean="0"/>
+              <a:t>ći dodaci</a:t>
+            </a:r>
+            <a:endParaRPr lang="en-US" i="1" dirty="0"/>
+          </a:p>
+        </p:txBody>
+      </p:sp>
+      <p:sp>
+        <p:nvSpPr>
+          <p:cNvPr id="6" name="Content Placeholder 5"/>
           <p:cNvSpPr>
             <a:spLocks noGrp="1"/>
           </p:cNvSpPr>
@@ -4364,41 +6642,42 @@
         </p:nvSpPr>
         <p:spPr/>
         <p:txBody>
-          <a:bodyPr/>
-          <a:lstStyle/>
-          <a:p>
-            <a:pPr marL="514350" indent="-514350">
-              <a:buFont typeface="+mj-lt"/>
-              <a:buAutoNum type="arabicPeriod" startAt="6"/>
-            </a:pPr>
-            <a:r>
-              <a:rPr lang="sr-Latn-RS" dirty="0" smtClean="0"/>
-              <a:t>Ako postoji razlika u poziciji, i veća je od minimalne granice za pomeraj, pomeri kursor miša za sračunatu razliku</a:t>
-            </a:r>
-          </a:p>
-          <a:p>
-            <a:pPr marL="514350" indent="-514350">
-              <a:buFont typeface="+mj-lt"/>
-              <a:buAutoNum type="arabicPeriod" startAt="6"/>
-            </a:pPr>
-            <a:r>
-              <a:rPr lang="sr-Latn-RS" dirty="0" smtClean="0"/>
-              <a:t>Ako postoji razlika u veličini, izvrši pritisak levog ili desnog tastera, u zavisnosti od veličine regiona (region za desni taster je širi od regiona za levi taster)</a:t>
-            </a:r>
-            <a:endParaRPr lang="en-US" dirty="0" smtClean="0"/>
+          <a:bodyPr>
+            <a:noAutofit/>
+          </a:bodyPr>
+          <a:lstStyle/>
+          <a:p>
+            <a:r>
+              <a:rPr lang="sr-Latn-RS" sz="2500" dirty="0" smtClean="0"/>
+              <a:t>Kontrolisanje kursora i akcija miša desnom šakom</a:t>
+            </a:r>
+          </a:p>
+          <a:p>
+            <a:r>
+              <a:rPr lang="sr-Latn-RS" sz="2500" dirty="0" smtClean="0"/>
+              <a:t>Manipulisanje prozorom aktivne aplikacije levom šakom</a:t>
+            </a:r>
+            <a:endParaRPr lang="en-US" sz="2500" dirty="0"/>
           </a:p>
         </p:txBody>
       </p:sp>
     </p:spTree>
     <p:extLst>
       <p:ext uri="{BB962C8B-B14F-4D97-AF65-F5344CB8AC3E}">
-        <p14:creationId xmlns:p14="http://schemas.microsoft.com/office/powerpoint/2010/main" val="3064637417"/>
+        <p14:creationId xmlns:p14="http://schemas.microsoft.com/office/powerpoint/2010/main" val="3632328996"/>
       </p:ext>
     </p:extLst>
   </p:cSld>
   <p:clrMapOvr>
     <a:masterClrMapping/>
   </p:clrMapOvr>
+  <p:timing>
+    <p:tnLst>
+      <p:par>
+        <p:cTn id="1" dur="indefinite" restart="never" nodeType="tmRoot"/>
+      </p:par>
+    </p:tnLst>
+  </p:timing>
 </p:sld>
 </file>
 

--- a/Upravljanje računarom na osnovu pokreta snimljenih web kamerom.pptx
+++ b/Upravljanje računarom na osnovu pokreta snimljenih web kamerom.pptx
@@ -7,18 +7,20 @@
   <p:sldIdLst>
     <p:sldId id="257" r:id="rId2"/>
     <p:sldId id="258" r:id="rId3"/>
-    <p:sldId id="261" r:id="rId4"/>
-    <p:sldId id="272" r:id="rId5"/>
-    <p:sldId id="268" r:id="rId6"/>
-    <p:sldId id="270" r:id="rId7"/>
-    <p:sldId id="269" r:id="rId8"/>
-    <p:sldId id="260" r:id="rId9"/>
-    <p:sldId id="266" r:id="rId10"/>
-    <p:sldId id="262" r:id="rId11"/>
-    <p:sldId id="263" r:id="rId12"/>
-    <p:sldId id="264" r:id="rId13"/>
-    <p:sldId id="265" r:id="rId14"/>
-    <p:sldId id="267" r:id="rId15"/>
+    <p:sldId id="274" r:id="rId4"/>
+    <p:sldId id="275" r:id="rId5"/>
+    <p:sldId id="276" r:id="rId6"/>
+    <p:sldId id="277" r:id="rId7"/>
+    <p:sldId id="278" r:id="rId8"/>
+    <p:sldId id="261" r:id="rId9"/>
+    <p:sldId id="272" r:id="rId10"/>
+    <p:sldId id="268" r:id="rId11"/>
+    <p:sldId id="270" r:id="rId12"/>
+    <p:sldId id="269" r:id="rId13"/>
+    <p:sldId id="260" r:id="rId14"/>
+    <p:sldId id="266" r:id="rId15"/>
+    <p:sldId id="273" r:id="rId16"/>
+    <p:sldId id="279" r:id="rId17"/>
   </p:sldIdLst>
   <p:sldSz cx="9144000" cy="6858000" type="screen4x3"/>
   <p:notesSz cx="6858000" cy="9144000"/>
@@ -128,6 +130,11 @@
         <p14:section name="Specifikacija" id="{EA4AA0BD-61A3-4F2F-8BBA-658763668697}">
           <p14:sldIdLst>
             <p14:sldId id="258"/>
+            <p14:sldId id="274"/>
+            <p14:sldId id="275"/>
+            <p14:sldId id="276"/>
+            <p14:sldId id="277"/>
+            <p14:sldId id="278"/>
             <p14:sldId id="261"/>
             <p14:sldId id="272"/>
             <p14:sldId id="268"/>
@@ -137,21 +144,14 @@
             <p14:sldId id="266"/>
           </p14:sldIdLst>
         </p14:section>
-        <p14:section name="Motivacija" id="{94DB4A69-3560-46E1-95C0-AF47193CDC5F}">
+        <p14:section name="Slična rešenja" id="{A2ED84E5-3363-45E7-9CE0-1A9702D53530}">
           <p14:sldIdLst>
-            <p14:sldId id="262"/>
+            <p14:sldId id="273"/>
           </p14:sldIdLst>
         </p14:section>
-        <p14:section name="Slična rešenja" id="{A2ED84E5-3363-45E7-9CE0-1A9702D53530}">
+        <p14:section name="Verifikacija i rezulati" id="{CDAED71A-8C10-4658-A266-8143767E36A2}">
           <p14:sldIdLst>
-            <p14:sldId id="263"/>
-          </p14:sldIdLst>
-        </p14:section>
-        <p14:section name="Koraci implementacije" id="{9D371B48-C159-43E4-85F9-20E88180EDEB}">
-          <p14:sldIdLst>
-            <p14:sldId id="264"/>
-            <p14:sldId id="265"/>
-            <p14:sldId id="267"/>
+            <p14:sldId id="279"/>
           </p14:sldIdLst>
         </p14:section>
       </p14:sectionLst>
@@ -3270,7 +3270,7 @@
         </p:nvSpPr>
         <p:spPr>
           <a:xfrm>
-            <a:off x="321408" y="5505540"/>
+            <a:off x="6372199" y="4859209"/>
             <a:ext cx="1795043" cy="923330"/>
           </a:xfrm>
           <a:prstGeom prst="rect">
@@ -3356,8 +3356,8 @@
         </p:nvSpPr>
         <p:spPr>
           <a:xfrm>
-            <a:off x="321409" y="4797152"/>
-            <a:ext cx="2153795" cy="646331"/>
+            <a:off x="321409" y="4859209"/>
+            <a:ext cx="2153795" cy="1477328"/>
           </a:xfrm>
           <a:prstGeom prst="rect">
             <a:avLst/>
@@ -3390,7 +3390,57 @@
                   </a:schemeClr>
                 </a:solidFill>
               </a:rPr>
-              <a:t>       Đorđe Obradović</a:t>
+              <a:t>       Đorđe </a:t>
+            </a:r>
+            <a:r>
+              <a:rPr lang="sr-Latn-RS" dirty="0" smtClean="0">
+                <a:solidFill>
+                  <a:schemeClr val="bg1">
+                    <a:lumMod val="50000"/>
+                  </a:schemeClr>
+                </a:solidFill>
+              </a:rPr>
+              <a:t>Obradović</a:t>
+            </a:r>
+            <a:endParaRPr lang="sr-Latn-RS" dirty="0">
+              <a:solidFill>
+                <a:schemeClr val="bg1">
+                  <a:lumMod val="50000"/>
+                </a:schemeClr>
+              </a:solidFill>
+            </a:endParaRPr>
+          </a:p>
+          <a:p>
+            <a:endParaRPr lang="sr-Latn-RS" dirty="0" smtClean="0">
+              <a:solidFill>
+                <a:schemeClr val="bg1">
+                  <a:lumMod val="50000"/>
+                </a:schemeClr>
+              </a:solidFill>
+            </a:endParaRPr>
+          </a:p>
+          <a:p>
+            <a:r>
+              <a:rPr lang="sr-Latn-RS" dirty="0" smtClean="0">
+                <a:solidFill>
+                  <a:schemeClr val="bg1">
+                    <a:lumMod val="50000"/>
+                  </a:schemeClr>
+                </a:solidFill>
+              </a:rPr>
+              <a:t>Asistent:</a:t>
+            </a:r>
+          </a:p>
+          <a:p>
+            <a:r>
+              <a:rPr lang="sr-Latn-RS" dirty="0" smtClean="0">
+                <a:solidFill>
+                  <a:schemeClr val="bg1">
+                    <a:lumMod val="50000"/>
+                  </a:schemeClr>
+                </a:solidFill>
+              </a:rPr>
+              <a:t>       Stefan Anđelić</a:t>
             </a:r>
             <a:endParaRPr lang="en-US" dirty="0">
               <a:solidFill>
@@ -3444,7 +3494,27 @@
                   </a:schemeClr>
                 </a:solidFill>
               </a:rPr>
-              <a:t>Novi Sad, 2015</a:t>
+              <a:t>       Novi </a:t>
+            </a:r>
+            <a:r>
+              <a:rPr lang="sr-Latn-RS" dirty="0" smtClean="0">
+                <a:solidFill>
+                  <a:schemeClr val="bg1">
+                    <a:lumMod val="50000"/>
+                  </a:schemeClr>
+                </a:solidFill>
+              </a:rPr>
+              <a:t>Sad, </a:t>
+            </a:r>
+            <a:r>
+              <a:rPr lang="sr-Latn-RS" dirty="0" smtClean="0">
+                <a:solidFill>
+                  <a:schemeClr val="bg1">
+                    <a:lumMod val="50000"/>
+                  </a:schemeClr>
+                </a:solidFill>
+              </a:rPr>
+              <a:t>2015/16</a:t>
             </a:r>
             <a:endParaRPr lang="en-US" dirty="0">
               <a:solidFill>
@@ -3466,6 +3536,13 @@
   <p:clrMapOvr>
     <a:masterClrMapping/>
   </p:clrMapOvr>
+  <p:timing>
+    <p:tnLst>
+      <p:par>
+        <p:cTn id="1" dur="indefinite" restart="never" nodeType="tmRoot"/>
+      </p:par>
+    </p:tnLst>
+  </p:timing>
 </p:sld>
 </file>
 
@@ -3498,1906 +3575,12 @@
         </p:nvSpPr>
         <p:spPr/>
         <p:txBody>
-          <a:bodyPr/>
-          <a:lstStyle/>
-          <a:p>
-            <a:r>
-              <a:rPr lang="sr-Latn-RS" dirty="0" smtClean="0"/>
-              <a:t>Motivacija</a:t>
-            </a:r>
-            <a:endParaRPr lang="en-US" dirty="0"/>
-          </a:p>
-        </p:txBody>
-      </p:sp>
-      <p:sp>
-        <p:nvSpPr>
-          <p:cNvPr id="3" name="Content Placeholder 2"/>
-          <p:cNvSpPr>
-            <a:spLocks noGrp="1"/>
-          </p:cNvSpPr>
-          <p:nvPr>
-            <p:ph idx="1"/>
-          </p:nvPr>
-        </p:nvSpPr>
-        <p:spPr/>
-        <p:txBody>
-          <a:bodyPr/>
-          <a:lstStyle/>
-          <a:p>
-            <a:r>
-              <a:rPr lang="en-US" dirty="0" err="1" smtClean="0"/>
-              <a:t>Pomeranje</a:t>
-            </a:r>
-            <a:r>
-              <a:rPr lang="en-US" dirty="0" smtClean="0"/>
-              <a:t> </a:t>
-            </a:r>
-            <a:r>
-              <a:rPr lang="en-US" dirty="0" err="1" smtClean="0"/>
-              <a:t>objekata</a:t>
-            </a:r>
-            <a:r>
-              <a:rPr lang="en-US" dirty="0" smtClean="0"/>
-              <a:t> </a:t>
-            </a:r>
-            <a:r>
-              <a:rPr lang="en-US" dirty="0" err="1" smtClean="0"/>
-              <a:t>kori</a:t>
-            </a:r>
-            <a:r>
-              <a:rPr lang="sr-Latn-RS" dirty="0" smtClean="0"/>
-              <a:t>šćenjem „sile“ u filmovima Star Wars (Force)</a:t>
-            </a:r>
-            <a:endParaRPr lang="en-US" dirty="0"/>
-          </a:p>
-        </p:txBody>
-      </p:sp>
-    </p:spTree>
-    <p:extLst>
-      <p:ext uri="{BB962C8B-B14F-4D97-AF65-F5344CB8AC3E}">
-        <p14:creationId xmlns:p14="http://schemas.microsoft.com/office/powerpoint/2010/main" val="958847051"/>
-      </p:ext>
-    </p:extLst>
-  </p:cSld>
-  <p:clrMapOvr>
-    <a:masterClrMapping/>
-  </p:clrMapOvr>
-  <p:timing>
-    <p:tnLst>
-      <p:par>
-        <p:cTn id="1" dur="indefinite" restart="never" nodeType="tmRoot"/>
-      </p:par>
-    </p:tnLst>
-  </p:timing>
-</p:sld>
-</file>
-
-<file path=ppt/slides/slide11.xml><?xml version="1.0" encoding="utf-8"?>
-<p:sld xmlns:a="http://schemas.openxmlformats.org/drawingml/2006/main" xmlns:r="http://schemas.openxmlformats.org/officeDocument/2006/relationships" xmlns:p="http://schemas.openxmlformats.org/presentationml/2006/main">
-  <p:cSld>
-    <p:spTree>
-      <p:nvGrpSpPr>
-        <p:cNvPr id="1" name=""/>
-        <p:cNvGrpSpPr/>
-        <p:nvPr/>
-      </p:nvGrpSpPr>
-      <p:grpSpPr>
-        <a:xfrm>
-          <a:off x="0" y="0"/>
-          <a:ext cx="0" cy="0"/>
-          <a:chOff x="0" y="0"/>
-          <a:chExt cx="0" cy="0"/>
-        </a:xfrm>
-      </p:grpSpPr>
-      <p:sp>
-        <p:nvSpPr>
-          <p:cNvPr id="2" name="Title 1"/>
-          <p:cNvSpPr>
-            <a:spLocks noGrp="1"/>
-          </p:cNvSpPr>
-          <p:nvPr>
-            <p:ph type="title"/>
-          </p:nvPr>
-        </p:nvSpPr>
-        <p:spPr/>
-        <p:txBody>
           <a:bodyPr>
             <a:normAutofit fontScale="90000"/>
           </a:bodyPr>
           <a:lstStyle/>
           <a:p>
             <a:r>
-              <a:rPr lang="en-US" dirty="0" err="1" smtClean="0"/>
-              <a:t>Sli</a:t>
-            </a:r>
-            <a:r>
-              <a:rPr lang="sr-Latn-RS" dirty="0" smtClean="0"/>
-              <a:t>čna rešenja (</a:t>
-            </a:r>
-            <a:r>
-              <a:rPr lang="en-US" dirty="0" err="1" smtClean="0"/>
-              <a:t>istrazi</a:t>
-            </a:r>
-            <a:r>
-              <a:rPr lang="en-US" dirty="0" smtClean="0"/>
-              <a:t> </a:t>
-            </a:r>
-            <a:r>
-              <a:rPr lang="en-US" dirty="0" err="1" smtClean="0"/>
-              <a:t>kako</a:t>
-            </a:r>
-            <a:r>
-              <a:rPr lang="en-US" dirty="0" smtClean="0"/>
-              <a:t> </a:t>
-            </a:r>
-            <a:r>
-              <a:rPr lang="en-US" dirty="0" err="1" smtClean="0"/>
-              <a:t>rade</a:t>
-            </a:r>
-            <a:r>
-              <a:rPr lang="en-US" dirty="0" smtClean="0"/>
-              <a:t> i </a:t>
-            </a:r>
-            <a:r>
-              <a:rPr lang="en-US" dirty="0" err="1" smtClean="0"/>
-              <a:t>opisi</a:t>
-            </a:r>
-            <a:r>
-              <a:rPr lang="en-US" dirty="0" smtClean="0"/>
-              <a:t>)</a:t>
-            </a:r>
-            <a:endParaRPr lang="en-US" dirty="0"/>
-          </a:p>
-        </p:txBody>
-      </p:sp>
-      <p:sp>
-        <p:nvSpPr>
-          <p:cNvPr id="3" name="Content Placeholder 2"/>
-          <p:cNvSpPr>
-            <a:spLocks noGrp="1"/>
-          </p:cNvSpPr>
-          <p:nvPr>
-            <p:ph idx="1"/>
-          </p:nvPr>
-        </p:nvSpPr>
-        <p:spPr/>
-        <p:txBody>
-          <a:bodyPr/>
-          <a:lstStyle/>
-          <a:p>
-            <a:r>
-              <a:rPr lang="sr-Latn-RS" dirty="0" smtClean="0"/>
-              <a:t>Hovering Controls za smart telefone</a:t>
-            </a:r>
-          </a:p>
-          <a:p>
-            <a:pPr marL="0" indent="0">
-              <a:buNone/>
-            </a:pPr>
-            <a:r>
-              <a:rPr lang="en-US" sz="1600" dirty="0" smtClean="0">
-                <a:solidFill>
-                  <a:schemeClr val="accent1"/>
-                </a:solidFill>
-                <a:hlinkClick r:id="rId2"/>
-              </a:rPr>
-              <a:t>http</a:t>
-            </a:r>
-            <a:r>
-              <a:rPr lang="en-US" sz="1800" dirty="0" smtClean="0">
-                <a:solidFill>
-                  <a:schemeClr val="accent1"/>
-                </a:solidFill>
-                <a:hlinkClick r:id="rId2"/>
-              </a:rPr>
-              <a:t>://</a:t>
-            </a:r>
-            <a:r>
-              <a:rPr lang="en-US" sz="1600" dirty="0" smtClean="0">
-                <a:solidFill>
-                  <a:schemeClr val="accent1"/>
-                </a:solidFill>
-                <a:hlinkClick r:id="rId2"/>
-              </a:rPr>
-              <a:t>forum.xda-developers.com/showthread.php?t=2351974</a:t>
-            </a:r>
-            <a:endParaRPr lang="sr-Latn-RS" sz="1800" dirty="0" smtClean="0">
-              <a:solidFill>
-                <a:schemeClr val="accent1"/>
-              </a:solidFill>
-            </a:endParaRPr>
-          </a:p>
-          <a:p>
-            <a:pPr marL="0" indent="0">
-              <a:buNone/>
-            </a:pPr>
-            <a:r>
-              <a:rPr lang="en-US" sz="1600" dirty="0" smtClean="0">
-                <a:solidFill>
-                  <a:schemeClr val="accent1"/>
-                </a:solidFill>
-                <a:hlinkClick r:id="rId3"/>
-              </a:rPr>
-              <a:t>https://play.google.com/store/apps/details?id=com.golgorz.hoveringcontrols</a:t>
-            </a:r>
-            <a:endParaRPr lang="en-US" sz="1600" dirty="0" smtClean="0">
-              <a:solidFill>
-                <a:schemeClr val="accent1"/>
-              </a:solidFill>
-            </a:endParaRPr>
-          </a:p>
-          <a:p>
-            <a:r>
-              <a:rPr lang="sr-Latn-RS" dirty="0" smtClean="0"/>
-              <a:t>Samsung Smart TV Motion Control</a:t>
-            </a:r>
-            <a:endParaRPr lang="en-US" dirty="0" smtClean="0"/>
-          </a:p>
-          <a:p>
-            <a:pPr marL="0" indent="0">
-              <a:buNone/>
-            </a:pPr>
-            <a:r>
-              <a:rPr lang="en-US" sz="1600" dirty="0" smtClean="0">
-                <a:hlinkClick r:id="rId4"/>
-              </a:rPr>
-              <a:t>http://www.samsung.com/my/microsite/tv/2013_si/motion_control_ex_gesture.html</a:t>
-            </a:r>
-            <a:endParaRPr lang="en-US" sz="1600" dirty="0" smtClean="0"/>
-          </a:p>
-          <a:p>
-            <a:r>
-              <a:rPr lang="en-US" dirty="0" smtClean="0"/>
-              <a:t>Leap Motion</a:t>
-            </a:r>
-          </a:p>
-          <a:p>
-            <a:pPr marL="0" indent="0">
-              <a:buNone/>
-            </a:pPr>
-            <a:r>
-              <a:rPr lang="en-US" sz="1600" dirty="0" smtClean="0">
-                <a:hlinkClick r:id="rId5"/>
-              </a:rPr>
-              <a:t>https://www.leapmotion.com/</a:t>
-            </a:r>
-            <a:endParaRPr lang="en-US" sz="1600" dirty="0" smtClean="0"/>
-          </a:p>
-          <a:p>
-            <a:pPr marL="0" indent="0">
-              <a:buNone/>
-            </a:pPr>
-            <a:endParaRPr lang="en-US" dirty="0"/>
-          </a:p>
-        </p:txBody>
-      </p:sp>
-    </p:spTree>
-    <p:extLst>
-      <p:ext uri="{BB962C8B-B14F-4D97-AF65-F5344CB8AC3E}">
-        <p14:creationId xmlns:p14="http://schemas.microsoft.com/office/powerpoint/2010/main" val="3989313053"/>
-      </p:ext>
-    </p:extLst>
-  </p:cSld>
-  <p:clrMapOvr>
-    <a:masterClrMapping/>
-  </p:clrMapOvr>
-</p:sld>
-</file>
-
-<file path=ppt/slides/slide12.xml><?xml version="1.0" encoding="utf-8"?>
-<p:sld xmlns:a="http://schemas.openxmlformats.org/drawingml/2006/main" xmlns:r="http://schemas.openxmlformats.org/officeDocument/2006/relationships" xmlns:p="http://schemas.openxmlformats.org/presentationml/2006/main">
-  <p:cSld>
-    <p:spTree>
-      <p:nvGrpSpPr>
-        <p:cNvPr id="1" name=""/>
-        <p:cNvGrpSpPr/>
-        <p:nvPr/>
-      </p:nvGrpSpPr>
-      <p:grpSpPr>
-        <a:xfrm>
-          <a:off x="0" y="0"/>
-          <a:ext cx="0" cy="0"/>
-          <a:chOff x="0" y="0"/>
-          <a:chExt cx="0" cy="0"/>
-        </a:xfrm>
-      </p:grpSpPr>
-      <p:sp>
-        <p:nvSpPr>
-          <p:cNvPr id="2" name="Title 1"/>
-          <p:cNvSpPr>
-            <a:spLocks noGrp="1"/>
-          </p:cNvSpPr>
-          <p:nvPr>
-            <p:ph type="title"/>
-          </p:nvPr>
-        </p:nvSpPr>
-        <p:spPr/>
-        <p:txBody>
-          <a:bodyPr>
-            <a:normAutofit fontScale="90000"/>
-          </a:bodyPr>
-          <a:lstStyle/>
-          <a:p>
-            <a:r>
-              <a:rPr lang="en-US" dirty="0" err="1" smtClean="0"/>
-              <a:t>Koraci</a:t>
-            </a:r>
-            <a:r>
-              <a:rPr lang="en-US" dirty="0" smtClean="0"/>
-              <a:t> </a:t>
-            </a:r>
-            <a:r>
-              <a:rPr lang="en-US" dirty="0" err="1" smtClean="0"/>
-              <a:t>implementacije</a:t>
-            </a:r>
-            <a:r>
-              <a:rPr lang="en-US" dirty="0" smtClean="0"/>
-              <a:t/>
-            </a:r>
-            <a:br>
-              <a:rPr lang="en-US" dirty="0" smtClean="0"/>
-            </a:br>
-            <a:r>
-              <a:rPr lang="en-US" dirty="0" smtClean="0"/>
-              <a:t>(</a:t>
-            </a:r>
-            <a:r>
-              <a:rPr lang="en-US" dirty="0" err="1" smtClean="0"/>
-              <a:t>kopiraj</a:t>
-            </a:r>
-            <a:r>
-              <a:rPr lang="en-US" dirty="0" smtClean="0"/>
-              <a:t> </a:t>
-            </a:r>
-            <a:r>
-              <a:rPr lang="en-US" dirty="0" err="1" smtClean="0"/>
-              <a:t>znacajne</a:t>
-            </a:r>
-            <a:r>
-              <a:rPr lang="en-US" dirty="0" smtClean="0"/>
-              <a:t> </a:t>
-            </a:r>
-            <a:r>
-              <a:rPr lang="en-US" dirty="0" err="1" smtClean="0"/>
-              <a:t>delove</a:t>
-            </a:r>
-            <a:r>
-              <a:rPr lang="en-US" dirty="0" smtClean="0"/>
-              <a:t> </a:t>
-            </a:r>
-            <a:r>
-              <a:rPr lang="en-US" dirty="0" err="1" smtClean="0"/>
-              <a:t>koda</a:t>
-            </a:r>
-            <a:r>
-              <a:rPr lang="en-US" dirty="0" smtClean="0"/>
-              <a:t> i </a:t>
-            </a:r>
-            <a:r>
-              <a:rPr lang="en-US" dirty="0" err="1" smtClean="0"/>
-              <a:t>objasni</a:t>
-            </a:r>
-            <a:r>
-              <a:rPr lang="en-US" dirty="0" smtClean="0"/>
-              <a:t>)</a:t>
-            </a:r>
-            <a:endParaRPr lang="en-US" dirty="0"/>
-          </a:p>
-        </p:txBody>
-      </p:sp>
-      <p:sp>
-        <p:nvSpPr>
-          <p:cNvPr id="3" name="Content Placeholder 2"/>
-          <p:cNvSpPr>
-            <a:spLocks noGrp="1"/>
-          </p:cNvSpPr>
-          <p:nvPr>
-            <p:ph idx="1"/>
-          </p:nvPr>
-        </p:nvSpPr>
-        <p:spPr/>
-        <p:txBody>
-          <a:bodyPr>
-            <a:normAutofit/>
-          </a:bodyPr>
-          <a:lstStyle/>
-          <a:p>
-            <a:pPr marL="514350" indent="-514350">
-              <a:buFont typeface="+mj-lt"/>
-              <a:buAutoNum type="arabicPeriod"/>
-            </a:pPr>
-            <a:r>
-              <a:rPr lang="en-US" dirty="0" err="1" smtClean="0"/>
-              <a:t>Obu</a:t>
-            </a:r>
-            <a:r>
-              <a:rPr lang="sr-Latn-RS" dirty="0" smtClean="0"/>
-              <a:t>čiti veštačku neuronsku mrežu</a:t>
-            </a:r>
-            <a:endParaRPr lang="en-US" dirty="0" smtClean="0"/>
-          </a:p>
-          <a:p>
-            <a:pPr marL="514350" indent="-514350">
-              <a:buFont typeface="+mj-lt"/>
-              <a:buAutoNum type="arabicPeriod"/>
-            </a:pPr>
-            <a:r>
-              <a:rPr lang="en-US" dirty="0" err="1" smtClean="0"/>
-              <a:t>Zatra</a:t>
-            </a:r>
-            <a:r>
-              <a:rPr lang="sr-Latn-RS" dirty="0" smtClean="0"/>
-              <a:t>žiti od web kamere da počne da snima</a:t>
-            </a:r>
-          </a:p>
-          <a:p>
-            <a:pPr marL="514350" indent="-514350">
-              <a:buFont typeface="+mj-lt"/>
-              <a:buAutoNum type="arabicPeriod"/>
-            </a:pPr>
-            <a:r>
-              <a:rPr lang="sr-Latn-RS" dirty="0" smtClean="0"/>
-              <a:t>Čitati frejmove iz snimka kamere (realtime)</a:t>
-            </a:r>
-          </a:p>
-          <a:p>
-            <a:pPr marL="514350" indent="-514350">
-              <a:buFont typeface="+mj-lt"/>
-              <a:buAutoNum type="arabicPeriod"/>
-            </a:pPr>
-            <a:r>
-              <a:rPr lang="sr-Latn-RS" dirty="0" smtClean="0"/>
-              <a:t>Konvertovati svaki frejm u binarnu sliku</a:t>
-            </a:r>
-          </a:p>
-          <a:p>
-            <a:pPr marL="514350" indent="-514350">
-              <a:buFont typeface="+mj-lt"/>
-              <a:buAutoNum type="arabicPeriod"/>
-            </a:pPr>
-            <a:r>
-              <a:rPr lang="sr-Latn-RS" dirty="0" smtClean="0"/>
-              <a:t>Pronaći region od interesa (konveksnu „ljusku“ šake)</a:t>
-            </a:r>
-            <a:endParaRPr lang="en-US" dirty="0" smtClean="0"/>
-          </a:p>
-          <a:p>
-            <a:pPr marL="514350" indent="-514350">
-              <a:buFont typeface="+mj-lt"/>
-              <a:buAutoNum type="arabicPeriod"/>
-            </a:pPr>
-            <a:r>
-              <a:rPr lang="en-US" dirty="0" err="1" smtClean="0"/>
-              <a:t>Proslediti</a:t>
-            </a:r>
-            <a:r>
-              <a:rPr lang="en-US" dirty="0" smtClean="0"/>
-              <a:t> region </a:t>
-            </a:r>
-            <a:r>
-              <a:rPr lang="en-US" dirty="0" err="1" smtClean="0"/>
-              <a:t>neuronskoj</a:t>
-            </a:r>
-            <a:r>
-              <a:rPr lang="en-US" dirty="0" smtClean="0"/>
-              <a:t> </a:t>
-            </a:r>
-            <a:r>
-              <a:rPr lang="en-US" dirty="0" err="1" smtClean="0"/>
-              <a:t>mre</a:t>
-            </a:r>
-            <a:r>
-              <a:rPr lang="sr-Latn-RS" dirty="0" smtClean="0"/>
-              <a:t>ži da bi odlučila koja je ruka i gestura u pitanju</a:t>
-            </a:r>
-          </a:p>
-        </p:txBody>
-      </p:sp>
-    </p:spTree>
-    <p:extLst>
-      <p:ext uri="{BB962C8B-B14F-4D97-AF65-F5344CB8AC3E}">
-        <p14:creationId xmlns:p14="http://schemas.microsoft.com/office/powerpoint/2010/main" val="1440826449"/>
-      </p:ext>
-    </p:extLst>
-  </p:cSld>
-  <p:clrMapOvr>
-    <a:masterClrMapping/>
-  </p:clrMapOvr>
-</p:sld>
-</file>
-
-<file path=ppt/slides/slide13.xml><?xml version="1.0" encoding="utf-8"?>
-<p:sld xmlns:a="http://schemas.openxmlformats.org/drawingml/2006/main" xmlns:r="http://schemas.openxmlformats.org/officeDocument/2006/relationships" xmlns:p="http://schemas.openxmlformats.org/presentationml/2006/main">
-  <p:cSld>
-    <p:spTree>
-      <p:nvGrpSpPr>
-        <p:cNvPr id="1" name=""/>
-        <p:cNvGrpSpPr/>
-        <p:nvPr/>
-      </p:nvGrpSpPr>
-      <p:grpSpPr>
-        <a:xfrm>
-          <a:off x="0" y="0"/>
-          <a:ext cx="0" cy="0"/>
-          <a:chOff x="0" y="0"/>
-          <a:chExt cx="0" cy="0"/>
-        </a:xfrm>
-      </p:grpSpPr>
-      <p:sp>
-        <p:nvSpPr>
-          <p:cNvPr id="2" name="Title 1"/>
-          <p:cNvSpPr>
-            <a:spLocks noGrp="1"/>
-          </p:cNvSpPr>
-          <p:nvPr>
-            <p:ph type="title"/>
-          </p:nvPr>
-        </p:nvSpPr>
-        <p:spPr/>
-        <p:txBody>
-          <a:bodyPr/>
-          <a:lstStyle/>
-          <a:p>
-            <a:r>
-              <a:rPr lang="sr-Latn-RS" dirty="0" smtClean="0"/>
-              <a:t>Koraci implementacije</a:t>
-            </a:r>
-            <a:endParaRPr lang="en-US" dirty="0"/>
-          </a:p>
-        </p:txBody>
-      </p:sp>
-      <p:sp>
-        <p:nvSpPr>
-          <p:cNvPr id="3" name="Content Placeholder 2"/>
-          <p:cNvSpPr>
-            <a:spLocks noGrp="1"/>
-          </p:cNvSpPr>
-          <p:nvPr>
-            <p:ph idx="1"/>
-          </p:nvPr>
-        </p:nvSpPr>
-        <p:spPr/>
-        <p:txBody>
-          <a:bodyPr>
-            <a:normAutofit lnSpcReduction="10000"/>
-          </a:bodyPr>
-          <a:lstStyle/>
-          <a:p>
-            <a:pPr marL="514350" indent="-514350">
-              <a:buFont typeface="+mj-lt"/>
-              <a:buAutoNum type="arabicPeriod" startAt="6"/>
-            </a:pPr>
-            <a:r>
-              <a:rPr lang="sr-Latn-RS" dirty="0"/>
-              <a:t>Sračunati razlike u poziciji i veličini regiona između </a:t>
-            </a:r>
-            <a:r>
-              <a:rPr lang="sr-Latn-RS" dirty="0" smtClean="0"/>
-              <a:t>frejmova</a:t>
-            </a:r>
-          </a:p>
-          <a:p>
-            <a:pPr marL="514350" indent="-514350">
-              <a:buFont typeface="+mj-lt"/>
-              <a:buAutoNum type="arabicPeriod" startAt="6"/>
-            </a:pPr>
-            <a:r>
-              <a:rPr lang="sr-Latn-RS" dirty="0" smtClean="0"/>
-              <a:t>Ako postoji razlika u poziciji, i veća je od minimalne granice za pomeraj, pomeri kursor miša za sračunatu razliku</a:t>
-            </a:r>
-          </a:p>
-          <a:p>
-            <a:pPr marL="514350" indent="-514350">
-              <a:buFont typeface="+mj-lt"/>
-              <a:buAutoNum type="arabicPeriod" startAt="6"/>
-            </a:pPr>
-            <a:r>
-              <a:rPr lang="sr-Latn-RS" dirty="0" smtClean="0"/>
-              <a:t>Ako postoji razlika u veličini, izvrši pritisak levog ili desnog tastera, u zavisnosti od veličine regiona (region za desni taster je širi od regiona za levi taster)</a:t>
-            </a:r>
-            <a:endParaRPr lang="en-US" dirty="0" smtClean="0"/>
-          </a:p>
-        </p:txBody>
-      </p:sp>
-    </p:spTree>
-    <p:extLst>
-      <p:ext uri="{BB962C8B-B14F-4D97-AF65-F5344CB8AC3E}">
-        <p14:creationId xmlns:p14="http://schemas.microsoft.com/office/powerpoint/2010/main" val="3064637417"/>
-      </p:ext>
-    </p:extLst>
-  </p:cSld>
-  <p:clrMapOvr>
-    <a:masterClrMapping/>
-  </p:clrMapOvr>
-</p:sld>
-</file>
-
-<file path=ppt/slides/slide14.xml><?xml version="1.0" encoding="utf-8"?>
-<p:sld xmlns:a="http://schemas.openxmlformats.org/drawingml/2006/main" xmlns:r="http://schemas.openxmlformats.org/officeDocument/2006/relationships" xmlns:p="http://schemas.openxmlformats.org/presentationml/2006/main">
-  <p:cSld>
-    <p:spTree>
-      <p:nvGrpSpPr>
-        <p:cNvPr id="1" name=""/>
-        <p:cNvGrpSpPr/>
-        <p:nvPr/>
-      </p:nvGrpSpPr>
-      <p:grpSpPr>
-        <a:xfrm>
-          <a:off x="0" y="0"/>
-          <a:ext cx="0" cy="0"/>
-          <a:chOff x="0" y="0"/>
-          <a:chExt cx="0" cy="0"/>
-        </a:xfrm>
-      </p:grpSpPr>
-      <p:sp>
-        <p:nvSpPr>
-          <p:cNvPr id="2" name="Title 1"/>
-          <p:cNvSpPr>
-            <a:spLocks noGrp="1"/>
-          </p:cNvSpPr>
-          <p:nvPr>
-            <p:ph type="title"/>
-          </p:nvPr>
-        </p:nvSpPr>
-        <p:spPr/>
-        <p:txBody>
-          <a:bodyPr>
-            <a:normAutofit fontScale="90000"/>
-          </a:bodyPr>
-          <a:lstStyle/>
-          <a:p>
-            <a:r>
-              <a:rPr lang="sr-Latn-RS" dirty="0" smtClean="0"/>
-              <a:t>Korišćene i alternativne metode/alati/funkcije/opcije/šta god</a:t>
-            </a:r>
-            <a:endParaRPr lang="en-US" dirty="0"/>
-          </a:p>
-        </p:txBody>
-      </p:sp>
-      <p:sp>
-        <p:nvSpPr>
-          <p:cNvPr id="3" name="Content Placeholder 2"/>
-          <p:cNvSpPr>
-            <a:spLocks noGrp="1"/>
-          </p:cNvSpPr>
-          <p:nvPr>
-            <p:ph idx="1"/>
-          </p:nvPr>
-        </p:nvSpPr>
-        <p:spPr/>
-        <p:txBody>
-          <a:bodyPr/>
-          <a:lstStyle/>
-          <a:p>
-            <a:r>
-              <a:rPr lang="en-US" dirty="0" err="1"/>
-              <a:t>popiši</a:t>
-            </a:r>
-            <a:r>
-              <a:rPr lang="en-US" dirty="0"/>
-              <a:t> </a:t>
-            </a:r>
-            <a:r>
-              <a:rPr lang="en-US" dirty="0" err="1"/>
-              <a:t>obavezno</a:t>
-            </a:r>
-            <a:r>
-              <a:rPr lang="en-US" dirty="0"/>
-              <a:t> sve </a:t>
-            </a:r>
-            <a:r>
-              <a:rPr lang="en-US" dirty="0" err="1"/>
-              <a:t>što</a:t>
-            </a:r>
-            <a:r>
-              <a:rPr lang="en-US" dirty="0"/>
-              <a:t> </a:t>
-            </a:r>
-            <a:r>
-              <a:rPr lang="en-US" dirty="0" err="1"/>
-              <a:t>si</a:t>
-            </a:r>
-            <a:r>
-              <a:rPr lang="en-US" dirty="0"/>
-              <a:t> radio, </a:t>
-            </a:r>
-            <a:r>
-              <a:rPr lang="en-US" dirty="0" err="1"/>
-              <a:t>slična</a:t>
-            </a:r>
-            <a:r>
-              <a:rPr lang="en-US" dirty="0"/>
-              <a:t> </a:t>
-            </a:r>
-            <a:r>
-              <a:rPr lang="en-US" dirty="0" err="1"/>
-              <a:t>rešenja</a:t>
-            </a:r>
-            <a:r>
-              <a:rPr lang="en-US" dirty="0"/>
-              <a:t>, reference </a:t>
-            </a:r>
-            <a:r>
-              <a:rPr lang="en-US" dirty="0" err="1"/>
-              <a:t>na</a:t>
-            </a:r>
-            <a:r>
-              <a:rPr lang="en-US" dirty="0"/>
-              <a:t> </a:t>
-            </a:r>
-            <a:r>
-              <a:rPr lang="en-US" dirty="0" err="1"/>
-              <a:t>radove</a:t>
-            </a:r>
-            <a:r>
-              <a:rPr lang="en-US" dirty="0"/>
-              <a:t>, </a:t>
-            </a:r>
-            <a:r>
-              <a:rPr lang="en-US" dirty="0" err="1"/>
-              <a:t>opis</a:t>
-            </a:r>
-            <a:r>
-              <a:rPr lang="en-US" dirty="0"/>
-              <a:t> </a:t>
-            </a:r>
-            <a:r>
-              <a:rPr lang="en-US" dirty="0" err="1"/>
-              <a:t>tehnologij</a:t>
-            </a:r>
-            <a:r>
-              <a:rPr lang="sr-Cyrl-RS" dirty="0"/>
-              <a:t>е/</a:t>
-            </a:r>
-            <a:r>
-              <a:rPr lang="en-US" dirty="0" err="1"/>
-              <a:t>algoritama</a:t>
-            </a:r>
-            <a:r>
-              <a:rPr lang="en-US" dirty="0"/>
-              <a:t> </a:t>
-            </a:r>
-            <a:r>
-              <a:rPr lang="en-US" dirty="0" err="1"/>
-              <a:t>koje</a:t>
-            </a:r>
-            <a:r>
-              <a:rPr lang="en-US" dirty="0"/>
-              <a:t> </a:t>
-            </a:r>
-            <a:r>
-              <a:rPr lang="en-US" dirty="0" err="1"/>
-              <a:t>si</a:t>
-            </a:r>
-            <a:r>
-              <a:rPr lang="en-US" dirty="0"/>
-              <a:t> </a:t>
-            </a:r>
-            <a:r>
-              <a:rPr lang="en-US" dirty="0" err="1"/>
-              <a:t>koristio</a:t>
-            </a:r>
-            <a:r>
-              <a:rPr lang="en-US" dirty="0"/>
-              <a:t>, </a:t>
-            </a:r>
-            <a:r>
-              <a:rPr lang="en-US" dirty="0" err="1"/>
-              <a:t>način</a:t>
-            </a:r>
-            <a:r>
-              <a:rPr lang="en-US" dirty="0"/>
-              <a:t> </a:t>
-            </a:r>
-            <a:r>
-              <a:rPr lang="en-US" dirty="0" err="1"/>
-              <a:t>na</a:t>
-            </a:r>
-            <a:r>
-              <a:rPr lang="en-US" dirty="0"/>
-              <a:t> koji </a:t>
-            </a:r>
-            <a:r>
-              <a:rPr lang="en-US" dirty="0" err="1"/>
-              <a:t>si</a:t>
-            </a:r>
-            <a:r>
-              <a:rPr lang="en-US" dirty="0"/>
-              <a:t> </a:t>
-            </a:r>
-            <a:r>
-              <a:rPr lang="en-US" dirty="0" err="1"/>
-              <a:t>verifikovao</a:t>
-            </a:r>
-            <a:r>
-              <a:rPr lang="en-US" dirty="0"/>
-              <a:t> rad </a:t>
-            </a:r>
-            <a:r>
-              <a:rPr lang="en-US" dirty="0" err="1"/>
-              <a:t>programa</a:t>
-            </a:r>
-            <a:r>
-              <a:rPr lang="en-US" dirty="0"/>
-              <a:t> </a:t>
-            </a:r>
-            <a:r>
-              <a:rPr lang="en-US" dirty="0" err="1"/>
-              <a:t>kao</a:t>
-            </a:r>
-            <a:r>
-              <a:rPr lang="en-US" dirty="0"/>
-              <a:t> i same </a:t>
-            </a:r>
-            <a:r>
-              <a:rPr lang="en-US" dirty="0" err="1"/>
-              <a:t>rezultate</a:t>
-            </a:r>
-            <a:r>
-              <a:rPr lang="en-US" dirty="0"/>
-              <a:t> </a:t>
-            </a:r>
-            <a:r>
-              <a:rPr lang="en-US" dirty="0" err="1"/>
-              <a:t>koje</a:t>
-            </a:r>
-            <a:r>
-              <a:rPr lang="en-US" dirty="0"/>
-              <a:t> </a:t>
-            </a:r>
-            <a:r>
-              <a:rPr lang="en-US" dirty="0" err="1"/>
-              <a:t>si</a:t>
-            </a:r>
-            <a:r>
-              <a:rPr lang="en-US" dirty="0"/>
-              <a:t> </a:t>
-            </a:r>
-            <a:r>
-              <a:rPr lang="en-US" dirty="0" err="1" smtClean="0"/>
-              <a:t>dobio</a:t>
-            </a:r>
-            <a:r>
-              <a:rPr lang="en-US" dirty="0"/>
-              <a:t>. Budi </a:t>
-            </a:r>
-            <a:r>
-              <a:rPr lang="en-US" dirty="0" err="1"/>
-              <a:t>koncizan</a:t>
-            </a:r>
-            <a:r>
-              <a:rPr lang="en-US" dirty="0"/>
-              <a:t> i </a:t>
-            </a:r>
-            <a:r>
-              <a:rPr lang="en-US" dirty="0" err="1"/>
-              <a:t>kratak</a:t>
-            </a:r>
-            <a:r>
-              <a:rPr lang="en-US" dirty="0"/>
-              <a:t> </a:t>
-            </a:r>
-            <a:r>
-              <a:rPr lang="en-US" dirty="0" err="1"/>
-              <a:t>ali</a:t>
-            </a:r>
-            <a:r>
-              <a:rPr lang="en-US" dirty="0"/>
-              <a:t> </a:t>
-            </a:r>
-            <a:r>
-              <a:rPr lang="en-US" dirty="0" err="1"/>
-              <a:t>pokušaj</a:t>
-            </a:r>
-            <a:r>
-              <a:rPr lang="en-US" dirty="0"/>
-              <a:t> da </a:t>
-            </a:r>
-            <a:r>
-              <a:rPr lang="en-US" dirty="0" err="1"/>
-              <a:t>pokriješ</a:t>
-            </a:r>
-            <a:r>
-              <a:rPr lang="en-US" dirty="0"/>
-              <a:t> sve</a:t>
-            </a:r>
-            <a:endParaRPr lang="en-US" dirty="0" smtClean="0"/>
-          </a:p>
-          <a:p>
-            <a:r>
-              <a:rPr lang="en-US" dirty="0" smtClean="0"/>
-              <a:t>SVAKI OD KORAKA IMPLEMENTACIJE KAO POSEBAN NASLOV, I OSTALO STO VEC IMAS</a:t>
-            </a:r>
-            <a:endParaRPr lang="en-US" dirty="0"/>
-          </a:p>
-        </p:txBody>
-      </p:sp>
-    </p:spTree>
-    <p:extLst>
-      <p:ext uri="{BB962C8B-B14F-4D97-AF65-F5344CB8AC3E}">
-        <p14:creationId xmlns:p14="http://schemas.microsoft.com/office/powerpoint/2010/main" val="2853008653"/>
-      </p:ext>
-    </p:extLst>
-  </p:cSld>
-  <p:clrMapOvr>
-    <a:masterClrMapping/>
-  </p:clrMapOvr>
-</p:sld>
-</file>
-
-<file path=ppt/slides/slide2.xml><?xml version="1.0" encoding="utf-8"?>
-<p:sld xmlns:a="http://schemas.openxmlformats.org/drawingml/2006/main" xmlns:r="http://schemas.openxmlformats.org/officeDocument/2006/relationships" xmlns:p="http://schemas.openxmlformats.org/presentationml/2006/main">
-  <p:cSld>
-    <p:spTree>
-      <p:nvGrpSpPr>
-        <p:cNvPr id="1" name=""/>
-        <p:cNvGrpSpPr/>
-        <p:nvPr/>
-      </p:nvGrpSpPr>
-      <p:grpSpPr>
-        <a:xfrm>
-          <a:off x="0" y="0"/>
-          <a:ext cx="0" cy="0"/>
-          <a:chOff x="0" y="0"/>
-          <a:chExt cx="0" cy="0"/>
-        </a:xfrm>
-      </p:grpSpPr>
-      <p:sp>
-        <p:nvSpPr>
-          <p:cNvPr id="4" name="Title 3"/>
-          <p:cNvSpPr>
-            <a:spLocks noGrp="1"/>
-          </p:cNvSpPr>
-          <p:nvPr>
-            <p:ph type="title"/>
-          </p:nvPr>
-        </p:nvSpPr>
-        <p:spPr/>
-        <p:txBody>
-          <a:bodyPr>
-            <a:normAutofit fontScale="90000"/>
-          </a:bodyPr>
-          <a:lstStyle/>
-          <a:p>
-            <a:r>
-              <a:rPr lang="sr-Latn-RS" b="1" dirty="0" smtClean="0"/>
-              <a:t>SPECIFIKACIJA</a:t>
-            </a:r>
-            <a:br>
-              <a:rPr lang="sr-Latn-RS" b="1" dirty="0" smtClean="0"/>
-            </a:br>
-            <a:r>
-              <a:rPr lang="sr-Latn-RS" sz="3100" i="1" dirty="0" smtClean="0"/>
-              <a:t>Šta je potrebno?</a:t>
-            </a:r>
-            <a:endParaRPr lang="en-US" b="1" i="1" dirty="0"/>
-          </a:p>
-        </p:txBody>
-      </p:sp>
-      <p:sp>
-        <p:nvSpPr>
-          <p:cNvPr id="5" name="Content Placeholder 4"/>
-          <p:cNvSpPr>
-            <a:spLocks noGrp="1"/>
-          </p:cNvSpPr>
-          <p:nvPr>
-            <p:ph idx="1"/>
-          </p:nvPr>
-        </p:nvSpPr>
-        <p:spPr/>
-        <p:txBody>
-          <a:bodyPr>
-            <a:normAutofit/>
-          </a:bodyPr>
-          <a:lstStyle/>
-          <a:p>
-            <a:r>
-              <a:rPr lang="en-US" dirty="0" err="1" smtClean="0"/>
-              <a:t>Jedna</a:t>
-            </a:r>
-            <a:r>
-              <a:rPr lang="en-US" dirty="0" smtClean="0"/>
-              <a:t> </a:t>
-            </a:r>
-            <a:r>
-              <a:rPr lang="sr-Latn-RS" dirty="0" smtClean="0"/>
-              <a:t>šaka</a:t>
-            </a:r>
-            <a:r>
-              <a:rPr lang="en-US" dirty="0" smtClean="0"/>
-              <a:t>…</a:t>
-            </a:r>
-          </a:p>
-          <a:p>
-            <a:r>
-              <a:rPr lang="en-US" dirty="0" err="1" smtClean="0"/>
-              <a:t>Kompjuter</a:t>
-            </a:r>
-            <a:r>
-              <a:rPr lang="en-US" dirty="0" smtClean="0"/>
-              <a:t>…</a:t>
-            </a:r>
-          </a:p>
-          <a:p>
-            <a:r>
-              <a:rPr lang="en-US" dirty="0" smtClean="0"/>
-              <a:t>Web </a:t>
-            </a:r>
-            <a:r>
-              <a:rPr lang="en-US" dirty="0" err="1" smtClean="0"/>
-              <a:t>kamera</a:t>
-            </a:r>
-            <a:endParaRPr lang="sr-Latn-RS" dirty="0" smtClean="0"/>
-          </a:p>
-          <a:p>
-            <a:r>
-              <a:rPr lang="sr-Latn-RS" dirty="0" smtClean="0"/>
-              <a:t>Python</a:t>
-            </a:r>
-          </a:p>
-          <a:p>
-            <a:r>
-              <a:rPr lang="sr-Latn-RS" dirty="0" smtClean="0"/>
-              <a:t>Biblioteke:</a:t>
-            </a:r>
-          </a:p>
-          <a:p>
-            <a:pPr lvl="1"/>
-            <a:r>
-              <a:rPr lang="sr-Latn-RS" dirty="0" smtClean="0"/>
-              <a:t>OpenCV2 </a:t>
-            </a:r>
-            <a:r>
-              <a:rPr lang="sr-Latn-RS" sz="2400" dirty="0" smtClean="0"/>
-              <a:t>– obrada slike</a:t>
-            </a:r>
-            <a:endParaRPr lang="sr-Latn-RS" dirty="0" smtClean="0"/>
-          </a:p>
-          <a:p>
-            <a:pPr lvl="1"/>
-            <a:r>
-              <a:rPr lang="sr-Latn-RS" dirty="0" smtClean="0"/>
-              <a:t>Keras </a:t>
-            </a:r>
-            <a:r>
-              <a:rPr lang="sr-Latn-RS" sz="2400" dirty="0" smtClean="0"/>
-              <a:t>– veštačke neuronske mreže</a:t>
-            </a:r>
-          </a:p>
-          <a:p>
-            <a:pPr lvl="1"/>
-            <a:r>
-              <a:rPr lang="sr-Latn-RS" dirty="0" smtClean="0"/>
-              <a:t>PyAutoGui </a:t>
-            </a:r>
-            <a:r>
-              <a:rPr lang="sr-Latn-RS" sz="2400" dirty="0" smtClean="0"/>
-              <a:t>– upravljanje računarom</a:t>
-            </a:r>
-            <a:endParaRPr lang="en-US" dirty="0" smtClean="0"/>
-          </a:p>
-        </p:txBody>
-      </p:sp>
-    </p:spTree>
-    <p:extLst>
-      <p:ext uri="{BB962C8B-B14F-4D97-AF65-F5344CB8AC3E}">
-        <p14:creationId xmlns:p14="http://schemas.microsoft.com/office/powerpoint/2010/main" val="3741210957"/>
-      </p:ext>
-    </p:extLst>
-  </p:cSld>
-  <p:clrMapOvr>
-    <a:masterClrMapping/>
-  </p:clrMapOvr>
-</p:sld>
-</file>
-
-<file path=ppt/slides/slide3.xml><?xml version="1.0" encoding="utf-8"?>
-<p:sld xmlns:a="http://schemas.openxmlformats.org/drawingml/2006/main" xmlns:r="http://schemas.openxmlformats.org/officeDocument/2006/relationships" xmlns:p="http://schemas.openxmlformats.org/presentationml/2006/main">
-  <p:cSld>
-    <p:spTree>
-      <p:nvGrpSpPr>
-        <p:cNvPr id="1" name=""/>
-        <p:cNvGrpSpPr/>
-        <p:nvPr/>
-      </p:nvGrpSpPr>
-      <p:grpSpPr>
-        <a:xfrm>
-          <a:off x="0" y="0"/>
-          <a:ext cx="0" cy="0"/>
-          <a:chOff x="0" y="0"/>
-          <a:chExt cx="0" cy="0"/>
-        </a:xfrm>
-      </p:grpSpPr>
-      <p:sp>
-        <p:nvSpPr>
-          <p:cNvPr id="4" name="Title 3"/>
-          <p:cNvSpPr>
-            <a:spLocks noGrp="1"/>
-          </p:cNvSpPr>
-          <p:nvPr>
-            <p:ph type="title"/>
-          </p:nvPr>
-        </p:nvSpPr>
-        <p:spPr/>
-        <p:txBody>
-          <a:bodyPr>
-            <a:normAutofit fontScale="90000"/>
-          </a:bodyPr>
-          <a:lstStyle/>
-          <a:p>
-            <a:r>
-              <a:rPr lang="en-US" b="1" dirty="0" smtClean="0"/>
-              <a:t>SPECIFIKACIJA</a:t>
-            </a:r>
-            <a:r>
-              <a:rPr lang="en-US" dirty="0" smtClean="0"/>
-              <a:t/>
-            </a:r>
-            <a:br>
-              <a:rPr lang="en-US" dirty="0" smtClean="0"/>
-            </a:br>
-            <a:r>
-              <a:rPr lang="en-US" sz="3100" i="1" dirty="0" err="1" smtClean="0"/>
-              <a:t>Kako</a:t>
-            </a:r>
-            <a:r>
-              <a:rPr lang="sr-Latn-RS" sz="3100" i="1" dirty="0" smtClean="0"/>
-              <a:t> program</a:t>
-            </a:r>
-            <a:r>
-              <a:rPr lang="en-US" sz="3100" i="1" dirty="0" smtClean="0"/>
-              <a:t> </a:t>
-            </a:r>
-            <a:r>
-              <a:rPr lang="en-US" sz="3100" i="1" dirty="0" err="1" smtClean="0"/>
-              <a:t>funkcioni</a:t>
-            </a:r>
-            <a:r>
-              <a:rPr lang="sr-Latn-RS" sz="3100" i="1" dirty="0" smtClean="0"/>
-              <a:t>še?</a:t>
-            </a:r>
-            <a:endParaRPr lang="en-US" sz="3100" i="1" dirty="0"/>
-          </a:p>
-        </p:txBody>
-      </p:sp>
-      <p:sp>
-        <p:nvSpPr>
-          <p:cNvPr id="5" name="Content Placeholder 4"/>
-          <p:cNvSpPr>
-            <a:spLocks noGrp="1"/>
-          </p:cNvSpPr>
-          <p:nvPr>
-            <p:ph idx="1"/>
-          </p:nvPr>
-        </p:nvSpPr>
-        <p:spPr/>
-        <p:txBody>
-          <a:bodyPr>
-            <a:normAutofit lnSpcReduction="10000"/>
-          </a:bodyPr>
-          <a:lstStyle/>
-          <a:p>
-            <a:pPr marL="514350" indent="-514350">
-              <a:spcBef>
-                <a:spcPts val="0"/>
-              </a:spcBef>
-              <a:buFont typeface="+mj-lt"/>
-              <a:buAutoNum type="arabicPeriod"/>
-            </a:pPr>
-            <a:r>
-              <a:rPr lang="sr-Latn-RS" sz="2800" dirty="0" smtClean="0"/>
-              <a:t>Obučimo neuronsku mrežu</a:t>
-            </a:r>
-          </a:p>
-          <a:p>
-            <a:pPr>
-              <a:spcBef>
-                <a:spcPts val="0"/>
-              </a:spcBef>
-            </a:pPr>
-            <a:r>
-              <a:rPr lang="sr-Latn-RS" sz="2000" dirty="0" smtClean="0"/>
-              <a:t>Učitamo sliku koja predstavlja obučavajući skup</a:t>
-            </a:r>
-          </a:p>
-          <a:p>
-            <a:pPr lvl="1">
-              <a:spcBef>
-                <a:spcPts val="0"/>
-              </a:spcBef>
-            </a:pPr>
-            <a:r>
-              <a:rPr lang="en-US" sz="1600" i="1" dirty="0" err="1"/>
-              <a:t>img_train</a:t>
-            </a:r>
-            <a:r>
-              <a:rPr lang="en-US" sz="1600" i="1" dirty="0"/>
-              <a:t> = </a:t>
-            </a:r>
-            <a:r>
-              <a:rPr lang="en-US" sz="1600" i="1" dirty="0" err="1"/>
-              <a:t>simF.load_image</a:t>
-            </a:r>
-            <a:r>
-              <a:rPr lang="en-US" sz="1600" i="1" dirty="0"/>
-              <a:t>('fist_state.png')</a:t>
-            </a:r>
-            <a:endParaRPr lang="sr-Latn-RS" sz="1600" i="1" dirty="0" smtClean="0"/>
-          </a:p>
-          <a:p>
-            <a:pPr>
-              <a:spcBef>
-                <a:spcPts val="0"/>
-              </a:spcBef>
-            </a:pPr>
-            <a:r>
-              <a:rPr lang="sr-Latn-RS" sz="2000" dirty="0" smtClean="0"/>
-              <a:t>Konvertujemo je u grayscale, pa u binarni oblik</a:t>
-            </a:r>
-            <a:endParaRPr lang="en-US" sz="2000" dirty="0" smtClean="0"/>
-          </a:p>
-          <a:p>
-            <a:pPr lvl="1">
-              <a:spcBef>
-                <a:spcPts val="0"/>
-              </a:spcBef>
-            </a:pPr>
-            <a:r>
-              <a:rPr lang="en-US" sz="1600" i="1" dirty="0" err="1"/>
-              <a:t>img_train_bin</a:t>
-            </a:r>
-            <a:r>
-              <a:rPr lang="en-US" sz="1600" i="1" dirty="0"/>
-              <a:t> = </a:t>
-            </a:r>
-            <a:r>
-              <a:rPr lang="en-US" sz="1600" i="1" dirty="0" err="1"/>
-              <a:t>simF.get_image_bin</a:t>
-            </a:r>
-            <a:r>
-              <a:rPr lang="en-US" sz="1600" i="1" dirty="0"/>
-              <a:t>(</a:t>
-            </a:r>
-            <a:r>
-              <a:rPr lang="en-US" sz="1600" i="1" dirty="0" err="1"/>
-              <a:t>simF.get_image_gray</a:t>
-            </a:r>
-            <a:r>
-              <a:rPr lang="en-US" sz="1600" i="1" dirty="0"/>
-              <a:t>(</a:t>
-            </a:r>
-            <a:r>
-              <a:rPr lang="en-US" sz="1600" i="1" dirty="0" err="1"/>
-              <a:t>img_train</a:t>
-            </a:r>
-            <a:r>
-              <a:rPr lang="en-US" sz="1600" i="1" dirty="0"/>
-              <a:t>))</a:t>
-            </a:r>
-            <a:endParaRPr lang="sr-Latn-RS" sz="1600" i="1" dirty="0" smtClean="0"/>
-          </a:p>
-          <a:p>
-            <a:pPr>
-              <a:spcBef>
-                <a:spcPts val="0"/>
-              </a:spcBef>
-            </a:pPr>
-            <a:r>
-              <a:rPr lang="sr-Latn-RS" sz="2000" dirty="0" smtClean="0"/>
-              <a:t>Odredimo regione od interesa na binarnoj slici</a:t>
-            </a:r>
-            <a:endParaRPr lang="en-US" sz="2000" dirty="0" smtClean="0"/>
-          </a:p>
-          <a:p>
-            <a:pPr lvl="1">
-              <a:spcBef>
-                <a:spcPts val="0"/>
-              </a:spcBef>
-            </a:pPr>
-            <a:r>
-              <a:rPr lang="en-US" sz="1600" i="1" dirty="0" err="1"/>
-              <a:t>sel_img_train</a:t>
-            </a:r>
-            <a:r>
-              <a:rPr lang="en-US" sz="1600" i="1" dirty="0"/>
-              <a:t>, shapes, rectangles, dots = </a:t>
-            </a:r>
-            <a:r>
-              <a:rPr lang="en-US" sz="1600" i="1" dirty="0" err="1"/>
-              <a:t>regF.select_roi</a:t>
-            </a:r>
-            <a:r>
-              <a:rPr lang="en-US" sz="1600" i="1" dirty="0"/>
-              <a:t>(</a:t>
-            </a:r>
-            <a:r>
-              <a:rPr lang="en-US" sz="1600" i="1" dirty="0" err="1"/>
-              <a:t>img_train.copy</a:t>
-            </a:r>
-            <a:r>
-              <a:rPr lang="en-US" sz="1600" i="1" dirty="0"/>
-              <a:t>(), </a:t>
-            </a:r>
-            <a:r>
-              <a:rPr lang="en-US" sz="1600" i="1" dirty="0" err="1"/>
-              <a:t>img_train_bin</a:t>
-            </a:r>
-            <a:r>
-              <a:rPr lang="en-US" sz="1600" i="1" dirty="0"/>
-              <a:t>)</a:t>
-            </a:r>
-            <a:endParaRPr lang="sr-Latn-RS" sz="1600" i="1" dirty="0" smtClean="0"/>
-          </a:p>
-          <a:p>
-            <a:pPr>
-              <a:spcBef>
-                <a:spcPts val="0"/>
-              </a:spcBef>
-            </a:pPr>
-            <a:r>
-              <a:rPr lang="sr-Latn-RS" sz="2000" dirty="0" smtClean="0"/>
-              <a:t>Regione „formatiramo“ tako da ih veštačka neuronska mreža može očitati</a:t>
-            </a:r>
-            <a:endParaRPr lang="en-US" sz="2000" dirty="0" smtClean="0"/>
-          </a:p>
-          <a:p>
-            <a:pPr lvl="1">
-              <a:spcBef>
-                <a:spcPts val="0"/>
-              </a:spcBef>
-            </a:pPr>
-            <a:r>
-              <a:rPr lang="en-US" sz="1600" i="1" dirty="0"/>
-              <a:t>inputs = </a:t>
-            </a:r>
-            <a:r>
-              <a:rPr lang="en-US" sz="1600" i="1" dirty="0" err="1"/>
-              <a:t>simF.prepare_for_ann</a:t>
-            </a:r>
-            <a:r>
-              <a:rPr lang="en-US" sz="1600" i="1" dirty="0"/>
-              <a:t>(shapes)</a:t>
-            </a:r>
-            <a:endParaRPr lang="sr-Latn-RS" sz="1600" i="1" dirty="0" smtClean="0"/>
-          </a:p>
-          <a:p>
-            <a:pPr>
-              <a:spcBef>
-                <a:spcPts val="0"/>
-              </a:spcBef>
-            </a:pPr>
-            <a:r>
-              <a:rPr lang="sr-Latn-RS" sz="2000" dirty="0" smtClean="0"/>
-              <a:t>Napravimo skup izlaznih vrednosti,</a:t>
-            </a:r>
-            <a:r>
-              <a:rPr lang="en-US" sz="2000" dirty="0" smtClean="0"/>
-              <a:t> </a:t>
-            </a:r>
-            <a:r>
-              <a:rPr lang="en-US" sz="2000" dirty="0" err="1" smtClean="0"/>
-              <a:t>prevedemo</a:t>
-            </a:r>
-            <a:r>
-              <a:rPr lang="en-US" sz="2000" dirty="0" smtClean="0"/>
-              <a:t> </a:t>
-            </a:r>
-            <a:r>
-              <a:rPr lang="en-US" sz="2000" dirty="0" err="1" smtClean="0"/>
-              <a:t>ga</a:t>
-            </a:r>
-            <a:r>
-              <a:rPr lang="en-US" sz="2000" dirty="0" smtClean="0"/>
-              <a:t> u </a:t>
-            </a:r>
-            <a:r>
-              <a:rPr lang="en-US" sz="2000" dirty="0" err="1" smtClean="0"/>
-              <a:t>oblik</a:t>
-            </a:r>
-            <a:r>
-              <a:rPr lang="en-US" sz="2000" dirty="0" smtClean="0"/>
-              <a:t> </a:t>
-            </a:r>
-            <a:r>
-              <a:rPr lang="en-US" sz="2000" dirty="0" err="1" smtClean="0"/>
-              <a:t>pogodan</a:t>
-            </a:r>
-            <a:r>
-              <a:rPr lang="en-US" sz="2000" dirty="0" smtClean="0"/>
-              <a:t> za </a:t>
-            </a:r>
-            <a:r>
-              <a:rPr lang="sr-Latn-RS" sz="2000" dirty="0" smtClean="0"/>
-              <a:t>V</a:t>
-            </a:r>
-            <a:r>
-              <a:rPr lang="en-US" sz="2000" dirty="0" smtClean="0"/>
-              <a:t>NM</a:t>
-            </a:r>
-          </a:p>
-          <a:p>
-            <a:pPr lvl="1">
-              <a:spcBef>
-                <a:spcPts val="0"/>
-              </a:spcBef>
-            </a:pPr>
-            <a:r>
-              <a:rPr lang="en-US" sz="1600" i="1" dirty="0" err="1"/>
-              <a:t>hand_state</a:t>
-            </a:r>
-            <a:r>
-              <a:rPr lang="en-US" sz="1600" i="1" dirty="0"/>
-              <a:t> = </a:t>
-            </a:r>
-            <a:r>
-              <a:rPr lang="en-US" sz="1600" i="1" dirty="0" smtClean="0"/>
-              <a:t>[…]</a:t>
-            </a:r>
-          </a:p>
-          <a:p>
-            <a:pPr lvl="1">
-              <a:spcBef>
-                <a:spcPts val="0"/>
-              </a:spcBef>
-            </a:pPr>
-            <a:r>
-              <a:rPr lang="en-US" sz="1600" i="1" dirty="0"/>
-              <a:t>outputs = </a:t>
-            </a:r>
-            <a:r>
-              <a:rPr lang="en-US" sz="1600" i="1" dirty="0" err="1"/>
-              <a:t>simF.convert_output</a:t>
-            </a:r>
-            <a:r>
-              <a:rPr lang="en-US" sz="1600" i="1" dirty="0"/>
-              <a:t>(</a:t>
-            </a:r>
-            <a:r>
-              <a:rPr lang="en-US" sz="1600" i="1" dirty="0" err="1"/>
-              <a:t>hand_state</a:t>
-            </a:r>
-            <a:r>
-              <a:rPr lang="en-US" sz="1600" i="1" dirty="0"/>
-              <a:t>)</a:t>
-            </a:r>
-            <a:endParaRPr lang="en-US" sz="1600" i="1" dirty="0" smtClean="0"/>
-          </a:p>
-          <a:p>
-            <a:pPr>
-              <a:spcBef>
-                <a:spcPts val="0"/>
-              </a:spcBef>
-            </a:pPr>
-            <a:r>
-              <a:rPr lang="en-US" sz="2000" dirty="0" err="1" smtClean="0"/>
-              <a:t>Napravimo</a:t>
-            </a:r>
-            <a:r>
-              <a:rPr lang="en-US" sz="2000" dirty="0" smtClean="0"/>
-              <a:t> i </a:t>
-            </a:r>
-            <a:r>
-              <a:rPr lang="en-US" sz="2000" dirty="0" err="1" smtClean="0"/>
-              <a:t>treniramo</a:t>
-            </a:r>
-            <a:r>
-              <a:rPr lang="en-US" sz="2000" dirty="0" smtClean="0"/>
-              <a:t> </a:t>
-            </a:r>
-            <a:r>
-              <a:rPr lang="en-US" sz="2000" dirty="0" err="1" smtClean="0"/>
-              <a:t>ve</a:t>
-            </a:r>
-            <a:r>
-              <a:rPr lang="sr-Latn-RS" sz="2000" dirty="0" smtClean="0"/>
-              <a:t>štačku NM</a:t>
-            </a:r>
-            <a:endParaRPr lang="en-US" sz="2000" dirty="0" smtClean="0"/>
-          </a:p>
-          <a:p>
-            <a:pPr lvl="1">
-              <a:spcBef>
-                <a:spcPts val="0"/>
-              </a:spcBef>
-            </a:pPr>
-            <a:r>
-              <a:rPr lang="en-US" sz="1600" i="1" dirty="0" err="1"/>
-              <a:t>ann</a:t>
-            </a:r>
-            <a:r>
-              <a:rPr lang="en-US" sz="1600" i="1" dirty="0"/>
-              <a:t> = </a:t>
-            </a:r>
-            <a:r>
-              <a:rPr lang="en-US" sz="1600" i="1" dirty="0" err="1"/>
-              <a:t>annFs.create_ann</a:t>
-            </a:r>
-            <a:r>
-              <a:rPr lang="en-US" sz="1600" i="1" dirty="0" smtClean="0"/>
-              <a:t>()</a:t>
-            </a:r>
-          </a:p>
-          <a:p>
-            <a:pPr lvl="1">
-              <a:spcBef>
-                <a:spcPts val="0"/>
-              </a:spcBef>
-            </a:pPr>
-            <a:r>
-              <a:rPr lang="en-US" sz="1600" i="1" dirty="0" err="1"/>
-              <a:t>ann</a:t>
-            </a:r>
-            <a:r>
-              <a:rPr lang="en-US" sz="1600" i="1" dirty="0"/>
-              <a:t> = </a:t>
-            </a:r>
-            <a:r>
-              <a:rPr lang="en-US" sz="1600" i="1" dirty="0" err="1"/>
-              <a:t>annFs.train_ann</a:t>
-            </a:r>
-            <a:r>
-              <a:rPr lang="en-US" sz="1600" i="1" dirty="0"/>
-              <a:t>(</a:t>
-            </a:r>
-            <a:r>
-              <a:rPr lang="en-US" sz="1600" i="1" dirty="0" err="1"/>
-              <a:t>ann</a:t>
-            </a:r>
-            <a:r>
-              <a:rPr lang="en-US" sz="1600" i="1" dirty="0"/>
-              <a:t>, inputs, outputs)  # MOZDA NEKI TEST DATA SET</a:t>
-            </a:r>
-            <a:endParaRPr lang="en-US" sz="1600" i="1" dirty="0" smtClean="0"/>
-          </a:p>
-        </p:txBody>
-      </p:sp>
-    </p:spTree>
-    <p:extLst>
-      <p:ext uri="{BB962C8B-B14F-4D97-AF65-F5344CB8AC3E}">
-        <p14:creationId xmlns:p14="http://schemas.microsoft.com/office/powerpoint/2010/main" val="1298072804"/>
-      </p:ext>
-    </p:extLst>
-  </p:cSld>
-  <p:clrMapOvr>
-    <a:masterClrMapping/>
-  </p:clrMapOvr>
-  <p:timing>
-    <p:tnLst>
-      <p:par>
-        <p:cTn id="1" dur="indefinite" restart="never" nodeType="tmRoot"/>
-      </p:par>
-    </p:tnLst>
-  </p:timing>
-</p:sld>
-</file>
-
-<file path=ppt/slides/slide4.xml><?xml version="1.0" encoding="utf-8"?>
-<p:sld xmlns:a="http://schemas.openxmlformats.org/drawingml/2006/main" xmlns:r="http://schemas.openxmlformats.org/officeDocument/2006/relationships" xmlns:p="http://schemas.openxmlformats.org/presentationml/2006/main">
-  <p:cSld>
-    <p:spTree>
-      <p:nvGrpSpPr>
-        <p:cNvPr id="1" name=""/>
-        <p:cNvGrpSpPr/>
-        <p:nvPr/>
-      </p:nvGrpSpPr>
-      <p:grpSpPr>
-        <a:xfrm>
-          <a:off x="0" y="0"/>
-          <a:ext cx="0" cy="0"/>
-          <a:chOff x="0" y="0"/>
-          <a:chExt cx="0" cy="0"/>
-        </a:xfrm>
-      </p:grpSpPr>
-      <p:sp>
-        <p:nvSpPr>
-          <p:cNvPr id="4" name="Title 3"/>
-          <p:cNvSpPr>
-            <a:spLocks noGrp="1"/>
-          </p:cNvSpPr>
-          <p:nvPr>
-            <p:ph type="title"/>
-          </p:nvPr>
-        </p:nvSpPr>
-        <p:spPr/>
-        <p:txBody>
-          <a:bodyPr>
-            <a:normAutofit fontScale="90000"/>
-          </a:bodyPr>
-          <a:lstStyle/>
-          <a:p>
-            <a:r>
-              <a:rPr lang="en-US" b="1" dirty="0" smtClean="0"/>
-              <a:t>SPECIFIKACIJA</a:t>
-            </a:r>
-            <a:r>
-              <a:rPr lang="en-US" dirty="0" smtClean="0"/>
-              <a:t/>
-            </a:r>
-            <a:br>
-              <a:rPr lang="en-US" dirty="0" smtClean="0"/>
-            </a:br>
-            <a:r>
-              <a:rPr lang="en-US" sz="3100" i="1" dirty="0" err="1" smtClean="0"/>
-              <a:t>Kako</a:t>
-            </a:r>
-            <a:r>
-              <a:rPr lang="sr-Latn-RS" sz="3100" i="1" dirty="0" smtClean="0"/>
-              <a:t> program</a:t>
-            </a:r>
-            <a:r>
-              <a:rPr lang="en-US" sz="3100" i="1" dirty="0" smtClean="0"/>
-              <a:t> </a:t>
-            </a:r>
-            <a:r>
-              <a:rPr lang="en-US" sz="3100" i="1" dirty="0" err="1" smtClean="0"/>
-              <a:t>funkcioni</a:t>
-            </a:r>
-            <a:r>
-              <a:rPr lang="sr-Latn-RS" sz="3100" i="1" dirty="0" smtClean="0"/>
-              <a:t>še?</a:t>
-            </a:r>
-            <a:endParaRPr lang="en-US" sz="3100" i="1" dirty="0"/>
-          </a:p>
-        </p:txBody>
-      </p:sp>
-      <p:sp>
-        <p:nvSpPr>
-          <p:cNvPr id="5" name="Content Placeholder 4"/>
-          <p:cNvSpPr>
-            <a:spLocks noGrp="1"/>
-          </p:cNvSpPr>
-          <p:nvPr>
-            <p:ph idx="1"/>
-          </p:nvPr>
-        </p:nvSpPr>
-        <p:spPr/>
-        <p:txBody>
-          <a:bodyPr>
-            <a:normAutofit/>
-          </a:bodyPr>
-          <a:lstStyle/>
-          <a:p>
-            <a:pPr marL="514350" indent="-514350">
-              <a:spcBef>
-                <a:spcPts val="0"/>
-              </a:spcBef>
-              <a:buFont typeface="+mj-lt"/>
-              <a:buAutoNum type="arabicPeriod" startAt="2"/>
-            </a:pPr>
-            <a:r>
-              <a:rPr lang="sr-Latn-RS" sz="2800" dirty="0" smtClean="0"/>
-              <a:t>Kamera sve vreme snima šta se događa u njenom vidnom polju</a:t>
-            </a:r>
-            <a:endParaRPr lang="sr-Latn-RS" dirty="0" smtClean="0"/>
-          </a:p>
-          <a:p>
-            <a:pPr>
-              <a:spcBef>
-                <a:spcPts val="0"/>
-              </a:spcBef>
-            </a:pPr>
-            <a:r>
-              <a:rPr lang="sr-Latn-RS" sz="2000" dirty="0" smtClean="0"/>
-              <a:t>Napravi </a:t>
-            </a:r>
-            <a:r>
-              <a:rPr lang="sr-Latn-RS" sz="2000" i="1" dirty="0" smtClean="0"/>
-              <a:t>VideoCapture</a:t>
-            </a:r>
-            <a:r>
-              <a:rPr lang="sr-Latn-RS" sz="2000" dirty="0" smtClean="0"/>
-              <a:t> objekat</a:t>
-            </a:r>
-          </a:p>
-          <a:p>
-            <a:pPr lvl="1">
-              <a:spcBef>
-                <a:spcPts val="0"/>
-              </a:spcBef>
-            </a:pPr>
-            <a:r>
-              <a:rPr lang="en-US" sz="1600" i="1" dirty="0" err="1" smtClean="0"/>
-              <a:t>video_capture</a:t>
-            </a:r>
-            <a:r>
-              <a:rPr lang="en-US" sz="1600" dirty="0" smtClean="0"/>
-              <a:t> </a:t>
-            </a:r>
-            <a:r>
-              <a:rPr lang="en-US" sz="1600" i="1" dirty="0" smtClean="0"/>
-              <a:t>=</a:t>
-            </a:r>
-            <a:r>
-              <a:rPr lang="en-US" sz="1600" dirty="0" smtClean="0"/>
-              <a:t> </a:t>
-            </a:r>
-            <a:r>
-              <a:rPr lang="en-US" sz="1600" i="1" dirty="0"/>
-              <a:t>cv2.VideoCapture</a:t>
-            </a:r>
-            <a:r>
-              <a:rPr lang="en-US" sz="1600" i="1" dirty="0" smtClean="0"/>
-              <a:t>()</a:t>
-            </a:r>
-            <a:endParaRPr lang="sr-Latn-RS" sz="1600" i="1" dirty="0" smtClean="0"/>
-          </a:p>
-          <a:p>
-            <a:pPr>
-              <a:spcBef>
-                <a:spcPts val="0"/>
-              </a:spcBef>
-            </a:pPr>
-            <a:endParaRPr lang="sr-Latn-RS" sz="2000" dirty="0" smtClean="0"/>
-          </a:p>
-          <a:p>
-            <a:pPr>
-              <a:spcBef>
-                <a:spcPts val="0"/>
-              </a:spcBef>
-            </a:pPr>
-            <a:r>
-              <a:rPr lang="sr-Latn-RS" sz="2000" dirty="0" smtClean="0"/>
-              <a:t>Poveži se sa kamerom i uključi je</a:t>
-            </a:r>
-          </a:p>
-          <a:p>
-            <a:pPr lvl="1">
-              <a:spcBef>
-                <a:spcPts val="0"/>
-              </a:spcBef>
-            </a:pPr>
-            <a:r>
-              <a:rPr lang="en-US" sz="1600" i="1" dirty="0" err="1" smtClean="0"/>
-              <a:t>video_capture.open</a:t>
-            </a:r>
-            <a:r>
-              <a:rPr lang="en-US" sz="1600" i="1" dirty="0" smtClean="0"/>
-              <a:t>(0)</a:t>
-            </a:r>
-            <a:endParaRPr lang="sr-Latn-RS" sz="1600" i="1" dirty="0" smtClean="0"/>
-          </a:p>
-          <a:p>
-            <a:pPr>
-              <a:spcBef>
-                <a:spcPts val="0"/>
-              </a:spcBef>
-            </a:pPr>
-            <a:endParaRPr lang="sr-Latn-RS" sz="2000" dirty="0" smtClean="0"/>
-          </a:p>
-          <a:p>
-            <a:pPr>
-              <a:spcBef>
-                <a:spcPts val="0"/>
-              </a:spcBef>
-            </a:pPr>
-            <a:r>
-              <a:rPr lang="sr-Latn-RS" sz="2000" dirty="0" smtClean="0"/>
-              <a:t>Uzimaj frejmove koje kamera snimi sve dok je kamera uključena</a:t>
-            </a:r>
-          </a:p>
-          <a:p>
-            <a:pPr lvl="1">
-              <a:spcBef>
-                <a:spcPts val="0"/>
-              </a:spcBef>
-            </a:pPr>
-            <a:r>
-              <a:rPr lang="en-US" sz="1600" b="1" i="1" dirty="0" smtClean="0"/>
-              <a:t>while </a:t>
-            </a:r>
-            <a:r>
-              <a:rPr lang="en-US" sz="1600" i="1" dirty="0" err="1"/>
-              <a:t>video_capture</a:t>
-            </a:r>
-            <a:r>
-              <a:rPr lang="en-US" sz="1600" i="1" dirty="0" err="1" smtClean="0"/>
-              <a:t>.isOpened</a:t>
-            </a:r>
-            <a:r>
-              <a:rPr lang="en-US" sz="1600" i="1" dirty="0" smtClean="0"/>
-              <a:t>():</a:t>
-            </a:r>
-            <a:endParaRPr lang="sr-Latn-RS" sz="1600" i="1" dirty="0" smtClean="0"/>
-          </a:p>
-          <a:p>
-            <a:pPr marL="400050" lvl="1" indent="0">
-              <a:buNone/>
-            </a:pPr>
-            <a:r>
-              <a:rPr lang="en-US" sz="2000" i="1" dirty="0"/>
-              <a:t>	</a:t>
-            </a:r>
-            <a:r>
-              <a:rPr lang="sr-Latn-RS" sz="2000" i="1" dirty="0" smtClean="0"/>
-              <a:t>      </a:t>
-            </a:r>
-            <a:r>
-              <a:rPr lang="en-US" sz="1600" i="1" dirty="0" smtClean="0"/>
-              <a:t>ret</a:t>
-            </a:r>
-            <a:r>
-              <a:rPr lang="en-US" sz="1600" i="1" dirty="0"/>
-              <a:t>, </a:t>
-            </a:r>
-            <a:r>
-              <a:rPr lang="en-US" sz="1600" i="1" dirty="0" err="1"/>
-              <a:t>img</a:t>
-            </a:r>
-            <a:r>
-              <a:rPr lang="en-US" sz="1600" i="1" dirty="0"/>
-              <a:t> = </a:t>
-            </a:r>
-            <a:r>
-              <a:rPr lang="en-US" sz="1600" i="1" dirty="0" err="1"/>
-              <a:t>video_capture</a:t>
-            </a:r>
-            <a:r>
-              <a:rPr lang="en-US" sz="1600" i="1" dirty="0" err="1" smtClean="0"/>
-              <a:t>.read</a:t>
-            </a:r>
-            <a:r>
-              <a:rPr lang="en-US" sz="1600" i="1" dirty="0" smtClean="0"/>
-              <a:t>()</a:t>
-            </a:r>
-            <a:endParaRPr lang="sr-Latn-RS" sz="1800" i="1" dirty="0" smtClean="0"/>
-          </a:p>
-        </p:txBody>
-      </p:sp>
-    </p:spTree>
-    <p:extLst>
-      <p:ext uri="{BB962C8B-B14F-4D97-AF65-F5344CB8AC3E}">
-        <p14:creationId xmlns:p14="http://schemas.microsoft.com/office/powerpoint/2010/main" val="1580887538"/>
-      </p:ext>
-    </p:extLst>
-  </p:cSld>
-  <p:clrMapOvr>
-    <a:masterClrMapping/>
-  </p:clrMapOvr>
-  <p:timing>
-    <p:tnLst>
-      <p:par>
-        <p:cTn id="1" dur="indefinite" restart="never" nodeType="tmRoot"/>
-      </p:par>
-    </p:tnLst>
-  </p:timing>
-</p:sld>
-</file>
-
-<file path=ppt/slides/slide5.xml><?xml version="1.0" encoding="utf-8"?>
-<p:sld xmlns:a="http://schemas.openxmlformats.org/drawingml/2006/main" xmlns:r="http://schemas.openxmlformats.org/officeDocument/2006/relationships" xmlns:p="http://schemas.openxmlformats.org/presentationml/2006/main">
-  <p:cSld>
-    <p:spTree>
-      <p:nvGrpSpPr>
-        <p:cNvPr id="1" name=""/>
-        <p:cNvGrpSpPr/>
-        <p:nvPr/>
-      </p:nvGrpSpPr>
-      <p:grpSpPr>
-        <a:xfrm>
-          <a:off x="0" y="0"/>
-          <a:ext cx="0" cy="0"/>
-          <a:chOff x="0" y="0"/>
-          <a:chExt cx="0" cy="0"/>
-        </a:xfrm>
-      </p:grpSpPr>
-      <p:sp>
-        <p:nvSpPr>
-          <p:cNvPr id="2" name="Title 1"/>
-          <p:cNvSpPr>
-            <a:spLocks noGrp="1"/>
-          </p:cNvSpPr>
-          <p:nvPr>
-            <p:ph type="title"/>
-          </p:nvPr>
-        </p:nvSpPr>
-        <p:spPr/>
-        <p:txBody>
-          <a:bodyPr>
-            <a:normAutofit fontScale="90000"/>
-          </a:bodyPr>
-          <a:lstStyle/>
-          <a:p>
-            <a:r>
               <a:rPr lang="en-US" b="1" dirty="0"/>
               <a:t>SPECIFIKACIJA</a:t>
             </a:r>
@@ -5432,8 +3615,8 @@
           </a:p>
         </p:txBody>
       </p:sp>
-      <mc:AlternateContent xmlns:mc="http://schemas.openxmlformats.org/markup-compatibility/2006" xmlns:a14="http://schemas.microsoft.com/office/drawing/2010/main">
-        <mc:Choice Requires="a14">
+      <mc:AlternateContent xmlns:mc="http://schemas.openxmlformats.org/markup-compatibility/2006">
+        <mc:Choice xmlns:a14="http://schemas.microsoft.com/office/drawing/2010/main" Requires="a14">
           <p:sp>
             <p:nvSpPr>
               <p:cNvPr id="3" name="Content Placeholder 2"/>
@@ -5444,7 +3627,12 @@
                 <p:ph idx="1"/>
               </p:nvPr>
             </p:nvSpPr>
-            <p:spPr/>
+            <p:spPr>
+              <a:xfrm>
+                <a:off x="457200" y="1600200"/>
+                <a:ext cx="8229600" cy="4637112"/>
+              </a:xfrm>
+            </p:spPr>
             <p:txBody>
               <a:bodyPr>
                 <a:normAutofit/>
@@ -5456,19 +3644,19 @@
                   <a:buAutoNum type="arabicPeriod" startAt="3"/>
                 </a:pPr>
                 <a:r>
-                  <a:rPr lang="sr-Latn-RS" sz="2800" dirty="0" smtClean="0"/>
+                  <a:rPr lang="sr-Latn-RS" sz="2400" dirty="0" smtClean="0"/>
                   <a:t>Snimak </a:t>
                 </a:r>
                 <a:r>
-                  <a:rPr lang="sr-Latn-RS" sz="2800" dirty="0"/>
-                  <a:t>se u pozadini softverski obrađuje, sa ciljem da se u frejmovima pronađe oblik koji predstavlja raširenu </a:t>
-                </a:r>
-                <a:r>
-                  <a:rPr lang="sr-Latn-RS" sz="2800" dirty="0" smtClean="0"/>
+                  <a:rPr lang="sr-Latn-RS" sz="2400" dirty="0"/>
+                  <a:t>se u pozadini softverski obrađuje, sa ciljem da se u frejmovima pronađe oblik koji predstavlja </a:t>
+                </a:r>
+                <a:r>
+                  <a:rPr lang="sr-Latn-RS" sz="2400" dirty="0" smtClean="0"/>
                   <a:t>šaku</a:t>
                 </a:r>
                 <a:r>
-                  <a:rPr lang="sr-Latn-RS" sz="2800" dirty="0"/>
+                  <a:rPr lang="sr-Latn-RS" sz="2400" dirty="0"/>
                   <a:t>, ili da bar liči na nju</a:t>
                 </a:r>
               </a:p>
@@ -5490,8 +3678,56 @@
                   <a:t> u </a:t>
                 </a:r>
                 <a:r>
+                  <a:rPr lang="en-US" sz="2000" dirty="0" err="1"/>
+                  <a:t>YCbCr</a:t>
+                </a:r>
+                <a:r>
+                  <a:rPr lang="en-US" sz="2000" dirty="0"/>
+                  <a:t> </a:t>
+                </a:r>
+                <a:r>
+                  <a:rPr lang="en-US" sz="2000" dirty="0" smtClean="0"/>
+                  <a:t>format </a:t>
+                </a:r>
+                <a:r>
                   <a:rPr lang="en-US" sz="2000" dirty="0" err="1" smtClean="0"/>
-                  <a:t>grayscale</a:t>
+                  <a:t>boje</a:t>
+                </a:r>
+                <a:r>
+                  <a:rPr lang="en-US" sz="2000" dirty="0" smtClean="0"/>
+                  <a:t> (</a:t>
+                </a:r>
+                <a:r>
+                  <a:rPr lang="en-US" sz="2000" dirty="0" err="1" smtClean="0"/>
+                  <a:t>radi</a:t>
+                </a:r>
+                <a:r>
+                  <a:rPr lang="en-US" sz="2000" dirty="0" smtClean="0"/>
+                  <a:t> </a:t>
+                </a:r>
+                <a:r>
+                  <a:rPr lang="en-US" sz="2000" dirty="0" err="1" smtClean="0"/>
+                  <a:t>prepoznavanja</a:t>
+                </a:r>
+                <a:r>
+                  <a:rPr lang="en-US" sz="2000" dirty="0" smtClean="0"/>
+                  <a:t> </a:t>
+                </a:r>
+                <a:r>
+                  <a:rPr lang="en-US" sz="2000" dirty="0" err="1" smtClean="0"/>
+                  <a:t>boje</a:t>
+                </a:r>
+                <a:r>
+                  <a:rPr lang="en-US" sz="2000" dirty="0" smtClean="0"/>
+                  <a:t> </a:t>
+                </a:r>
+                <a:r>
+                  <a:rPr lang="en-US" sz="2000" dirty="0" err="1" smtClean="0"/>
+                  <a:t>ko</a:t>
+                </a:r>
+                <a:r>
+                  <a:rPr lang="sr-Latn-RS" sz="2000" dirty="0" smtClean="0"/>
+                  <a:t>že)</a:t>
                 </a:r>
                 <a:r>
                   <a:rPr lang="en-US" sz="2000" dirty="0" smtClean="0"/>
@@ -5499,48 +3735,356 @@
                 </a:r>
                 <a:r>
                   <a:rPr lang="en-US" sz="2000" dirty="0" err="1" smtClean="0"/>
+                  <a:t>binarizacija</a:t>
+                </a:r>
+                <a:r>
+                  <a:rPr lang="en-US" sz="2000" dirty="0" smtClean="0"/>
+                  <a:t>, </a:t>
+                </a:r>
+                <a:r>
+                  <a:rPr lang="en-US" sz="2000" dirty="0" err="1" smtClean="0"/>
+                  <a:t>erozija</a:t>
+                </a:r>
+                <a:r>
+                  <a:rPr lang="en-US" sz="2000" dirty="0" smtClean="0"/>
+                  <a:t> i </a:t>
+                </a:r>
+                <a:r>
+                  <a:rPr lang="en-US" sz="2000" dirty="0" err="1" smtClean="0"/>
                   <a:t>zamu</a:t>
                 </a:r>
                 <a:r>
                   <a:rPr lang="sr-Latn-RS" sz="2000" dirty="0" smtClean="0"/>
-                  <a:t>ćivanje (GaussianBlur)</a:t>
-                </a:r>
-                <a:r>
-                  <a:rPr lang="en-US" sz="2000" dirty="0" smtClean="0"/>
-                  <a:t> da bi </a:t>
+                  <a:t>ćivanje (</a:t>
+                </a:r>
+                <a:r>
+                  <a:rPr lang="sr-Latn-RS" sz="2000" dirty="0" smtClean="0"/>
+                  <a:t>GaussianBlur, </a:t>
                 </a:r>
                 <a:r>
                   <a:rPr lang="en-US" sz="2000" dirty="0" err="1" smtClean="0"/>
-                  <a:t>smo</a:t>
+                  <a:t>otkl</a:t>
+                </a:r>
+                <a:r>
+                  <a:rPr lang="sr-Latn-RS" sz="2000" dirty="0" smtClean="0"/>
+                  <a:t>anjanje</a:t>
                 </a:r>
                 <a:r>
                   <a:rPr lang="en-US" sz="2000" dirty="0" smtClean="0"/>
                   <a:t> </a:t>
                 </a:r>
                 <a:r>
+                  <a:rPr lang="sr-Latn-RS" sz="2000" dirty="0" smtClean="0"/>
+                  <a:t>šuma)</a:t>
+                </a:r>
+                <a:r>
+                  <a:rPr lang="en-US" sz="2000" dirty="0" smtClean="0"/>
+                  <a:t> i </a:t>
+                </a:r>
+                <a:r>
                   <a:rPr lang="en-US" sz="2000" dirty="0" err="1" smtClean="0"/>
-                  <a:t>otklonili</a:t>
+                  <a:t>pronala</a:t>
+                </a:r>
+                <a:r>
+                  <a:rPr lang="sr-Latn-RS" sz="2000" dirty="0" smtClean="0"/>
+                  <a:t>ženje kontur</a:t>
                 </a:r>
                 <a:r>
                   <a:rPr lang="en-US" sz="2000" dirty="0" smtClean="0"/>
+                  <a:t>e </a:t>
+                </a:r>
+                <a:r>
+                  <a:rPr lang="sr-Latn-RS" sz="2000" dirty="0" smtClean="0"/>
+                  <a:t>šake na slici</a:t>
+                </a:r>
+                <a:endParaRPr lang="en-US" sz="2000" dirty="0" smtClean="0"/>
+              </a:p>
+              <a:p>
+                <a:pPr lvl="1"/>
+                <a:r>
+                  <a:rPr lang="en-US" sz="1600" dirty="0" smtClean="0"/>
+                  <a:t>Y – </a:t>
+                </a:r>
+                <a:r>
+                  <a:rPr lang="sr-Latn-RS" sz="1600" dirty="0" smtClean="0"/>
+                  <a:t>sjajnost </a:t>
+                </a:r>
+                <a:r>
+                  <a:rPr lang="sr-Latn-RS" sz="1600" dirty="0" smtClean="0"/>
+                  <a:t>(</a:t>
+                </a:r>
+                <a:r>
+                  <a:rPr lang="en-US" sz="1600" dirty="0" smtClean="0"/>
+                  <a:t>brightness</a:t>
+                </a:r>
+                <a:r>
+                  <a:rPr lang="sr-Latn-RS" sz="1600" dirty="0"/>
+                  <a:t>)</a:t>
+                </a:r>
+                <a:r>
+                  <a:rPr lang="en-US" sz="1600" dirty="0" smtClean="0"/>
                   <a:t> </a:t>
                 </a:r>
                 <a:r>
-                  <a:rPr lang="sr-Latn-RS" sz="2000" dirty="0" smtClean="0"/>
-                  <a:t>šum, </a:t>
-                </a:r>
-                <a:r>
-                  <a:rPr lang="en-US" sz="2000" dirty="0" smtClean="0"/>
-                  <a:t>pa </a:t>
-                </a:r>
-                <a:r>
-                  <a:rPr lang="en-US" sz="2000" dirty="0" err="1" smtClean="0"/>
-                  <a:t>binar</a:t>
-                </a:r>
-                <a:r>
-                  <a:rPr lang="sr-Latn-RS" sz="2000" dirty="0" smtClean="0"/>
-                  <a:t>izacija</a:t>
-                </a:r>
+                  <a:rPr lang="en-US" sz="1600" dirty="0" err="1" smtClean="0"/>
+                  <a:t>slike</a:t>
+                </a:r>
+                <a:r>
+                  <a:rPr lang="en-US" sz="1600" dirty="0" smtClean="0"/>
+                  <a:t> (</a:t>
+                </a:r>
+                <a:r>
+                  <a:rPr lang="en-US" sz="1600" dirty="0" err="1" smtClean="0"/>
+                  <a:t>black&amp;white</a:t>
+                </a:r>
+                <a:r>
+                  <a:rPr lang="en-US" sz="1600" dirty="0" smtClean="0"/>
+                  <a:t> </a:t>
+                </a:r>
+                <a:r>
+                  <a:rPr lang="en-US" sz="1600" dirty="0" err="1" smtClean="0"/>
+                  <a:t>deo</a:t>
+                </a:r>
+                <a:r>
+                  <a:rPr lang="en-US" sz="1600" dirty="0" smtClean="0"/>
+                  <a:t> </a:t>
+                </a:r>
+                <a:r>
+                  <a:rPr lang="en-US" sz="1600" dirty="0" err="1" smtClean="0"/>
+                  <a:t>slike</a:t>
+                </a:r>
+                <a:r>
+                  <a:rPr lang="en-US" sz="1600" dirty="0" smtClean="0"/>
+                  <a:t>)</a:t>
+                </a:r>
+              </a:p>
+              <a:p>
+                <a:pPr lvl="1"/>
+                <a:r>
+                  <a:rPr lang="en-US" sz="1600" dirty="0" err="1" smtClean="0"/>
+                  <a:t>Cb</a:t>
+                </a:r>
+                <a:r>
+                  <a:rPr lang="en-US" sz="1600" dirty="0" smtClean="0"/>
+                  <a:t> – </a:t>
+                </a:r>
+                <a:r>
+                  <a:rPr lang="en-US" sz="1600" dirty="0" err="1" smtClean="0"/>
+                  <a:t>razlika</a:t>
+                </a:r>
+                <a:r>
+                  <a:rPr lang="en-US" sz="1600" dirty="0" smtClean="0"/>
+                  <a:t> </a:t>
+                </a:r>
+                <a:r>
+                  <a:rPr lang="en-US" sz="1600" dirty="0" err="1" smtClean="0"/>
+                  <a:t>plave</a:t>
+                </a:r>
+                <a:r>
+                  <a:rPr lang="en-US" sz="1600" dirty="0" smtClean="0"/>
+                  <a:t> </a:t>
+                </a:r>
+                <a:r>
+                  <a:rPr lang="en-US" sz="1600" dirty="0" err="1" smtClean="0"/>
+                  <a:t>boje</a:t>
+                </a:r>
+                <a:r>
+                  <a:rPr lang="en-US" sz="1600" dirty="0" smtClean="0"/>
+                  <a:t> i Y </a:t>
+                </a:r>
+                <a:r>
+                  <a:rPr lang="en-US" sz="1600" dirty="0" err="1" smtClean="0"/>
+                  <a:t>komponente</a:t>
+                </a:r>
+                <a:r>
+                  <a:rPr lang="en-US" sz="1600" dirty="0" smtClean="0"/>
+                  <a:t>, </a:t>
+                </a:r>
+                <a:r>
+                  <a:rPr lang="en-US" sz="1600" dirty="0" err="1" smtClean="0"/>
+                  <a:t>komponenta</a:t>
+                </a:r>
+                <a:r>
+                  <a:rPr lang="en-US" sz="1600" dirty="0" smtClean="0"/>
+                  <a:t> </a:t>
+                </a:r>
+                <a:r>
+                  <a:rPr lang="en-US" sz="1600" dirty="0" err="1" smtClean="0"/>
+                  <a:t>intenziteta</a:t>
+                </a:r>
+                <a:r>
+                  <a:rPr lang="en-US" sz="1600" dirty="0" smtClean="0"/>
+                  <a:t> </a:t>
+                </a:r>
+                <a:r>
+                  <a:rPr lang="en-US" sz="1600" dirty="0" err="1" smtClean="0"/>
+                  <a:t>boje</a:t>
+                </a:r>
+                <a:r>
+                  <a:rPr lang="sr-Latn-RS" sz="1600" dirty="0" smtClean="0"/>
+                  <a:t> </a:t>
+                </a:r>
+                <a14:m>
+                  <m:oMath xmlns:m="http://schemas.openxmlformats.org/officeDocument/2006/math">
+                    <m:r>
+                      <a:rPr lang="en-US" sz="1600" b="0" i="0" smtClean="0">
+                        <a:latin typeface="Cambria Math"/>
+                      </a:rPr>
+                      <m:t>(</m:t>
+                    </m:r>
+                    <m:r>
+                      <a:rPr lang="en-US" sz="1600" b="0" i="1" smtClean="0">
+                        <a:latin typeface="Cambria Math"/>
+                      </a:rPr>
+                      <m:t>𝐶𝑏</m:t>
+                    </m:r>
+                    <m:r>
+                      <a:rPr lang="en-US" sz="1600" b="0" i="1" smtClean="0">
+                        <a:latin typeface="Cambria Math"/>
+                      </a:rPr>
+                      <m:t>=</m:t>
+                    </m:r>
+                    <m:r>
+                      <a:rPr lang="en-US" sz="1600" b="0" i="1" smtClean="0">
+                        <a:latin typeface="Cambria Math"/>
+                      </a:rPr>
+                      <m:t>𝑏𝑙𝑢𝑒</m:t>
+                    </m:r>
+                    <m:r>
+                      <a:rPr lang="en-US" sz="1600" b="0" i="1" smtClean="0">
+                        <a:latin typeface="Cambria Math"/>
+                      </a:rPr>
+                      <m:t>−</m:t>
+                    </m:r>
+                    <m:r>
+                      <a:rPr lang="en-US" sz="1600" b="0" i="1" smtClean="0">
+                        <a:latin typeface="Cambria Math"/>
+                      </a:rPr>
+                      <m:t>𝑌</m:t>
+                    </m:r>
+                    <m:r>
+                      <a:rPr lang="en-US" sz="1600" b="0" i="1" smtClean="0">
+                        <a:latin typeface="Cambria Math"/>
+                      </a:rPr>
+                      <m:t>)</m:t>
+                    </m:r>
+                  </m:oMath>
+                </a14:m>
+                <a:endParaRPr lang="en-US" sz="1600" dirty="0" smtClean="0"/>
+              </a:p>
+              <a:p>
+                <a:pPr lvl="1"/>
+                <a:r>
+                  <a:rPr lang="en-US" sz="1600" dirty="0" smtClean="0"/>
+                  <a:t>Cr – </a:t>
+                </a:r>
+                <a:r>
+                  <a:rPr lang="en-US" sz="1600" dirty="0" err="1"/>
+                  <a:t>razlika</a:t>
+                </a:r>
+                <a:r>
+                  <a:rPr lang="en-US" sz="1600" dirty="0"/>
+                  <a:t> </a:t>
+                </a:r>
+                <a:r>
+                  <a:rPr lang="en-US" sz="1600" dirty="0" err="1" smtClean="0"/>
+                  <a:t>crvene</a:t>
+                </a:r>
+                <a:r>
+                  <a:rPr lang="en-US" sz="1600" dirty="0" smtClean="0"/>
+                  <a:t> </a:t>
+                </a:r>
+                <a:r>
+                  <a:rPr lang="en-US" sz="1600" dirty="0" err="1" smtClean="0"/>
+                  <a:t>boje</a:t>
+                </a:r>
+                <a:r>
+                  <a:rPr lang="en-US" sz="1600" dirty="0" smtClean="0"/>
+                  <a:t> </a:t>
+                </a:r>
+                <a:r>
+                  <a:rPr lang="en-US" sz="1600" dirty="0"/>
+                  <a:t>i Y </a:t>
+                </a:r>
+                <a:r>
+                  <a:rPr lang="en-US" sz="1600" dirty="0" err="1"/>
+                  <a:t>komponente</a:t>
+                </a:r>
+                <a:r>
+                  <a:rPr lang="en-US" sz="1600" dirty="0" smtClean="0"/>
+                  <a:t>, </a:t>
+                </a:r>
+                <a:r>
+                  <a:rPr lang="en-US" sz="1600" dirty="0" err="1" smtClean="0"/>
+                  <a:t>komponenta</a:t>
+                </a:r>
+                <a:r>
+                  <a:rPr lang="en-US" sz="1600" dirty="0" smtClean="0"/>
+                  <a:t> </a:t>
+                </a:r>
+                <a:r>
+                  <a:rPr lang="en-US" sz="1600" dirty="0" err="1" smtClean="0"/>
+                  <a:t>intenziteta</a:t>
+                </a:r>
+                <a:r>
+                  <a:rPr lang="en-US" sz="1600" dirty="0" smtClean="0"/>
+                  <a:t> </a:t>
+                </a:r>
+                <a:r>
+                  <a:rPr lang="en-US" sz="1600" dirty="0" err="1" smtClean="0"/>
+                  <a:t>boje</a:t>
+                </a:r>
+                <a:r>
+                  <a:rPr lang="en-US" sz="1600" dirty="0" smtClean="0"/>
+                  <a:t> </a:t>
+                </a:r>
+                <a14:m>
+                  <m:oMath xmlns:m="http://schemas.openxmlformats.org/officeDocument/2006/math">
+                    <m:r>
+                      <a:rPr lang="en-US" sz="1600" b="0" i="1" smtClean="0">
+                        <a:latin typeface="Cambria Math"/>
+                      </a:rPr>
+                      <m:t>(</m:t>
+                    </m:r>
+                    <m:r>
+                      <a:rPr lang="en-US" sz="1600" b="0" i="1" smtClean="0">
+                        <a:latin typeface="Cambria Math"/>
+                      </a:rPr>
+                      <m:t>𝐶𝑟</m:t>
+                    </m:r>
+                    <m:r>
+                      <a:rPr lang="en-US" sz="1600" b="0" i="1" smtClean="0">
+                        <a:latin typeface="Cambria Math"/>
+                      </a:rPr>
+                      <m:t>=</m:t>
+                    </m:r>
+                    <m:r>
+                      <a:rPr lang="en-US" sz="1600" b="0" i="1" smtClean="0">
+                        <a:latin typeface="Cambria Math"/>
+                      </a:rPr>
+                      <m:t>𝑟𝑒𝑑</m:t>
+                    </m:r>
+                    <m:r>
+                      <a:rPr lang="en-US" sz="1600" b="0" i="1" smtClean="0">
+                        <a:latin typeface="Cambria Math"/>
+                      </a:rPr>
+                      <m:t>−</m:t>
+                    </m:r>
+                    <m:r>
+                      <a:rPr lang="en-US" sz="1600" b="0" i="1" smtClean="0">
+                        <a:latin typeface="Cambria Math"/>
+                      </a:rPr>
+                      <m:t>𝑌</m:t>
+                    </m:r>
+                    <m:r>
+                      <a:rPr lang="en-US" sz="1600" b="0" i="1" smtClean="0">
+                        <a:latin typeface="Cambria Math"/>
+                      </a:rPr>
+                      <m:t>)</m:t>
+                    </m:r>
+                  </m:oMath>
+                </a14:m>
+                <a:endParaRPr lang="sr-Latn-RS" sz="1600" dirty="0" smtClean="0"/>
               </a:p>
               <a:p>
                 <a:pPr lvl="1"/>
@@ -5708,27 +4252,55 @@
                   <a:rPr lang="en-US" sz="1600" dirty="0" smtClean="0"/>
                   <a:t>)</a:t>
                 </a:r>
-              </a:p>
-              <a:p>
-                <a:endParaRPr lang="sr-Latn-RS" sz="2000" dirty="0" smtClean="0"/>
-              </a:p>
-              <a:p>
-                <a:r>
-                  <a:rPr lang="en-US" sz="2000" dirty="0" err="1" smtClean="0"/>
-                  <a:t>Pronala</a:t>
-                </a:r>
-                <a:r>
-                  <a:rPr lang="sr-Latn-RS" sz="2000" dirty="0" smtClean="0"/>
-                  <a:t>ženje kontura na slici</a:t>
-                </a:r>
+                <a:endParaRPr lang="en-US" sz="1600" dirty="0" smtClean="0"/>
               </a:p>
               <a:p>
                 <a:pPr lvl="1"/>
                 <a:r>
-                  <a:rPr lang="sr-Latn-RS" sz="1600" i="1" dirty="0" smtClean="0"/>
-                  <a:t>cv2.findContours(img_bin, ...)</a:t>
-                </a:r>
-                <a:endParaRPr lang="en-US" sz="1600" i="1" dirty="0" smtClean="0"/>
+                  <a:rPr lang="en-US" sz="1500" dirty="0" err="1">
+                    <a:latin typeface="Consolas" pitchFamily="49" charset="0"/>
+                  </a:rPr>
+                  <a:t>cnt</a:t>
+                </a:r>
+                <a:r>
+                  <a:rPr lang="en-US" sz="1500" dirty="0">
+                    <a:latin typeface="Consolas" pitchFamily="49" charset="0"/>
+                  </a:rPr>
+                  <a:t>, </a:t>
+                </a:r>
+                <a:r>
+                  <a:rPr lang="en-US" sz="1500" dirty="0">
+                    <a:latin typeface="Consolas" pitchFamily="49" charset="0"/>
+                  </a:rPr>
+                  <a:t>center = </a:t>
+                </a:r>
+                <a:r>
+                  <a:rPr lang="en-US" sz="1500" dirty="0" err="1" smtClean="0">
+                    <a:latin typeface="Consolas" pitchFamily="49" charset="0"/>
+                  </a:rPr>
+                  <a:t>select_contour</a:t>
+                </a:r>
+                <a:r>
+                  <a:rPr lang="en-US" sz="1500" dirty="0" smtClean="0">
+                    <a:latin typeface="Consolas" pitchFamily="49" charset="0"/>
+                  </a:rPr>
+                  <a:t>(</a:t>
+                </a:r>
+                <a:r>
+                  <a:rPr lang="en-US" sz="1500" dirty="0" err="1" smtClean="0">
+                    <a:latin typeface="Consolas" pitchFamily="49" charset="0"/>
+                  </a:rPr>
+                  <a:t>img</a:t>
+                </a:r>
+                <a:r>
+                  <a:rPr lang="en-US" sz="1500" dirty="0">
+                    <a:latin typeface="Consolas" pitchFamily="49" charset="0"/>
+                  </a:rPr>
+                  <a:t>)</a:t>
+                </a:r>
+                <a:endParaRPr lang="en-US" sz="1500" dirty="0" smtClean="0">
+                  <a:latin typeface="Consolas" pitchFamily="49" charset="0"/>
+                </a:endParaRPr>
               </a:p>
               <a:p>
                 <a:pPr lvl="1"/>
@@ -5742,13 +4314,34 @@
                 </a:r>
                 <a:r>
                   <a:rPr lang="sr-Latn-RS" sz="1600" dirty="0" smtClean="0"/>
-                  <a:t>će nam vratiti listu kontura, od kojih svaka predstavlja numpy array koordinata graničnih tačaka objekta u obliku (x, y)</a:t>
-                </a:r>
+                  <a:t>će nam vratiti </a:t>
+                </a:r>
+                <a:r>
+                  <a:rPr lang="sr-Latn-RS" sz="1600" dirty="0" smtClean="0"/>
+                  <a:t>konturu, koja </a:t>
+                </a:r>
+                <a:r>
+                  <a:rPr lang="sr-Latn-RS" sz="1600" dirty="0" smtClean="0"/>
+                  <a:t>predstavlja numpy array koordinata graničnih tačaka </a:t>
+                </a:r>
+                <a:r>
+                  <a:rPr lang="sr-Latn-RS" sz="1600" dirty="0" smtClean="0"/>
+                  <a:t>šake u </a:t>
+                </a:r>
+                <a:r>
+                  <a:rPr lang="sr-Latn-RS" sz="1600" dirty="0" smtClean="0"/>
+                  <a:t>obliku (x, y</a:t>
+                </a:r>
+                <a:r>
+                  <a:rPr lang="sr-Latn-RS" sz="1600" dirty="0" smtClean="0"/>
+                  <a:t>), i koordinate centra konture</a:t>
+                </a:r>
+                <a:endParaRPr lang="sr-Latn-RS" sz="1600" dirty="0" smtClean="0"/>
               </a:p>
             </p:txBody>
           </p:sp>
         </mc:Choice>
-        <mc:Fallback xmlns="">
+        <mc:Fallback>
           <p:sp>
             <p:nvSpPr>
               <p:cNvPr id="3" name="Content Placeholder 2"/>
@@ -5760,10 +4353,14 @@
               </p:nvPr>
             </p:nvSpPr>
             <p:spPr>
+              <a:xfrm>
+                <a:off x="457200" y="1600200"/>
+                <a:ext cx="8229600" cy="4637112"/>
+              </a:xfrm>
               <a:blipFill rotWithShape="1">
                 <a:blip r:embed="rId2"/>
                 <a:stretch>
-                  <a:fillRect l="-1481" t="-1348" r="-963"/>
+                  <a:fillRect l="-1111" t="-1184"/>
                 </a:stretch>
               </a:blipFill>
             </p:spPr>
@@ -5802,7 +4399,7 @@
 </p:sld>
 </file>
 
-<file path=ppt/slides/slide6.xml><?xml version="1.0" encoding="utf-8"?>
+<file path=ppt/slides/slide11.xml><?xml version="1.0" encoding="utf-8"?>
 <p:sld xmlns:a="http://schemas.openxmlformats.org/drawingml/2006/main" xmlns:r="http://schemas.openxmlformats.org/officeDocument/2006/relationships" xmlns:p="http://schemas.openxmlformats.org/presentationml/2006/main">
   <p:cSld>
     <p:spTree>
@@ -5893,104 +4490,250 @@
               <a:buAutoNum type="arabicPeriod" startAt="3"/>
             </a:pPr>
             <a:r>
-              <a:rPr lang="sr-Latn-RS" sz="2800" dirty="0" smtClean="0"/>
+              <a:rPr lang="sr-Latn-RS" sz="2400" dirty="0" smtClean="0"/>
               <a:t>Snimak </a:t>
             </a:r>
             <a:r>
-              <a:rPr lang="sr-Latn-RS" sz="2800" dirty="0"/>
-              <a:t>se u pozadini softverski obrađuje, sa ciljem da se u frejmovima pronađe oblik koji predstavlja raširenu </a:t>
-            </a:r>
-            <a:r>
-              <a:rPr lang="sr-Latn-RS" sz="2800" dirty="0" smtClean="0"/>
+              <a:rPr lang="sr-Latn-RS" sz="2400" dirty="0"/>
+              <a:t>se u pozadini softverski obrađuje, sa ciljem da se u frejmovima pronađe oblik koji predstavlja </a:t>
+            </a:r>
+            <a:r>
+              <a:rPr lang="sr-Latn-RS" sz="2400" dirty="0" smtClean="0"/>
               <a:t>šaku</a:t>
             </a:r>
             <a:r>
-              <a:rPr lang="sr-Latn-RS" sz="2800" dirty="0"/>
+              <a:rPr lang="sr-Latn-RS" sz="2400" dirty="0"/>
               <a:t>, ili da bar liči na </a:t>
             </a:r>
             <a:r>
-              <a:rPr lang="sr-Latn-RS" sz="2800" dirty="0" smtClean="0"/>
+              <a:rPr lang="sr-Latn-RS" sz="2400" dirty="0" smtClean="0"/>
               <a:t>nju</a:t>
             </a:r>
           </a:p>
           <a:p>
             <a:r>
-              <a:rPr lang="en-US" sz="2000" dirty="0" err="1"/>
-              <a:t>Odabir</a:t>
-            </a:r>
-            <a:r>
-              <a:rPr lang="en-US" sz="2000" dirty="0"/>
+              <a:rPr lang="sr-Latn-RS" sz="2000" dirty="0" smtClean="0"/>
+              <a:t>I</a:t>
+            </a:r>
+            <a:r>
+              <a:rPr lang="en-US" sz="2000" dirty="0" err="1" smtClean="0"/>
+              <a:t>scrtavanje</a:t>
+            </a:r>
+            <a:r>
+              <a:rPr lang="en-US" sz="2000" dirty="0" smtClean="0"/>
               <a:t> </a:t>
             </a:r>
             <a:r>
-              <a:rPr lang="en-US" sz="2000" dirty="0" err="1"/>
-              <a:t>odgovaraju</a:t>
+              <a:rPr lang="sr-Latn-RS" sz="2000" dirty="0" smtClean="0"/>
+              <a:t>konture šake na </a:t>
             </a:r>
             <a:r>
               <a:rPr lang="sr-Latn-RS" sz="2000" dirty="0"/>
-              <a:t>će konture</a:t>
-            </a:r>
-            <a:r>
-              <a:rPr lang="en-US" sz="2000" dirty="0"/>
+              <a:t>novu sliku</a:t>
+            </a:r>
+          </a:p>
+          <a:p>
+            <a:pPr lvl="1"/>
+            <a:r>
+              <a:rPr lang="en-US" sz="1500" dirty="0">
+                <a:latin typeface="Consolas" pitchFamily="49" charset="0"/>
+              </a:rPr>
+              <a:t>drawing = </a:t>
+            </a:r>
+            <a:r>
+              <a:rPr lang="en-US" sz="1500" dirty="0" err="1">
+                <a:latin typeface="Consolas" pitchFamily="49" charset="0"/>
+              </a:rPr>
+              <a:t>np.zeros</a:t>
+            </a:r>
+            <a:r>
+              <a:rPr lang="en-US" sz="1500" dirty="0">
+                <a:latin typeface="Consolas" pitchFamily="49" charset="0"/>
+              </a:rPr>
+              <a:t>((</a:t>
+            </a:r>
+            <a:r>
+              <a:rPr lang="en-US" sz="1500" dirty="0" err="1">
+                <a:latin typeface="Consolas" pitchFamily="49" charset="0"/>
+              </a:rPr>
+              <a:t>np.size</a:t>
+            </a:r>
+            <a:r>
+              <a:rPr lang="en-US" sz="1500" dirty="0">
+                <a:latin typeface="Consolas" pitchFamily="49" charset="0"/>
+              </a:rPr>
+              <a:t>(</a:t>
+            </a:r>
+            <a:r>
+              <a:rPr lang="en-US" sz="1500" dirty="0" err="1">
+                <a:latin typeface="Consolas" pitchFamily="49" charset="0"/>
+              </a:rPr>
+              <a:t>img</a:t>
+            </a:r>
+            <a:r>
+              <a:rPr lang="en-US" sz="1500" dirty="0">
+                <a:latin typeface="Consolas" pitchFamily="49" charset="0"/>
+              </a:rPr>
+              <a:t>, 0</a:t>
+            </a:r>
+            <a:r>
+              <a:rPr lang="en-US" sz="1500" dirty="0">
+                <a:latin typeface="Consolas" pitchFamily="49" charset="0"/>
+              </a:rPr>
+              <a:t>)</a:t>
+            </a:r>
+            <a:r>
+              <a:rPr lang="en-US" sz="1500" dirty="0">
+                <a:latin typeface="Consolas" pitchFamily="49" charset="0"/>
+              </a:rPr>
+              <a:t>, </a:t>
+            </a:r>
+            <a:r>
+              <a:rPr lang="en-US" sz="1500" dirty="0" err="1">
+                <a:latin typeface="Consolas" pitchFamily="49" charset="0"/>
+              </a:rPr>
+              <a:t>np.size</a:t>
+            </a:r>
+            <a:r>
+              <a:rPr lang="en-US" sz="1500" dirty="0">
+                <a:latin typeface="Consolas" pitchFamily="49" charset="0"/>
+              </a:rPr>
+              <a:t>(</a:t>
+            </a:r>
+            <a:r>
+              <a:rPr lang="en-US" sz="1500" dirty="0" err="1">
+                <a:latin typeface="Consolas" pitchFamily="49" charset="0"/>
+              </a:rPr>
+              <a:t>img</a:t>
+            </a:r>
+            <a:r>
+              <a:rPr lang="en-US" sz="1500" dirty="0">
+                <a:latin typeface="Consolas" pitchFamily="49" charset="0"/>
+              </a:rPr>
+              <a:t>, 1</a:t>
+            </a:r>
+            <a:r>
+              <a:rPr lang="en-US" sz="1500" dirty="0">
+                <a:latin typeface="Consolas" pitchFamily="49" charset="0"/>
+              </a:rPr>
+              <a:t>))</a:t>
+            </a:r>
+            <a:r>
+              <a:rPr lang="en-US" sz="1500" dirty="0">
+                <a:latin typeface="Consolas" pitchFamily="49" charset="0"/>
+              </a:rPr>
+              <a:t>, </a:t>
+            </a:r>
+            <a:r>
+              <a:rPr lang="en-US" sz="1500" dirty="0">
+                <a:latin typeface="Consolas" pitchFamily="49" charset="0"/>
+              </a:rPr>
+              <a:t>np.uint8</a:t>
+            </a:r>
+            <a:r>
+              <a:rPr lang="en-US" sz="1500" dirty="0" smtClean="0">
+                <a:latin typeface="Consolas" pitchFamily="49" charset="0"/>
+              </a:rPr>
+              <a:t>)</a:t>
+            </a:r>
+          </a:p>
+          <a:p>
+            <a:pPr lvl="1"/>
+            <a:r>
+              <a:rPr lang="en-US" sz="1500" dirty="0" smtClean="0">
+                <a:latin typeface="Consolas" pitchFamily="49" charset="0"/>
+              </a:rPr>
+              <a:t>cv2.drawContours(drawing</a:t>
+            </a:r>
+            <a:r>
+              <a:rPr lang="en-US" sz="1500" dirty="0">
+                <a:latin typeface="Consolas" pitchFamily="49" charset="0"/>
+              </a:rPr>
+              <a:t>, </a:t>
+            </a:r>
+            <a:r>
+              <a:rPr lang="en-US" sz="1500" dirty="0">
+                <a:latin typeface="Consolas" pitchFamily="49" charset="0"/>
+              </a:rPr>
+              <a:t>[</a:t>
+            </a:r>
+            <a:r>
+              <a:rPr lang="en-US" sz="1500" dirty="0" err="1">
+                <a:latin typeface="Consolas" pitchFamily="49" charset="0"/>
+              </a:rPr>
+              <a:t>cnt</a:t>
+            </a:r>
+            <a:r>
+              <a:rPr lang="en-US" sz="1500" dirty="0">
+                <a:latin typeface="Consolas" pitchFamily="49" charset="0"/>
+              </a:rPr>
+              <a:t>]</a:t>
+            </a:r>
+            <a:r>
+              <a:rPr lang="en-US" sz="1500" dirty="0">
+                <a:latin typeface="Consolas" pitchFamily="49" charset="0"/>
+              </a:rPr>
+              <a:t>, 0, </a:t>
+            </a:r>
+            <a:r>
+              <a:rPr lang="en-US" sz="1500" dirty="0">
+                <a:latin typeface="Consolas" pitchFamily="49" charset="0"/>
+              </a:rPr>
+              <a:t>(</a:t>
+            </a:r>
+            <a:r>
+              <a:rPr lang="en-US" sz="1500" dirty="0">
+                <a:latin typeface="Consolas" pitchFamily="49" charset="0"/>
+              </a:rPr>
+              <a:t>255, 255, 255</a:t>
+            </a:r>
+            <a:r>
+              <a:rPr lang="en-US" sz="1500" dirty="0">
+                <a:latin typeface="Consolas" pitchFamily="49" charset="0"/>
+              </a:rPr>
+              <a:t>)</a:t>
+            </a:r>
+            <a:r>
+              <a:rPr lang="en-US" sz="1500" dirty="0">
+                <a:latin typeface="Consolas" pitchFamily="49" charset="0"/>
+              </a:rPr>
+              <a:t>, 2</a:t>
+            </a:r>
+            <a:r>
+              <a:rPr lang="en-US" sz="1500" dirty="0">
+                <a:latin typeface="Consolas" pitchFamily="49" charset="0"/>
+              </a:rPr>
+              <a:t>)</a:t>
+            </a:r>
+            <a:endParaRPr lang="sr-Latn-RS" sz="1500" dirty="0" smtClean="0">
+              <a:latin typeface="Consolas" pitchFamily="49" charset="0"/>
+            </a:endParaRPr>
+          </a:p>
+          <a:p>
+            <a:endParaRPr lang="sr-Latn-RS" sz="2000" dirty="0" smtClean="0"/>
+          </a:p>
+          <a:p>
+            <a:r>
+              <a:rPr lang="sr-Latn-RS" sz="2000" dirty="0" smtClean="0"/>
+              <a:t>Prosleđivanje </a:t>
+            </a:r>
+            <a:r>
+              <a:rPr lang="sr-Latn-RS" sz="2000" dirty="0" smtClean="0"/>
+              <a:t>slike sa konturom obučenoj neuronskoj </a:t>
+            </a:r>
+            <a:r>
+              <a:rPr lang="sr-Latn-RS" sz="2000" dirty="0" smtClean="0"/>
+              <a:t>mreži</a:t>
+            </a:r>
+            <a:r>
+              <a:rPr lang="en-US" sz="2000" dirty="0" smtClean="0"/>
               <a:t> i </a:t>
             </a:r>
             <a:r>
-              <a:rPr lang="en-US" sz="2000" dirty="0" err="1"/>
-              <a:t>iscrtavanje</a:t>
-            </a:r>
-            <a:r>
-              <a:rPr lang="en-US" sz="2000" dirty="0"/>
-              <a:t> </a:t>
-            </a:r>
-            <a:r>
-              <a:rPr lang="sr-Latn-RS" sz="2000" dirty="0"/>
-              <a:t>iste na novu sliku</a:t>
-            </a:r>
-          </a:p>
-          <a:p>
-            <a:pPr lvl="1"/>
-            <a:r>
-              <a:rPr lang="sr-Latn-RS" sz="1600" dirty="0"/>
-              <a:t>Tražimo </a:t>
-            </a:r>
-            <a:r>
-              <a:rPr lang="en-US" sz="1600" dirty="0" err="1"/>
-              <a:t>kontur</a:t>
-            </a:r>
-            <a:r>
-              <a:rPr lang="sr-Latn-RS" sz="1600" dirty="0"/>
-              <a:t>u</a:t>
-            </a:r>
-            <a:r>
-              <a:rPr lang="en-US" sz="1600" dirty="0"/>
-              <a:t> </a:t>
-            </a:r>
-            <a:r>
-              <a:rPr lang="en-US" sz="1600" dirty="0" err="1"/>
-              <a:t>sa</a:t>
-            </a:r>
-            <a:r>
-              <a:rPr lang="en-US" sz="1600" dirty="0"/>
-              <a:t> </a:t>
-            </a:r>
-            <a:r>
-              <a:rPr lang="en-US" sz="1600" dirty="0" err="1"/>
-              <a:t>najve</a:t>
-            </a:r>
-            <a:r>
-              <a:rPr lang="sr-Latn-RS" sz="1600" dirty="0"/>
-              <a:t>ćom površinom</a:t>
-            </a:r>
-            <a:endParaRPr lang="sr-Latn-RS" sz="2800" dirty="0"/>
-          </a:p>
-          <a:p>
+              <a:rPr lang="sr-Latn-RS" sz="2000" dirty="0" smtClean="0"/>
+              <a:t>čitanje rezultata</a:t>
+            </a:r>
             <a:endParaRPr lang="sr-Latn-RS" sz="2000" dirty="0" smtClean="0"/>
-          </a:p>
-          <a:p>
-            <a:r>
-              <a:rPr lang="sr-Latn-RS" sz="2000" dirty="0" smtClean="0"/>
-              <a:t>Prosleđivanje slike sa konturom obučenoj neuronskoj mreži</a:t>
-            </a:r>
           </a:p>
           <a:p>
             <a:pPr lvl="1"/>
@@ -6008,9 +4751,123 @@
             </a:r>
             <a:r>
               <a:rPr lang="sr-Latn-RS" sz="1600" dirty="0" smtClean="0"/>
-              <a:t>ža će obraditi sliku i vratiti nam rezultat (da li je na slici šaka, i ako jeste, koja šaka i koja gestura su u pitanju, i koje su koordinate četvorougla koji opisuje konturu na određenoj slici)</a:t>
+              <a:t>ža će obraditi sliku i vratiti nam rezultat </a:t>
+            </a:r>
+            <a:r>
+              <a:rPr lang="sr-Latn-RS" sz="1600" dirty="0" smtClean="0"/>
+              <a:t>(koja </a:t>
+            </a:r>
+            <a:r>
+              <a:rPr lang="sr-Latn-RS" sz="1600" dirty="0" smtClean="0"/>
+              <a:t>šaka i koja gestura su u </a:t>
+            </a:r>
+            <a:r>
+              <a:rPr lang="sr-Latn-RS" sz="1600" dirty="0" smtClean="0"/>
+              <a:t>pitanju)</a:t>
             </a:r>
             <a:endParaRPr lang="en-US" sz="1600" dirty="0" smtClean="0"/>
+          </a:p>
+          <a:p>
+            <a:pPr lvl="1"/>
+            <a:r>
+              <a:rPr lang="en-US" sz="1500" dirty="0">
+                <a:latin typeface="Consolas" pitchFamily="49" charset="0"/>
+              </a:rPr>
+              <a:t>prediction </a:t>
+            </a:r>
+            <a:r>
+              <a:rPr lang="en-US" sz="1500" dirty="0" smtClean="0">
+                <a:latin typeface="Consolas" pitchFamily="49" charset="0"/>
+              </a:rPr>
+              <a:t>= </a:t>
+            </a:r>
+            <a:r>
+              <a:rPr lang="en-US" sz="1500" dirty="0" err="1" smtClean="0">
+                <a:latin typeface="Consolas" pitchFamily="49" charset="0"/>
+              </a:rPr>
+              <a:t>think_and_decide</a:t>
+            </a:r>
+            <a:r>
+              <a:rPr lang="en-US" sz="1500" dirty="0" smtClean="0">
+                <a:latin typeface="Consolas" pitchFamily="49" charset="0"/>
+              </a:rPr>
+              <a:t>(</a:t>
+            </a:r>
+            <a:r>
+              <a:rPr lang="en-US" sz="1500" dirty="0" err="1" smtClean="0">
+                <a:latin typeface="Consolas" pitchFamily="49" charset="0"/>
+              </a:rPr>
+              <a:t>ann</a:t>
+            </a:r>
+            <a:r>
+              <a:rPr lang="en-US" sz="1500" dirty="0">
+                <a:latin typeface="Consolas" pitchFamily="49" charset="0"/>
+              </a:rPr>
+              <a:t>, </a:t>
+            </a:r>
+            <a:r>
+              <a:rPr lang="en-US" sz="1500" dirty="0">
+                <a:latin typeface="Consolas" pitchFamily="49" charset="0"/>
+              </a:rPr>
+              <a:t>drawing</a:t>
+            </a:r>
+            <a:r>
+              <a:rPr lang="en-US" sz="1500" dirty="0">
+                <a:latin typeface="Consolas" pitchFamily="49" charset="0"/>
+              </a:rPr>
+              <a:t>, </a:t>
+            </a:r>
+            <a:r>
+              <a:rPr lang="en-US" sz="1500" dirty="0" err="1">
+                <a:latin typeface="Consolas" pitchFamily="49" charset="0"/>
+              </a:rPr>
+              <a:t>img</a:t>
+            </a:r>
+            <a:r>
+              <a:rPr lang="en-US" sz="1500" dirty="0" smtClean="0">
+                <a:latin typeface="Consolas" pitchFamily="49" charset="0"/>
+              </a:rPr>
+              <a:t>)</a:t>
+            </a:r>
+            <a:endParaRPr lang="sr-Latn-RS" sz="1500" dirty="0" smtClean="0">
+              <a:latin typeface="Consolas" pitchFamily="49" charset="0"/>
+            </a:endParaRPr>
+          </a:p>
+          <a:p>
+            <a:pPr lvl="1"/>
+            <a:r>
+              <a:rPr lang="en-US" sz="1500" dirty="0">
+                <a:latin typeface="Consolas" pitchFamily="49" charset="0"/>
+              </a:rPr>
+              <a:t>result = </a:t>
+            </a:r>
+            <a:r>
+              <a:rPr lang="en-US" sz="1500" dirty="0" err="1">
+                <a:latin typeface="Consolas" pitchFamily="49" charset="0"/>
+              </a:rPr>
+              <a:t>hand_state</a:t>
+            </a:r>
+            <a:r>
+              <a:rPr lang="en-US" sz="1500" dirty="0">
+                <a:latin typeface="Consolas" pitchFamily="49" charset="0"/>
+              </a:rPr>
+              <a:t>[</a:t>
+            </a:r>
+            <a:r>
+              <a:rPr lang="en-US" sz="1500" dirty="0" err="1">
+                <a:latin typeface="Consolas" pitchFamily="49" charset="0"/>
+              </a:rPr>
+              <a:t>np.argmax</a:t>
+            </a:r>
+            <a:r>
+              <a:rPr lang="en-US" sz="1500" dirty="0">
+                <a:latin typeface="Consolas" pitchFamily="49" charset="0"/>
+              </a:rPr>
+              <a:t>(prediction)]</a:t>
+            </a:r>
+            <a:endParaRPr lang="en-US" sz="1500" dirty="0" smtClean="0">
+              <a:latin typeface="Consolas" pitchFamily="49" charset="0"/>
+            </a:endParaRPr>
           </a:p>
         </p:txBody>
       </p:sp>
@@ -6034,7 +4891,7 @@
 </p:sld>
 </file>
 
-<file path=ppt/slides/slide7.xml><?xml version="1.0" encoding="utf-8"?>
+<file path=ppt/slides/slide12.xml><?xml version="1.0" encoding="utf-8"?>
 <p:sld xmlns:a="http://schemas.openxmlformats.org/drawingml/2006/main" xmlns:r="http://schemas.openxmlformats.org/officeDocument/2006/relationships" xmlns:p="http://schemas.openxmlformats.org/presentationml/2006/main">
   <p:cSld>
     <p:spTree>
@@ -6115,7 +4972,9 @@
         </p:nvSpPr>
         <p:spPr/>
         <p:txBody>
-          <a:bodyPr/>
+          <a:bodyPr>
+            <a:normAutofit lnSpcReduction="10000"/>
+          </a:bodyPr>
           <a:lstStyle/>
           <a:p>
             <a:pPr marL="514350" indent="-514350">
@@ -6136,7 +4995,11 @@
             </a:r>
             <a:r>
               <a:rPr lang="sr-Latn-RS" sz="2800" dirty="0" smtClean="0"/>
-              <a:t>koordinata četvorougla koji je opisuje proveravamo </a:t>
+              <a:t>koordinata </a:t>
+            </a:r>
+            <a:r>
+              <a:rPr lang="sr-Latn-RS" sz="2800" dirty="0" smtClean="0"/>
+              <a:t>centra njene konture proveravamo </a:t>
             </a:r>
             <a:r>
               <a:rPr lang="sr-Latn-RS" sz="2800" dirty="0"/>
@@ -6186,60 +5049,76 @@
               <a:t> </a:t>
             </a:r>
             <a:r>
+              <a:rPr lang="en-US" sz="2000" dirty="0" err="1" smtClean="0"/>
+              <a:t>centra</a:t>
+            </a:r>
+            <a:r>
+              <a:rPr lang="en-US" sz="2000" dirty="0" smtClean="0"/>
+              <a:t> </a:t>
+            </a:r>
+            <a:r>
+              <a:rPr lang="en-US" sz="2000" dirty="0" err="1" smtClean="0"/>
+              <a:t>konture</a:t>
+            </a:r>
+            <a:r>
+              <a:rPr lang="en-US" sz="2000" dirty="0" smtClean="0"/>
+              <a:t> </a:t>
+            </a:r>
+            <a:r>
               <a:rPr lang="sr-Latn-RS" sz="2000" dirty="0" smtClean="0"/>
-              <a:t>donje desne </a:t>
-            </a:r>
-            <a:r>
-              <a:rPr lang="en-US" sz="2000" dirty="0" smtClean="0"/>
-              <a:t>ta</a:t>
+              <a:t>šake</a:t>
+            </a:r>
+            <a:r>
+              <a:rPr lang="sr-Cyrl-RS" sz="2000" dirty="0"/>
+              <a:t> </a:t>
             </a:r>
             <a:r>
               <a:rPr lang="sr-Latn-RS" sz="2000" dirty="0" smtClean="0"/>
-              <a:t>čke četvorougla</a:t>
-            </a:r>
+              <a:t>koje smo dobili pri odabiru konture</a:t>
+            </a:r>
+            <a:endParaRPr lang="sr-Latn-RS" sz="2000" dirty="0" smtClean="0"/>
           </a:p>
           <a:p>
             <a:pPr lvl="1"/>
             <a:r>
-              <a:rPr lang="es-ES" sz="1600" i="1" dirty="0"/>
+              <a:rPr lang="es-ES" sz="1600" dirty="0">
+                <a:latin typeface="Consolas" pitchFamily="49" charset="0"/>
+              </a:rPr>
               <a:t>x1 = </a:t>
             </a:r>
             <a:r>
-              <a:rPr lang="es-ES" sz="1600" i="1" dirty="0" err="1"/>
-              <a:t>rectangle</a:t>
-            </a:r>
-            <a:r>
-              <a:rPr lang="es-ES" sz="1600" i="1" dirty="0"/>
-              <a:t>[0</a:t>
-            </a:r>
-            <a:r>
-              <a:rPr lang="es-ES" sz="1600" i="1" dirty="0" smtClean="0"/>
-              <a:t>][2]</a:t>
-            </a:r>
+              <a:rPr lang="sr-Latn-RS" sz="1600" dirty="0" smtClean="0">
+                <a:latin typeface="Consolas" pitchFamily="49" charset="0"/>
+              </a:rPr>
+              <a:t>-</a:t>
+            </a:r>
+            <a:r>
+              <a:rPr lang="es-ES" sz="1600" dirty="0" smtClean="0">
+                <a:latin typeface="Consolas" pitchFamily="49" charset="0"/>
+              </a:rPr>
+              <a:t>center[0]</a:t>
+            </a:r>
+            <a:endParaRPr lang="es-ES" sz="1600" dirty="0" smtClean="0">
+              <a:latin typeface="Consolas" pitchFamily="49" charset="0"/>
+            </a:endParaRPr>
           </a:p>
           <a:p>
             <a:pPr lvl="1"/>
             <a:r>
-              <a:rPr lang="es-ES" sz="1600" i="1" dirty="0" smtClean="0"/>
+              <a:rPr lang="es-ES" sz="1600" dirty="0" smtClean="0">
+                <a:latin typeface="Consolas" pitchFamily="49" charset="0"/>
+              </a:rPr>
               <a:t>y1 </a:t>
             </a:r>
             <a:r>
-              <a:rPr lang="es-ES" sz="1600" i="1" dirty="0"/>
-              <a:t>= </a:t>
-            </a:r>
-            <a:r>
-              <a:rPr lang="es-ES" sz="1600" i="1" dirty="0" err="1"/>
-              <a:t>rectangle</a:t>
-            </a:r>
-            <a:r>
-              <a:rPr lang="es-ES" sz="1600" i="1" dirty="0"/>
-              <a:t>[0</a:t>
-            </a:r>
-            <a:r>
-              <a:rPr lang="es-ES" sz="1600" i="1" dirty="0" smtClean="0"/>
-              <a:t>][3]</a:t>
-            </a:r>
-            <a:endParaRPr lang="sr-Latn-RS" sz="1600" i="1" dirty="0" smtClean="0"/>
+              <a:rPr lang="es-ES" sz="1600" dirty="0" smtClean="0">
+                <a:latin typeface="Consolas" pitchFamily="49" charset="0"/>
+              </a:rPr>
+              <a:t>= center[1]</a:t>
+            </a:r>
+            <a:endParaRPr lang="sr-Latn-RS" sz="1600" dirty="0" smtClean="0">
+              <a:latin typeface="Consolas" pitchFamily="49" charset="0"/>
+            </a:endParaRPr>
           </a:p>
           <a:p>
             <a:r>
@@ -6250,33 +5129,74 @@
           <a:p>
             <a:pPr lvl="1"/>
             <a:r>
-              <a:rPr lang="en-US" sz="1600" i="1" dirty="0" err="1"/>
+              <a:rPr lang="en-US" sz="1600" dirty="0" err="1">
+                <a:latin typeface="Consolas" pitchFamily="49" charset="0"/>
+              </a:rPr>
               <a:t>move_x</a:t>
             </a:r>
             <a:r>
-              <a:rPr lang="en-US" sz="1600" i="1" dirty="0"/>
+              <a:rPr lang="en-US" sz="1600" dirty="0">
+                <a:latin typeface="Consolas" pitchFamily="49" charset="0"/>
+              </a:rPr>
               <a:t> = x1 - </a:t>
             </a:r>
             <a:r>
-              <a:rPr lang="en-US" sz="1600" i="1" dirty="0" smtClean="0"/>
+              <a:rPr lang="en-US" sz="1600" dirty="0" smtClean="0">
+                <a:latin typeface="Consolas" pitchFamily="49" charset="0"/>
+              </a:rPr>
               <a:t>prev_x1</a:t>
             </a:r>
           </a:p>
           <a:p>
             <a:pPr lvl="1"/>
             <a:r>
-              <a:rPr lang="en-US" sz="1600" i="1" dirty="0" err="1" smtClean="0"/>
+              <a:rPr lang="en-US" sz="1600" dirty="0" err="1" smtClean="0">
+                <a:latin typeface="Consolas" pitchFamily="49" charset="0"/>
+              </a:rPr>
               <a:t>move_y</a:t>
             </a:r>
             <a:r>
-              <a:rPr lang="en-US" sz="1600" i="1" dirty="0" smtClean="0"/>
+              <a:rPr lang="en-US" sz="1600" dirty="0" smtClean="0">
+                <a:latin typeface="Consolas" pitchFamily="49" charset="0"/>
+              </a:rPr>
               <a:t> </a:t>
             </a:r>
             <a:r>
-              <a:rPr lang="en-US" sz="1600" i="1" dirty="0"/>
-              <a:t>= y1 - prev_y1</a:t>
-            </a:r>
-            <a:endParaRPr lang="sr-Latn-RS" sz="1600" i="1" dirty="0" smtClean="0"/>
+              <a:rPr lang="en-US" sz="1600" dirty="0">
+                <a:latin typeface="Consolas" pitchFamily="49" charset="0"/>
+              </a:rPr>
+              <a:t>= y1 - </a:t>
+            </a:r>
+            <a:r>
+              <a:rPr lang="en-US" sz="1600" dirty="0" smtClean="0">
+                <a:latin typeface="Consolas" pitchFamily="49" charset="0"/>
+              </a:rPr>
+              <a:t>prev_y1</a:t>
+            </a:r>
+            <a:endParaRPr lang="sr-Latn-RS" sz="1600" dirty="0" smtClean="0">
+              <a:latin typeface="Consolas" pitchFamily="49" charset="0"/>
+            </a:endParaRPr>
+          </a:p>
+          <a:p>
+            <a:pPr lvl="1"/>
+            <a:r>
+              <a:rPr lang="sr-Latn-RS" sz="1600" dirty="0" smtClean="0">
+                <a:latin typeface="Consolas" pitchFamily="49" charset="0"/>
+              </a:rPr>
+              <a:t>prev_x1 = x1</a:t>
+            </a:r>
+          </a:p>
+          <a:p>
+            <a:pPr lvl="1"/>
+            <a:r>
+              <a:rPr lang="sr-Latn-RS" sz="1600" dirty="0" smtClean="0">
+                <a:latin typeface="Consolas" pitchFamily="49" charset="0"/>
+              </a:rPr>
+              <a:t>prev_y1 = y1</a:t>
+            </a:r>
+            <a:endParaRPr lang="sr-Latn-RS" sz="1600" dirty="0" smtClean="0">
+              <a:latin typeface="Consolas" pitchFamily="49" charset="0"/>
+            </a:endParaRPr>
           </a:p>
           <a:p>
             <a:r>
@@ -6320,26 +5240,44 @@
           <a:p>
             <a:pPr lvl="1"/>
             <a:r>
-              <a:rPr lang="en-US" sz="1600" i="1" dirty="0"/>
-              <a:t>win32api.SetCursorPos((</a:t>
-            </a:r>
-            <a:r>
-              <a:rPr lang="en-US" sz="1600" i="1" dirty="0" err="1"/>
-              <a:t>cursor_x</a:t>
-            </a:r>
-            <a:r>
-              <a:rPr lang="en-US" sz="1600" i="1" dirty="0"/>
+              <a:rPr lang="en-US" sz="1600" dirty="0" err="1">
+                <a:latin typeface="Consolas" pitchFamily="49" charset="0"/>
+              </a:rPr>
+              <a:t>pagui.moveRel</a:t>
+            </a:r>
+            <a:r>
+              <a:rPr lang="en-US" sz="1600" dirty="0">
+                <a:latin typeface="Consolas" pitchFamily="49" charset="0"/>
+              </a:rPr>
+              <a:t>(</a:t>
+            </a:r>
+            <a:r>
+              <a:rPr lang="en-US" sz="1600" dirty="0" err="1">
+                <a:latin typeface="Consolas" pitchFamily="49" charset="0"/>
+              </a:rPr>
+              <a:t>move_x</a:t>
+            </a:r>
+            <a:r>
+              <a:rPr lang="en-US" sz="1600" dirty="0">
+                <a:latin typeface="Consolas" pitchFamily="49" charset="0"/>
+              </a:rPr>
               <a:t>, </a:t>
             </a:r>
             <a:r>
-              <a:rPr lang="en-US" sz="1600" i="1" dirty="0" err="1"/>
-              <a:t>cursor_y</a:t>
-            </a:r>
-            <a:r>
-              <a:rPr lang="en-US" sz="1600" i="1" dirty="0"/>
-              <a:t>))</a:t>
-            </a:r>
-            <a:endParaRPr lang="sr-Latn-RS" sz="1600" i="1" dirty="0" smtClean="0"/>
+              <a:rPr lang="en-US" sz="1600" dirty="0" err="1">
+                <a:latin typeface="Consolas" pitchFamily="49" charset="0"/>
+              </a:rPr>
+              <a:t>move_y</a:t>
+            </a:r>
+            <a:r>
+              <a:rPr lang="en-US" sz="1600" dirty="0">
+                <a:latin typeface="Consolas" pitchFamily="49" charset="0"/>
+              </a:rPr>
+              <a:t>)</a:t>
+            </a:r>
+            <a:endParaRPr lang="sr-Latn-RS" sz="1600" i="1" dirty="0" smtClean="0">
+              <a:latin typeface="Consolas" pitchFamily="49" charset="0"/>
+            </a:endParaRPr>
           </a:p>
         </p:txBody>
       </p:sp>
@@ -6363,6 +5301,1730 @@
 </p:sld>
 </file>
 
+<file path=ppt/slides/slide13.xml><?xml version="1.0" encoding="utf-8"?>
+<p:sld xmlns:a="http://schemas.openxmlformats.org/drawingml/2006/main" xmlns:r="http://schemas.openxmlformats.org/officeDocument/2006/relationships" xmlns:p="http://schemas.openxmlformats.org/presentationml/2006/main">
+  <p:cSld>
+    <p:spTree>
+      <p:nvGrpSpPr>
+        <p:cNvPr id="1" name=""/>
+        <p:cNvGrpSpPr/>
+        <p:nvPr/>
+      </p:nvGrpSpPr>
+      <p:grpSpPr>
+        <a:xfrm>
+          <a:off x="0" y="0"/>
+          <a:ext cx="0" cy="0"/>
+          <a:chOff x="0" y="0"/>
+          <a:chExt cx="0" cy="0"/>
+        </a:xfrm>
+      </p:grpSpPr>
+      <p:sp>
+        <p:nvSpPr>
+          <p:cNvPr id="5" name="Title 4"/>
+          <p:cNvSpPr>
+            <a:spLocks noGrp="1"/>
+          </p:cNvSpPr>
+          <p:nvPr>
+            <p:ph type="title"/>
+          </p:nvPr>
+        </p:nvSpPr>
+        <p:spPr/>
+        <p:txBody>
+          <a:bodyPr>
+            <a:normAutofit fontScale="90000"/>
+          </a:bodyPr>
+          <a:lstStyle/>
+          <a:p>
+            <a:r>
+              <a:rPr lang="en-US" b="1" dirty="0"/>
+              <a:t>SPECIFIKACIJA</a:t>
+            </a:r>
+            <a:r>
+              <a:rPr lang="en-US" dirty="0"/>
+              <a:t/>
+            </a:r>
+            <a:br>
+              <a:rPr lang="en-US" dirty="0"/>
+            </a:br>
+            <a:r>
+              <a:rPr lang="en-US" sz="3100" i="1" dirty="0" err="1"/>
+              <a:t>Kako</a:t>
+            </a:r>
+            <a:r>
+              <a:rPr lang="sr-Latn-RS" sz="3100" i="1" dirty="0"/>
+              <a:t> program</a:t>
+            </a:r>
+            <a:r>
+              <a:rPr lang="en-US" sz="3100" i="1" dirty="0"/>
+              <a:t> </a:t>
+            </a:r>
+            <a:r>
+              <a:rPr lang="en-US" sz="3100" i="1" dirty="0" err="1"/>
+              <a:t>funkcioni</a:t>
+            </a:r>
+            <a:r>
+              <a:rPr lang="sr-Latn-RS" sz="3100" i="1" dirty="0"/>
+              <a:t>še?</a:t>
+            </a:r>
+            <a:endParaRPr lang="en-US" sz="3100" i="1" dirty="0"/>
+          </a:p>
+        </p:txBody>
+      </p:sp>
+      <p:sp>
+        <p:nvSpPr>
+          <p:cNvPr id="6" name="Content Placeholder 5"/>
+          <p:cNvSpPr>
+            <a:spLocks noGrp="1"/>
+          </p:cNvSpPr>
+          <p:nvPr>
+            <p:ph idx="1"/>
+          </p:nvPr>
+        </p:nvSpPr>
+        <p:spPr/>
+        <p:txBody>
+          <a:bodyPr>
+            <a:noAutofit/>
+          </a:bodyPr>
+          <a:lstStyle/>
+          <a:p>
+            <a:pPr marL="457200" indent="-457200">
+              <a:buFont typeface="+mj-lt"/>
+              <a:buAutoNum type="arabicPeriod" startAt="5"/>
+            </a:pPr>
+            <a:r>
+              <a:rPr lang="sr-Latn-RS" sz="2400" dirty="0" smtClean="0"/>
+              <a:t>Ako šaka vrši neki gest (skupljena šaka/neki od prstiju šake...), vrši se </a:t>
+            </a:r>
+            <a:r>
+              <a:rPr lang="sr-Latn-RS" sz="2400" dirty="0" smtClean="0"/>
+              <a:t>određena akcija</a:t>
+            </a:r>
+            <a:endParaRPr lang="sr-Latn-RS" sz="2400" dirty="0" smtClean="0"/>
+          </a:p>
+          <a:p>
+            <a:r>
+              <a:rPr lang="sr-Latn-RS" sz="2000" dirty="0" smtClean="0"/>
+              <a:t>Proveravamo rezultat koji je vratila neuronska mreža</a:t>
+            </a:r>
+          </a:p>
+          <a:p>
+            <a:pPr lvl="1"/>
+            <a:r>
+              <a:rPr lang="en-US" sz="1600" b="1" dirty="0">
+                <a:latin typeface="Consolas" pitchFamily="49" charset="0"/>
+              </a:rPr>
+              <a:t>if </a:t>
+            </a:r>
+            <a:r>
+              <a:rPr lang="en-US" sz="1600" dirty="0" err="1" smtClean="0">
+                <a:latin typeface="Consolas" pitchFamily="49" charset="0"/>
+              </a:rPr>
+              <a:t>result.find</a:t>
+            </a:r>
+            <a:r>
+              <a:rPr lang="en-US" sz="1600" dirty="0" smtClean="0">
+                <a:latin typeface="Consolas" pitchFamily="49" charset="0"/>
+              </a:rPr>
+              <a:t>(‘string’</a:t>
+            </a:r>
+            <a:r>
+              <a:rPr lang="sr-Latn-RS" sz="1600" dirty="0" smtClean="0">
+                <a:latin typeface="Consolas" pitchFamily="49" charset="0"/>
+              </a:rPr>
+              <a:t>):</a:t>
+            </a:r>
+            <a:endParaRPr lang="en-US" sz="1600" dirty="0">
+              <a:latin typeface="Consolas" pitchFamily="49" charset="0"/>
+            </a:endParaRPr>
+          </a:p>
+          <a:p>
+            <a:r>
+              <a:rPr lang="en-US" sz="2000" dirty="0" smtClean="0"/>
+              <a:t>U </a:t>
+            </a:r>
+            <a:r>
+              <a:rPr lang="en-US" sz="2000" dirty="0" err="1" smtClean="0"/>
+              <a:t>zavisnosti</a:t>
+            </a:r>
+            <a:r>
+              <a:rPr lang="en-US" sz="2000" dirty="0" smtClean="0"/>
+              <a:t> </a:t>
+            </a:r>
+            <a:r>
+              <a:rPr lang="sr-Latn-RS" sz="2000" dirty="0" smtClean="0"/>
+              <a:t>od rezultata, vršimo određenu </a:t>
+            </a:r>
+            <a:r>
+              <a:rPr lang="sr-Latn-RS" sz="2000" dirty="0" smtClean="0"/>
+              <a:t>akciju</a:t>
+            </a:r>
+            <a:endParaRPr lang="en-US" sz="2000" dirty="0" smtClean="0"/>
+          </a:p>
+          <a:p>
+            <a:pPr lvl="1"/>
+            <a:r>
+              <a:rPr lang="en-US" sz="1600" dirty="0" err="1" smtClean="0"/>
+              <a:t>Npr</a:t>
+            </a:r>
+            <a:r>
+              <a:rPr lang="en-US" sz="1600" dirty="0" smtClean="0"/>
+              <a:t>. </a:t>
+            </a:r>
+            <a:r>
+              <a:rPr lang="sr-Latn-RS" sz="1600" dirty="0" smtClean="0"/>
+              <a:t>p</a:t>
+            </a:r>
+            <a:r>
+              <a:rPr lang="en-US" sz="1600" dirty="0" err="1" smtClean="0"/>
+              <a:t>ritisak</a:t>
+            </a:r>
+            <a:r>
+              <a:rPr lang="en-US" sz="1600" dirty="0" smtClean="0"/>
+              <a:t> </a:t>
+            </a:r>
+            <a:r>
+              <a:rPr lang="en-US" sz="1600" dirty="0" err="1" smtClean="0"/>
+              <a:t>tastera</a:t>
+            </a:r>
+            <a:r>
+              <a:rPr lang="en-US" sz="1600" dirty="0" smtClean="0"/>
+              <a:t> mi</a:t>
+            </a:r>
+            <a:r>
+              <a:rPr lang="sr-Latn-RS" sz="1600" dirty="0" smtClean="0"/>
+              <a:t>ša</a:t>
+            </a:r>
+            <a:endParaRPr lang="sr-Latn-RS" sz="1600" dirty="0" smtClean="0"/>
+          </a:p>
+          <a:p>
+            <a:pPr lvl="1"/>
+            <a:r>
+              <a:rPr lang="en-US" sz="1600" dirty="0" err="1" smtClean="0">
+                <a:latin typeface="Consolas" pitchFamily="49" charset="0"/>
+              </a:rPr>
+              <a:t>pagui.mouseDown</a:t>
+            </a:r>
+            <a:r>
+              <a:rPr lang="en-US" sz="1600" dirty="0" smtClean="0">
+                <a:latin typeface="Consolas" pitchFamily="49" charset="0"/>
+              </a:rPr>
+              <a:t>()</a:t>
+            </a:r>
+          </a:p>
+          <a:p>
+            <a:pPr lvl="1"/>
+            <a:r>
+              <a:rPr lang="en-US" sz="1600" dirty="0" err="1" smtClean="0">
+                <a:latin typeface="Consolas" pitchFamily="49" charset="0"/>
+              </a:rPr>
+              <a:t>pagui.mouseDown</a:t>
+            </a:r>
+            <a:r>
+              <a:rPr lang="en-US" sz="1600" dirty="0" smtClean="0">
+                <a:latin typeface="Consolas" pitchFamily="49" charset="0"/>
+              </a:rPr>
+              <a:t>(button=‘right’)</a:t>
+            </a:r>
+          </a:p>
+          <a:p>
+            <a:r>
+              <a:rPr lang="sr-Latn-RS" sz="2000" dirty="0" smtClean="0"/>
+              <a:t>Ako </a:t>
+            </a:r>
+            <a:r>
+              <a:rPr lang="sr-Latn-RS" sz="2000" dirty="0" smtClean="0"/>
+              <a:t>se šaka pomera, čak i dok vrši gest, kursor će se takođe pomerati</a:t>
+            </a:r>
+          </a:p>
+          <a:p>
+            <a:r>
+              <a:rPr lang="sr-Latn-RS" sz="2000" dirty="0" smtClean="0"/>
+              <a:t>Ako se šaka vrati u prvobitno stanje (ne vrši gest), akcija se „poništava“</a:t>
+            </a:r>
+          </a:p>
+          <a:p>
+            <a:pPr lvl="1"/>
+            <a:r>
+              <a:rPr lang="sr-Latn-RS" sz="1600" dirty="0" smtClean="0"/>
+              <a:t>Npr. taster miša se </a:t>
+            </a:r>
+            <a:r>
+              <a:rPr lang="sr-Latn-RS" sz="1600" dirty="0" smtClean="0"/>
+              <a:t>otpusti</a:t>
+            </a:r>
+          </a:p>
+          <a:p>
+            <a:pPr lvl="1"/>
+            <a:r>
+              <a:rPr lang="en-US" sz="1600" dirty="0" err="1">
+                <a:latin typeface="Consolas" pitchFamily="49" charset="0"/>
+              </a:rPr>
+              <a:t>pagui.mouseUp</a:t>
+            </a:r>
+            <a:r>
+              <a:rPr lang="en-US" sz="1600" dirty="0" smtClean="0">
+                <a:latin typeface="Consolas" pitchFamily="49" charset="0"/>
+              </a:rPr>
+              <a:t>()</a:t>
+            </a:r>
+            <a:endParaRPr lang="sr-Latn-RS" sz="1600" dirty="0" smtClean="0">
+              <a:latin typeface="Consolas" pitchFamily="49" charset="0"/>
+            </a:endParaRPr>
+          </a:p>
+        </p:txBody>
+      </p:sp>
+    </p:spTree>
+    <p:extLst>
+      <p:ext uri="{BB962C8B-B14F-4D97-AF65-F5344CB8AC3E}">
+        <p14:creationId xmlns:p14="http://schemas.microsoft.com/office/powerpoint/2010/main" val="3741210957"/>
+      </p:ext>
+    </p:extLst>
+  </p:cSld>
+  <p:clrMapOvr>
+    <a:masterClrMapping/>
+  </p:clrMapOvr>
+  <p:timing>
+    <p:tnLst>
+      <p:par>
+        <p:cTn id="1" dur="indefinite" restart="never" nodeType="tmRoot"/>
+      </p:par>
+    </p:tnLst>
+  </p:timing>
+</p:sld>
+</file>
+
+<file path=ppt/slides/slide14.xml><?xml version="1.0" encoding="utf-8"?>
+<p:sld xmlns:a="http://schemas.openxmlformats.org/drawingml/2006/main" xmlns:r="http://schemas.openxmlformats.org/officeDocument/2006/relationships" xmlns:p="http://schemas.openxmlformats.org/presentationml/2006/main">
+  <p:cSld>
+    <p:spTree>
+      <p:nvGrpSpPr>
+        <p:cNvPr id="1" name=""/>
+        <p:cNvGrpSpPr/>
+        <p:nvPr/>
+      </p:nvGrpSpPr>
+      <p:grpSpPr>
+        <a:xfrm>
+          <a:off x="0" y="0"/>
+          <a:ext cx="0" cy="0"/>
+          <a:chOff x="0" y="0"/>
+          <a:chExt cx="0" cy="0"/>
+        </a:xfrm>
+      </p:grpSpPr>
+      <p:sp>
+        <p:nvSpPr>
+          <p:cNvPr id="5" name="Title 4"/>
+          <p:cNvSpPr>
+            <a:spLocks noGrp="1"/>
+          </p:cNvSpPr>
+          <p:nvPr>
+            <p:ph type="title"/>
+          </p:nvPr>
+        </p:nvSpPr>
+        <p:spPr/>
+        <p:txBody>
+          <a:bodyPr>
+            <a:normAutofit fontScale="90000"/>
+          </a:bodyPr>
+          <a:lstStyle/>
+          <a:p>
+            <a:r>
+              <a:rPr lang="en-US" b="1" dirty="0"/>
+              <a:t>SPECIFIKACIJA</a:t>
+            </a:r>
+            <a:r>
+              <a:rPr lang="en-US" dirty="0"/>
+              <a:t/>
+            </a:r>
+            <a:br>
+              <a:rPr lang="en-US" dirty="0"/>
+            </a:br>
+            <a:r>
+              <a:rPr lang="en-US" sz="2800" i="1" dirty="0" err="1" smtClean="0"/>
+              <a:t>Mogu</a:t>
+            </a:r>
+            <a:r>
+              <a:rPr lang="sr-Latn-RS" sz="2800" i="1" dirty="0" smtClean="0"/>
+              <a:t>ći dodaci</a:t>
+            </a:r>
+            <a:endParaRPr lang="en-US" i="1" dirty="0"/>
+          </a:p>
+        </p:txBody>
+      </p:sp>
+      <p:sp>
+        <p:nvSpPr>
+          <p:cNvPr id="6" name="Content Placeholder 5"/>
+          <p:cNvSpPr>
+            <a:spLocks noGrp="1"/>
+          </p:cNvSpPr>
+          <p:nvPr>
+            <p:ph idx="1"/>
+          </p:nvPr>
+        </p:nvSpPr>
+        <p:spPr/>
+        <p:txBody>
+          <a:bodyPr>
+            <a:noAutofit/>
+          </a:bodyPr>
+          <a:lstStyle/>
+          <a:p>
+            <a:r>
+              <a:rPr lang="sr-Latn-RS" sz="2500" dirty="0" smtClean="0"/>
+              <a:t>Kontrolisanje kursora i akcija </a:t>
+            </a:r>
+            <a:r>
+              <a:rPr lang="sr-Latn-RS" sz="2500" dirty="0" smtClean="0"/>
+              <a:t>miša samo </a:t>
+            </a:r>
+            <a:r>
+              <a:rPr lang="sr-Latn-RS" sz="2500" dirty="0" smtClean="0"/>
+              <a:t>desnom šakom</a:t>
+            </a:r>
+          </a:p>
+          <a:p>
+            <a:r>
+              <a:rPr lang="sr-Latn-RS" sz="2500" dirty="0" smtClean="0"/>
+              <a:t>Manipulisanje prozorom aktivne </a:t>
+            </a:r>
+            <a:r>
+              <a:rPr lang="sr-Latn-RS" sz="2500" dirty="0" smtClean="0"/>
+              <a:t>aplikacije samo </a:t>
+            </a:r>
+            <a:r>
+              <a:rPr lang="sr-Latn-RS" sz="2500" dirty="0" smtClean="0"/>
+              <a:t>levom </a:t>
+            </a:r>
+            <a:r>
+              <a:rPr lang="sr-Latn-RS" sz="2500" dirty="0" smtClean="0"/>
+              <a:t>šakom (zahteva ponovnu obuku mreže sa dodatnim gesturama)</a:t>
+            </a:r>
+          </a:p>
+          <a:p>
+            <a:r>
+              <a:rPr lang="sr-Latn-RS" sz="2500" dirty="0" smtClean="0"/>
+              <a:t>Bolje prepoznavanje šake / otklanjanje šuma</a:t>
+            </a:r>
+          </a:p>
+          <a:p>
+            <a:r>
+              <a:rPr lang="sr-Latn-RS" sz="2500" dirty="0" smtClean="0"/>
+              <a:t>Brža obrada slike radi boljih performansi</a:t>
+            </a:r>
+          </a:p>
+          <a:p>
+            <a:pPr lvl="1"/>
+            <a:r>
+              <a:rPr lang="sr-Latn-RS" sz="1800" dirty="0" smtClean="0"/>
+              <a:t>Deo koda koji najviše utiče na performansu je metoda </a:t>
+            </a:r>
+            <a:r>
+              <a:rPr lang="sr-Latn-RS" sz="1800" dirty="0" smtClean="0">
+                <a:latin typeface="Consolas" pitchFamily="49" charset="0"/>
+              </a:rPr>
+              <a:t>select_roi(img_orig, img_bin)</a:t>
+            </a:r>
+            <a:endParaRPr lang="en-US" sz="2100" dirty="0">
+              <a:latin typeface="Consolas" pitchFamily="49" charset="0"/>
+            </a:endParaRPr>
+          </a:p>
+        </p:txBody>
+      </p:sp>
+    </p:spTree>
+    <p:extLst>
+      <p:ext uri="{BB962C8B-B14F-4D97-AF65-F5344CB8AC3E}">
+        <p14:creationId xmlns:p14="http://schemas.microsoft.com/office/powerpoint/2010/main" val="3632328996"/>
+      </p:ext>
+    </p:extLst>
+  </p:cSld>
+  <p:clrMapOvr>
+    <a:masterClrMapping/>
+  </p:clrMapOvr>
+  <p:timing>
+    <p:tnLst>
+      <p:par>
+        <p:cTn id="1" dur="indefinite" restart="never" nodeType="tmRoot"/>
+      </p:par>
+    </p:tnLst>
+  </p:timing>
+</p:sld>
+</file>
+
+<file path=ppt/slides/slide15.xml><?xml version="1.0" encoding="utf-8"?>
+<p:sld xmlns:a="http://schemas.openxmlformats.org/drawingml/2006/main" xmlns:r="http://schemas.openxmlformats.org/officeDocument/2006/relationships" xmlns:p="http://schemas.openxmlformats.org/presentationml/2006/main">
+  <p:cSld>
+    <p:spTree>
+      <p:nvGrpSpPr>
+        <p:cNvPr id="1" name=""/>
+        <p:cNvGrpSpPr/>
+        <p:nvPr/>
+      </p:nvGrpSpPr>
+      <p:grpSpPr>
+        <a:xfrm>
+          <a:off x="0" y="0"/>
+          <a:ext cx="0" cy="0"/>
+          <a:chOff x="0" y="0"/>
+          <a:chExt cx="0" cy="0"/>
+        </a:xfrm>
+      </p:grpSpPr>
+      <p:sp>
+        <p:nvSpPr>
+          <p:cNvPr id="2" name="Title 1"/>
+          <p:cNvSpPr>
+            <a:spLocks noGrp="1"/>
+          </p:cNvSpPr>
+          <p:nvPr>
+            <p:ph type="title"/>
+          </p:nvPr>
+        </p:nvSpPr>
+        <p:spPr>
+          <a:xfrm>
+            <a:off x="457200" y="274638"/>
+            <a:ext cx="8229600" cy="778098"/>
+          </a:xfrm>
+        </p:spPr>
+        <p:txBody>
+          <a:bodyPr>
+            <a:normAutofit/>
+          </a:bodyPr>
+          <a:lstStyle/>
+          <a:p>
+            <a:r>
+              <a:rPr lang="sr-Latn-RS" sz="4000" b="1" dirty="0" smtClean="0"/>
+              <a:t>SLIČNA REŠENJA</a:t>
+            </a:r>
+            <a:endParaRPr lang="en-US" sz="4000" b="1" dirty="0"/>
+          </a:p>
+        </p:txBody>
+      </p:sp>
+      <p:sp>
+        <p:nvSpPr>
+          <p:cNvPr id="3" name="Content Placeholder 2"/>
+          <p:cNvSpPr>
+            <a:spLocks noGrp="1"/>
+          </p:cNvSpPr>
+          <p:nvPr>
+            <p:ph idx="1"/>
+          </p:nvPr>
+        </p:nvSpPr>
+        <p:spPr>
+          <a:xfrm>
+            <a:off x="457200" y="1268760"/>
+            <a:ext cx="8229600" cy="5328592"/>
+          </a:xfrm>
+        </p:spPr>
+        <p:txBody>
+          <a:bodyPr>
+            <a:normAutofit lnSpcReduction="10000"/>
+          </a:bodyPr>
+          <a:lstStyle/>
+          <a:p>
+            <a:r>
+              <a:rPr lang="sr-Latn-RS" sz="2400" dirty="0" smtClean="0"/>
+              <a:t>Hovering Controls za smart </a:t>
+            </a:r>
+            <a:r>
+              <a:rPr lang="sr-Latn-RS" sz="2400" dirty="0" smtClean="0"/>
+              <a:t>telefone</a:t>
+            </a:r>
+            <a:endParaRPr lang="sr-Latn-RS" sz="2400" dirty="0" smtClean="0"/>
+          </a:p>
+          <a:p>
+            <a:pPr lvl="1"/>
+            <a:r>
+              <a:rPr lang="en-US" sz="1200" dirty="0" smtClean="0">
+                <a:solidFill>
+                  <a:schemeClr val="accent1"/>
+                </a:solidFill>
+                <a:hlinkClick r:id="rId2"/>
+              </a:rPr>
+              <a:t>http</a:t>
+            </a:r>
+            <a:r>
+              <a:rPr lang="en-US" sz="1400" dirty="0" smtClean="0">
+                <a:solidFill>
+                  <a:schemeClr val="accent1"/>
+                </a:solidFill>
+                <a:hlinkClick r:id="rId2"/>
+              </a:rPr>
+              <a:t>://</a:t>
+            </a:r>
+            <a:r>
+              <a:rPr lang="en-US" sz="1200" dirty="0" smtClean="0">
+                <a:solidFill>
+                  <a:schemeClr val="accent1"/>
+                </a:solidFill>
+                <a:hlinkClick r:id="rId2"/>
+              </a:rPr>
+              <a:t>forum.xda-developers.com/showthread.php?t=2351974</a:t>
+            </a:r>
+            <a:endParaRPr lang="sr-Latn-RS" sz="1400" dirty="0" smtClean="0">
+              <a:solidFill>
+                <a:schemeClr val="accent1"/>
+              </a:solidFill>
+            </a:endParaRPr>
+          </a:p>
+          <a:p>
+            <a:pPr lvl="1"/>
+            <a:r>
+              <a:rPr lang="en-US" sz="1200" dirty="0" smtClean="0">
+                <a:solidFill>
+                  <a:schemeClr val="accent1"/>
+                </a:solidFill>
+                <a:hlinkClick r:id="rId3"/>
+              </a:rPr>
+              <a:t>https://</a:t>
+            </a:r>
+            <a:r>
+              <a:rPr lang="en-US" sz="1200" dirty="0" smtClean="0">
+                <a:solidFill>
+                  <a:schemeClr val="accent1"/>
+                </a:solidFill>
+                <a:hlinkClick r:id="rId3"/>
+              </a:rPr>
+              <a:t>play.google.com/store/apps/details?id=com.golgorz.hoveringcontrols</a:t>
+            </a:r>
+            <a:endParaRPr lang="en-US" sz="1200" dirty="0" smtClean="0">
+              <a:solidFill>
+                <a:schemeClr val="accent1"/>
+              </a:solidFill>
+            </a:endParaRPr>
+          </a:p>
+          <a:p>
+            <a:pPr lvl="1"/>
+            <a:r>
+              <a:rPr lang="sr-Latn-RS" sz="1600" dirty="0" smtClean="0"/>
+              <a:t>Omogućava kontrolisanje smart telefona/tableta pomoću gestura šake</a:t>
+            </a:r>
+          </a:p>
+          <a:p>
+            <a:pPr lvl="1"/>
+            <a:r>
+              <a:rPr lang="sr-Latn-RS" sz="1600" dirty="0" smtClean="0"/>
+              <a:t>Koristi proximity senzor</a:t>
+            </a:r>
+          </a:p>
+          <a:p>
+            <a:pPr lvl="1"/>
+            <a:r>
+              <a:rPr lang="sr-Latn-RS" sz="1600" dirty="0" smtClean="0"/>
+              <a:t>Podržava kontrolu samog android sistema, kao i pokrenutih aplikacija</a:t>
+            </a:r>
+          </a:p>
+          <a:p>
+            <a:pPr lvl="1"/>
+            <a:r>
+              <a:rPr lang="sr-Latn-RS" sz="1600" dirty="0" smtClean="0"/>
+              <a:t>Potpuno konfigurabilan (moguće mapirati željenu akciju na željenu gesturu)</a:t>
+            </a:r>
+            <a:endParaRPr lang="en-US" sz="1800" dirty="0" smtClean="0"/>
+          </a:p>
+          <a:p>
+            <a:r>
+              <a:rPr lang="sr-Latn-RS" sz="2400" dirty="0" smtClean="0"/>
+              <a:t>Samsung Smart TV Motion Control</a:t>
+            </a:r>
+            <a:endParaRPr lang="en-US" sz="2400" dirty="0" smtClean="0"/>
+          </a:p>
+          <a:p>
+            <a:pPr lvl="1"/>
+            <a:r>
+              <a:rPr lang="en-US" sz="1200" dirty="0" smtClean="0">
+                <a:hlinkClick r:id="rId4"/>
+              </a:rPr>
+              <a:t>http://</a:t>
+            </a:r>
+            <a:r>
+              <a:rPr lang="en-US" sz="1200" dirty="0" smtClean="0">
+                <a:hlinkClick r:id="rId4"/>
+              </a:rPr>
+              <a:t>www.samsung.com/my/microsite/tv/2013_si/motion_control_ex_gesture.html</a:t>
+            </a:r>
+            <a:endParaRPr lang="sr-Latn-RS" sz="1200" dirty="0" smtClean="0"/>
+          </a:p>
+          <a:p>
+            <a:pPr lvl="1"/>
+            <a:r>
+              <a:rPr lang="sr-Latn-RS" sz="1600" dirty="0" smtClean="0"/>
+              <a:t>Omogućava kontrolisanje Samsung Smart TV uređaja pomoću gestura rukom</a:t>
+            </a:r>
+          </a:p>
+          <a:p>
+            <a:pPr lvl="1"/>
+            <a:r>
+              <a:rPr lang="sr-Latn-RS" sz="1600" dirty="0" smtClean="0"/>
+              <a:t>Nije moguće konfigurisati/mapirati akcije na gesture</a:t>
+            </a:r>
+            <a:endParaRPr lang="sr-Latn-RS" sz="1600" dirty="0" smtClean="0"/>
+          </a:p>
+          <a:p>
+            <a:pPr lvl="1"/>
+            <a:r>
+              <a:rPr lang="sr-Latn-RS" sz="1600" dirty="0" smtClean="0"/>
+              <a:t>Neki modeli STV uređaja koriste kameru, pored standardnih senzora koje koriste svi STV uređaji</a:t>
+            </a:r>
+          </a:p>
+          <a:p>
+            <a:pPr lvl="1"/>
+            <a:r>
+              <a:rPr lang="sr-Latn-RS" sz="1600" dirty="0" smtClean="0"/>
+              <a:t>Nisam našao detalje o tome koji je senzor u pitanju, niti koja vrsta kamere</a:t>
+            </a:r>
+            <a:endParaRPr lang="en-US" sz="1800" dirty="0" smtClean="0"/>
+          </a:p>
+          <a:p>
+            <a:r>
+              <a:rPr lang="en-US" sz="2400" dirty="0" smtClean="0"/>
+              <a:t>Leap Motion</a:t>
+            </a:r>
+          </a:p>
+          <a:p>
+            <a:pPr lvl="1"/>
+            <a:r>
+              <a:rPr lang="en-US" sz="1200" dirty="0" smtClean="0">
+                <a:hlinkClick r:id="rId5"/>
+              </a:rPr>
+              <a:t>https://www.leapmotion.com</a:t>
+            </a:r>
+            <a:r>
+              <a:rPr lang="en-US" sz="1200" dirty="0" smtClean="0">
+                <a:hlinkClick r:id="rId5"/>
+              </a:rPr>
+              <a:t>/</a:t>
+            </a:r>
+            <a:endParaRPr lang="sr-Latn-RS" sz="1200" dirty="0" smtClean="0"/>
+          </a:p>
+          <a:p>
+            <a:pPr lvl="1"/>
+            <a:r>
+              <a:rPr lang="sr-Latn-RS" sz="1600" dirty="0" smtClean="0"/>
+              <a:t>Sastoji se od dve infracrvene kamere i tri infracrvene LED, koje zajedno prate infracrvenu svetlost</a:t>
+            </a:r>
+          </a:p>
+          <a:p>
+            <a:pPr lvl="1"/>
+            <a:r>
+              <a:rPr lang="sr-Latn-RS" sz="1600" dirty="0" smtClean="0"/>
+              <a:t>Region interakcije je u krugu poluprečnika 60cm sa svih strana uređaja osim ispod njega</a:t>
+            </a:r>
+            <a:endParaRPr lang="sr-Latn-RS" sz="1400" dirty="0" smtClean="0"/>
+          </a:p>
+          <a:p>
+            <a:pPr lvl="1"/>
+            <a:endParaRPr lang="sr-Latn-RS" sz="1400" dirty="0" smtClean="0"/>
+          </a:p>
+          <a:p>
+            <a:pPr lvl="1"/>
+            <a:endParaRPr lang="en-US" sz="1800" dirty="0" smtClean="0"/>
+          </a:p>
+          <a:p>
+            <a:pPr marL="0" indent="0">
+              <a:buNone/>
+            </a:pPr>
+            <a:endParaRPr lang="en-US" sz="1600" dirty="0" smtClean="0"/>
+          </a:p>
+          <a:p>
+            <a:pPr marL="0" indent="0">
+              <a:buNone/>
+            </a:pPr>
+            <a:endParaRPr lang="en-US" dirty="0"/>
+          </a:p>
+        </p:txBody>
+      </p:sp>
+    </p:spTree>
+    <p:extLst>
+      <p:ext uri="{BB962C8B-B14F-4D97-AF65-F5344CB8AC3E}">
+        <p14:creationId xmlns:p14="http://schemas.microsoft.com/office/powerpoint/2010/main" val="965997270"/>
+      </p:ext>
+    </p:extLst>
+  </p:cSld>
+  <p:clrMapOvr>
+    <a:masterClrMapping/>
+  </p:clrMapOvr>
+  <p:timing>
+    <p:tnLst>
+      <p:par>
+        <p:cTn id="1" dur="indefinite" restart="never" nodeType="tmRoot"/>
+      </p:par>
+    </p:tnLst>
+  </p:timing>
+</p:sld>
+</file>
+
+<file path=ppt/slides/slide16.xml><?xml version="1.0" encoding="utf-8"?>
+<p:sld xmlns:a="http://schemas.openxmlformats.org/drawingml/2006/main" xmlns:r="http://schemas.openxmlformats.org/officeDocument/2006/relationships" xmlns:p="http://schemas.openxmlformats.org/presentationml/2006/main">
+  <p:cSld>
+    <p:spTree>
+      <p:nvGrpSpPr>
+        <p:cNvPr id="1" name=""/>
+        <p:cNvGrpSpPr/>
+        <p:nvPr/>
+      </p:nvGrpSpPr>
+      <p:grpSpPr>
+        <a:xfrm>
+          <a:off x="0" y="0"/>
+          <a:ext cx="0" cy="0"/>
+          <a:chOff x="0" y="0"/>
+          <a:chExt cx="0" cy="0"/>
+        </a:xfrm>
+      </p:grpSpPr>
+      <p:sp>
+        <p:nvSpPr>
+          <p:cNvPr id="2" name="Title 1"/>
+          <p:cNvSpPr>
+            <a:spLocks noGrp="1"/>
+          </p:cNvSpPr>
+          <p:nvPr>
+            <p:ph type="title"/>
+          </p:nvPr>
+        </p:nvSpPr>
+        <p:spPr/>
+        <p:txBody>
+          <a:bodyPr>
+            <a:normAutofit fontScale="90000"/>
+          </a:bodyPr>
+          <a:lstStyle/>
+          <a:p>
+            <a:r>
+              <a:rPr lang="sr-Latn-RS" sz="4000" b="1" dirty="0" smtClean="0"/>
+              <a:t>VERIFIKACIJA FUNKCIONALNOSTI I REZULTATI</a:t>
+            </a:r>
+            <a:endParaRPr lang="en-US" b="1" dirty="0"/>
+          </a:p>
+        </p:txBody>
+      </p:sp>
+      <p:sp>
+        <p:nvSpPr>
+          <p:cNvPr id="3" name="Content Placeholder 2"/>
+          <p:cNvSpPr>
+            <a:spLocks noGrp="1"/>
+          </p:cNvSpPr>
+          <p:nvPr>
+            <p:ph idx="1"/>
+          </p:nvPr>
+        </p:nvSpPr>
+        <p:spPr/>
+        <p:txBody>
+          <a:bodyPr>
+            <a:normAutofit fontScale="47500" lnSpcReduction="20000"/>
+          </a:bodyPr>
+          <a:lstStyle/>
+          <a:p>
+            <a:r>
+              <a:rPr lang="sr-Latn-RS" sz="4600" dirty="0" smtClean="0"/>
+              <a:t>Funkcionalnost (nepotpuna) aplikacije je potvrđena čitanjem koda, debagovanjem i operativnim korišćenjem.</a:t>
+            </a:r>
+          </a:p>
+          <a:p>
+            <a:r>
+              <a:rPr lang="sr-Latn-RS" sz="4600" dirty="0" smtClean="0"/>
+              <a:t>Aplikacija i</a:t>
+            </a:r>
+            <a:r>
+              <a:rPr lang="en-US" sz="4600" dirty="0" smtClean="0"/>
+              <a:t>ma </a:t>
+            </a:r>
+            <a:r>
+              <a:rPr lang="en-US" sz="4600" dirty="0" err="1" smtClean="0"/>
+              <a:t>mogu</a:t>
+            </a:r>
+            <a:r>
+              <a:rPr lang="sr-Latn-RS" sz="4600" dirty="0" smtClean="0"/>
+              <a:t>ćnosti za poboljšanja, s obzirom da aplikacija ne vrši efikasno otklanjanje šuma, već koristi jednostavne metode, i performans je relativno loš, jer se slike obrađuju sporo, zbog metode </a:t>
+            </a:r>
+            <a:r>
+              <a:rPr lang="sr-Latn-RS" sz="4600" dirty="0" smtClean="0">
+                <a:latin typeface="Consolas" pitchFamily="49" charset="0"/>
+              </a:rPr>
+              <a:t>select_roi</a:t>
+            </a:r>
+            <a:endParaRPr lang="en-US" sz="4600" dirty="0" smtClean="0">
+              <a:latin typeface="Consolas" pitchFamily="49" charset="0"/>
+            </a:endParaRPr>
+          </a:p>
+          <a:p>
+            <a:r>
+              <a:rPr lang="en-US" sz="4600" dirty="0" err="1" smtClean="0"/>
+              <a:t>Vidno</a:t>
+            </a:r>
+            <a:r>
+              <a:rPr lang="en-US" sz="4600" dirty="0" smtClean="0"/>
+              <a:t> </a:t>
+            </a:r>
+            <a:r>
+              <a:rPr lang="en-US" sz="4600" dirty="0" err="1" smtClean="0"/>
+              <a:t>polje</a:t>
+            </a:r>
+            <a:r>
+              <a:rPr lang="en-US" sz="4600" dirty="0" smtClean="0"/>
+              <a:t> </a:t>
+            </a:r>
+            <a:r>
+              <a:rPr lang="en-US" sz="4600" dirty="0" err="1" smtClean="0"/>
+              <a:t>kamere</a:t>
+            </a:r>
+            <a:r>
+              <a:rPr lang="en-US" sz="4600" dirty="0" smtClean="0"/>
+              <a:t> je </a:t>
+            </a:r>
+            <a:r>
+              <a:rPr lang="en-US" sz="4600" dirty="0" err="1" smtClean="0"/>
+              <a:t>tako</a:t>
+            </a:r>
+            <a:r>
+              <a:rPr lang="sr-Latn-RS" sz="4600" dirty="0" smtClean="0"/>
+              <a:t>đe ograničavajuće, tako da bi trebalo imati veće vidno polje, ili kameru koja može da prati pokret ruke</a:t>
+            </a:r>
+            <a:endParaRPr lang="en-US" sz="4600" dirty="0" smtClean="0"/>
+          </a:p>
+          <a:p>
+            <a:r>
+              <a:rPr lang="en-US" sz="4600" dirty="0" err="1" smtClean="0"/>
+              <a:t>Rez</a:t>
+            </a:r>
+            <a:r>
+              <a:rPr lang="sr-Latn-RS" sz="4600" dirty="0" smtClean="0"/>
+              <a:t>ultati rada aplikacije su zadovoljavajući, ali kao što je već rečeno, ima mesta za poboljšanja (zbog šuma na obrađenoj slici, dešava se da VNM pogrešno prepozna gest šake, pa rad aplikacije može biti „isprekidan“ )</a:t>
+            </a:r>
+          </a:p>
+          <a:p>
+            <a:pPr lvl="1"/>
+            <a:r>
+              <a:rPr lang="sr-Latn-RS" sz="3600" dirty="0" smtClean="0"/>
+              <a:t>Za primer, šaka je skupljena, što znači držimo pritisnut levi taster miša</a:t>
+            </a:r>
+            <a:r>
+              <a:rPr lang="en-US" sz="3600" dirty="0" smtClean="0"/>
+              <a:t>, </a:t>
+            </a:r>
+            <a:r>
+              <a:rPr lang="sr-Latn-RS" sz="3600" dirty="0" smtClean="0"/>
+              <a:t>aplikacija </a:t>
+            </a:r>
+            <a:r>
+              <a:rPr lang="en-US" sz="3600" dirty="0" smtClean="0"/>
+              <a:t>u </a:t>
+            </a:r>
+            <a:r>
+              <a:rPr lang="en-US" sz="3600" dirty="0" err="1" smtClean="0"/>
+              <a:t>jednom</a:t>
+            </a:r>
+            <a:r>
+              <a:rPr lang="en-US" sz="3600" dirty="0" smtClean="0"/>
+              <a:t> </a:t>
+            </a:r>
+            <a:r>
+              <a:rPr lang="en-US" sz="3600" dirty="0" err="1" smtClean="0"/>
+              <a:t>trenutku</a:t>
+            </a:r>
+            <a:r>
+              <a:rPr lang="en-US" sz="3600" dirty="0" smtClean="0"/>
+              <a:t> </a:t>
+            </a:r>
+            <a:r>
+              <a:rPr lang="en-US" sz="3600" dirty="0" err="1" smtClean="0"/>
+              <a:t>pogre</a:t>
+            </a:r>
+            <a:r>
+              <a:rPr lang="sr-Latn-RS" sz="3600" dirty="0" smtClean="0"/>
+              <a:t>šno prepozna gest kao raširenu šaku i pusti levi taster miša, a zatim ponovo pogrešno prepozna gest kao skupljenu šaku sa raširenim palcem, što vrši pritisak desnog tastera miša)</a:t>
+            </a:r>
+          </a:p>
+          <a:p>
+            <a:pPr marL="0" indent="0">
+              <a:buNone/>
+            </a:pPr>
+            <a:endParaRPr lang="sr-Latn-RS" dirty="0" smtClean="0"/>
+          </a:p>
+          <a:p>
+            <a:pPr marL="0" indent="0">
+              <a:buNone/>
+            </a:pPr>
+            <a:endParaRPr lang="en-US" dirty="0"/>
+          </a:p>
+        </p:txBody>
+      </p:sp>
+    </p:spTree>
+    <p:extLst>
+      <p:ext uri="{BB962C8B-B14F-4D97-AF65-F5344CB8AC3E}">
+        <p14:creationId xmlns:p14="http://schemas.microsoft.com/office/powerpoint/2010/main" val="3306874822"/>
+      </p:ext>
+    </p:extLst>
+  </p:cSld>
+  <p:clrMapOvr>
+    <a:masterClrMapping/>
+  </p:clrMapOvr>
+</p:sld>
+</file>
+
+<file path=ppt/slides/slide2.xml><?xml version="1.0" encoding="utf-8"?>
+<p:sld xmlns:a="http://schemas.openxmlformats.org/drawingml/2006/main" xmlns:r="http://schemas.openxmlformats.org/officeDocument/2006/relationships" xmlns:p="http://schemas.openxmlformats.org/presentationml/2006/main">
+  <p:cSld>
+    <p:spTree>
+      <p:nvGrpSpPr>
+        <p:cNvPr id="1" name=""/>
+        <p:cNvGrpSpPr/>
+        <p:nvPr/>
+      </p:nvGrpSpPr>
+      <p:grpSpPr>
+        <a:xfrm>
+          <a:off x="0" y="0"/>
+          <a:ext cx="0" cy="0"/>
+          <a:chOff x="0" y="0"/>
+          <a:chExt cx="0" cy="0"/>
+        </a:xfrm>
+      </p:grpSpPr>
+      <p:sp>
+        <p:nvSpPr>
+          <p:cNvPr id="4" name="Title 3"/>
+          <p:cNvSpPr>
+            <a:spLocks noGrp="1"/>
+          </p:cNvSpPr>
+          <p:nvPr>
+            <p:ph type="title"/>
+          </p:nvPr>
+        </p:nvSpPr>
+        <p:spPr/>
+        <p:txBody>
+          <a:bodyPr>
+            <a:normAutofit fontScale="90000"/>
+          </a:bodyPr>
+          <a:lstStyle/>
+          <a:p>
+            <a:r>
+              <a:rPr lang="sr-Latn-RS" b="1" dirty="0" smtClean="0"/>
+              <a:t>SPECIFIKACIJA</a:t>
+            </a:r>
+            <a:br>
+              <a:rPr lang="sr-Latn-RS" b="1" dirty="0" smtClean="0"/>
+            </a:br>
+            <a:r>
+              <a:rPr lang="sr-Latn-RS" sz="3100" i="1" dirty="0" smtClean="0"/>
+              <a:t>Šta je potrebno?</a:t>
+            </a:r>
+            <a:endParaRPr lang="en-US" b="1" i="1" dirty="0"/>
+          </a:p>
+        </p:txBody>
+      </p:sp>
+      <p:sp>
+        <p:nvSpPr>
+          <p:cNvPr id="5" name="Content Placeholder 4"/>
+          <p:cNvSpPr>
+            <a:spLocks noGrp="1"/>
+          </p:cNvSpPr>
+          <p:nvPr>
+            <p:ph idx="1"/>
+          </p:nvPr>
+        </p:nvSpPr>
+        <p:spPr/>
+        <p:txBody>
+          <a:bodyPr>
+            <a:normAutofit/>
+          </a:bodyPr>
+          <a:lstStyle/>
+          <a:p>
+            <a:r>
+              <a:rPr lang="en-US" dirty="0" err="1" smtClean="0"/>
+              <a:t>Jedna</a:t>
+            </a:r>
+            <a:r>
+              <a:rPr lang="en-US" dirty="0" smtClean="0"/>
+              <a:t> </a:t>
+            </a:r>
+            <a:r>
+              <a:rPr lang="sr-Latn-RS" dirty="0" smtClean="0"/>
+              <a:t>šaka</a:t>
+            </a:r>
+            <a:r>
+              <a:rPr lang="en-US" dirty="0" smtClean="0"/>
+              <a:t>…</a:t>
+            </a:r>
+          </a:p>
+          <a:p>
+            <a:r>
+              <a:rPr lang="en-US" dirty="0" err="1" smtClean="0"/>
+              <a:t>Kompjuter</a:t>
+            </a:r>
+            <a:r>
+              <a:rPr lang="en-US" dirty="0" smtClean="0"/>
+              <a:t>…</a:t>
+            </a:r>
+          </a:p>
+          <a:p>
+            <a:r>
+              <a:rPr lang="en-US" dirty="0" smtClean="0"/>
+              <a:t>Web </a:t>
+            </a:r>
+            <a:r>
+              <a:rPr lang="en-US" dirty="0" err="1" smtClean="0"/>
+              <a:t>kamera</a:t>
+            </a:r>
+            <a:endParaRPr lang="sr-Latn-RS" dirty="0" smtClean="0"/>
+          </a:p>
+          <a:p>
+            <a:r>
+              <a:rPr lang="sr-Latn-RS" dirty="0" smtClean="0"/>
+              <a:t>Python</a:t>
+            </a:r>
+          </a:p>
+          <a:p>
+            <a:r>
+              <a:rPr lang="sr-Latn-RS" dirty="0" smtClean="0"/>
+              <a:t>Biblioteke:</a:t>
+            </a:r>
+          </a:p>
+          <a:p>
+            <a:pPr lvl="1"/>
+            <a:r>
+              <a:rPr lang="sr-Latn-RS" dirty="0" smtClean="0"/>
+              <a:t>OpenCV2 </a:t>
+            </a:r>
+            <a:r>
+              <a:rPr lang="sr-Latn-RS" sz="2400" dirty="0" smtClean="0"/>
+              <a:t>– obrada slike</a:t>
+            </a:r>
+            <a:endParaRPr lang="sr-Latn-RS" dirty="0" smtClean="0"/>
+          </a:p>
+          <a:p>
+            <a:pPr lvl="1"/>
+            <a:r>
+              <a:rPr lang="sr-Latn-RS" dirty="0" smtClean="0"/>
+              <a:t>Keras </a:t>
+            </a:r>
+            <a:r>
+              <a:rPr lang="sr-Latn-RS" dirty="0" smtClean="0"/>
+              <a:t>i Theano</a:t>
+            </a:r>
+            <a:r>
+              <a:rPr lang="sr-Latn-RS" sz="2400" dirty="0" smtClean="0"/>
+              <a:t>– </a:t>
+            </a:r>
+            <a:r>
+              <a:rPr lang="sr-Latn-RS" sz="2400" dirty="0" smtClean="0"/>
+              <a:t>veštačke neuronske </a:t>
+            </a:r>
+            <a:r>
+              <a:rPr lang="sr-Latn-RS" sz="2400" dirty="0" smtClean="0"/>
+              <a:t>mreže</a:t>
+            </a:r>
+            <a:endParaRPr lang="sr-Latn-RS" sz="2400" dirty="0" smtClean="0"/>
+          </a:p>
+          <a:p>
+            <a:pPr lvl="1"/>
+            <a:r>
+              <a:rPr lang="sr-Latn-RS" dirty="0" smtClean="0"/>
+              <a:t>PyAutoGui </a:t>
+            </a:r>
+            <a:r>
+              <a:rPr lang="sr-Latn-RS" sz="2400" dirty="0" smtClean="0"/>
+              <a:t>– upravljanje računarom</a:t>
+            </a:r>
+            <a:endParaRPr lang="en-US" dirty="0" smtClean="0"/>
+          </a:p>
+        </p:txBody>
+      </p:sp>
+    </p:spTree>
+    <p:extLst>
+      <p:ext uri="{BB962C8B-B14F-4D97-AF65-F5344CB8AC3E}">
+        <p14:creationId xmlns:p14="http://schemas.microsoft.com/office/powerpoint/2010/main" val="3741210957"/>
+      </p:ext>
+    </p:extLst>
+  </p:cSld>
+  <p:clrMapOvr>
+    <a:masterClrMapping/>
+  </p:clrMapOvr>
+  <p:timing>
+    <p:tnLst>
+      <p:par>
+        <p:cTn id="1" dur="indefinite" restart="never" nodeType="tmRoot"/>
+      </p:par>
+    </p:tnLst>
+  </p:timing>
+</p:sld>
+</file>
+
+<file path=ppt/slides/slide3.xml><?xml version="1.0" encoding="utf-8"?>
+<p:sld xmlns:a="http://schemas.openxmlformats.org/drawingml/2006/main" xmlns:r="http://schemas.openxmlformats.org/officeDocument/2006/relationships" xmlns:p="http://schemas.openxmlformats.org/presentationml/2006/main">
+  <p:cSld>
+    <p:spTree>
+      <p:nvGrpSpPr>
+        <p:cNvPr id="1" name=""/>
+        <p:cNvGrpSpPr/>
+        <p:nvPr/>
+      </p:nvGrpSpPr>
+      <p:grpSpPr>
+        <a:xfrm>
+          <a:off x="0" y="0"/>
+          <a:ext cx="0" cy="0"/>
+          <a:chOff x="0" y="0"/>
+          <a:chExt cx="0" cy="0"/>
+        </a:xfrm>
+      </p:grpSpPr>
+      <p:sp>
+        <p:nvSpPr>
+          <p:cNvPr id="2" name="Title 1"/>
+          <p:cNvSpPr>
+            <a:spLocks noGrp="1"/>
+          </p:cNvSpPr>
+          <p:nvPr>
+            <p:ph type="title"/>
+          </p:nvPr>
+        </p:nvSpPr>
+        <p:spPr/>
+        <p:txBody>
+          <a:bodyPr>
+            <a:normAutofit fontScale="90000"/>
+          </a:bodyPr>
+          <a:lstStyle/>
+          <a:p>
+            <a:r>
+              <a:rPr lang="sr-Latn-RS" b="1" dirty="0"/>
+              <a:t>SPECIFIKACIJA</a:t>
+            </a:r>
+            <a:br>
+              <a:rPr lang="sr-Latn-RS" b="1" dirty="0"/>
+            </a:br>
+            <a:r>
+              <a:rPr lang="sr-Latn-RS" sz="3100" i="1" dirty="0" smtClean="0"/>
+              <a:t>Opis korišćenih tehnologija</a:t>
+            </a:r>
+            <a:endParaRPr lang="en-US" dirty="0"/>
+          </a:p>
+        </p:txBody>
+      </p:sp>
+      <p:sp>
+        <p:nvSpPr>
+          <p:cNvPr id="3" name="Content Placeholder 2"/>
+          <p:cNvSpPr>
+            <a:spLocks noGrp="1"/>
+          </p:cNvSpPr>
+          <p:nvPr>
+            <p:ph idx="1"/>
+          </p:nvPr>
+        </p:nvSpPr>
+        <p:spPr/>
+        <p:txBody>
+          <a:bodyPr>
+            <a:normAutofit/>
+          </a:bodyPr>
+          <a:lstStyle/>
+          <a:p>
+            <a:r>
+              <a:rPr lang="sr-Latn-RS" dirty="0" smtClean="0"/>
+              <a:t>Šaka – deo ljudskog tela, vrlo bitan za svakodnevno normalno funkcionisanje, a u ovom slučaju i vrlo bitan za rad aplikacije</a:t>
+            </a:r>
+          </a:p>
+          <a:p>
+            <a:r>
+              <a:rPr lang="sr-Latn-RS" dirty="0" smtClean="0"/>
+              <a:t>Kompjuter – električna mašinerija bez koje ne bi smo mogli da radimo bilo šta od ovoga</a:t>
+            </a:r>
+          </a:p>
+          <a:p>
+            <a:r>
+              <a:rPr lang="sr-Latn-RS" dirty="0" smtClean="0"/>
+              <a:t>Web kamera – hardver za snimanje/slikanje, služi kao „oči“ kompjutera, potrebno da bi kompjuter mogao da vidi šaku</a:t>
+            </a:r>
+          </a:p>
+          <a:p>
+            <a:endParaRPr lang="en-US" dirty="0"/>
+          </a:p>
+        </p:txBody>
+      </p:sp>
+    </p:spTree>
+    <p:extLst>
+      <p:ext uri="{BB962C8B-B14F-4D97-AF65-F5344CB8AC3E}">
+        <p14:creationId xmlns:p14="http://schemas.microsoft.com/office/powerpoint/2010/main" val="1321755654"/>
+      </p:ext>
+    </p:extLst>
+  </p:cSld>
+  <p:clrMapOvr>
+    <a:masterClrMapping/>
+  </p:clrMapOvr>
+</p:sld>
+</file>
+
+<file path=ppt/slides/slide4.xml><?xml version="1.0" encoding="utf-8"?>
+<p:sld xmlns:a="http://schemas.openxmlformats.org/drawingml/2006/main" xmlns:r="http://schemas.openxmlformats.org/officeDocument/2006/relationships" xmlns:p="http://schemas.openxmlformats.org/presentationml/2006/main">
+  <p:cSld>
+    <p:spTree>
+      <p:nvGrpSpPr>
+        <p:cNvPr id="1" name=""/>
+        <p:cNvGrpSpPr/>
+        <p:nvPr/>
+      </p:nvGrpSpPr>
+      <p:grpSpPr>
+        <a:xfrm>
+          <a:off x="0" y="0"/>
+          <a:ext cx="0" cy="0"/>
+          <a:chOff x="0" y="0"/>
+          <a:chExt cx="0" cy="0"/>
+        </a:xfrm>
+      </p:grpSpPr>
+      <p:sp>
+        <p:nvSpPr>
+          <p:cNvPr id="2" name="Title 1"/>
+          <p:cNvSpPr>
+            <a:spLocks noGrp="1"/>
+          </p:cNvSpPr>
+          <p:nvPr>
+            <p:ph type="title"/>
+          </p:nvPr>
+        </p:nvSpPr>
+        <p:spPr/>
+        <p:txBody>
+          <a:bodyPr>
+            <a:normAutofit fontScale="90000"/>
+          </a:bodyPr>
+          <a:lstStyle/>
+          <a:p>
+            <a:r>
+              <a:rPr lang="sr-Latn-RS" b="1" dirty="0"/>
+              <a:t>SPECIFIKACIJA</a:t>
+            </a:r>
+            <a:br>
+              <a:rPr lang="sr-Latn-RS" b="1" dirty="0"/>
+            </a:br>
+            <a:r>
+              <a:rPr lang="sr-Latn-RS" sz="3100" i="1" dirty="0" smtClean="0"/>
+              <a:t>Opis korišćenih tehnologija</a:t>
+            </a:r>
+            <a:endParaRPr lang="en-US" dirty="0"/>
+          </a:p>
+        </p:txBody>
+      </p:sp>
+      <p:sp>
+        <p:nvSpPr>
+          <p:cNvPr id="3" name="Content Placeholder 2"/>
+          <p:cNvSpPr>
+            <a:spLocks noGrp="1"/>
+          </p:cNvSpPr>
+          <p:nvPr>
+            <p:ph idx="1"/>
+          </p:nvPr>
+        </p:nvSpPr>
+        <p:spPr/>
+        <p:txBody>
+          <a:bodyPr/>
+          <a:lstStyle/>
+          <a:p>
+            <a:r>
+              <a:rPr lang="sr-Latn-RS" dirty="0" smtClean="0"/>
+              <a:t>Python – programski jezik visokog nivoa, nastao sa ciljem pisanja čitljivijeg koda. Sintaksa omogućava iskazivanje rešenja problema u manje linija koda nego u jezicima kao C++ i Java</a:t>
+            </a:r>
+          </a:p>
+          <a:p>
+            <a:pPr lvl="1"/>
+            <a:r>
+              <a:rPr lang="sr-Latn-RS" dirty="0">
+                <a:hlinkClick r:id="rId2"/>
+              </a:rPr>
+              <a:t>https://www.python.org</a:t>
+            </a:r>
+            <a:r>
+              <a:rPr lang="sr-Latn-RS" dirty="0" smtClean="0">
+                <a:hlinkClick r:id="rId2"/>
+              </a:rPr>
+              <a:t>/</a:t>
+            </a:r>
+            <a:endParaRPr lang="sr-Latn-RS" dirty="0" smtClean="0"/>
+          </a:p>
+          <a:p>
+            <a:pPr marL="57150" indent="0">
+              <a:buNone/>
+            </a:pPr>
+            <a:endParaRPr lang="sr-Latn-RS" dirty="0" smtClean="0"/>
+          </a:p>
+          <a:p>
+            <a:pPr marL="0" indent="0">
+              <a:buNone/>
+            </a:pPr>
+            <a:endParaRPr lang="sr-Latn-RS" dirty="0" smtClean="0"/>
+          </a:p>
+          <a:p>
+            <a:endParaRPr lang="en-US" dirty="0"/>
+          </a:p>
+        </p:txBody>
+      </p:sp>
+    </p:spTree>
+    <p:extLst>
+      <p:ext uri="{BB962C8B-B14F-4D97-AF65-F5344CB8AC3E}">
+        <p14:creationId xmlns:p14="http://schemas.microsoft.com/office/powerpoint/2010/main" val="3890890110"/>
+      </p:ext>
+    </p:extLst>
+  </p:cSld>
+  <p:clrMapOvr>
+    <a:masterClrMapping/>
+  </p:clrMapOvr>
+</p:sld>
+</file>
+
+<file path=ppt/slides/slide5.xml><?xml version="1.0" encoding="utf-8"?>
+<p:sld xmlns:a="http://schemas.openxmlformats.org/drawingml/2006/main" xmlns:r="http://schemas.openxmlformats.org/officeDocument/2006/relationships" xmlns:p="http://schemas.openxmlformats.org/presentationml/2006/main">
+  <p:cSld>
+    <p:spTree>
+      <p:nvGrpSpPr>
+        <p:cNvPr id="1" name=""/>
+        <p:cNvGrpSpPr/>
+        <p:nvPr/>
+      </p:nvGrpSpPr>
+      <p:grpSpPr>
+        <a:xfrm>
+          <a:off x="0" y="0"/>
+          <a:ext cx="0" cy="0"/>
+          <a:chOff x="0" y="0"/>
+          <a:chExt cx="0" cy="0"/>
+        </a:xfrm>
+      </p:grpSpPr>
+      <p:sp>
+        <p:nvSpPr>
+          <p:cNvPr id="2" name="Title 1"/>
+          <p:cNvSpPr>
+            <a:spLocks noGrp="1"/>
+          </p:cNvSpPr>
+          <p:nvPr>
+            <p:ph type="title"/>
+          </p:nvPr>
+        </p:nvSpPr>
+        <p:spPr/>
+        <p:txBody>
+          <a:bodyPr>
+            <a:normAutofit fontScale="90000"/>
+          </a:bodyPr>
+          <a:lstStyle/>
+          <a:p>
+            <a:r>
+              <a:rPr lang="sr-Latn-RS" b="1" dirty="0"/>
+              <a:t>SPECIFIKACIJA</a:t>
+            </a:r>
+            <a:br>
+              <a:rPr lang="sr-Latn-RS" b="1" dirty="0"/>
+            </a:br>
+            <a:r>
+              <a:rPr lang="sr-Latn-RS" sz="3100" i="1" dirty="0" smtClean="0"/>
+              <a:t>Opis korišćenih tehnologija</a:t>
+            </a:r>
+            <a:endParaRPr lang="en-US" dirty="0"/>
+          </a:p>
+        </p:txBody>
+      </p:sp>
+      <p:sp>
+        <p:nvSpPr>
+          <p:cNvPr id="3" name="Content Placeholder 2"/>
+          <p:cNvSpPr>
+            <a:spLocks noGrp="1"/>
+          </p:cNvSpPr>
+          <p:nvPr>
+            <p:ph idx="1"/>
+          </p:nvPr>
+        </p:nvSpPr>
+        <p:spPr/>
+        <p:txBody>
+          <a:bodyPr/>
+          <a:lstStyle/>
+          <a:p>
+            <a:r>
+              <a:rPr lang="sr-Latn-RS" dirty="0" smtClean="0"/>
+              <a:t>OpenCV2 – python i C++ open source biblioteka funkcija prvenstveno fokusiranih na real-time computer vision (prikupljanje, procesiranje, analiza i razumevanje slika i ostalih podataka iz realnog sveta), pa je odatle i dobio ime (openCV = open source computer vision)</a:t>
+            </a:r>
+          </a:p>
+          <a:p>
+            <a:pPr lvl="1"/>
+            <a:r>
+              <a:rPr lang="sr-Latn-RS" dirty="0">
+                <a:hlinkClick r:id="rId2"/>
+              </a:rPr>
+              <a:t>http://opencv.org</a:t>
+            </a:r>
+            <a:r>
+              <a:rPr lang="sr-Latn-RS" dirty="0" smtClean="0">
+                <a:hlinkClick r:id="rId2"/>
+              </a:rPr>
+              <a:t>/</a:t>
+            </a:r>
+            <a:endParaRPr lang="sr-Latn-RS" dirty="0" smtClean="0"/>
+          </a:p>
+          <a:p>
+            <a:pPr marL="57150" indent="0">
+              <a:buNone/>
+            </a:pPr>
+            <a:endParaRPr lang="sr-Latn-RS" dirty="0" smtClean="0"/>
+          </a:p>
+          <a:p>
+            <a:endParaRPr lang="en-US" dirty="0"/>
+          </a:p>
+        </p:txBody>
+      </p:sp>
+    </p:spTree>
+    <p:extLst>
+      <p:ext uri="{BB962C8B-B14F-4D97-AF65-F5344CB8AC3E}">
+        <p14:creationId xmlns:p14="http://schemas.microsoft.com/office/powerpoint/2010/main" val="2442231252"/>
+      </p:ext>
+    </p:extLst>
+  </p:cSld>
+  <p:clrMapOvr>
+    <a:masterClrMapping/>
+  </p:clrMapOvr>
+</p:sld>
+</file>
+
+<file path=ppt/slides/slide6.xml><?xml version="1.0" encoding="utf-8"?>
+<p:sld xmlns:a="http://schemas.openxmlformats.org/drawingml/2006/main" xmlns:r="http://schemas.openxmlformats.org/officeDocument/2006/relationships" xmlns:p="http://schemas.openxmlformats.org/presentationml/2006/main">
+  <p:cSld>
+    <p:spTree>
+      <p:nvGrpSpPr>
+        <p:cNvPr id="1" name=""/>
+        <p:cNvGrpSpPr/>
+        <p:nvPr/>
+      </p:nvGrpSpPr>
+      <p:grpSpPr>
+        <a:xfrm>
+          <a:off x="0" y="0"/>
+          <a:ext cx="0" cy="0"/>
+          <a:chOff x="0" y="0"/>
+          <a:chExt cx="0" cy="0"/>
+        </a:xfrm>
+      </p:grpSpPr>
+      <p:sp>
+        <p:nvSpPr>
+          <p:cNvPr id="2" name="Title 1"/>
+          <p:cNvSpPr>
+            <a:spLocks noGrp="1"/>
+          </p:cNvSpPr>
+          <p:nvPr>
+            <p:ph type="title"/>
+          </p:nvPr>
+        </p:nvSpPr>
+        <p:spPr/>
+        <p:txBody>
+          <a:bodyPr>
+            <a:normAutofit fontScale="90000"/>
+          </a:bodyPr>
+          <a:lstStyle/>
+          <a:p>
+            <a:r>
+              <a:rPr lang="sr-Latn-RS" b="1" dirty="0"/>
+              <a:t>SPECIFIKACIJA</a:t>
+            </a:r>
+            <a:br>
+              <a:rPr lang="sr-Latn-RS" b="1" dirty="0"/>
+            </a:br>
+            <a:r>
+              <a:rPr lang="sr-Latn-RS" sz="3100" i="1" dirty="0" smtClean="0"/>
+              <a:t>Opis korišćenih tehnologija</a:t>
+            </a:r>
+            <a:endParaRPr lang="en-US" dirty="0"/>
+          </a:p>
+        </p:txBody>
+      </p:sp>
+      <p:sp>
+        <p:nvSpPr>
+          <p:cNvPr id="3" name="Content Placeholder 2"/>
+          <p:cNvSpPr>
+            <a:spLocks noGrp="1"/>
+          </p:cNvSpPr>
+          <p:nvPr>
+            <p:ph idx="1"/>
+          </p:nvPr>
+        </p:nvSpPr>
+        <p:spPr/>
+        <p:txBody>
+          <a:bodyPr>
+            <a:normAutofit fontScale="92500" lnSpcReduction="20000"/>
+          </a:bodyPr>
+          <a:lstStyle/>
+          <a:p>
+            <a:r>
+              <a:rPr lang="sr-Latn-RS" dirty="0" smtClean="0"/>
+              <a:t>Keras – minimalistička python biblioteka za rad sa veštačkim neuronskim mrežama, bazirana na biblioteci Theano. Fokusira se na brzu eksperimentaciju, tj prelazak putanje od ideje do rezultata u najkraćem mogućem roku, jer je to ključ dobrog istraživanja</a:t>
+            </a:r>
+          </a:p>
+          <a:p>
+            <a:pPr lvl="1"/>
+            <a:r>
+              <a:rPr lang="en-US" dirty="0">
+                <a:hlinkClick r:id="rId2"/>
+              </a:rPr>
+              <a:t>http://keras.io</a:t>
+            </a:r>
+            <a:r>
+              <a:rPr lang="en-US" dirty="0" smtClean="0">
+                <a:hlinkClick r:id="rId2"/>
+              </a:rPr>
+              <a:t>/</a:t>
+            </a:r>
+            <a:endParaRPr lang="sr-Latn-RS" dirty="0" smtClean="0"/>
+          </a:p>
+          <a:p>
+            <a:r>
+              <a:rPr lang="sr-Latn-RS" dirty="0"/>
+              <a:t>Theano – </a:t>
+            </a:r>
+            <a:r>
+              <a:rPr lang="sr-Latn-RS" dirty="0" smtClean="0"/>
+              <a:t>python biblioteka </a:t>
+            </a:r>
+            <a:r>
+              <a:rPr lang="sr-Latn-RS" dirty="0"/>
+              <a:t>koja omogućava definisanje, optimizaciju i evaluaciju matematičkih izraza na efikasan </a:t>
+            </a:r>
+            <a:r>
+              <a:rPr lang="sr-Latn-RS" dirty="0" smtClean="0"/>
+              <a:t>način</a:t>
+            </a:r>
+            <a:endParaRPr lang="sr-Latn-RS" dirty="0"/>
+          </a:p>
+          <a:p>
+            <a:pPr lvl="1"/>
+            <a:r>
+              <a:rPr lang="sr-Latn-RS" dirty="0">
+                <a:hlinkClick r:id="rId3"/>
+              </a:rPr>
+              <a:t>http://deeplearning.net/software/theano</a:t>
+            </a:r>
+            <a:r>
+              <a:rPr lang="sr-Latn-RS" dirty="0" smtClean="0">
+                <a:hlinkClick r:id="rId3"/>
+              </a:rPr>
+              <a:t>/</a:t>
+            </a:r>
+            <a:endParaRPr lang="sr-Latn-RS" dirty="0" smtClean="0"/>
+          </a:p>
+          <a:p>
+            <a:pPr marL="57150" indent="0">
+              <a:buNone/>
+            </a:pPr>
+            <a:endParaRPr lang="sr-Latn-RS" dirty="0" smtClean="0"/>
+          </a:p>
+          <a:p>
+            <a:pPr marL="0" indent="0">
+              <a:buNone/>
+            </a:pPr>
+            <a:endParaRPr lang="sr-Latn-RS" dirty="0" smtClean="0"/>
+          </a:p>
+          <a:p>
+            <a:pPr lvl="1"/>
+            <a:endParaRPr lang="en-US" dirty="0"/>
+          </a:p>
+        </p:txBody>
+      </p:sp>
+    </p:spTree>
+    <p:extLst>
+      <p:ext uri="{BB962C8B-B14F-4D97-AF65-F5344CB8AC3E}">
+        <p14:creationId xmlns:p14="http://schemas.microsoft.com/office/powerpoint/2010/main" val="1635478203"/>
+      </p:ext>
+    </p:extLst>
+  </p:cSld>
+  <p:clrMapOvr>
+    <a:masterClrMapping/>
+  </p:clrMapOvr>
+</p:sld>
+</file>
+
+<file path=ppt/slides/slide7.xml><?xml version="1.0" encoding="utf-8"?>
+<p:sld xmlns:a="http://schemas.openxmlformats.org/drawingml/2006/main" xmlns:r="http://schemas.openxmlformats.org/officeDocument/2006/relationships" xmlns:p="http://schemas.openxmlformats.org/presentationml/2006/main">
+  <p:cSld>
+    <p:spTree>
+      <p:nvGrpSpPr>
+        <p:cNvPr id="1" name=""/>
+        <p:cNvGrpSpPr/>
+        <p:nvPr/>
+      </p:nvGrpSpPr>
+      <p:grpSpPr>
+        <a:xfrm>
+          <a:off x="0" y="0"/>
+          <a:ext cx="0" cy="0"/>
+          <a:chOff x="0" y="0"/>
+          <a:chExt cx="0" cy="0"/>
+        </a:xfrm>
+      </p:grpSpPr>
+      <p:sp>
+        <p:nvSpPr>
+          <p:cNvPr id="2" name="Title 1"/>
+          <p:cNvSpPr>
+            <a:spLocks noGrp="1"/>
+          </p:cNvSpPr>
+          <p:nvPr>
+            <p:ph type="title"/>
+          </p:nvPr>
+        </p:nvSpPr>
+        <p:spPr/>
+        <p:txBody>
+          <a:bodyPr>
+            <a:normAutofit fontScale="90000"/>
+          </a:bodyPr>
+          <a:lstStyle/>
+          <a:p>
+            <a:r>
+              <a:rPr lang="sr-Latn-RS" b="1" dirty="0"/>
+              <a:t>SPECIFIKACIJA</a:t>
+            </a:r>
+            <a:br>
+              <a:rPr lang="sr-Latn-RS" b="1" dirty="0"/>
+            </a:br>
+            <a:r>
+              <a:rPr lang="sr-Latn-RS" sz="3100" i="1" dirty="0" smtClean="0"/>
+              <a:t>Opis korišćenih tehnologija</a:t>
+            </a:r>
+            <a:endParaRPr lang="en-US" dirty="0"/>
+          </a:p>
+        </p:txBody>
+      </p:sp>
+      <p:sp>
+        <p:nvSpPr>
+          <p:cNvPr id="3" name="Content Placeholder 2"/>
+          <p:cNvSpPr>
+            <a:spLocks noGrp="1"/>
+          </p:cNvSpPr>
+          <p:nvPr>
+            <p:ph idx="1"/>
+          </p:nvPr>
+        </p:nvSpPr>
+        <p:spPr/>
+        <p:txBody>
+          <a:bodyPr/>
+          <a:lstStyle/>
+          <a:p>
+            <a:r>
+              <a:rPr lang="sr-Latn-RS" dirty="0" smtClean="0"/>
+              <a:t>PyAutoGui – python modul za upravljanje mišem i tastaturom. Svrha je obezbeđivanje multiplatformskog modula za automatizaciju GUI. Dizajniran je sa ciljem da bude što jednostavniji</a:t>
+            </a:r>
+          </a:p>
+          <a:p>
+            <a:pPr lvl="1"/>
+            <a:r>
+              <a:rPr lang="sr-Latn-RS" dirty="0">
+                <a:hlinkClick r:id="rId2"/>
+              </a:rPr>
+              <a:t>https://pyautogui.readthedocs.org/en/latest</a:t>
+            </a:r>
+            <a:r>
+              <a:rPr lang="sr-Latn-RS" dirty="0" smtClean="0">
+                <a:hlinkClick r:id="rId2"/>
+              </a:rPr>
+              <a:t>/</a:t>
+            </a:r>
+            <a:endParaRPr lang="sr-Latn-RS" dirty="0" smtClean="0"/>
+          </a:p>
+          <a:p>
+            <a:pPr marL="0" indent="0">
+              <a:buNone/>
+            </a:pPr>
+            <a:endParaRPr lang="sr-Latn-RS" dirty="0" smtClean="0"/>
+          </a:p>
+        </p:txBody>
+      </p:sp>
+    </p:spTree>
+    <p:extLst>
+      <p:ext uri="{BB962C8B-B14F-4D97-AF65-F5344CB8AC3E}">
+        <p14:creationId xmlns:p14="http://schemas.microsoft.com/office/powerpoint/2010/main" val="1486190169"/>
+      </p:ext>
+    </p:extLst>
+  </p:cSld>
+  <p:clrMapOvr>
+    <a:masterClrMapping/>
+  </p:clrMapOvr>
+</p:sld>
+</file>
+
 <file path=ppt/slides/slide8.xml><?xml version="1.0" encoding="utf-8"?>
 <p:sld xmlns:a="http://schemas.openxmlformats.org/drawingml/2006/main" xmlns:r="http://schemas.openxmlformats.org/officeDocument/2006/relationships" xmlns:p="http://schemas.openxmlformats.org/presentationml/2006/main">
   <p:cSld>
@@ -6382,7 +7044,7 @@
       </p:grpSpPr>
       <p:sp>
         <p:nvSpPr>
-          <p:cNvPr id="5" name="Title 4"/>
+          <p:cNvPr id="4" name="Title 3"/>
           <p:cNvSpPr>
             <a:spLocks noGrp="1"/>
           </p:cNvSpPr>
@@ -6398,34 +7060,34 @@
           <a:lstStyle/>
           <a:p>
             <a:r>
-              <a:rPr lang="en-US" b="1" dirty="0"/>
+              <a:rPr lang="en-US" b="1" dirty="0" smtClean="0"/>
               <a:t>SPECIFIKACIJA</a:t>
             </a:r>
             <a:r>
-              <a:rPr lang="en-US" dirty="0"/>
+              <a:rPr lang="en-US" dirty="0" smtClean="0"/>
               <a:t/>
             </a:r>
             <a:br>
-              <a:rPr lang="en-US" dirty="0"/>
+              <a:rPr lang="en-US" dirty="0" smtClean="0"/>
             </a:br>
             <a:r>
-              <a:rPr lang="en-US" sz="3100" i="1" dirty="0" err="1"/>
+              <a:rPr lang="en-US" sz="3100" i="1" dirty="0" err="1" smtClean="0"/>
               <a:t>Kako</a:t>
             </a:r>
             <a:r>
-              <a:rPr lang="sr-Latn-RS" sz="3100" i="1" dirty="0"/>
+              <a:rPr lang="sr-Latn-RS" sz="3100" i="1" dirty="0" smtClean="0"/>
               <a:t> program</a:t>
             </a:r>
             <a:r>
-              <a:rPr lang="en-US" sz="3100" i="1" dirty="0"/>
+              <a:rPr lang="en-US" sz="3100" i="1" dirty="0" smtClean="0"/>
               <a:t> </a:t>
             </a:r>
             <a:r>
-              <a:rPr lang="en-US" sz="3100" i="1" dirty="0" err="1"/>
+              <a:rPr lang="en-US" sz="3100" i="1" dirty="0" err="1" smtClean="0"/>
               <a:t>funkcioni</a:t>
             </a:r>
             <a:r>
-              <a:rPr lang="sr-Latn-RS" sz="3100" i="1" dirty="0"/>
+              <a:rPr lang="sr-Latn-RS" sz="3100" i="1" dirty="0" smtClean="0"/>
               <a:t>še?</a:t>
             </a:r>
             <a:endParaRPr lang="en-US" sz="3100" i="1" dirty="0"/>
@@ -6434,7 +7096,7 @@
       </p:sp>
       <p:sp>
         <p:nvSpPr>
-          <p:cNvPr id="6" name="Content Placeholder 5"/>
+          <p:cNvPr id="5" name="Content Placeholder 4"/>
           <p:cNvSpPr>
             <a:spLocks noGrp="1"/>
           </p:cNvSpPr>
@@ -6442,121 +7104,643 @@
             <p:ph idx="1"/>
           </p:nvPr>
         </p:nvSpPr>
-        <p:spPr/>
+        <p:spPr>
+          <a:xfrm>
+            <a:off x="457200" y="1600200"/>
+            <a:ext cx="8229600" cy="4997152"/>
+          </a:xfrm>
+        </p:spPr>
         <p:txBody>
           <a:bodyPr>
-            <a:noAutofit/>
+            <a:normAutofit fontScale="92500" lnSpcReduction="10000"/>
           </a:bodyPr>
           <a:lstStyle/>
           <a:p>
-            <a:pPr marL="457200" indent="-457200">
+            <a:pPr marL="514350" indent="-514350">
+              <a:spcBef>
+                <a:spcPts val="0"/>
+              </a:spcBef>
               <a:buFont typeface="+mj-lt"/>
-              <a:buAutoNum type="arabicPeriod" startAt="5"/>
+              <a:buAutoNum type="arabicPeriod"/>
             </a:pPr>
             <a:r>
-              <a:rPr lang="sr-Latn-RS" sz="2400" dirty="0" smtClean="0"/>
-              <a:t>Ako šaka vrši neki gest (skupljena šaka/neki od prstiju šake...), vrši se programski pritisak levog (skupljen</a:t>
-            </a:r>
-            <a:r>
-              <a:rPr lang="en-US" sz="2400" dirty="0" smtClean="0"/>
-              <a:t>a </a:t>
-            </a:r>
-            <a:r>
-              <a:rPr lang="en-US" sz="2400" dirty="0" err="1" smtClean="0"/>
-              <a:t>cela</a:t>
-            </a:r>
-            <a:r>
-              <a:rPr lang="en-US" sz="2400" dirty="0" smtClean="0"/>
-              <a:t> </a:t>
-            </a:r>
-            <a:r>
-              <a:rPr lang="sr-Latn-RS" sz="2400" dirty="0" smtClean="0"/>
-              <a:t>šaka) ili desnog (palac nije skupljen) tastera miša</a:t>
-            </a:r>
-          </a:p>
-          <a:p>
+              <a:rPr lang="sr-Latn-RS" sz="2800" dirty="0" smtClean="0"/>
+              <a:t>Obučimo neuronsku </a:t>
+            </a:r>
+            <a:r>
+              <a:rPr lang="sr-Latn-RS" sz="2800" dirty="0" smtClean="0"/>
+              <a:t>mrežu</a:t>
+            </a:r>
+            <a:endParaRPr lang="en-US" sz="2800" dirty="0" smtClean="0"/>
+          </a:p>
+          <a:p>
+            <a:pPr>
+              <a:spcBef>
+                <a:spcPts val="0"/>
+              </a:spcBef>
+            </a:pPr>
+            <a:r>
+              <a:rPr lang="en-US" sz="2000" dirty="0" err="1" smtClean="0"/>
+              <a:t>Obu</a:t>
+            </a:r>
             <a:r>
               <a:rPr lang="sr-Latn-RS" sz="2000" dirty="0" smtClean="0"/>
-              <a:t>Proveravamo rezultat koji je vratila neuronska mreža</a:t>
-            </a:r>
-          </a:p>
-          <a:p>
-            <a:pPr lvl="1"/>
-            <a:r>
-              <a:rPr lang="en-US" sz="1600" b="1" i="1" dirty="0"/>
-              <a:t>if </a:t>
-            </a:r>
-            <a:r>
-              <a:rPr lang="en-US" sz="1600" i="1" dirty="0" err="1"/>
-              <a:t>result.startswith</a:t>
-            </a:r>
-            <a:r>
-              <a:rPr lang="en-US" sz="1600" i="1" dirty="0" smtClean="0"/>
-              <a:t>(</a:t>
-            </a:r>
-            <a:r>
-              <a:rPr lang="sr-Latn-RS" sz="1600" i="1" dirty="0" smtClean="0"/>
-              <a:t>):</a:t>
-            </a:r>
-            <a:endParaRPr lang="en-US" sz="1600" i="1" dirty="0"/>
-          </a:p>
-          <a:p>
-            <a:r>
-              <a:rPr lang="en-US" sz="2000" dirty="0" smtClean="0"/>
-              <a:t>U </a:t>
-            </a:r>
+              <a:t>čavajući podaci su u slici PNG formata</a:t>
+            </a:r>
+            <a:endParaRPr lang="en-US" sz="2000" dirty="0" smtClean="0"/>
+          </a:p>
+          <a:p>
+            <a:pPr>
+              <a:spcBef>
+                <a:spcPts val="0"/>
+              </a:spcBef>
+            </a:pPr>
             <a:r>
               <a:rPr lang="en-US" sz="2000" dirty="0" err="1" smtClean="0"/>
-              <a:t>zavisnosti</a:t>
+              <a:t>Pripremimo</a:t>
             </a:r>
             <a:r>
               <a:rPr lang="en-US" sz="2000" dirty="0" smtClean="0"/>
               <a:t> </a:t>
             </a:r>
             <a:r>
+              <a:rPr lang="en-US" sz="2000" dirty="0" err="1" smtClean="0"/>
+              <a:t>podatke</a:t>
+            </a:r>
+            <a:r>
+              <a:rPr lang="en-US" sz="2000" dirty="0" smtClean="0"/>
+              <a:t> za </a:t>
+            </a:r>
+            <a:r>
+              <a:rPr lang="en-US" sz="2000" dirty="0" err="1" smtClean="0"/>
+              <a:t>obuku</a:t>
+            </a:r>
+            <a:endParaRPr lang="en-US" sz="2000" dirty="0" smtClean="0"/>
+          </a:p>
+          <a:p>
+            <a:pPr lvl="1">
+              <a:spcBef>
+                <a:spcPts val="0"/>
+              </a:spcBef>
+            </a:pPr>
+            <a:r>
+              <a:rPr lang="en-US" sz="1500" dirty="0" err="1">
+                <a:latin typeface="Consolas" pitchFamily="49" charset="0"/>
+              </a:rPr>
+              <a:t>hand_state</a:t>
+            </a:r>
+            <a:r>
+              <a:rPr lang="en-US" sz="1500" dirty="0">
+                <a:latin typeface="Consolas" pitchFamily="49" charset="0"/>
+              </a:rPr>
+              <a:t> = </a:t>
+            </a:r>
+            <a:r>
+              <a:rPr lang="en-US" sz="1500" dirty="0" err="1">
+                <a:latin typeface="Consolas" pitchFamily="49" charset="0"/>
+              </a:rPr>
+              <a:t>prepare_training_data</a:t>
+            </a:r>
+            <a:r>
+              <a:rPr lang="en-US" sz="1500" dirty="0">
+                <a:latin typeface="Consolas" pitchFamily="49" charset="0"/>
+              </a:rPr>
+              <a:t>(…)</a:t>
+            </a:r>
+            <a:endParaRPr lang="sr-Latn-RS" sz="1500" dirty="0" smtClean="0">
+              <a:latin typeface="Consolas" pitchFamily="49" charset="0"/>
+            </a:endParaRPr>
+          </a:p>
+          <a:p>
+            <a:pPr>
+              <a:spcBef>
+                <a:spcPts val="0"/>
+              </a:spcBef>
+            </a:pPr>
+            <a:r>
               <a:rPr lang="sr-Latn-RS" sz="2000" dirty="0" smtClean="0"/>
-              <a:t>od rezultata, vršimo određenu akciju</a:t>
-            </a:r>
-          </a:p>
-          <a:p>
-            <a:pPr lvl="1"/>
-            <a:r>
-              <a:rPr lang="en-US" sz="1600" dirty="0" smtClean="0"/>
-              <a:t>win32api.mouse_event()</a:t>
-            </a:r>
-            <a:endParaRPr lang="sr-Latn-RS" sz="1600" dirty="0" smtClean="0"/>
-          </a:p>
-          <a:p>
+              <a:t>Učitamo sliku koja predstavlja obučavajući skup</a:t>
+            </a:r>
+          </a:p>
+          <a:p>
+            <a:pPr lvl="1">
+              <a:spcBef>
+                <a:spcPts val="0"/>
+              </a:spcBef>
+            </a:pPr>
+            <a:r>
+              <a:rPr lang="en-US" sz="1500" dirty="0" err="1" smtClean="0">
+                <a:latin typeface="Consolas" pitchFamily="49" charset="0"/>
+              </a:rPr>
+              <a:t>img_train</a:t>
+            </a:r>
+            <a:r>
+              <a:rPr lang="en-US" sz="1500" dirty="0" smtClean="0">
+                <a:latin typeface="Consolas" pitchFamily="49" charset="0"/>
+              </a:rPr>
+              <a:t> </a:t>
+            </a:r>
+            <a:r>
+              <a:rPr lang="en-US" sz="1500" dirty="0">
+                <a:latin typeface="Consolas" pitchFamily="49" charset="0"/>
+              </a:rPr>
+              <a:t>= cv2.imread(</a:t>
+            </a:r>
+            <a:r>
+              <a:rPr lang="en-US" sz="1500" dirty="0">
+                <a:latin typeface="Consolas" pitchFamily="49" charset="0"/>
+              </a:rPr>
+              <a:t>'</a:t>
+            </a:r>
+            <a:r>
+              <a:rPr lang="en-US" sz="1500" dirty="0" err="1">
+                <a:latin typeface="Consolas" pitchFamily="49" charset="0"/>
+              </a:rPr>
+              <a:t>ann_training</a:t>
+            </a:r>
+            <a:r>
+              <a:rPr lang="en-US" sz="1500" dirty="0">
+                <a:latin typeface="Consolas" pitchFamily="49" charset="0"/>
+              </a:rPr>
+              <a:t>/image/fist_state.png</a:t>
+            </a:r>
+            <a:r>
+              <a:rPr lang="en-US" sz="1500" dirty="0" smtClean="0">
+                <a:latin typeface="Consolas" pitchFamily="49" charset="0"/>
+              </a:rPr>
+              <a:t>')</a:t>
+            </a:r>
+            <a:endParaRPr lang="sr-Latn-RS" sz="1500" dirty="0" smtClean="0">
+              <a:latin typeface="Consolas" pitchFamily="49" charset="0"/>
+            </a:endParaRPr>
+          </a:p>
+          <a:p>
+            <a:pPr>
+              <a:spcBef>
+                <a:spcPts val="0"/>
+              </a:spcBef>
+            </a:pPr>
             <a:r>
               <a:rPr lang="sr-Latn-RS" sz="2000" dirty="0" smtClean="0"/>
-              <a:t>Ako se šaka pomera, čak i dok vrši gest, kursor će se takođe pomerati</a:t>
-            </a:r>
-          </a:p>
-          <a:p>
+              <a:t>Konvertujemo je u grayscale, pa u binarni oblik</a:t>
+            </a:r>
+            <a:endParaRPr lang="en-US" sz="2000" dirty="0" smtClean="0"/>
+          </a:p>
+          <a:p>
+            <a:pPr lvl="1">
+              <a:spcBef>
+                <a:spcPts val="0"/>
+              </a:spcBef>
+            </a:pPr>
+            <a:r>
+              <a:rPr lang="en-US" sz="1500" dirty="0" err="1" smtClean="0">
+                <a:latin typeface="Consolas" pitchFamily="49" charset="0"/>
+              </a:rPr>
+              <a:t>img_train_bin</a:t>
+            </a:r>
+            <a:r>
+              <a:rPr lang="en-US" sz="1500" dirty="0" smtClean="0">
+                <a:latin typeface="Consolas" pitchFamily="49" charset="0"/>
+              </a:rPr>
+              <a:t> </a:t>
+            </a:r>
+            <a:r>
+              <a:rPr lang="en-US" sz="1500" dirty="0">
+                <a:latin typeface="Consolas" pitchFamily="49" charset="0"/>
+              </a:rPr>
+              <a:t>= </a:t>
+            </a:r>
+            <a:r>
+              <a:rPr lang="en-US" sz="1500" dirty="0" err="1" smtClean="0">
+                <a:latin typeface="Consolas" pitchFamily="49" charset="0"/>
+              </a:rPr>
+              <a:t>get_image_bin</a:t>
+            </a:r>
+            <a:r>
+              <a:rPr lang="en-US" sz="1500" dirty="0" smtClean="0">
+                <a:latin typeface="Consolas" pitchFamily="49" charset="0"/>
+              </a:rPr>
+              <a:t>(</a:t>
+            </a:r>
+            <a:r>
+              <a:rPr lang="en-US" sz="1500" dirty="0" err="1" smtClean="0">
+                <a:latin typeface="Consolas" pitchFamily="49" charset="0"/>
+              </a:rPr>
+              <a:t>get_image_gray</a:t>
+            </a:r>
+            <a:r>
+              <a:rPr lang="en-US" sz="1500" dirty="0" smtClean="0">
+                <a:latin typeface="Consolas" pitchFamily="49" charset="0"/>
+              </a:rPr>
+              <a:t>(</a:t>
+            </a:r>
+            <a:r>
+              <a:rPr lang="en-US" sz="1500" dirty="0" err="1" smtClean="0">
+                <a:latin typeface="Consolas" pitchFamily="49" charset="0"/>
+              </a:rPr>
+              <a:t>img_train</a:t>
+            </a:r>
+            <a:r>
+              <a:rPr lang="en-US" sz="1500" dirty="0">
+                <a:latin typeface="Consolas" pitchFamily="49" charset="0"/>
+              </a:rPr>
+              <a:t>))</a:t>
+            </a:r>
+            <a:endParaRPr lang="sr-Latn-RS" sz="1500" dirty="0" smtClean="0">
+              <a:latin typeface="Consolas" pitchFamily="49" charset="0"/>
+            </a:endParaRPr>
+          </a:p>
+          <a:p>
+            <a:pPr>
+              <a:spcBef>
+                <a:spcPts val="0"/>
+              </a:spcBef>
+            </a:pPr>
             <a:r>
               <a:rPr lang="sr-Latn-RS" sz="2000" dirty="0" smtClean="0"/>
-              <a:t>Ako se šaka vrati u prvobitno stanje (ne vrši gest), akcija se „poništava“</a:t>
-            </a:r>
-          </a:p>
-          <a:p>
-            <a:pPr lvl="1"/>
+              <a:t>Odredimo regione od interesa na binarnoj slici</a:t>
+            </a:r>
+            <a:endParaRPr lang="en-US" sz="2000" dirty="0" smtClean="0"/>
+          </a:p>
+          <a:p>
+            <a:pPr lvl="1">
+              <a:spcBef>
+                <a:spcPts val="0"/>
+              </a:spcBef>
+            </a:pPr>
+            <a:r>
+              <a:rPr lang="en-US" sz="1500" dirty="0" smtClean="0">
+                <a:latin typeface="Consolas" pitchFamily="49" charset="0"/>
+              </a:rPr>
+              <a:t>_,</a:t>
+            </a:r>
+            <a:r>
+              <a:rPr lang="en-US" sz="1500" dirty="0" err="1" smtClean="0">
+                <a:latin typeface="Consolas" pitchFamily="49" charset="0"/>
+              </a:rPr>
+              <a:t>shapes,rectangles</a:t>
+            </a:r>
+            <a:r>
+              <a:rPr lang="en-US" sz="1500" dirty="0" smtClean="0">
+                <a:latin typeface="Consolas" pitchFamily="49" charset="0"/>
+              </a:rPr>
+              <a:t>,_ = </a:t>
+            </a:r>
+            <a:r>
+              <a:rPr lang="en-US" sz="1500" dirty="0" err="1" smtClean="0">
+                <a:latin typeface="Consolas" pitchFamily="49" charset="0"/>
+              </a:rPr>
+              <a:t>select_roi</a:t>
+            </a:r>
+            <a:r>
+              <a:rPr lang="en-US" sz="1500" dirty="0" smtClean="0">
+                <a:latin typeface="Consolas" pitchFamily="49" charset="0"/>
+              </a:rPr>
+              <a:t>(</a:t>
+            </a:r>
+            <a:r>
+              <a:rPr lang="en-US" sz="1500" dirty="0" err="1" smtClean="0">
+                <a:latin typeface="Consolas" pitchFamily="49" charset="0"/>
+              </a:rPr>
+              <a:t>img_train.copy</a:t>
+            </a:r>
+            <a:r>
+              <a:rPr lang="en-US" sz="1500" dirty="0">
+                <a:latin typeface="Consolas" pitchFamily="49" charset="0"/>
+              </a:rPr>
+              <a:t>(), </a:t>
+            </a:r>
+            <a:r>
+              <a:rPr lang="en-US" sz="1500" dirty="0" err="1">
+                <a:latin typeface="Consolas" pitchFamily="49" charset="0"/>
+              </a:rPr>
+              <a:t>img_train_bin</a:t>
+            </a:r>
+            <a:r>
+              <a:rPr lang="en-US" sz="1500" dirty="0">
+                <a:latin typeface="Consolas" pitchFamily="49" charset="0"/>
+              </a:rPr>
+              <a:t>)</a:t>
+            </a:r>
+            <a:endParaRPr lang="sr-Latn-RS" sz="1500" dirty="0" smtClean="0">
+              <a:latin typeface="Consolas" pitchFamily="49" charset="0"/>
+            </a:endParaRPr>
+          </a:p>
+          <a:p>
+            <a:pPr>
+              <a:spcBef>
+                <a:spcPts val="0"/>
+              </a:spcBef>
+            </a:pPr>
+            <a:r>
+              <a:rPr lang="sr-Latn-RS" sz="2000" dirty="0" smtClean="0"/>
+              <a:t>Regione „formatiramo“ tako da ih veštačka neuronska mreža može očitati</a:t>
+            </a:r>
+            <a:endParaRPr lang="en-US" sz="2000" dirty="0" smtClean="0"/>
+          </a:p>
+          <a:p>
+            <a:pPr lvl="1">
+              <a:spcBef>
+                <a:spcPts val="0"/>
+              </a:spcBef>
+            </a:pPr>
+            <a:r>
+              <a:rPr lang="en-US" sz="1500" dirty="0">
+                <a:latin typeface="Consolas" pitchFamily="49" charset="0"/>
+              </a:rPr>
+              <a:t>inputs = </a:t>
+            </a:r>
+            <a:r>
+              <a:rPr lang="en-US" sz="1500" dirty="0" err="1" smtClean="0">
+                <a:latin typeface="Consolas" pitchFamily="49" charset="0"/>
+              </a:rPr>
+              <a:t>prepare_for_ann</a:t>
+            </a:r>
+            <a:r>
+              <a:rPr lang="en-US" sz="1500" dirty="0" smtClean="0">
+                <a:latin typeface="Consolas" pitchFamily="49" charset="0"/>
+              </a:rPr>
+              <a:t>(shapes</a:t>
+            </a:r>
+            <a:r>
+              <a:rPr lang="en-US" sz="1500" dirty="0">
+                <a:latin typeface="Consolas" pitchFamily="49" charset="0"/>
+              </a:rPr>
+              <a:t>)</a:t>
+            </a:r>
+            <a:endParaRPr lang="sr-Latn-RS" sz="1500" dirty="0" smtClean="0">
+              <a:latin typeface="Consolas" pitchFamily="49" charset="0"/>
+            </a:endParaRPr>
+          </a:p>
+          <a:p>
+            <a:pPr>
+              <a:spcBef>
+                <a:spcPts val="0"/>
+              </a:spcBef>
+            </a:pPr>
+            <a:r>
+              <a:rPr lang="en-US" sz="2000" dirty="0" err="1" smtClean="0"/>
+              <a:t>Skup</a:t>
+            </a:r>
+            <a:r>
+              <a:rPr lang="en-US" sz="2000" dirty="0" smtClean="0"/>
+              <a:t> </a:t>
+            </a:r>
+            <a:r>
+              <a:rPr lang="sr-Latn-RS" sz="2000" dirty="0" smtClean="0"/>
+              <a:t>izlaznih vrednosti</a:t>
+            </a:r>
+            <a:r>
+              <a:rPr lang="en-US" sz="2000" dirty="0" smtClean="0"/>
+              <a:t> </a:t>
+            </a:r>
+            <a:r>
+              <a:rPr lang="en-US" sz="2000" dirty="0" err="1" smtClean="0"/>
+              <a:t>prevedemo</a:t>
+            </a:r>
+            <a:r>
+              <a:rPr lang="en-US" sz="2000" dirty="0" smtClean="0"/>
+              <a:t> u </a:t>
+            </a:r>
+            <a:r>
+              <a:rPr lang="en-US" sz="2000" dirty="0" err="1" smtClean="0"/>
+              <a:t>oblik</a:t>
+            </a:r>
+            <a:r>
+              <a:rPr lang="en-US" sz="2000" dirty="0" smtClean="0"/>
+              <a:t> </a:t>
+            </a:r>
+            <a:r>
+              <a:rPr lang="en-US" sz="2000" dirty="0" err="1" smtClean="0"/>
+              <a:t>pogodan</a:t>
+            </a:r>
+            <a:r>
+              <a:rPr lang="en-US" sz="2000" dirty="0" smtClean="0"/>
+              <a:t> za </a:t>
+            </a:r>
+            <a:r>
+              <a:rPr lang="sr-Latn-RS" sz="2000" dirty="0" smtClean="0"/>
+              <a:t>V</a:t>
+            </a:r>
+            <a:r>
+              <a:rPr lang="en-US" sz="2000" dirty="0" smtClean="0"/>
+              <a:t>NM</a:t>
+            </a:r>
+            <a:endParaRPr lang="en-US" sz="1400" dirty="0" smtClean="0">
+              <a:latin typeface="Consolas" pitchFamily="49" charset="0"/>
+            </a:endParaRPr>
+          </a:p>
+          <a:p>
+            <a:pPr lvl="1">
+              <a:spcBef>
+                <a:spcPts val="0"/>
+              </a:spcBef>
+            </a:pPr>
+            <a:r>
+              <a:rPr lang="en-US" sz="1500" dirty="0">
+                <a:latin typeface="Consolas" pitchFamily="49" charset="0"/>
+              </a:rPr>
+              <a:t>outputs = </a:t>
+            </a:r>
+            <a:r>
+              <a:rPr lang="en-US" sz="1500" dirty="0" err="1" smtClean="0">
+                <a:latin typeface="Consolas" pitchFamily="49" charset="0"/>
+              </a:rPr>
+              <a:t>convert_output</a:t>
+            </a:r>
+            <a:r>
+              <a:rPr lang="en-US" sz="1500" dirty="0" smtClean="0">
+                <a:latin typeface="Consolas" pitchFamily="49" charset="0"/>
+              </a:rPr>
+              <a:t>(</a:t>
+            </a:r>
+            <a:r>
+              <a:rPr lang="en-US" sz="1500" dirty="0" err="1" smtClean="0">
+                <a:latin typeface="Consolas" pitchFamily="49" charset="0"/>
+              </a:rPr>
+              <a:t>hand_state</a:t>
+            </a:r>
+            <a:r>
+              <a:rPr lang="en-US" sz="1500" dirty="0">
+                <a:latin typeface="Consolas" pitchFamily="49" charset="0"/>
+              </a:rPr>
+              <a:t>)</a:t>
+            </a:r>
+            <a:endParaRPr lang="en-US" sz="1500" dirty="0" smtClean="0">
+              <a:latin typeface="Consolas" pitchFamily="49" charset="0"/>
+            </a:endParaRPr>
+          </a:p>
+          <a:p>
+            <a:pPr>
+              <a:spcBef>
+                <a:spcPts val="0"/>
+              </a:spcBef>
+            </a:pPr>
+            <a:r>
+              <a:rPr lang="en-US" sz="2000" dirty="0" err="1" smtClean="0"/>
+              <a:t>Napravimo</a:t>
+            </a:r>
+            <a:r>
+              <a:rPr lang="en-US" sz="2000" dirty="0" smtClean="0"/>
+              <a:t> i </a:t>
+            </a:r>
+            <a:r>
+              <a:rPr lang="en-US" sz="2000" dirty="0" err="1" smtClean="0"/>
+              <a:t>treniramo</a:t>
+            </a:r>
+            <a:r>
+              <a:rPr lang="en-US" sz="2000" dirty="0" smtClean="0"/>
+              <a:t> </a:t>
+            </a:r>
+            <a:r>
+              <a:rPr lang="en-US" sz="2000" dirty="0" err="1" smtClean="0"/>
+              <a:t>ve</a:t>
+            </a:r>
+            <a:r>
+              <a:rPr lang="sr-Latn-RS" sz="2000" dirty="0" smtClean="0"/>
+              <a:t>štačku NM</a:t>
+            </a:r>
+            <a:endParaRPr lang="en-US" sz="2000" dirty="0" smtClean="0"/>
+          </a:p>
+          <a:p>
+            <a:pPr lvl="1">
+              <a:spcBef>
+                <a:spcPts val="0"/>
+              </a:spcBef>
+            </a:pPr>
+            <a:r>
+              <a:rPr lang="en-US" sz="1500" dirty="0" err="1">
+                <a:latin typeface="Consolas" pitchFamily="49" charset="0"/>
+              </a:rPr>
+              <a:t>ann</a:t>
+            </a:r>
+            <a:r>
+              <a:rPr lang="en-US" sz="1500" dirty="0">
+                <a:latin typeface="Consolas" pitchFamily="49" charset="0"/>
+              </a:rPr>
+              <a:t> = </a:t>
+            </a:r>
+            <a:r>
+              <a:rPr lang="en-US" sz="1500" dirty="0" err="1" smtClean="0">
+                <a:latin typeface="Consolas" pitchFamily="49" charset="0"/>
+              </a:rPr>
+              <a:t>create_ann</a:t>
+            </a:r>
+            <a:r>
+              <a:rPr lang="en-US" sz="1500" dirty="0" smtClean="0">
+                <a:latin typeface="Consolas" pitchFamily="49" charset="0"/>
+              </a:rPr>
+              <a:t>()</a:t>
+            </a:r>
+          </a:p>
+          <a:p>
+            <a:pPr lvl="1">
+              <a:spcBef>
+                <a:spcPts val="0"/>
+              </a:spcBef>
+            </a:pPr>
+            <a:r>
+              <a:rPr lang="en-US" sz="1500" dirty="0" err="1">
+                <a:latin typeface="Consolas" pitchFamily="49" charset="0"/>
+              </a:rPr>
+              <a:t>ann</a:t>
+            </a:r>
+            <a:r>
+              <a:rPr lang="en-US" sz="1500" dirty="0">
+                <a:latin typeface="Consolas" pitchFamily="49" charset="0"/>
+              </a:rPr>
+              <a:t> = </a:t>
+            </a:r>
+            <a:r>
+              <a:rPr lang="en-US" sz="1500" dirty="0" err="1" smtClean="0">
+                <a:latin typeface="Consolas" pitchFamily="49" charset="0"/>
+              </a:rPr>
+              <a:t>train_ann</a:t>
+            </a:r>
+            <a:r>
+              <a:rPr lang="en-US" sz="1500" dirty="0" smtClean="0">
+                <a:latin typeface="Consolas" pitchFamily="49" charset="0"/>
+              </a:rPr>
+              <a:t>(</a:t>
+            </a:r>
+            <a:r>
+              <a:rPr lang="en-US" sz="1500" dirty="0" err="1" smtClean="0">
+                <a:latin typeface="Consolas" pitchFamily="49" charset="0"/>
+              </a:rPr>
+              <a:t>ann</a:t>
+            </a:r>
+            <a:r>
+              <a:rPr lang="en-US" sz="1500" dirty="0">
+                <a:latin typeface="Consolas" pitchFamily="49" charset="0"/>
+              </a:rPr>
+              <a:t>, inputs, </a:t>
+            </a:r>
+            <a:r>
+              <a:rPr lang="en-US" sz="1500" dirty="0" smtClean="0">
+                <a:latin typeface="Consolas" pitchFamily="49" charset="0"/>
+              </a:rPr>
+              <a:t>outputs)</a:t>
+            </a:r>
+          </a:p>
+          <a:p>
+            <a:pPr marL="285750" lvl="1">
+              <a:spcBef>
+                <a:spcPts val="0"/>
+              </a:spcBef>
+              <a:buFont typeface="Arial" pitchFamily="34" charset="0"/>
+              <a:buChar char="•"/>
+            </a:pPr>
+            <a:r>
+              <a:rPr lang="en-US" sz="2000" dirty="0" smtClean="0"/>
+              <a:t>VNM </a:t>
+            </a:r>
+            <a:r>
+              <a:rPr lang="en-US" sz="2000" dirty="0" err="1" smtClean="0"/>
+              <a:t>koristi</a:t>
+            </a:r>
+            <a:r>
+              <a:rPr lang="en-US" sz="2000" dirty="0" smtClean="0"/>
+              <a:t> callback </a:t>
+            </a:r>
+            <a:r>
+              <a:rPr lang="en-US" sz="2000" dirty="0" err="1" smtClean="0"/>
+              <a:t>funkciju</a:t>
+            </a:r>
+            <a:endParaRPr lang="en-US" sz="2000" dirty="0"/>
+          </a:p>
+          <a:p>
+            <a:pPr marL="742950" lvl="2" indent="-285750">
+              <a:spcBef>
+                <a:spcPts val="0"/>
+              </a:spcBef>
+              <a:buFont typeface="Consolas" pitchFamily="49" charset="0"/>
+              <a:buChar char="–"/>
+            </a:pPr>
             <a:r>
               <a:rPr lang="sr-Latn-RS" sz="1600" dirty="0" smtClean="0"/>
-              <a:t>Npr. taster miša se otpusti</a:t>
-            </a:r>
-          </a:p>
-          <a:p>
-            <a:r>
-              <a:rPr lang="sr-Latn-RS" sz="2000" dirty="0" smtClean="0"/>
-              <a:t>asd</a:t>
-            </a:r>
+              <a:t>ako nema sačuvane podatke o obuci, obučava se i čuva ih</a:t>
+            </a:r>
+          </a:p>
+          <a:p>
+            <a:pPr marL="742950" lvl="2" indent="-285750">
+              <a:spcBef>
+                <a:spcPts val="0"/>
+              </a:spcBef>
+              <a:buFont typeface="Consolas" pitchFamily="49" charset="0"/>
+              <a:buChar char="–"/>
+            </a:pPr>
+            <a:r>
+              <a:rPr lang="sr-Latn-RS" sz="1600" dirty="0" smtClean="0"/>
+              <a:t>u suprotnom učitava već sačuvane podatke</a:t>
+            </a:r>
+            <a:endParaRPr lang="en-US" sz="1600" dirty="0" smtClean="0"/>
           </a:p>
         </p:txBody>
       </p:sp>
     </p:spTree>
     <p:extLst>
       <p:ext uri="{BB962C8B-B14F-4D97-AF65-F5344CB8AC3E}">
-        <p14:creationId xmlns:p14="http://schemas.microsoft.com/office/powerpoint/2010/main" val="3741210957"/>
+        <p14:creationId xmlns:p14="http://schemas.microsoft.com/office/powerpoint/2010/main" val="1298072804"/>
       </p:ext>
     </p:extLst>
   </p:cSld>
@@ -6592,7 +7776,7 @@
       </p:grpSpPr>
       <p:sp>
         <p:nvSpPr>
-          <p:cNvPr id="5" name="Title 4"/>
+          <p:cNvPr id="4" name="Title 3"/>
           <p:cNvSpPr>
             <a:spLocks noGrp="1"/>
           </p:cNvSpPr>
@@ -6608,31 +7792,43 @@
           <a:lstStyle/>
           <a:p>
             <a:r>
-              <a:rPr lang="en-US" b="1" dirty="0"/>
+              <a:rPr lang="en-US" b="1" dirty="0" smtClean="0"/>
               <a:t>SPECIFIKACIJA</a:t>
             </a:r>
             <a:r>
-              <a:rPr lang="en-US" dirty="0"/>
+              <a:rPr lang="en-US" dirty="0" smtClean="0"/>
               <a:t/>
             </a:r>
             <a:br>
-              <a:rPr lang="en-US" dirty="0"/>
+              <a:rPr lang="en-US" dirty="0" smtClean="0"/>
             </a:br>
             <a:r>
-              <a:rPr lang="en-US" sz="2800" i="1" dirty="0" err="1" smtClean="0"/>
-              <a:t>Mogu</a:t>
-            </a:r>
-            <a:r>
-              <a:rPr lang="sr-Latn-RS" sz="2800" i="1" dirty="0" smtClean="0"/>
-              <a:t>ći dodaci</a:t>
-            </a:r>
-            <a:endParaRPr lang="en-US" i="1" dirty="0"/>
-          </a:p>
-        </p:txBody>
-      </p:sp>
-      <p:sp>
-        <p:nvSpPr>
-          <p:cNvPr id="6" name="Content Placeholder 5"/>
+              <a:rPr lang="en-US" sz="3100" i="1" dirty="0" err="1" smtClean="0"/>
+              <a:t>Kako</a:t>
+            </a:r>
+            <a:r>
+              <a:rPr lang="sr-Latn-RS" sz="3100" i="1" dirty="0" smtClean="0"/>
+              <a:t> program</a:t>
+            </a:r>
+            <a:r>
+              <a:rPr lang="en-US" sz="3100" i="1" dirty="0" smtClean="0"/>
+              <a:t> </a:t>
+            </a:r>
+            <a:r>
+              <a:rPr lang="en-US" sz="3100" i="1" dirty="0" err="1" smtClean="0"/>
+              <a:t>funkcioni</a:t>
+            </a:r>
+            <a:r>
+              <a:rPr lang="sr-Latn-RS" sz="3100" i="1" dirty="0" smtClean="0"/>
+              <a:t>še?</a:t>
+            </a:r>
+            <a:endParaRPr lang="en-US" sz="3100" i="1" dirty="0"/>
+          </a:p>
+        </p:txBody>
+      </p:sp>
+      <p:sp>
+        <p:nvSpPr>
+          <p:cNvPr id="5" name="Content Placeholder 4"/>
           <p:cNvSpPr>
             <a:spLocks noGrp="1"/>
           </p:cNvSpPr>
@@ -6643,28 +7839,255 @@
         <p:spPr/>
         <p:txBody>
           <a:bodyPr>
-            <a:noAutofit/>
+            <a:normAutofit/>
           </a:bodyPr>
           <a:lstStyle/>
           <a:p>
-            <a:r>
-              <a:rPr lang="sr-Latn-RS" sz="2500" dirty="0" smtClean="0"/>
-              <a:t>Kontrolisanje kursora i akcija miša desnom šakom</a:t>
-            </a:r>
-          </a:p>
-          <a:p>
-            <a:r>
-              <a:rPr lang="sr-Latn-RS" sz="2500" dirty="0" smtClean="0"/>
-              <a:t>Manipulisanje prozorom aktivne aplikacije levom šakom</a:t>
-            </a:r>
-            <a:endParaRPr lang="en-US" sz="2500" dirty="0"/>
+            <a:pPr marL="514350" indent="-514350">
+              <a:spcBef>
+                <a:spcPts val="0"/>
+              </a:spcBef>
+              <a:buFont typeface="+mj-lt"/>
+              <a:buAutoNum type="arabicPeriod" startAt="2"/>
+            </a:pPr>
+            <a:r>
+              <a:rPr lang="sr-Latn-RS" sz="2800" dirty="0" smtClean="0"/>
+              <a:t>Kamera sve vreme snima šta se događa u njenom vidnom polju</a:t>
+            </a:r>
+            <a:endParaRPr lang="sr-Latn-RS" dirty="0" smtClean="0"/>
+          </a:p>
+          <a:p>
+            <a:pPr>
+              <a:spcBef>
+                <a:spcPts val="0"/>
+              </a:spcBef>
+            </a:pPr>
+            <a:r>
+              <a:rPr lang="sr-Latn-RS" sz="2000" dirty="0" smtClean="0"/>
+              <a:t>Napravi </a:t>
+            </a:r>
+            <a:r>
+              <a:rPr lang="sr-Latn-RS" sz="2000" i="1" dirty="0" smtClean="0"/>
+              <a:t>VideoCapture</a:t>
+            </a:r>
+            <a:r>
+              <a:rPr lang="sr-Latn-RS" sz="2000" dirty="0" smtClean="0"/>
+              <a:t> objekat</a:t>
+            </a:r>
+          </a:p>
+          <a:p>
+            <a:pPr lvl="1">
+              <a:spcBef>
+                <a:spcPts val="0"/>
+              </a:spcBef>
+            </a:pPr>
+            <a:r>
+              <a:rPr lang="en-US" sz="1600" dirty="0" err="1" smtClean="0">
+                <a:latin typeface="Consolas" pitchFamily="49" charset="0"/>
+              </a:rPr>
+              <a:t>video_capture</a:t>
+            </a:r>
+            <a:r>
+              <a:rPr lang="en-US" sz="1600" dirty="0" smtClean="0">
+                <a:latin typeface="Consolas" pitchFamily="49" charset="0"/>
+              </a:rPr>
+              <a:t> = </a:t>
+            </a:r>
+            <a:r>
+              <a:rPr lang="en-US" sz="1600" dirty="0">
+                <a:latin typeface="Consolas" pitchFamily="49" charset="0"/>
+              </a:rPr>
+              <a:t>cv2.VideoCapture</a:t>
+            </a:r>
+            <a:r>
+              <a:rPr lang="en-US" sz="1600" dirty="0" smtClean="0">
+                <a:latin typeface="Consolas" pitchFamily="49" charset="0"/>
+              </a:rPr>
+              <a:t>()</a:t>
+            </a:r>
+            <a:endParaRPr lang="sr-Latn-RS" sz="1600" dirty="0" smtClean="0">
+              <a:latin typeface="Consolas" pitchFamily="49" charset="0"/>
+            </a:endParaRPr>
+          </a:p>
+          <a:p>
+            <a:pPr>
+              <a:spcBef>
+                <a:spcPts val="0"/>
+              </a:spcBef>
+            </a:pPr>
+            <a:endParaRPr lang="sr-Latn-RS" sz="2000" dirty="0" smtClean="0"/>
+          </a:p>
+          <a:p>
+            <a:pPr>
+              <a:spcBef>
+                <a:spcPts val="0"/>
+              </a:spcBef>
+            </a:pPr>
+            <a:r>
+              <a:rPr lang="sr-Latn-RS" sz="2000" dirty="0" smtClean="0"/>
+              <a:t>Poveži se sa kamerom i uključi je</a:t>
+            </a:r>
+          </a:p>
+          <a:p>
+            <a:pPr lvl="1">
+              <a:spcBef>
+                <a:spcPts val="0"/>
+              </a:spcBef>
+            </a:pPr>
+            <a:r>
+              <a:rPr lang="en-US" sz="1600" dirty="0" err="1" smtClean="0">
+                <a:latin typeface="Consolas" pitchFamily="49" charset="0"/>
+              </a:rPr>
+              <a:t>video_capture.open</a:t>
+            </a:r>
+            <a:r>
+              <a:rPr lang="en-US" sz="1600" dirty="0" smtClean="0">
+                <a:latin typeface="Consolas" pitchFamily="49" charset="0"/>
+              </a:rPr>
+              <a:t>(0)</a:t>
+            </a:r>
+            <a:endParaRPr lang="sr-Latn-RS" sz="1600" dirty="0" smtClean="0">
+              <a:latin typeface="Consolas" pitchFamily="49" charset="0"/>
+            </a:endParaRPr>
+          </a:p>
+          <a:p>
+            <a:pPr>
+              <a:spcBef>
+                <a:spcPts val="0"/>
+              </a:spcBef>
+            </a:pPr>
+            <a:endParaRPr lang="sr-Latn-RS" sz="2000" dirty="0" smtClean="0"/>
+          </a:p>
+          <a:p>
+            <a:pPr>
+              <a:spcBef>
+                <a:spcPts val="0"/>
+              </a:spcBef>
+            </a:pPr>
+            <a:r>
+              <a:rPr lang="sr-Latn-RS" sz="2000" dirty="0" smtClean="0"/>
+              <a:t>Uzimaj frejmove koje kamera snimi sve dok je kamera uključena</a:t>
+            </a:r>
+          </a:p>
+          <a:p>
+            <a:pPr lvl="1">
+              <a:spcBef>
+                <a:spcPts val="0"/>
+              </a:spcBef>
+            </a:pPr>
+            <a:r>
+              <a:rPr lang="en-US" sz="1600" b="1" dirty="0" smtClean="0">
+                <a:latin typeface="Consolas" pitchFamily="49" charset="0"/>
+              </a:rPr>
+              <a:t>while </a:t>
+            </a:r>
+            <a:r>
+              <a:rPr lang="en-US" sz="1600" dirty="0" err="1">
+                <a:latin typeface="Consolas" pitchFamily="49" charset="0"/>
+              </a:rPr>
+              <a:t>video_capture</a:t>
+            </a:r>
+            <a:r>
+              <a:rPr lang="en-US" sz="1600" dirty="0" err="1" smtClean="0">
+                <a:latin typeface="Consolas" pitchFamily="49" charset="0"/>
+              </a:rPr>
+              <a:t>.isOpened</a:t>
+            </a:r>
+            <a:r>
+              <a:rPr lang="en-US" sz="1600" dirty="0" smtClean="0">
+                <a:latin typeface="Consolas" pitchFamily="49" charset="0"/>
+              </a:rPr>
+              <a:t>():</a:t>
+            </a:r>
+            <a:endParaRPr lang="sr-Latn-RS" sz="1600" dirty="0" smtClean="0">
+              <a:latin typeface="Consolas" pitchFamily="49" charset="0"/>
+            </a:endParaRPr>
+          </a:p>
+          <a:p>
+            <a:pPr marL="400050" lvl="1" indent="0">
+              <a:buNone/>
+            </a:pPr>
+            <a:r>
+              <a:rPr lang="en-US" sz="2000" dirty="0">
+                <a:latin typeface="Consolas" pitchFamily="49" charset="0"/>
+              </a:rPr>
+              <a:t>	</a:t>
+            </a:r>
+            <a:r>
+              <a:rPr lang="sr-Latn-RS" sz="2000" dirty="0" smtClean="0">
+                <a:latin typeface="Consolas" pitchFamily="49" charset="0"/>
+              </a:rPr>
+              <a:t>      </a:t>
+            </a:r>
+            <a:r>
+              <a:rPr lang="en-US" sz="1600" dirty="0" smtClean="0">
+                <a:latin typeface="Consolas" pitchFamily="49" charset="0"/>
+              </a:rPr>
+              <a:t>_, </a:t>
+            </a:r>
+            <a:r>
+              <a:rPr lang="en-US" sz="1600" dirty="0" err="1">
+                <a:latin typeface="Consolas" pitchFamily="49" charset="0"/>
+              </a:rPr>
+              <a:t>img</a:t>
+            </a:r>
+            <a:r>
+              <a:rPr lang="en-US" sz="1600" dirty="0">
+                <a:latin typeface="Consolas" pitchFamily="49" charset="0"/>
+              </a:rPr>
+              <a:t> = </a:t>
+            </a:r>
+            <a:r>
+              <a:rPr lang="en-US" sz="1600" dirty="0" err="1">
+                <a:latin typeface="Consolas" pitchFamily="49" charset="0"/>
+              </a:rPr>
+              <a:t>video_capture</a:t>
+            </a:r>
+            <a:r>
+              <a:rPr lang="en-US" sz="1600" dirty="0" err="1" smtClean="0">
+                <a:latin typeface="Consolas" pitchFamily="49" charset="0"/>
+              </a:rPr>
+              <a:t>.read</a:t>
+            </a:r>
+            <a:r>
+              <a:rPr lang="en-US" sz="1600" dirty="0" smtClean="0">
+                <a:latin typeface="Consolas" pitchFamily="49" charset="0"/>
+              </a:rPr>
+              <a:t>()</a:t>
+            </a:r>
+          </a:p>
+          <a:p>
+            <a:pPr marL="685800" lvl="1"/>
+            <a:r>
+              <a:rPr lang="en-US" sz="1600" dirty="0" err="1" smtClean="0"/>
+              <a:t>Dalje</a:t>
+            </a:r>
+            <a:r>
+              <a:rPr lang="en-US" sz="1600" dirty="0" smtClean="0"/>
+              <a:t> se sve de</a:t>
+            </a:r>
+            <a:r>
+              <a:rPr lang="sr-Latn-RS" sz="1600" dirty="0" smtClean="0"/>
+              <a:t>šava unutar ove </a:t>
+            </a:r>
+            <a:r>
+              <a:rPr lang="sr-Latn-RS" sz="1600" dirty="0" smtClean="0">
+                <a:latin typeface="Consolas" pitchFamily="49" charset="0"/>
+              </a:rPr>
+              <a:t>while</a:t>
+            </a:r>
+            <a:r>
+              <a:rPr lang="sr-Latn-RS" sz="1600" dirty="0" smtClean="0"/>
+              <a:t> petlje</a:t>
+            </a:r>
+            <a:endParaRPr lang="sr-Latn-RS" sz="1800" dirty="0" smtClean="0"/>
           </a:p>
         </p:txBody>
       </p:sp>
     </p:spTree>
     <p:extLst>
       <p:ext uri="{BB962C8B-B14F-4D97-AF65-F5344CB8AC3E}">
-        <p14:creationId xmlns:p14="http://schemas.microsoft.com/office/powerpoint/2010/main" val="3632328996"/>
+        <p14:creationId xmlns:p14="http://schemas.microsoft.com/office/powerpoint/2010/main" val="1580887538"/>
       </p:ext>
     </p:extLst>
   </p:cSld>
